--- a/A.pptx
+++ b/A.pptx
@@ -5,7 +5,7 @@
     <p:sldMasterId id="2147483660" r:id="rId1"/>
   </p:sldMasterIdLst>
   <p:notesMasterIdLst>
-    <p:notesMasterId r:id="rId17"/>
+    <p:notesMasterId r:id="rId18"/>
   </p:notesMasterIdLst>
   <p:sldIdLst>
     <p:sldId id="256" r:id="rId2"/>
@@ -22,7 +22,8 @@
     <p:sldId id="269" r:id="rId13"/>
     <p:sldId id="272" r:id="rId14"/>
     <p:sldId id="270" r:id="rId15"/>
-    <p:sldId id="268" r:id="rId16"/>
+    <p:sldId id="274" r:id="rId16"/>
+    <p:sldId id="268" r:id="rId17"/>
   </p:sldIdLst>
   <p:sldSz cx="12192000" cy="6858000"/>
   <p:notesSz cx="6858000" cy="9144000"/>
@@ -8899,21 +8900,21 @@
       </dgm:t>
     </dgm:pt>
     <dgm:pt modelId="{137F997F-74B5-4829-B0E8-BA0B6CA5FE12}">
-      <dgm:prSet phldrT="[文本]"/>
+      <dgm:prSet phldrT="[文本]" custT="1"/>
       <dgm:spPr/>
       <dgm:t>
         <a:bodyPr/>
         <a:lstStyle/>
         <a:p>
           <a:r>
-            <a:rPr lang="en-US" altLang="zh-CN" dirty="0" smtClean="0"/>
+            <a:rPr lang="en-US" altLang="zh-CN" sz="3100" dirty="0" smtClean="0"/>
             <a:t>WAV</a:t>
           </a:r>
           <a:r>
-            <a:rPr lang="zh-CN" altLang="en-US" dirty="0" smtClean="0"/>
+            <a:rPr lang="zh-CN" altLang="en-US" sz="3100" dirty="0" smtClean="0"/>
             <a:t>格式录音保存</a:t>
           </a:r>
-          <a:endParaRPr lang="zh-CN" altLang="en-US" dirty="0"/>
+          <a:endParaRPr lang="zh-CN" altLang="en-US" sz="3100" dirty="0"/>
         </a:p>
       </dgm:t>
     </dgm:pt>
@@ -8924,37 +8925,37 @@
         <a:bodyPr/>
         <a:lstStyle/>
         <a:p>
-          <a:endParaRPr lang="zh-CN" altLang="en-US"/>
+          <a:endParaRPr lang="zh-CN" altLang="en-US" sz="3100"/>
         </a:p>
       </dgm:t>
     </dgm:pt>
     <dgm:pt modelId="{91C3CCD2-4F4F-4390-BFD5-3BE8A55E6C6F}" type="sibTrans" cxnId="{4D61372C-F2DE-4AAF-ACD3-2FACAF297E98}">
-      <dgm:prSet/>
+      <dgm:prSet custT="1"/>
       <dgm:spPr/>
       <dgm:t>
         <a:bodyPr/>
         <a:lstStyle/>
         <a:p>
-          <a:endParaRPr lang="zh-CN" altLang="en-US"/>
+          <a:endParaRPr lang="zh-CN" altLang="en-US" sz="3100"/>
         </a:p>
       </dgm:t>
     </dgm:pt>
     <dgm:pt modelId="{CD0BAA99-6617-4756-954F-A4D5B4535362}">
-      <dgm:prSet phldrT="[文本]"/>
+      <dgm:prSet phldrT="[文本]" custT="1"/>
       <dgm:spPr/>
       <dgm:t>
         <a:bodyPr/>
         <a:lstStyle/>
         <a:p>
           <a:r>
-            <a:rPr lang="en-US" altLang="zh-CN" dirty="0" err="1" smtClean="0"/>
+            <a:rPr lang="en-US" altLang="zh-CN" sz="3100" dirty="0" err="1" smtClean="0"/>
             <a:t>Hvite</a:t>
           </a:r>
           <a:r>
-            <a:rPr lang="zh-CN" altLang="en-US" dirty="0" smtClean="0"/>
+            <a:rPr lang="zh-CN" altLang="en-US" sz="3100" dirty="0" smtClean="0"/>
             <a:t>识别得到结果</a:t>
           </a:r>
-          <a:endParaRPr lang="zh-CN" altLang="en-US" dirty="0"/>
+          <a:endParaRPr lang="zh-CN" altLang="en-US" sz="3100" dirty="0"/>
         </a:p>
       </dgm:t>
     </dgm:pt>
@@ -8965,33 +8966,33 @@
         <a:bodyPr/>
         <a:lstStyle/>
         <a:p>
-          <a:endParaRPr lang="zh-CN" altLang="en-US"/>
+          <a:endParaRPr lang="zh-CN" altLang="en-US" sz="3100"/>
         </a:p>
       </dgm:t>
     </dgm:pt>
     <dgm:pt modelId="{0AAC58BB-BDE1-4821-96C5-E32F9AFD37DE}" type="sibTrans" cxnId="{341C8420-9670-416A-94C8-DF556E25B970}">
-      <dgm:prSet/>
+      <dgm:prSet custT="1"/>
       <dgm:spPr/>
       <dgm:t>
         <a:bodyPr/>
         <a:lstStyle/>
         <a:p>
-          <a:endParaRPr lang="zh-CN" altLang="en-US"/>
+          <a:endParaRPr lang="zh-CN" altLang="en-US" sz="3100"/>
         </a:p>
       </dgm:t>
     </dgm:pt>
     <dgm:pt modelId="{0A6083F4-9D9D-47C9-B794-D90226CB1B2E}">
-      <dgm:prSet phldrT="[文本]"/>
+      <dgm:prSet phldrT="[文本]" custT="1"/>
       <dgm:spPr/>
       <dgm:t>
         <a:bodyPr/>
         <a:lstStyle/>
         <a:p>
           <a:r>
-            <a:rPr lang="zh-CN" altLang="en-US" dirty="0" smtClean="0"/>
+            <a:rPr lang="zh-CN" altLang="en-US" sz="3100" dirty="0" smtClean="0"/>
             <a:t>判断结果是否与声明相匹配</a:t>
           </a:r>
-          <a:endParaRPr lang="zh-CN" altLang="en-US" dirty="0"/>
+          <a:endParaRPr lang="zh-CN" altLang="en-US" sz="3100" dirty="0"/>
         </a:p>
       </dgm:t>
     </dgm:pt>
@@ -9002,33 +9003,33 @@
         <a:bodyPr/>
         <a:lstStyle/>
         <a:p>
-          <a:endParaRPr lang="zh-CN" altLang="en-US"/>
+          <a:endParaRPr lang="zh-CN" altLang="en-US" sz="3100"/>
         </a:p>
       </dgm:t>
     </dgm:pt>
     <dgm:pt modelId="{1B18C0FA-A896-4FB5-96CE-2B6D4B832D7E}" type="sibTrans" cxnId="{58587574-493A-40B1-A511-0C0DB1C8E722}">
-      <dgm:prSet/>
+      <dgm:prSet custT="1"/>
       <dgm:spPr/>
       <dgm:t>
         <a:bodyPr/>
         <a:lstStyle/>
         <a:p>
-          <a:endParaRPr lang="zh-CN" altLang="en-US"/>
+          <a:endParaRPr lang="zh-CN" altLang="en-US" sz="3100"/>
         </a:p>
       </dgm:t>
     </dgm:pt>
     <dgm:pt modelId="{3D4779A9-F6B3-4E0E-9CF1-543D8955C3E3}">
-      <dgm:prSet phldrT="[文本]"/>
+      <dgm:prSet phldrT="[文本]" custT="1"/>
       <dgm:spPr/>
       <dgm:t>
         <a:bodyPr/>
         <a:lstStyle/>
         <a:p>
           <a:r>
-            <a:rPr lang="zh-CN" altLang="en-US" dirty="0" smtClean="0"/>
+            <a:rPr lang="zh-CN" altLang="en-US" sz="3100" dirty="0" smtClean="0"/>
             <a:t>判断结果中的分数是否低于阈值</a:t>
           </a:r>
-          <a:endParaRPr lang="zh-CN" altLang="en-US" dirty="0"/>
+          <a:endParaRPr lang="zh-CN" altLang="en-US" sz="3100" dirty="0"/>
         </a:p>
       </dgm:t>
     </dgm:pt>
@@ -9039,7 +9040,7 @@
         <a:bodyPr/>
         <a:lstStyle/>
         <a:p>
-          <a:endParaRPr lang="zh-CN" altLang="en-US"/>
+          <a:endParaRPr lang="zh-CN" altLang="en-US" sz="3100"/>
         </a:p>
       </dgm:t>
     </dgm:pt>
@@ -9050,26 +9051,26 @@
         <a:bodyPr/>
         <a:lstStyle/>
         <a:p>
-          <a:endParaRPr lang="zh-CN" altLang="en-US"/>
+          <a:endParaRPr lang="zh-CN" altLang="en-US" sz="3100"/>
         </a:p>
       </dgm:t>
     </dgm:pt>
     <dgm:pt modelId="{015EEA3B-E4FC-4610-A54D-83A4B9874F39}">
-      <dgm:prSet phldrT="[文本]"/>
+      <dgm:prSet phldrT="[文本]" custT="1"/>
       <dgm:spPr/>
       <dgm:t>
         <a:bodyPr/>
         <a:lstStyle/>
         <a:p>
           <a:r>
-            <a:rPr lang="en-US" altLang="zh-CN" smtClean="0"/>
+            <a:rPr lang="en-US" altLang="zh-CN" sz="3100" smtClean="0"/>
             <a:t>MFCC</a:t>
           </a:r>
           <a:r>
-            <a:rPr lang="zh-CN" altLang="en-US" dirty="0" smtClean="0"/>
+            <a:rPr lang="zh-CN" altLang="en-US" sz="3100" dirty="0" smtClean="0"/>
             <a:t>特征提取</a:t>
           </a:r>
-          <a:endParaRPr lang="zh-CN" altLang="en-US" dirty="0"/>
+          <a:endParaRPr lang="zh-CN" altLang="en-US" sz="3100" dirty="0"/>
         </a:p>
       </dgm:t>
     </dgm:pt>
@@ -9080,18 +9081,18 @@
         <a:bodyPr/>
         <a:lstStyle/>
         <a:p>
-          <a:endParaRPr lang="zh-CN" altLang="en-US"/>
+          <a:endParaRPr lang="zh-CN" altLang="en-US" sz="3100"/>
         </a:p>
       </dgm:t>
     </dgm:pt>
     <dgm:pt modelId="{269DE3FF-867E-428F-AF49-614E46BEE556}" type="sibTrans" cxnId="{D112A7EC-ECCB-4942-B179-FCDC41917E86}">
-      <dgm:prSet/>
+      <dgm:prSet custT="1"/>
       <dgm:spPr/>
       <dgm:t>
         <a:bodyPr/>
         <a:lstStyle/>
         <a:p>
-          <a:endParaRPr lang="zh-CN" altLang="en-US"/>
+          <a:endParaRPr lang="zh-CN" altLang="en-US" sz="3100"/>
         </a:p>
       </dgm:t>
     </dgm:pt>
@@ -9276,25 +9277,25 @@
     </dgm:pt>
   </dgm:ptLst>
   <dgm:cxnLst>
+    <dgm:cxn modelId="{58587574-493A-40B1-A511-0C0DB1C8E722}" srcId="{E4A1EA01-3269-4781-9AFA-26EB0BBB0518}" destId="{0A6083F4-9D9D-47C9-B794-D90226CB1B2E}" srcOrd="3" destOrd="0" parTransId="{452F94EE-A1EC-477C-941B-A42C8974B82A}" sibTransId="{1B18C0FA-A896-4FB5-96CE-2B6D4B832D7E}"/>
+    <dgm:cxn modelId="{3E77C31E-379D-449B-B31B-B25C46898FE1}" type="presOf" srcId="{269DE3FF-867E-428F-AF49-614E46BEE556}" destId="{7E95438E-2697-4E53-95AC-4B8E374510BC}" srcOrd="0" destOrd="0" presId="urn:microsoft.com/office/officeart/2005/8/layout/bProcess3"/>
+    <dgm:cxn modelId="{4D61372C-F2DE-4AAF-ACD3-2FACAF297E98}" srcId="{E4A1EA01-3269-4781-9AFA-26EB0BBB0518}" destId="{137F997F-74B5-4829-B0E8-BA0B6CA5FE12}" srcOrd="0" destOrd="0" parTransId="{29EAB39E-1880-47FD-8F31-123C78E4E4B8}" sibTransId="{91C3CCD2-4F4F-4390-BFD5-3BE8A55E6C6F}"/>
+    <dgm:cxn modelId="{0141BFB7-5F02-431B-9BE2-4FC406496BDE}" type="presOf" srcId="{0AAC58BB-BDE1-4821-96C5-E32F9AFD37DE}" destId="{1BFBB609-F7F9-4B68-BB18-4A010A698F34}" srcOrd="1" destOrd="0" presId="urn:microsoft.com/office/officeart/2005/8/layout/bProcess3"/>
+    <dgm:cxn modelId="{E61F4260-394E-4A9B-B5B8-19011853D741}" type="presOf" srcId="{0AAC58BB-BDE1-4821-96C5-E32F9AFD37DE}" destId="{7263C1B6-0F80-44D6-B28D-0E172BF64B28}" srcOrd="0" destOrd="0" presId="urn:microsoft.com/office/officeart/2005/8/layout/bProcess3"/>
+    <dgm:cxn modelId="{EDE5D325-44A4-4FED-9314-FB9F6E1647E7}" type="presOf" srcId="{CD0BAA99-6617-4756-954F-A4D5B4535362}" destId="{3AFC2D57-A830-4A01-9E6C-E34A7D324FB9}" srcOrd="0" destOrd="0" presId="urn:microsoft.com/office/officeart/2005/8/layout/bProcess3"/>
+    <dgm:cxn modelId="{0782F526-9C96-4C71-B7F1-0089C40334D7}" type="presOf" srcId="{E4A1EA01-3269-4781-9AFA-26EB0BBB0518}" destId="{B2C8B586-2C44-492D-B600-3778254D9381}" srcOrd="0" destOrd="0" presId="urn:microsoft.com/office/officeart/2005/8/layout/bProcess3"/>
+    <dgm:cxn modelId="{BFE303D4-2D7D-477A-BE53-31A54BFB7EBE}" type="presOf" srcId="{1B18C0FA-A896-4FB5-96CE-2B6D4B832D7E}" destId="{1C1ADA81-2232-4818-9E5E-5F153F3942BA}" srcOrd="0" destOrd="0" presId="urn:microsoft.com/office/officeart/2005/8/layout/bProcess3"/>
     <dgm:cxn modelId="{99A1AA4C-0909-4A1D-B813-D8629DFEA17D}" type="presOf" srcId="{3D4779A9-F6B3-4E0E-9CF1-543D8955C3E3}" destId="{661D2DF1-48FC-43BE-A76D-07CFF26D7177}" srcOrd="0" destOrd="0" presId="urn:microsoft.com/office/officeart/2005/8/layout/bProcess3"/>
-    <dgm:cxn modelId="{BFE303D4-2D7D-477A-BE53-31A54BFB7EBE}" type="presOf" srcId="{1B18C0FA-A896-4FB5-96CE-2B6D4B832D7E}" destId="{1C1ADA81-2232-4818-9E5E-5F153F3942BA}" srcOrd="0" destOrd="0" presId="urn:microsoft.com/office/officeart/2005/8/layout/bProcess3"/>
-    <dgm:cxn modelId="{74335B7E-A2AF-46ED-89B4-E4FECEEEC153}" type="presOf" srcId="{137F997F-74B5-4829-B0E8-BA0B6CA5FE12}" destId="{8F3680DE-EA3F-4EA4-85D8-D57D24A75127}" srcOrd="0" destOrd="0" presId="urn:microsoft.com/office/officeart/2005/8/layout/bProcess3"/>
+    <dgm:cxn modelId="{2E42134D-BD80-408F-9CB1-D15CFE4AE485}" type="presOf" srcId="{91C3CCD2-4F4F-4390-BFD5-3BE8A55E6C6F}" destId="{67017EDF-393F-4463-95E8-6B4B879BD146}" srcOrd="0" destOrd="0" presId="urn:microsoft.com/office/officeart/2005/8/layout/bProcess3"/>
+    <dgm:cxn modelId="{D112A7EC-ECCB-4942-B179-FCDC41917E86}" srcId="{E4A1EA01-3269-4781-9AFA-26EB0BBB0518}" destId="{015EEA3B-E4FC-4610-A54D-83A4B9874F39}" srcOrd="1" destOrd="0" parTransId="{96D918CB-3AF4-478F-B28D-56A56963F481}" sibTransId="{269DE3FF-867E-428F-AF49-614E46BEE556}"/>
+    <dgm:cxn modelId="{341C8420-9670-416A-94C8-DF556E25B970}" srcId="{E4A1EA01-3269-4781-9AFA-26EB0BBB0518}" destId="{CD0BAA99-6617-4756-954F-A4D5B4535362}" srcOrd="2" destOrd="0" parTransId="{25FC9CC6-42D4-4729-A110-D25A5B1D9C7C}" sibTransId="{0AAC58BB-BDE1-4821-96C5-E32F9AFD37DE}"/>
     <dgm:cxn modelId="{EAEC6654-54DE-4475-BB1D-B35D1C290496}" type="presOf" srcId="{1B18C0FA-A896-4FB5-96CE-2B6D4B832D7E}" destId="{8129AF7E-53ED-41FA-ACDE-3C9D3FA74BAA}" srcOrd="1" destOrd="0" presId="urn:microsoft.com/office/officeart/2005/8/layout/bProcess3"/>
     <dgm:cxn modelId="{6AC1BB08-959B-4001-B830-18090FDBDAA0}" srcId="{E4A1EA01-3269-4781-9AFA-26EB0BBB0518}" destId="{3D4779A9-F6B3-4E0E-9CF1-543D8955C3E3}" srcOrd="4" destOrd="0" parTransId="{BEDD63FD-1070-47B1-BA8D-E79E7F89C43C}" sibTransId="{8F407742-9469-4753-847A-2D7E7B667A8A}"/>
+    <dgm:cxn modelId="{0A36A58B-2E68-4230-B4E5-8A29C65D09F2}" type="presOf" srcId="{0A6083F4-9D9D-47C9-B794-D90226CB1B2E}" destId="{3B37443F-9334-4326-9569-7763E4E6BDE6}" srcOrd="0" destOrd="0" presId="urn:microsoft.com/office/officeart/2005/8/layout/bProcess3"/>
+    <dgm:cxn modelId="{21D2B2C8-5152-4DE4-8D25-869D01698875}" type="presOf" srcId="{015EEA3B-E4FC-4610-A54D-83A4B9874F39}" destId="{3A5F1568-9846-461D-8B97-7038C2F3D2D3}" srcOrd="0" destOrd="0" presId="urn:microsoft.com/office/officeart/2005/8/layout/bProcess3"/>
     <dgm:cxn modelId="{D382B76A-6BF9-427F-96B1-0141A782225B}" type="presOf" srcId="{269DE3FF-867E-428F-AF49-614E46BEE556}" destId="{1AE0F81D-A775-4D98-A517-593DF461AFAB}" srcOrd="1" destOrd="0" presId="urn:microsoft.com/office/officeart/2005/8/layout/bProcess3"/>
-    <dgm:cxn modelId="{2E42134D-BD80-408F-9CB1-D15CFE4AE485}" type="presOf" srcId="{91C3CCD2-4F4F-4390-BFD5-3BE8A55E6C6F}" destId="{67017EDF-393F-4463-95E8-6B4B879BD146}" srcOrd="0" destOrd="0" presId="urn:microsoft.com/office/officeart/2005/8/layout/bProcess3"/>
-    <dgm:cxn modelId="{E61F4260-394E-4A9B-B5B8-19011853D741}" type="presOf" srcId="{0AAC58BB-BDE1-4821-96C5-E32F9AFD37DE}" destId="{7263C1B6-0F80-44D6-B28D-0E172BF64B28}" srcOrd="0" destOrd="0" presId="urn:microsoft.com/office/officeart/2005/8/layout/bProcess3"/>
-    <dgm:cxn modelId="{58587574-493A-40B1-A511-0C0DB1C8E722}" srcId="{E4A1EA01-3269-4781-9AFA-26EB0BBB0518}" destId="{0A6083F4-9D9D-47C9-B794-D90226CB1B2E}" srcOrd="3" destOrd="0" parTransId="{452F94EE-A1EC-477C-941B-A42C8974B82A}" sibTransId="{1B18C0FA-A896-4FB5-96CE-2B6D4B832D7E}"/>
-    <dgm:cxn modelId="{0782F526-9C96-4C71-B7F1-0089C40334D7}" type="presOf" srcId="{E4A1EA01-3269-4781-9AFA-26EB0BBB0518}" destId="{B2C8B586-2C44-492D-B600-3778254D9381}" srcOrd="0" destOrd="0" presId="urn:microsoft.com/office/officeart/2005/8/layout/bProcess3"/>
-    <dgm:cxn modelId="{3E77C31E-379D-449B-B31B-B25C46898FE1}" type="presOf" srcId="{269DE3FF-867E-428F-AF49-614E46BEE556}" destId="{7E95438E-2697-4E53-95AC-4B8E374510BC}" srcOrd="0" destOrd="0" presId="urn:microsoft.com/office/officeart/2005/8/layout/bProcess3"/>
-    <dgm:cxn modelId="{21D2B2C8-5152-4DE4-8D25-869D01698875}" type="presOf" srcId="{015EEA3B-E4FC-4610-A54D-83A4B9874F39}" destId="{3A5F1568-9846-461D-8B97-7038C2F3D2D3}" srcOrd="0" destOrd="0" presId="urn:microsoft.com/office/officeart/2005/8/layout/bProcess3"/>
-    <dgm:cxn modelId="{0A36A58B-2E68-4230-B4E5-8A29C65D09F2}" type="presOf" srcId="{0A6083F4-9D9D-47C9-B794-D90226CB1B2E}" destId="{3B37443F-9334-4326-9569-7763E4E6BDE6}" srcOrd="0" destOrd="0" presId="urn:microsoft.com/office/officeart/2005/8/layout/bProcess3"/>
-    <dgm:cxn modelId="{0141BFB7-5F02-431B-9BE2-4FC406496BDE}" type="presOf" srcId="{0AAC58BB-BDE1-4821-96C5-E32F9AFD37DE}" destId="{1BFBB609-F7F9-4B68-BB18-4A010A698F34}" srcOrd="1" destOrd="0" presId="urn:microsoft.com/office/officeart/2005/8/layout/bProcess3"/>
-    <dgm:cxn modelId="{4D61372C-F2DE-4AAF-ACD3-2FACAF297E98}" srcId="{E4A1EA01-3269-4781-9AFA-26EB0BBB0518}" destId="{137F997F-74B5-4829-B0E8-BA0B6CA5FE12}" srcOrd="0" destOrd="0" parTransId="{29EAB39E-1880-47FD-8F31-123C78E4E4B8}" sibTransId="{91C3CCD2-4F4F-4390-BFD5-3BE8A55E6C6F}"/>
-    <dgm:cxn modelId="{341C8420-9670-416A-94C8-DF556E25B970}" srcId="{E4A1EA01-3269-4781-9AFA-26EB0BBB0518}" destId="{CD0BAA99-6617-4756-954F-A4D5B4535362}" srcOrd="2" destOrd="0" parTransId="{25FC9CC6-42D4-4729-A110-D25A5B1D9C7C}" sibTransId="{0AAC58BB-BDE1-4821-96C5-E32F9AFD37DE}"/>
+    <dgm:cxn modelId="{74335B7E-A2AF-46ED-89B4-E4FECEEEC153}" type="presOf" srcId="{137F997F-74B5-4829-B0E8-BA0B6CA5FE12}" destId="{8F3680DE-EA3F-4EA4-85D8-D57D24A75127}" srcOrd="0" destOrd="0" presId="urn:microsoft.com/office/officeart/2005/8/layout/bProcess3"/>
     <dgm:cxn modelId="{BCCECCB8-84D6-4BBD-AB5B-B0F386185F98}" type="presOf" srcId="{91C3CCD2-4F4F-4390-BFD5-3BE8A55E6C6F}" destId="{8883C6C9-9CEA-44E5-9B99-96F594F08417}" srcOrd="1" destOrd="0" presId="urn:microsoft.com/office/officeart/2005/8/layout/bProcess3"/>
-    <dgm:cxn modelId="{D112A7EC-ECCB-4942-B179-FCDC41917E86}" srcId="{E4A1EA01-3269-4781-9AFA-26EB0BBB0518}" destId="{015EEA3B-E4FC-4610-A54D-83A4B9874F39}" srcOrd="1" destOrd="0" parTransId="{96D918CB-3AF4-478F-B28D-56A56963F481}" sibTransId="{269DE3FF-867E-428F-AF49-614E46BEE556}"/>
-    <dgm:cxn modelId="{EDE5D325-44A4-4FED-9314-FB9F6E1647E7}" type="presOf" srcId="{CD0BAA99-6617-4756-954F-A4D5B4535362}" destId="{3AFC2D57-A830-4A01-9E6C-E34A7D324FB9}" srcOrd="0" destOrd="0" presId="urn:microsoft.com/office/officeart/2005/8/layout/bProcess3"/>
     <dgm:cxn modelId="{FC800C89-B971-4183-9556-222892A33A4F}" type="presParOf" srcId="{B2C8B586-2C44-492D-B600-3778254D9381}" destId="{8F3680DE-EA3F-4EA4-85D8-D57D24A75127}" srcOrd="0" destOrd="0" presId="urn:microsoft.com/office/officeart/2005/8/layout/bProcess3"/>
     <dgm:cxn modelId="{BB606C41-2DAA-4908-A40C-D6B0C8218D3F}" type="presParOf" srcId="{B2C8B586-2C44-492D-B600-3778254D9381}" destId="{67017EDF-393F-4463-95E8-6B4B879BD146}" srcOrd="1" destOrd="0" presId="urn:microsoft.com/office/officeart/2005/8/layout/bProcess3"/>
     <dgm:cxn modelId="{8ADA5405-5603-4E1E-96E1-F3DBEF4C205A}" type="presParOf" srcId="{67017EDF-393F-4463-95E8-6B4B879BD146}" destId="{8883C6C9-9CEA-44E5-9B99-96F594F08417}" srcOrd="0" destOrd="0" presId="urn:microsoft.com/office/officeart/2005/8/layout/bProcess3"/>
@@ -9775,26 +9776,26 @@
     </dgm:pt>
   </dgm:ptLst>
   <dgm:cxnLst>
-    <dgm:cxn modelId="{96067EB5-BDBC-4647-91FA-B76295C496FF}" srcId="{1EE61C8A-6AED-45D7-B498-F17DBFE512B9}" destId="{FFD9A690-6081-4453-A956-58879D227728}" srcOrd="0" destOrd="0" parTransId="{8DF116FA-E883-46B0-BDC6-79922C60CFED}" sibTransId="{9CD0A123-905A-40EC-BB98-14CBC4D3EE8A}"/>
+    <dgm:cxn modelId="{4089CB4C-7913-4FF3-AF29-A6A2C85BF6D4}" type="presOf" srcId="{1E5AF778-3D91-4932-86CC-DBB3E8FAA45F}" destId="{ECB21FFE-9F05-437C-B138-113778E9D6CE}" srcOrd="0" destOrd="0" presId="urn:microsoft.com/office/officeart/2005/8/layout/vProcess5"/>
+    <dgm:cxn modelId="{4859BD86-DE57-4EB1-BEB6-65896C56D293}" type="presOf" srcId="{C76FA373-E3DA-492C-8830-CC464EB1B13D}" destId="{2CB4C7B8-0A30-498B-BC96-41B2801B7FF7}" srcOrd="1" destOrd="0" presId="urn:microsoft.com/office/officeart/2005/8/layout/vProcess5"/>
+    <dgm:cxn modelId="{10034F04-3C2F-4E59-A62D-FD179E7EA18C}" type="presOf" srcId="{3510B909-B14D-4E05-AD64-8C849B572B1B}" destId="{30A668FC-7FB9-43B2-BB67-BD57FD8C149C}" srcOrd="0" destOrd="0" presId="urn:microsoft.com/office/officeart/2005/8/layout/vProcess5"/>
+    <dgm:cxn modelId="{8CBB37B3-0A61-4502-983A-814C74310186}" type="presOf" srcId="{FFD9A690-6081-4453-A956-58879D227728}" destId="{DEDEE683-05B9-47C6-A07A-BA4F6F44A0E4}" srcOrd="0" destOrd="0" presId="urn:microsoft.com/office/officeart/2005/8/layout/vProcess5"/>
+    <dgm:cxn modelId="{4BCC9BB1-1E28-42FE-A517-4048319F6CC9}" type="presOf" srcId="{5F8199DC-5E60-41D4-B552-63603150DCBC}" destId="{D73E2BBA-E2FA-4658-87D9-AB437B0F4207}" srcOrd="0" destOrd="0" presId="urn:microsoft.com/office/officeart/2005/8/layout/vProcess5"/>
+    <dgm:cxn modelId="{65070D69-CDC1-407D-8F60-35783403DBEE}" srcId="{1EE61C8A-6AED-45D7-B498-F17DBFE512B9}" destId="{C76FA373-E3DA-492C-8830-CC464EB1B13D}" srcOrd="3" destOrd="0" parTransId="{50ADDAF1-83E9-4EE8-8601-6285D653C513}" sibTransId="{754255D8-C1D0-48B0-A8AF-11622D294D4B}"/>
+    <dgm:cxn modelId="{AFCE37CB-B10F-46C5-BF44-4D124F8099C0}" type="presOf" srcId="{C76FA373-E3DA-492C-8830-CC464EB1B13D}" destId="{19EB898B-E605-4044-9E0A-17C1C03B86A0}" srcOrd="0" destOrd="0" presId="urn:microsoft.com/office/officeart/2005/8/layout/vProcess5"/>
+    <dgm:cxn modelId="{B6FE1A98-CF82-4899-95EF-7497FE37D87C}" type="presOf" srcId="{3105FFB5-A2D8-4EF8-B642-22187F396E60}" destId="{711C8C94-5A2B-4918-9F6D-879360ECF4F4}" srcOrd="0" destOrd="0" presId="urn:microsoft.com/office/officeart/2005/8/layout/vProcess5"/>
+    <dgm:cxn modelId="{5B9BCC5D-87B0-4965-8833-82B95337FC49}" type="presOf" srcId="{9CD0A123-905A-40EC-BB98-14CBC4D3EE8A}" destId="{341A637F-BF62-4472-933A-EC8F8D7429DA}" srcOrd="0" destOrd="0" presId="urn:microsoft.com/office/officeart/2005/8/layout/vProcess5"/>
+    <dgm:cxn modelId="{4B4DCC68-077A-4668-96C6-ECA56E753438}" srcId="{1EE61C8A-6AED-45D7-B498-F17DBFE512B9}" destId="{1E5AF778-3D91-4932-86CC-DBB3E8FAA45F}" srcOrd="2" destOrd="0" parTransId="{9AC9053D-6710-4703-8939-13D5D4BD11C8}" sibTransId="{05095EE2-ED6B-4187-BBB1-2C2106FDCD65}"/>
     <dgm:cxn modelId="{61A87276-1060-4122-ACDF-155C2035E164}" type="presOf" srcId="{1E5AF778-3D91-4932-86CC-DBB3E8FAA45F}" destId="{3E9944A4-9190-4FA9-896C-3D8DDE67C839}" srcOrd="1" destOrd="0" presId="urn:microsoft.com/office/officeart/2005/8/layout/vProcess5"/>
     <dgm:cxn modelId="{AB0C64E9-B616-4CA5-ABAC-04DE7FD53B76}" type="presOf" srcId="{1EE61C8A-6AED-45D7-B498-F17DBFE512B9}" destId="{62D45F8B-A5AC-412E-9B7C-031B74A36942}" srcOrd="0" destOrd="0" presId="urn:microsoft.com/office/officeart/2005/8/layout/vProcess5"/>
-    <dgm:cxn modelId="{B6FE1A98-CF82-4899-95EF-7497FE37D87C}" type="presOf" srcId="{3105FFB5-A2D8-4EF8-B642-22187F396E60}" destId="{711C8C94-5A2B-4918-9F6D-879360ECF4F4}" srcOrd="0" destOrd="0" presId="urn:microsoft.com/office/officeart/2005/8/layout/vProcess5"/>
-    <dgm:cxn modelId="{4B4DCC68-077A-4668-96C6-ECA56E753438}" srcId="{1EE61C8A-6AED-45D7-B498-F17DBFE512B9}" destId="{1E5AF778-3D91-4932-86CC-DBB3E8FAA45F}" srcOrd="2" destOrd="0" parTransId="{9AC9053D-6710-4703-8939-13D5D4BD11C8}" sibTransId="{05095EE2-ED6B-4187-BBB1-2C2106FDCD65}"/>
-    <dgm:cxn modelId="{5B9BCC5D-87B0-4965-8833-82B95337FC49}" type="presOf" srcId="{9CD0A123-905A-40EC-BB98-14CBC4D3EE8A}" destId="{341A637F-BF62-4472-933A-EC8F8D7429DA}" srcOrd="0" destOrd="0" presId="urn:microsoft.com/office/officeart/2005/8/layout/vProcess5"/>
-    <dgm:cxn modelId="{4089CB4C-7913-4FF3-AF29-A6A2C85BF6D4}" type="presOf" srcId="{1E5AF778-3D91-4932-86CC-DBB3E8FAA45F}" destId="{ECB21FFE-9F05-437C-B138-113778E9D6CE}" srcOrd="0" destOrd="0" presId="urn:microsoft.com/office/officeart/2005/8/layout/vProcess5"/>
-    <dgm:cxn modelId="{4859BD86-DE57-4EB1-BEB6-65896C56D293}" type="presOf" srcId="{C76FA373-E3DA-492C-8830-CC464EB1B13D}" destId="{2CB4C7B8-0A30-498B-BC96-41B2801B7FF7}" srcOrd="1" destOrd="0" presId="urn:microsoft.com/office/officeart/2005/8/layout/vProcess5"/>
-    <dgm:cxn modelId="{A86B4F8A-9A06-406E-B5EC-AD2700ED9577}" srcId="{1EE61C8A-6AED-45D7-B498-F17DBFE512B9}" destId="{3510B909-B14D-4E05-AD64-8C849B572B1B}" srcOrd="1" destOrd="0" parTransId="{3E4ABC09-8E15-4002-ABAD-0B326A71F7DE}" sibTransId="{5F8199DC-5E60-41D4-B552-63603150DCBC}"/>
     <dgm:cxn modelId="{AB867B97-00F5-458D-B54C-721527F7C6C5}" type="presOf" srcId="{754255D8-C1D0-48B0-A8AF-11622D294D4B}" destId="{5C4FFC89-8AF4-4A4A-8076-5CAA65F8BB77}" srcOrd="0" destOrd="0" presId="urn:microsoft.com/office/officeart/2005/8/layout/vProcess5"/>
     <dgm:cxn modelId="{653A1248-DF2D-49F4-A743-14A85676280E}" type="presOf" srcId="{05095EE2-ED6B-4187-BBB1-2C2106FDCD65}" destId="{B2A5F7B8-4B19-48F7-88BD-57281B222D0D}" srcOrd="0" destOrd="0" presId="urn:microsoft.com/office/officeart/2005/8/layout/vProcess5"/>
     <dgm:cxn modelId="{D22C15C2-C410-4D3F-BA72-0568883D4AEC}" type="presOf" srcId="{3510B909-B14D-4E05-AD64-8C849B572B1B}" destId="{FBCDA54B-160D-4674-9980-087D90FC08C9}" srcOrd="1" destOrd="0" presId="urn:microsoft.com/office/officeart/2005/8/layout/vProcess5"/>
+    <dgm:cxn modelId="{E5DDCCBE-561B-4F6D-A824-D9A4B5A407FE}" type="presOf" srcId="{FFD9A690-6081-4453-A956-58879D227728}" destId="{E7BEEAE4-C940-4D90-8ABB-21AD29B2D012}" srcOrd="1" destOrd="0" presId="urn:microsoft.com/office/officeart/2005/8/layout/vProcess5"/>
+    <dgm:cxn modelId="{A86B4F8A-9A06-406E-B5EC-AD2700ED9577}" srcId="{1EE61C8A-6AED-45D7-B498-F17DBFE512B9}" destId="{3510B909-B14D-4E05-AD64-8C849B572B1B}" srcOrd="1" destOrd="0" parTransId="{3E4ABC09-8E15-4002-ABAD-0B326A71F7DE}" sibTransId="{5F8199DC-5E60-41D4-B552-63603150DCBC}"/>
     <dgm:cxn modelId="{072BC42A-ED78-416C-B7AE-5042BBFCDF0D}" srcId="{1EE61C8A-6AED-45D7-B498-F17DBFE512B9}" destId="{3105FFB5-A2D8-4EF8-B642-22187F396E60}" srcOrd="4" destOrd="0" parTransId="{C7729014-CED3-4241-9DCB-39018DEE653F}" sibTransId="{2460AE22-E20E-446B-9E9A-D1E91E5BA874}"/>
-    <dgm:cxn modelId="{65070D69-CDC1-407D-8F60-35783403DBEE}" srcId="{1EE61C8A-6AED-45D7-B498-F17DBFE512B9}" destId="{C76FA373-E3DA-492C-8830-CC464EB1B13D}" srcOrd="3" destOrd="0" parTransId="{50ADDAF1-83E9-4EE8-8601-6285D653C513}" sibTransId="{754255D8-C1D0-48B0-A8AF-11622D294D4B}"/>
-    <dgm:cxn modelId="{10034F04-3C2F-4E59-A62D-FD179E7EA18C}" type="presOf" srcId="{3510B909-B14D-4E05-AD64-8C849B572B1B}" destId="{30A668FC-7FB9-43B2-BB67-BD57FD8C149C}" srcOrd="0" destOrd="0" presId="urn:microsoft.com/office/officeart/2005/8/layout/vProcess5"/>
-    <dgm:cxn modelId="{AFCE37CB-B10F-46C5-BF44-4D124F8099C0}" type="presOf" srcId="{C76FA373-E3DA-492C-8830-CC464EB1B13D}" destId="{19EB898B-E605-4044-9E0A-17C1C03B86A0}" srcOrd="0" destOrd="0" presId="urn:microsoft.com/office/officeart/2005/8/layout/vProcess5"/>
-    <dgm:cxn modelId="{E5DDCCBE-561B-4F6D-A824-D9A4B5A407FE}" type="presOf" srcId="{FFD9A690-6081-4453-A956-58879D227728}" destId="{E7BEEAE4-C940-4D90-8ABB-21AD29B2D012}" srcOrd="1" destOrd="0" presId="urn:microsoft.com/office/officeart/2005/8/layout/vProcess5"/>
     <dgm:cxn modelId="{6DDD64B7-693D-4040-9236-28FD3D4A61EB}" type="presOf" srcId="{3105FFB5-A2D8-4EF8-B642-22187F396E60}" destId="{B607ACD7-12E1-4E26-8E23-3407D952C3BB}" srcOrd="1" destOrd="0" presId="urn:microsoft.com/office/officeart/2005/8/layout/vProcess5"/>
-    <dgm:cxn modelId="{4BCC9BB1-1E28-42FE-A517-4048319F6CC9}" type="presOf" srcId="{5F8199DC-5E60-41D4-B552-63603150DCBC}" destId="{D73E2BBA-E2FA-4658-87D9-AB437B0F4207}" srcOrd="0" destOrd="0" presId="urn:microsoft.com/office/officeart/2005/8/layout/vProcess5"/>
-    <dgm:cxn modelId="{8CBB37B3-0A61-4502-983A-814C74310186}" type="presOf" srcId="{FFD9A690-6081-4453-A956-58879D227728}" destId="{DEDEE683-05B9-47C6-A07A-BA4F6F44A0E4}" srcOrd="0" destOrd="0" presId="urn:microsoft.com/office/officeart/2005/8/layout/vProcess5"/>
+    <dgm:cxn modelId="{96067EB5-BDBC-4647-91FA-B76295C496FF}" srcId="{1EE61C8A-6AED-45D7-B498-F17DBFE512B9}" destId="{FFD9A690-6081-4453-A956-58879D227728}" srcOrd="0" destOrd="0" parTransId="{8DF116FA-E883-46B0-BDC6-79922C60CFED}" sibTransId="{9CD0A123-905A-40EC-BB98-14CBC4D3EE8A}"/>
     <dgm:cxn modelId="{8CB496B0-E8A7-4763-8686-6002C6A89BE7}" type="presParOf" srcId="{62D45F8B-A5AC-412E-9B7C-031B74A36942}" destId="{70A069EA-7A96-4D7A-9637-B96E50E0992A}" srcOrd="0" destOrd="0" presId="urn:microsoft.com/office/officeart/2005/8/layout/vProcess5"/>
     <dgm:cxn modelId="{15A5D418-5D55-4523-A963-2B1966015730}" type="presParOf" srcId="{62D45F8B-A5AC-412E-9B7C-031B74A36942}" destId="{DEDEE683-05B9-47C6-A07A-BA4F6F44A0E4}" srcOrd="1" destOrd="0" presId="urn:microsoft.com/office/officeart/2005/8/layout/vProcess5"/>
     <dgm:cxn modelId="{71DA7733-7C21-42E1-95B4-41D79094839E}" type="presParOf" srcId="{62D45F8B-A5AC-412E-9B7C-031B74A36942}" destId="{30A668FC-7FB9-43B2-BB67-BD57FD8C149C}" srcOrd="2" destOrd="0" presId="urn:microsoft.com/office/officeart/2005/8/layout/vProcess5"/>
@@ -9815,7 +9816,7 @@
   <dgm:whole/>
   <dgm:extLst>
     <a:ext uri="http://schemas.microsoft.com/office/drawing/2008/diagram">
-      <dsp:dataModelExt xmlns:dsp="http://schemas.microsoft.com/office/drawing/2008/diagram" relId="rId6" minVer="http://schemas.openxmlformats.org/drawingml/2006/diagram"/>
+      <dsp:dataModelExt xmlns:dsp="http://schemas.microsoft.com/office/drawing/2008/diagram" relId="rId7" minVer="http://schemas.openxmlformats.org/drawingml/2006/diagram"/>
     </a:ext>
   </dgm:extLst>
 </dgm:dataModel>
@@ -9829,6 +9830,710 @@
       <dsp:cNvGrpSpPr/>
     </dsp:nvGrpSpPr>
     <dsp:grpSpPr/>
+    <dsp:sp modelId="{DEDEE683-05B9-47C6-A07A-BA4F6F44A0E4}">
+      <dsp:nvSpPr>
+        <dsp:cNvPr id="0" name=""/>
+        <dsp:cNvSpPr/>
+      </dsp:nvSpPr>
+      <dsp:spPr>
+        <a:xfrm>
+          <a:off x="0" y="0"/>
+          <a:ext cx="6258560" cy="975360"/>
+        </a:xfrm>
+        <a:prstGeom prst="roundRect">
+          <a:avLst>
+            <a:gd name="adj" fmla="val 10000"/>
+          </a:avLst>
+        </a:prstGeom>
+        <a:solidFill>
+          <a:schemeClr val="accent6">
+            <a:lumMod val="50000"/>
+          </a:schemeClr>
+        </a:solidFill>
+        <a:ln w="15875" cap="rnd" cmpd="sng" algn="ctr">
+          <a:solidFill>
+            <a:schemeClr val="lt1">
+              <a:hueOff val="0"/>
+              <a:satOff val="0"/>
+              <a:lumOff val="0"/>
+              <a:alphaOff val="0"/>
+            </a:schemeClr>
+          </a:solidFill>
+          <a:prstDash val="solid"/>
+        </a:ln>
+        <a:effectLst/>
+      </dsp:spPr>
+      <dsp:style>
+        <a:lnRef idx="2">
+          <a:scrgbClr r="0" g="0" b="0"/>
+        </a:lnRef>
+        <a:fillRef idx="1">
+          <a:scrgbClr r="0" g="0" b="0"/>
+        </a:fillRef>
+        <a:effectRef idx="0">
+          <a:scrgbClr r="0" g="0" b="0"/>
+        </a:effectRef>
+        <a:fontRef idx="minor">
+          <a:schemeClr val="lt1"/>
+        </a:fontRef>
+      </dsp:style>
+      <dsp:txBody>
+        <a:bodyPr spcFirstLastPara="0" vert="horz" wrap="square" lIns="140970" tIns="140970" rIns="140970" bIns="140970" numCol="1" spcCol="1270" anchor="ctr" anchorCtr="0">
+          <a:noAutofit/>
+        </a:bodyPr>
+        <a:lstStyle/>
+        <a:p>
+          <a:pPr lvl="0" algn="l" defTabSz="1644650">
+            <a:lnSpc>
+              <a:spcPct val="90000"/>
+            </a:lnSpc>
+            <a:spcBef>
+              <a:spcPct val="0"/>
+            </a:spcBef>
+            <a:spcAft>
+              <a:spcPct val="35000"/>
+            </a:spcAft>
+          </a:pPr>
+          <a:r>
+            <a:rPr lang="zh-CN" altLang="en-US" sz="3700" kern="1200" dirty="0" smtClean="0"/>
+            <a:t>研究背景</a:t>
+          </a:r>
+          <a:endParaRPr lang="zh-CN" altLang="en-US" sz="3700" kern="1200" dirty="0"/>
+        </a:p>
+      </dsp:txBody>
+      <dsp:txXfrm>
+        <a:off x="28567" y="28567"/>
+        <a:ext cx="5091953" cy="918226"/>
+      </dsp:txXfrm>
+    </dsp:sp>
+    <dsp:sp modelId="{30A668FC-7FB9-43B2-BB67-BD57FD8C149C}">
+      <dsp:nvSpPr>
+        <dsp:cNvPr id="0" name=""/>
+        <dsp:cNvSpPr/>
+      </dsp:nvSpPr>
+      <dsp:spPr>
+        <a:xfrm>
+          <a:off x="467360" y="1110826"/>
+          <a:ext cx="6258560" cy="975360"/>
+        </a:xfrm>
+        <a:prstGeom prst="roundRect">
+          <a:avLst>
+            <a:gd name="adj" fmla="val 10000"/>
+          </a:avLst>
+        </a:prstGeom>
+        <a:solidFill>
+          <a:schemeClr val="accent1">
+            <a:hueOff val="0"/>
+            <a:satOff val="0"/>
+            <a:lumOff val="0"/>
+            <a:alphaOff val="0"/>
+          </a:schemeClr>
+        </a:solidFill>
+        <a:ln w="15875" cap="rnd" cmpd="sng" algn="ctr">
+          <a:solidFill>
+            <a:schemeClr val="lt1">
+              <a:hueOff val="0"/>
+              <a:satOff val="0"/>
+              <a:lumOff val="0"/>
+              <a:alphaOff val="0"/>
+            </a:schemeClr>
+          </a:solidFill>
+          <a:prstDash val="solid"/>
+        </a:ln>
+        <a:effectLst/>
+      </dsp:spPr>
+      <dsp:style>
+        <a:lnRef idx="2">
+          <a:scrgbClr r="0" g="0" b="0"/>
+        </a:lnRef>
+        <a:fillRef idx="1">
+          <a:scrgbClr r="0" g="0" b="0"/>
+        </a:fillRef>
+        <a:effectRef idx="0">
+          <a:scrgbClr r="0" g="0" b="0"/>
+        </a:effectRef>
+        <a:fontRef idx="minor">
+          <a:schemeClr val="lt1"/>
+        </a:fontRef>
+      </dsp:style>
+      <dsp:txBody>
+        <a:bodyPr spcFirstLastPara="0" vert="horz" wrap="square" lIns="140970" tIns="140970" rIns="140970" bIns="140970" numCol="1" spcCol="1270" anchor="ctr" anchorCtr="0">
+          <a:noAutofit/>
+        </a:bodyPr>
+        <a:lstStyle/>
+        <a:p>
+          <a:pPr lvl="0" algn="l" defTabSz="1644650">
+            <a:lnSpc>
+              <a:spcPct val="90000"/>
+            </a:lnSpc>
+            <a:spcBef>
+              <a:spcPct val="0"/>
+            </a:spcBef>
+            <a:spcAft>
+              <a:spcPct val="35000"/>
+            </a:spcAft>
+          </a:pPr>
+          <a:r>
+            <a:rPr lang="zh-CN" altLang="en-US" sz="3700" kern="1200" dirty="0" smtClean="0"/>
+            <a:t>需求分析</a:t>
+          </a:r>
+          <a:endParaRPr lang="zh-CN" altLang="en-US" sz="3700" kern="1200" dirty="0"/>
+        </a:p>
+      </dsp:txBody>
+      <dsp:txXfrm>
+        <a:off x="495927" y="1139393"/>
+        <a:ext cx="5100081" cy="918226"/>
+      </dsp:txXfrm>
+    </dsp:sp>
+    <dsp:sp modelId="{ECB21FFE-9F05-437C-B138-113778E9D6CE}">
+      <dsp:nvSpPr>
+        <dsp:cNvPr id="0" name=""/>
+        <dsp:cNvSpPr/>
+      </dsp:nvSpPr>
+      <dsp:spPr>
+        <a:xfrm>
+          <a:off x="934719" y="2221653"/>
+          <a:ext cx="6258560" cy="975360"/>
+        </a:xfrm>
+        <a:prstGeom prst="roundRect">
+          <a:avLst>
+            <a:gd name="adj" fmla="val 10000"/>
+          </a:avLst>
+        </a:prstGeom>
+        <a:solidFill>
+          <a:schemeClr val="accent1">
+            <a:hueOff val="0"/>
+            <a:satOff val="0"/>
+            <a:lumOff val="0"/>
+            <a:alphaOff val="0"/>
+          </a:schemeClr>
+        </a:solidFill>
+        <a:ln w="15875" cap="rnd" cmpd="sng" algn="ctr">
+          <a:solidFill>
+            <a:schemeClr val="lt1">
+              <a:hueOff val="0"/>
+              <a:satOff val="0"/>
+              <a:lumOff val="0"/>
+              <a:alphaOff val="0"/>
+            </a:schemeClr>
+          </a:solidFill>
+          <a:prstDash val="solid"/>
+        </a:ln>
+        <a:effectLst/>
+      </dsp:spPr>
+      <dsp:style>
+        <a:lnRef idx="2">
+          <a:scrgbClr r="0" g="0" b="0"/>
+        </a:lnRef>
+        <a:fillRef idx="1">
+          <a:scrgbClr r="0" g="0" b="0"/>
+        </a:fillRef>
+        <a:effectRef idx="0">
+          <a:scrgbClr r="0" g="0" b="0"/>
+        </a:effectRef>
+        <a:fontRef idx="minor">
+          <a:schemeClr val="lt1"/>
+        </a:fontRef>
+      </dsp:style>
+      <dsp:txBody>
+        <a:bodyPr spcFirstLastPara="0" vert="horz" wrap="square" lIns="140970" tIns="140970" rIns="140970" bIns="140970" numCol="1" spcCol="1270" anchor="ctr" anchorCtr="0">
+          <a:noAutofit/>
+        </a:bodyPr>
+        <a:lstStyle/>
+        <a:p>
+          <a:pPr lvl="0" algn="l" defTabSz="1644650">
+            <a:lnSpc>
+              <a:spcPct val="90000"/>
+            </a:lnSpc>
+            <a:spcBef>
+              <a:spcPct val="0"/>
+            </a:spcBef>
+            <a:spcAft>
+              <a:spcPct val="35000"/>
+            </a:spcAft>
+          </a:pPr>
+          <a:r>
+            <a:rPr lang="zh-CN" altLang="en-US" sz="3700" kern="1200" dirty="0" smtClean="0"/>
+            <a:t>关键技术</a:t>
+          </a:r>
+          <a:endParaRPr lang="zh-CN" altLang="en-US" sz="3700" kern="1200" dirty="0"/>
+        </a:p>
+      </dsp:txBody>
+      <dsp:txXfrm>
+        <a:off x="963286" y="2250220"/>
+        <a:ext cx="5100081" cy="918226"/>
+      </dsp:txXfrm>
+    </dsp:sp>
+    <dsp:sp modelId="{19EB898B-E605-4044-9E0A-17C1C03B86A0}">
+      <dsp:nvSpPr>
+        <dsp:cNvPr id="0" name=""/>
+        <dsp:cNvSpPr/>
+      </dsp:nvSpPr>
+      <dsp:spPr>
+        <a:xfrm>
+          <a:off x="1402079" y="3332480"/>
+          <a:ext cx="6258560" cy="975360"/>
+        </a:xfrm>
+        <a:prstGeom prst="roundRect">
+          <a:avLst>
+            <a:gd name="adj" fmla="val 10000"/>
+          </a:avLst>
+        </a:prstGeom>
+        <a:solidFill>
+          <a:schemeClr val="accent1">
+            <a:hueOff val="0"/>
+            <a:satOff val="0"/>
+            <a:lumOff val="0"/>
+            <a:alphaOff val="0"/>
+          </a:schemeClr>
+        </a:solidFill>
+        <a:ln w="15875" cap="rnd" cmpd="sng" algn="ctr">
+          <a:solidFill>
+            <a:schemeClr val="lt1">
+              <a:hueOff val="0"/>
+              <a:satOff val="0"/>
+              <a:lumOff val="0"/>
+              <a:alphaOff val="0"/>
+            </a:schemeClr>
+          </a:solidFill>
+          <a:prstDash val="solid"/>
+        </a:ln>
+        <a:effectLst/>
+      </dsp:spPr>
+      <dsp:style>
+        <a:lnRef idx="2">
+          <a:scrgbClr r="0" g="0" b="0"/>
+        </a:lnRef>
+        <a:fillRef idx="1">
+          <a:scrgbClr r="0" g="0" b="0"/>
+        </a:fillRef>
+        <a:effectRef idx="0">
+          <a:scrgbClr r="0" g="0" b="0"/>
+        </a:effectRef>
+        <a:fontRef idx="minor">
+          <a:schemeClr val="lt1"/>
+        </a:fontRef>
+      </dsp:style>
+      <dsp:txBody>
+        <a:bodyPr spcFirstLastPara="0" vert="horz" wrap="square" lIns="140970" tIns="140970" rIns="140970" bIns="140970" numCol="1" spcCol="1270" anchor="ctr" anchorCtr="0">
+          <a:noAutofit/>
+        </a:bodyPr>
+        <a:lstStyle/>
+        <a:p>
+          <a:pPr lvl="0" algn="l" defTabSz="1644650">
+            <a:lnSpc>
+              <a:spcPct val="90000"/>
+            </a:lnSpc>
+            <a:spcBef>
+              <a:spcPct val="0"/>
+            </a:spcBef>
+            <a:spcAft>
+              <a:spcPct val="35000"/>
+            </a:spcAft>
+          </a:pPr>
+          <a:r>
+            <a:rPr lang="zh-CN" altLang="en-US" sz="3700" kern="1200" dirty="0" smtClean="0"/>
+            <a:t>设计实现</a:t>
+          </a:r>
+          <a:endParaRPr lang="zh-CN" altLang="en-US" sz="3700" kern="1200" dirty="0"/>
+        </a:p>
+      </dsp:txBody>
+      <dsp:txXfrm>
+        <a:off x="1430646" y="3361047"/>
+        <a:ext cx="5100081" cy="918226"/>
+      </dsp:txXfrm>
+    </dsp:sp>
+    <dsp:sp modelId="{711C8C94-5A2B-4918-9F6D-879360ECF4F4}">
+      <dsp:nvSpPr>
+        <dsp:cNvPr id="0" name=""/>
+        <dsp:cNvSpPr/>
+      </dsp:nvSpPr>
+      <dsp:spPr>
+        <a:xfrm>
+          <a:off x="1869439" y="4443306"/>
+          <a:ext cx="6258560" cy="975360"/>
+        </a:xfrm>
+        <a:prstGeom prst="roundRect">
+          <a:avLst>
+            <a:gd name="adj" fmla="val 10000"/>
+          </a:avLst>
+        </a:prstGeom>
+        <a:solidFill>
+          <a:schemeClr val="accent1">
+            <a:hueOff val="0"/>
+            <a:satOff val="0"/>
+            <a:lumOff val="0"/>
+            <a:alphaOff val="0"/>
+          </a:schemeClr>
+        </a:solidFill>
+        <a:ln w="15875" cap="rnd" cmpd="sng" algn="ctr">
+          <a:solidFill>
+            <a:schemeClr val="lt1">
+              <a:hueOff val="0"/>
+              <a:satOff val="0"/>
+              <a:lumOff val="0"/>
+              <a:alphaOff val="0"/>
+            </a:schemeClr>
+          </a:solidFill>
+          <a:prstDash val="solid"/>
+        </a:ln>
+        <a:effectLst/>
+      </dsp:spPr>
+      <dsp:style>
+        <a:lnRef idx="2">
+          <a:scrgbClr r="0" g="0" b="0"/>
+        </a:lnRef>
+        <a:fillRef idx="1">
+          <a:scrgbClr r="0" g="0" b="0"/>
+        </a:fillRef>
+        <a:effectRef idx="0">
+          <a:scrgbClr r="0" g="0" b="0"/>
+        </a:effectRef>
+        <a:fontRef idx="minor">
+          <a:schemeClr val="lt1"/>
+        </a:fontRef>
+      </dsp:style>
+      <dsp:txBody>
+        <a:bodyPr spcFirstLastPara="0" vert="horz" wrap="square" lIns="140970" tIns="140970" rIns="140970" bIns="140970" numCol="1" spcCol="1270" anchor="ctr" anchorCtr="0">
+          <a:noAutofit/>
+        </a:bodyPr>
+        <a:lstStyle/>
+        <a:p>
+          <a:pPr lvl="0" algn="l" defTabSz="1644650">
+            <a:lnSpc>
+              <a:spcPct val="90000"/>
+            </a:lnSpc>
+            <a:spcBef>
+              <a:spcPct val="0"/>
+            </a:spcBef>
+            <a:spcAft>
+              <a:spcPct val="35000"/>
+            </a:spcAft>
+          </a:pPr>
+          <a:r>
+            <a:rPr lang="zh-CN" altLang="en-US" sz="3700" kern="1200" dirty="0" smtClean="0"/>
+            <a:t>总结展望</a:t>
+          </a:r>
+          <a:endParaRPr lang="zh-CN" altLang="en-US" sz="3700" kern="1200" dirty="0"/>
+        </a:p>
+      </dsp:txBody>
+      <dsp:txXfrm>
+        <a:off x="1898006" y="4471873"/>
+        <a:ext cx="5100081" cy="918226"/>
+      </dsp:txXfrm>
+    </dsp:sp>
+    <dsp:sp modelId="{341A637F-BF62-4472-933A-EC8F8D7429DA}">
+      <dsp:nvSpPr>
+        <dsp:cNvPr id="0" name=""/>
+        <dsp:cNvSpPr/>
+      </dsp:nvSpPr>
+      <dsp:spPr>
+        <a:xfrm>
+          <a:off x="5624575" y="712554"/>
+          <a:ext cx="633984" cy="633984"/>
+        </a:xfrm>
+        <a:prstGeom prst="downArrow">
+          <a:avLst>
+            <a:gd name="adj1" fmla="val 55000"/>
+            <a:gd name="adj2" fmla="val 45000"/>
+          </a:avLst>
+        </a:prstGeom>
+        <a:solidFill>
+          <a:schemeClr val="accent1">
+            <a:alpha val="90000"/>
+            <a:tint val="40000"/>
+            <a:hueOff val="0"/>
+            <a:satOff val="0"/>
+            <a:lumOff val="0"/>
+            <a:alphaOff val="0"/>
+          </a:schemeClr>
+        </a:solidFill>
+        <a:ln w="15875" cap="rnd" cmpd="sng" algn="ctr">
+          <a:solidFill>
+            <a:schemeClr val="accent1">
+              <a:alpha val="90000"/>
+              <a:tint val="40000"/>
+              <a:hueOff val="0"/>
+              <a:satOff val="0"/>
+              <a:lumOff val="0"/>
+              <a:alphaOff val="0"/>
+            </a:schemeClr>
+          </a:solidFill>
+          <a:prstDash val="solid"/>
+        </a:ln>
+        <a:effectLst/>
+      </dsp:spPr>
+      <dsp:style>
+        <a:lnRef idx="2">
+          <a:scrgbClr r="0" g="0" b="0"/>
+        </a:lnRef>
+        <a:fillRef idx="1">
+          <a:scrgbClr r="0" g="0" b="0"/>
+        </a:fillRef>
+        <a:effectRef idx="0">
+          <a:scrgbClr r="0" g="0" b="0"/>
+        </a:effectRef>
+        <a:fontRef idx="minor"/>
+      </dsp:style>
+      <dsp:txBody>
+        <a:bodyPr spcFirstLastPara="0" vert="horz" wrap="square" lIns="35560" tIns="35560" rIns="35560" bIns="35560" numCol="1" spcCol="1270" anchor="ctr" anchorCtr="0">
+          <a:noAutofit/>
+        </a:bodyPr>
+        <a:lstStyle/>
+        <a:p>
+          <a:pPr lvl="0" algn="ctr" defTabSz="1244600">
+            <a:lnSpc>
+              <a:spcPct val="90000"/>
+            </a:lnSpc>
+            <a:spcBef>
+              <a:spcPct val="0"/>
+            </a:spcBef>
+            <a:spcAft>
+              <a:spcPct val="35000"/>
+            </a:spcAft>
+          </a:pPr>
+          <a:endParaRPr lang="zh-CN" altLang="en-US" sz="2800" kern="1200"/>
+        </a:p>
+      </dsp:txBody>
+      <dsp:txXfrm>
+        <a:off x="5767221" y="712554"/>
+        <a:ext cx="348692" cy="477073"/>
+      </dsp:txXfrm>
+    </dsp:sp>
+    <dsp:sp modelId="{D73E2BBA-E2FA-4658-87D9-AB437B0F4207}">
+      <dsp:nvSpPr>
+        <dsp:cNvPr id="0" name=""/>
+        <dsp:cNvSpPr/>
+      </dsp:nvSpPr>
+      <dsp:spPr>
+        <a:xfrm>
+          <a:off x="6091935" y="1823381"/>
+          <a:ext cx="633984" cy="633984"/>
+        </a:xfrm>
+        <a:prstGeom prst="downArrow">
+          <a:avLst>
+            <a:gd name="adj1" fmla="val 55000"/>
+            <a:gd name="adj2" fmla="val 45000"/>
+          </a:avLst>
+        </a:prstGeom>
+        <a:solidFill>
+          <a:schemeClr val="accent1">
+            <a:alpha val="90000"/>
+            <a:tint val="40000"/>
+            <a:hueOff val="0"/>
+            <a:satOff val="0"/>
+            <a:lumOff val="0"/>
+            <a:alphaOff val="0"/>
+          </a:schemeClr>
+        </a:solidFill>
+        <a:ln w="15875" cap="rnd" cmpd="sng" algn="ctr">
+          <a:solidFill>
+            <a:schemeClr val="accent1">
+              <a:alpha val="90000"/>
+              <a:tint val="40000"/>
+              <a:hueOff val="0"/>
+              <a:satOff val="0"/>
+              <a:lumOff val="0"/>
+              <a:alphaOff val="0"/>
+            </a:schemeClr>
+          </a:solidFill>
+          <a:prstDash val="solid"/>
+        </a:ln>
+        <a:effectLst/>
+      </dsp:spPr>
+      <dsp:style>
+        <a:lnRef idx="2">
+          <a:scrgbClr r="0" g="0" b="0"/>
+        </a:lnRef>
+        <a:fillRef idx="1">
+          <a:scrgbClr r="0" g="0" b="0"/>
+        </a:fillRef>
+        <a:effectRef idx="0">
+          <a:scrgbClr r="0" g="0" b="0"/>
+        </a:effectRef>
+        <a:fontRef idx="minor"/>
+      </dsp:style>
+      <dsp:txBody>
+        <a:bodyPr spcFirstLastPara="0" vert="horz" wrap="square" lIns="35560" tIns="35560" rIns="35560" bIns="35560" numCol="1" spcCol="1270" anchor="ctr" anchorCtr="0">
+          <a:noAutofit/>
+        </a:bodyPr>
+        <a:lstStyle/>
+        <a:p>
+          <a:pPr lvl="0" algn="ctr" defTabSz="1244600">
+            <a:lnSpc>
+              <a:spcPct val="90000"/>
+            </a:lnSpc>
+            <a:spcBef>
+              <a:spcPct val="0"/>
+            </a:spcBef>
+            <a:spcAft>
+              <a:spcPct val="35000"/>
+            </a:spcAft>
+          </a:pPr>
+          <a:endParaRPr lang="zh-CN" altLang="en-US" sz="2800" kern="1200"/>
+        </a:p>
+      </dsp:txBody>
+      <dsp:txXfrm>
+        <a:off x="6234581" y="1823381"/>
+        <a:ext cx="348692" cy="477073"/>
+      </dsp:txXfrm>
+    </dsp:sp>
+    <dsp:sp modelId="{B2A5F7B8-4B19-48F7-88BD-57281B222D0D}">
+      <dsp:nvSpPr>
+        <dsp:cNvPr id="0" name=""/>
+        <dsp:cNvSpPr/>
+      </dsp:nvSpPr>
+      <dsp:spPr>
+        <a:xfrm>
+          <a:off x="6559295" y="2917952"/>
+          <a:ext cx="633984" cy="633984"/>
+        </a:xfrm>
+        <a:prstGeom prst="downArrow">
+          <a:avLst>
+            <a:gd name="adj1" fmla="val 55000"/>
+            <a:gd name="adj2" fmla="val 45000"/>
+          </a:avLst>
+        </a:prstGeom>
+        <a:solidFill>
+          <a:schemeClr val="accent1">
+            <a:alpha val="90000"/>
+            <a:tint val="40000"/>
+            <a:hueOff val="0"/>
+            <a:satOff val="0"/>
+            <a:lumOff val="0"/>
+            <a:alphaOff val="0"/>
+          </a:schemeClr>
+        </a:solidFill>
+        <a:ln w="15875" cap="rnd" cmpd="sng" algn="ctr">
+          <a:solidFill>
+            <a:schemeClr val="accent1">
+              <a:alpha val="90000"/>
+              <a:tint val="40000"/>
+              <a:hueOff val="0"/>
+              <a:satOff val="0"/>
+              <a:lumOff val="0"/>
+              <a:alphaOff val="0"/>
+            </a:schemeClr>
+          </a:solidFill>
+          <a:prstDash val="solid"/>
+        </a:ln>
+        <a:effectLst/>
+      </dsp:spPr>
+      <dsp:style>
+        <a:lnRef idx="2">
+          <a:scrgbClr r="0" g="0" b="0"/>
+        </a:lnRef>
+        <a:fillRef idx="1">
+          <a:scrgbClr r="0" g="0" b="0"/>
+        </a:fillRef>
+        <a:effectRef idx="0">
+          <a:scrgbClr r="0" g="0" b="0"/>
+        </a:effectRef>
+        <a:fontRef idx="minor"/>
+      </dsp:style>
+      <dsp:txBody>
+        <a:bodyPr spcFirstLastPara="0" vert="horz" wrap="square" lIns="35560" tIns="35560" rIns="35560" bIns="35560" numCol="1" spcCol="1270" anchor="ctr" anchorCtr="0">
+          <a:noAutofit/>
+        </a:bodyPr>
+        <a:lstStyle/>
+        <a:p>
+          <a:pPr lvl="0" algn="ctr" defTabSz="1244600">
+            <a:lnSpc>
+              <a:spcPct val="90000"/>
+            </a:lnSpc>
+            <a:spcBef>
+              <a:spcPct val="0"/>
+            </a:spcBef>
+            <a:spcAft>
+              <a:spcPct val="35000"/>
+            </a:spcAft>
+          </a:pPr>
+          <a:endParaRPr lang="zh-CN" altLang="en-US" sz="2800" kern="1200"/>
+        </a:p>
+      </dsp:txBody>
+      <dsp:txXfrm>
+        <a:off x="6701941" y="2917952"/>
+        <a:ext cx="348692" cy="477073"/>
+      </dsp:txXfrm>
+    </dsp:sp>
+    <dsp:sp modelId="{5C4FFC89-8AF4-4A4A-8076-5CAA65F8BB77}">
+      <dsp:nvSpPr>
+        <dsp:cNvPr id="0" name=""/>
+        <dsp:cNvSpPr/>
+      </dsp:nvSpPr>
+      <dsp:spPr>
+        <a:xfrm>
+          <a:off x="7026655" y="4039616"/>
+          <a:ext cx="633984" cy="633984"/>
+        </a:xfrm>
+        <a:prstGeom prst="downArrow">
+          <a:avLst>
+            <a:gd name="adj1" fmla="val 55000"/>
+            <a:gd name="adj2" fmla="val 45000"/>
+          </a:avLst>
+        </a:prstGeom>
+        <a:solidFill>
+          <a:schemeClr val="accent1">
+            <a:alpha val="90000"/>
+            <a:tint val="40000"/>
+            <a:hueOff val="0"/>
+            <a:satOff val="0"/>
+            <a:lumOff val="0"/>
+            <a:alphaOff val="0"/>
+          </a:schemeClr>
+        </a:solidFill>
+        <a:ln w="15875" cap="rnd" cmpd="sng" algn="ctr">
+          <a:solidFill>
+            <a:schemeClr val="accent1">
+              <a:alpha val="90000"/>
+              <a:tint val="40000"/>
+              <a:hueOff val="0"/>
+              <a:satOff val="0"/>
+              <a:lumOff val="0"/>
+              <a:alphaOff val="0"/>
+            </a:schemeClr>
+          </a:solidFill>
+          <a:prstDash val="solid"/>
+        </a:ln>
+        <a:effectLst/>
+      </dsp:spPr>
+      <dsp:style>
+        <a:lnRef idx="2">
+          <a:scrgbClr r="0" g="0" b="0"/>
+        </a:lnRef>
+        <a:fillRef idx="1">
+          <a:scrgbClr r="0" g="0" b="0"/>
+        </a:fillRef>
+        <a:effectRef idx="0">
+          <a:scrgbClr r="0" g="0" b="0"/>
+        </a:effectRef>
+        <a:fontRef idx="minor"/>
+      </dsp:style>
+      <dsp:txBody>
+        <a:bodyPr spcFirstLastPara="0" vert="horz" wrap="square" lIns="35560" tIns="35560" rIns="35560" bIns="35560" numCol="1" spcCol="1270" anchor="ctr" anchorCtr="0">
+          <a:noAutofit/>
+        </a:bodyPr>
+        <a:lstStyle/>
+        <a:p>
+          <a:pPr lvl="0" algn="ctr" defTabSz="1244600">
+            <a:lnSpc>
+              <a:spcPct val="90000"/>
+            </a:lnSpc>
+            <a:spcBef>
+              <a:spcPct val="0"/>
+            </a:spcBef>
+            <a:spcAft>
+              <a:spcPct val="35000"/>
+            </a:spcAft>
+          </a:pPr>
+          <a:endParaRPr lang="zh-CN" altLang="en-US" sz="2800" kern="1200"/>
+        </a:p>
+      </dsp:txBody>
+      <dsp:txXfrm>
+        <a:off x="7169301" y="4039616"/>
+        <a:ext cx="348692" cy="477073"/>
+      </dsp:txXfrm>
+    </dsp:sp>
   </dsp:spTree>
 </dsp:drawing>
 </file>
@@ -9841,6 +10546,360 @@
       <dsp:cNvGrpSpPr/>
     </dsp:nvGrpSpPr>
     <dsp:grpSpPr/>
+    <dsp:sp modelId="{4ACC8F32-ED3A-4DF3-A946-F65EA47D1DDC}">
+      <dsp:nvSpPr>
+        <dsp:cNvPr id="0" name=""/>
+        <dsp:cNvSpPr/>
+      </dsp:nvSpPr>
+      <dsp:spPr>
+        <a:xfrm rot="5400000">
+          <a:off x="-426620" y="432400"/>
+          <a:ext cx="2844136" cy="1990895"/>
+        </a:xfrm>
+        <a:prstGeom prst="chevron">
+          <a:avLst/>
+        </a:prstGeom>
+        <a:solidFill>
+          <a:schemeClr val="accent1">
+            <a:hueOff val="0"/>
+            <a:satOff val="0"/>
+            <a:lumOff val="0"/>
+            <a:alphaOff val="0"/>
+          </a:schemeClr>
+        </a:solidFill>
+        <a:ln w="15875" cap="rnd" cmpd="sng" algn="ctr">
+          <a:solidFill>
+            <a:schemeClr val="accent1">
+              <a:hueOff val="0"/>
+              <a:satOff val="0"/>
+              <a:lumOff val="0"/>
+              <a:alphaOff val="0"/>
+            </a:schemeClr>
+          </a:solidFill>
+          <a:prstDash val="solid"/>
+        </a:ln>
+        <a:effectLst/>
+      </dsp:spPr>
+      <dsp:style>
+        <a:lnRef idx="2">
+          <a:scrgbClr r="0" g="0" b="0"/>
+        </a:lnRef>
+        <a:fillRef idx="1">
+          <a:scrgbClr r="0" g="0" b="0"/>
+        </a:fillRef>
+        <a:effectRef idx="0">
+          <a:scrgbClr r="0" g="0" b="0"/>
+        </a:effectRef>
+        <a:fontRef idx="minor">
+          <a:schemeClr val="lt1"/>
+        </a:fontRef>
+      </dsp:style>
+      <dsp:txBody>
+        <a:bodyPr spcFirstLastPara="0" vert="horz" wrap="square" lIns="25400" tIns="25400" rIns="25400" bIns="25400" numCol="1" spcCol="1270" anchor="ctr" anchorCtr="0">
+          <a:noAutofit/>
+        </a:bodyPr>
+        <a:lstStyle/>
+        <a:p>
+          <a:pPr lvl="0" algn="ctr" defTabSz="1778000">
+            <a:lnSpc>
+              <a:spcPct val="90000"/>
+            </a:lnSpc>
+            <a:spcBef>
+              <a:spcPct val="0"/>
+            </a:spcBef>
+            <a:spcAft>
+              <a:spcPct val="35000"/>
+            </a:spcAft>
+          </a:pPr>
+          <a:r>
+            <a:rPr lang="zh-CN" altLang="en-US" sz="4000" kern="1200" dirty="0" smtClean="0"/>
+            <a:t>说话人识别</a:t>
+          </a:r>
+          <a:endParaRPr lang="zh-CN" altLang="en-US" sz="4000" kern="1200" dirty="0"/>
+        </a:p>
+      </dsp:txBody>
+      <dsp:txXfrm rot="-5400000">
+        <a:off x="1" y="1001228"/>
+        <a:ext cx="1990895" cy="853241"/>
+      </dsp:txXfrm>
+    </dsp:sp>
+    <dsp:sp modelId="{D124EC82-0E15-40FF-AD84-FBFC0AC695C2}">
+      <dsp:nvSpPr>
+        <dsp:cNvPr id="0" name=""/>
+        <dsp:cNvSpPr/>
+      </dsp:nvSpPr>
+      <dsp:spPr>
+        <a:xfrm rot="5400000">
+          <a:off x="4134617" y="-2137941"/>
+          <a:ext cx="1849660" cy="6137104"/>
+        </a:xfrm>
+        <a:prstGeom prst="round2SameRect">
+          <a:avLst/>
+        </a:prstGeom>
+        <a:solidFill>
+          <a:schemeClr val="lt1">
+            <a:alpha val="90000"/>
+            <a:hueOff val="0"/>
+            <a:satOff val="0"/>
+            <a:lumOff val="0"/>
+            <a:alphaOff val="0"/>
+          </a:schemeClr>
+        </a:solidFill>
+        <a:ln w="15875" cap="rnd" cmpd="sng" algn="ctr">
+          <a:solidFill>
+            <a:schemeClr val="accent1">
+              <a:hueOff val="0"/>
+              <a:satOff val="0"/>
+              <a:lumOff val="0"/>
+              <a:alphaOff val="0"/>
+            </a:schemeClr>
+          </a:solidFill>
+          <a:prstDash val="solid"/>
+        </a:ln>
+        <a:effectLst/>
+      </dsp:spPr>
+      <dsp:style>
+        <a:lnRef idx="2">
+          <a:scrgbClr r="0" g="0" b="0"/>
+        </a:lnRef>
+        <a:fillRef idx="1">
+          <a:scrgbClr r="0" g="0" b="0"/>
+        </a:fillRef>
+        <a:effectRef idx="0">
+          <a:scrgbClr r="0" g="0" b="0"/>
+        </a:effectRef>
+        <a:fontRef idx="minor"/>
+      </dsp:style>
+      <dsp:txBody>
+        <a:bodyPr spcFirstLastPara="0" vert="horz" wrap="square" lIns="199136" tIns="17780" rIns="17780" bIns="17780" numCol="1" spcCol="1270" anchor="ctr" anchorCtr="0">
+          <a:noAutofit/>
+        </a:bodyPr>
+        <a:lstStyle/>
+        <a:p>
+          <a:pPr marL="285750" lvl="1" indent="-285750" algn="l" defTabSz="1244600">
+            <a:lnSpc>
+              <a:spcPct val="90000"/>
+            </a:lnSpc>
+            <a:spcBef>
+              <a:spcPct val="0"/>
+            </a:spcBef>
+            <a:spcAft>
+              <a:spcPct val="15000"/>
+            </a:spcAft>
+            <a:buChar char="••"/>
+          </a:pPr>
+          <a:r>
+            <a:rPr lang="zh-CN" altLang="en-US" sz="2800" kern="1200" dirty="0" smtClean="0"/>
+            <a:t>文本相关</a:t>
+          </a:r>
+          <a:endParaRPr lang="zh-CN" altLang="en-US" sz="2800" kern="1200" dirty="0"/>
+        </a:p>
+        <a:p>
+          <a:pPr marL="285750" lvl="1" indent="-285750" algn="l" defTabSz="1244600">
+            <a:lnSpc>
+              <a:spcPct val="90000"/>
+            </a:lnSpc>
+            <a:spcBef>
+              <a:spcPct val="0"/>
+            </a:spcBef>
+            <a:spcAft>
+              <a:spcPct val="15000"/>
+            </a:spcAft>
+            <a:buChar char="••"/>
+          </a:pPr>
+          <a:r>
+            <a:rPr lang="zh-CN" altLang="en-US" sz="2800" kern="1200" dirty="0" smtClean="0"/>
+            <a:t>文本无关</a:t>
+          </a:r>
+          <a:endParaRPr lang="zh-CN" altLang="en-US" sz="2800" kern="1200" dirty="0"/>
+        </a:p>
+      </dsp:txBody>
+      <dsp:txXfrm rot="-5400000">
+        <a:off x="1990896" y="96073"/>
+        <a:ext cx="6046811" cy="1669074"/>
+      </dsp:txXfrm>
+    </dsp:sp>
+    <dsp:sp modelId="{40772DB1-F353-4B04-BC8C-07ED5FFBFE19}">
+      <dsp:nvSpPr>
+        <dsp:cNvPr id="0" name=""/>
+        <dsp:cNvSpPr/>
+      </dsp:nvSpPr>
+      <dsp:spPr>
+        <a:xfrm rot="5400000">
+          <a:off x="-426620" y="2995370"/>
+          <a:ext cx="2844136" cy="1990895"/>
+        </a:xfrm>
+        <a:prstGeom prst="chevron">
+          <a:avLst/>
+        </a:prstGeom>
+        <a:solidFill>
+          <a:schemeClr val="accent1">
+            <a:hueOff val="0"/>
+            <a:satOff val="0"/>
+            <a:lumOff val="0"/>
+            <a:alphaOff val="0"/>
+          </a:schemeClr>
+        </a:solidFill>
+        <a:ln w="15875" cap="rnd" cmpd="sng" algn="ctr">
+          <a:solidFill>
+            <a:schemeClr val="accent1">
+              <a:hueOff val="0"/>
+              <a:satOff val="0"/>
+              <a:lumOff val="0"/>
+              <a:alphaOff val="0"/>
+            </a:schemeClr>
+          </a:solidFill>
+          <a:prstDash val="solid"/>
+        </a:ln>
+        <a:effectLst/>
+      </dsp:spPr>
+      <dsp:style>
+        <a:lnRef idx="2">
+          <a:scrgbClr r="0" g="0" b="0"/>
+        </a:lnRef>
+        <a:fillRef idx="1">
+          <a:scrgbClr r="0" g="0" b="0"/>
+        </a:fillRef>
+        <a:effectRef idx="0">
+          <a:scrgbClr r="0" g="0" b="0"/>
+        </a:effectRef>
+        <a:fontRef idx="minor">
+          <a:schemeClr val="lt1"/>
+        </a:fontRef>
+      </dsp:style>
+      <dsp:txBody>
+        <a:bodyPr spcFirstLastPara="0" vert="horz" wrap="square" lIns="25400" tIns="25400" rIns="25400" bIns="25400" numCol="1" spcCol="1270" anchor="ctr" anchorCtr="0">
+          <a:noAutofit/>
+        </a:bodyPr>
+        <a:lstStyle/>
+        <a:p>
+          <a:pPr lvl="0" algn="ctr" defTabSz="1778000">
+            <a:lnSpc>
+              <a:spcPct val="90000"/>
+            </a:lnSpc>
+            <a:spcBef>
+              <a:spcPct val="0"/>
+            </a:spcBef>
+            <a:spcAft>
+              <a:spcPct val="35000"/>
+            </a:spcAft>
+          </a:pPr>
+          <a:r>
+            <a:rPr lang="zh-CN" altLang="en-US" sz="4000" kern="1200" dirty="0" smtClean="0"/>
+            <a:t>智能手机</a:t>
+          </a:r>
+          <a:endParaRPr lang="zh-CN" altLang="en-US" sz="4000" kern="1200" dirty="0"/>
+        </a:p>
+      </dsp:txBody>
+      <dsp:txXfrm rot="-5400000">
+        <a:off x="1" y="3564198"/>
+        <a:ext cx="1990895" cy="853241"/>
+      </dsp:txXfrm>
+    </dsp:sp>
+    <dsp:sp modelId="{8A539D02-F7F1-49A1-9D6C-AA1B89235910}">
+      <dsp:nvSpPr>
+        <dsp:cNvPr id="0" name=""/>
+        <dsp:cNvSpPr/>
+      </dsp:nvSpPr>
+      <dsp:spPr>
+        <a:xfrm rot="5400000">
+          <a:off x="4135103" y="424542"/>
+          <a:ext cx="1848688" cy="6137104"/>
+        </a:xfrm>
+        <a:prstGeom prst="round2SameRect">
+          <a:avLst/>
+        </a:prstGeom>
+        <a:solidFill>
+          <a:schemeClr val="lt1">
+            <a:alpha val="90000"/>
+            <a:hueOff val="0"/>
+            <a:satOff val="0"/>
+            <a:lumOff val="0"/>
+            <a:alphaOff val="0"/>
+          </a:schemeClr>
+        </a:solidFill>
+        <a:ln w="15875" cap="rnd" cmpd="sng" algn="ctr">
+          <a:solidFill>
+            <a:schemeClr val="accent1">
+              <a:hueOff val="0"/>
+              <a:satOff val="0"/>
+              <a:lumOff val="0"/>
+              <a:alphaOff val="0"/>
+            </a:schemeClr>
+          </a:solidFill>
+          <a:prstDash val="solid"/>
+        </a:ln>
+        <a:effectLst/>
+      </dsp:spPr>
+      <dsp:style>
+        <a:lnRef idx="2">
+          <a:scrgbClr r="0" g="0" b="0"/>
+        </a:lnRef>
+        <a:fillRef idx="1">
+          <a:scrgbClr r="0" g="0" b="0"/>
+        </a:fillRef>
+        <a:effectRef idx="0">
+          <a:scrgbClr r="0" g="0" b="0"/>
+        </a:effectRef>
+        <a:fontRef idx="minor"/>
+      </dsp:style>
+      <dsp:txBody>
+        <a:bodyPr spcFirstLastPara="0" vert="horz" wrap="square" lIns="199136" tIns="17780" rIns="17780" bIns="17780" numCol="1" spcCol="1270" anchor="ctr" anchorCtr="0">
+          <a:noAutofit/>
+        </a:bodyPr>
+        <a:lstStyle/>
+        <a:p>
+          <a:pPr marL="285750" lvl="1" indent="-285750" algn="l" defTabSz="1244600">
+            <a:lnSpc>
+              <a:spcPct val="90000"/>
+            </a:lnSpc>
+            <a:spcBef>
+              <a:spcPct val="0"/>
+            </a:spcBef>
+            <a:spcAft>
+              <a:spcPct val="15000"/>
+            </a:spcAft>
+            <a:buChar char="••"/>
+          </a:pPr>
+          <a:r>
+            <a:rPr lang="zh-CN" altLang="en-US" sz="2800" kern="1200" dirty="0" smtClean="0"/>
+            <a:t>性能足够</a:t>
+          </a:r>
+          <a:endParaRPr lang="zh-CN" altLang="en-US" sz="2800" kern="1200" dirty="0"/>
+        </a:p>
+        <a:p>
+          <a:pPr marL="285750" lvl="1" indent="-285750" algn="l" defTabSz="1244600">
+            <a:lnSpc>
+              <a:spcPct val="90000"/>
+            </a:lnSpc>
+            <a:spcBef>
+              <a:spcPct val="0"/>
+            </a:spcBef>
+            <a:spcAft>
+              <a:spcPct val="15000"/>
+            </a:spcAft>
+            <a:buChar char="••"/>
+          </a:pPr>
+          <a:r>
+            <a:rPr lang="zh-CN" altLang="en-US" sz="2800" kern="1200" dirty="0" smtClean="0"/>
+            <a:t>大规模普及</a:t>
+          </a:r>
+          <a:r>
+            <a:rPr lang="en-US" altLang="zh-CN" sz="2800" kern="1200" dirty="0" smtClean="0"/>
+            <a:t>&amp;</a:t>
+          </a:r>
+          <a:r>
+            <a:rPr lang="zh-CN" altLang="en-US" sz="2800" kern="1200" dirty="0" smtClean="0"/>
+            <a:t>快速部署</a:t>
+          </a:r>
+          <a:endParaRPr lang="zh-CN" altLang="en-US" sz="2800" kern="1200" dirty="0"/>
+        </a:p>
+      </dsp:txBody>
+      <dsp:txXfrm rot="-5400000">
+        <a:off x="1990895" y="2658996"/>
+        <a:ext cx="6046858" cy="1668196"/>
+      </dsp:txXfrm>
+    </dsp:sp>
   </dsp:spTree>
 </dsp:drawing>
 </file>
@@ -9853,6 +10912,705 @@
       <dsp:cNvGrpSpPr/>
     </dsp:nvGrpSpPr>
     <dsp:grpSpPr/>
+    <dsp:sp modelId="{DEDEE683-05B9-47C6-A07A-BA4F6F44A0E4}">
+      <dsp:nvSpPr>
+        <dsp:cNvPr id="0" name=""/>
+        <dsp:cNvSpPr/>
+      </dsp:nvSpPr>
+      <dsp:spPr>
+        <a:xfrm>
+          <a:off x="0" y="0"/>
+          <a:ext cx="6258560" cy="975360"/>
+        </a:xfrm>
+        <a:prstGeom prst="roundRect">
+          <a:avLst>
+            <a:gd name="adj" fmla="val 10000"/>
+          </a:avLst>
+        </a:prstGeom>
+        <a:solidFill>
+          <a:schemeClr val="accent1"/>
+        </a:solidFill>
+        <a:ln w="15875" cap="rnd" cmpd="sng" algn="ctr">
+          <a:solidFill>
+            <a:schemeClr val="lt1">
+              <a:hueOff val="0"/>
+              <a:satOff val="0"/>
+              <a:lumOff val="0"/>
+              <a:alphaOff val="0"/>
+            </a:schemeClr>
+          </a:solidFill>
+          <a:prstDash val="solid"/>
+        </a:ln>
+        <a:effectLst/>
+      </dsp:spPr>
+      <dsp:style>
+        <a:lnRef idx="2">
+          <a:scrgbClr r="0" g="0" b="0"/>
+        </a:lnRef>
+        <a:fillRef idx="1">
+          <a:scrgbClr r="0" g="0" b="0"/>
+        </a:fillRef>
+        <a:effectRef idx="0">
+          <a:scrgbClr r="0" g="0" b="0"/>
+        </a:effectRef>
+        <a:fontRef idx="minor">
+          <a:schemeClr val="lt1"/>
+        </a:fontRef>
+      </dsp:style>
+      <dsp:txBody>
+        <a:bodyPr spcFirstLastPara="0" vert="horz" wrap="square" lIns="140970" tIns="140970" rIns="140970" bIns="140970" numCol="1" spcCol="1270" anchor="ctr" anchorCtr="0">
+          <a:noAutofit/>
+        </a:bodyPr>
+        <a:lstStyle/>
+        <a:p>
+          <a:pPr lvl="0" algn="l" defTabSz="1644650">
+            <a:lnSpc>
+              <a:spcPct val="90000"/>
+            </a:lnSpc>
+            <a:spcBef>
+              <a:spcPct val="0"/>
+            </a:spcBef>
+            <a:spcAft>
+              <a:spcPct val="35000"/>
+            </a:spcAft>
+          </a:pPr>
+          <a:r>
+            <a:rPr lang="zh-CN" altLang="en-US" sz="3700" kern="1200" dirty="0" smtClean="0"/>
+            <a:t>研究背景</a:t>
+          </a:r>
+          <a:endParaRPr lang="zh-CN" altLang="en-US" sz="3700" kern="1200" dirty="0"/>
+        </a:p>
+      </dsp:txBody>
+      <dsp:txXfrm>
+        <a:off x="28567" y="28567"/>
+        <a:ext cx="5091953" cy="918226"/>
+      </dsp:txXfrm>
+    </dsp:sp>
+    <dsp:sp modelId="{30A668FC-7FB9-43B2-BB67-BD57FD8C149C}">
+      <dsp:nvSpPr>
+        <dsp:cNvPr id="0" name=""/>
+        <dsp:cNvSpPr/>
+      </dsp:nvSpPr>
+      <dsp:spPr>
+        <a:xfrm>
+          <a:off x="467360" y="1110826"/>
+          <a:ext cx="6258560" cy="975360"/>
+        </a:xfrm>
+        <a:prstGeom prst="roundRect">
+          <a:avLst>
+            <a:gd name="adj" fmla="val 10000"/>
+          </a:avLst>
+        </a:prstGeom>
+        <a:solidFill>
+          <a:schemeClr val="accent6">
+            <a:lumMod val="50000"/>
+          </a:schemeClr>
+        </a:solidFill>
+        <a:ln w="15875" cap="rnd" cmpd="sng" algn="ctr">
+          <a:solidFill>
+            <a:schemeClr val="lt1">
+              <a:hueOff val="0"/>
+              <a:satOff val="0"/>
+              <a:lumOff val="0"/>
+              <a:alphaOff val="0"/>
+            </a:schemeClr>
+          </a:solidFill>
+          <a:prstDash val="solid"/>
+        </a:ln>
+        <a:effectLst/>
+      </dsp:spPr>
+      <dsp:style>
+        <a:lnRef idx="2">
+          <a:scrgbClr r="0" g="0" b="0"/>
+        </a:lnRef>
+        <a:fillRef idx="1">
+          <a:scrgbClr r="0" g="0" b="0"/>
+        </a:fillRef>
+        <a:effectRef idx="0">
+          <a:scrgbClr r="0" g="0" b="0"/>
+        </a:effectRef>
+        <a:fontRef idx="minor">
+          <a:schemeClr val="lt1"/>
+        </a:fontRef>
+      </dsp:style>
+      <dsp:txBody>
+        <a:bodyPr spcFirstLastPara="0" vert="horz" wrap="square" lIns="140970" tIns="140970" rIns="140970" bIns="140970" numCol="1" spcCol="1270" anchor="ctr" anchorCtr="0">
+          <a:noAutofit/>
+        </a:bodyPr>
+        <a:lstStyle/>
+        <a:p>
+          <a:pPr lvl="0" algn="l" defTabSz="1644650">
+            <a:lnSpc>
+              <a:spcPct val="90000"/>
+            </a:lnSpc>
+            <a:spcBef>
+              <a:spcPct val="0"/>
+            </a:spcBef>
+            <a:spcAft>
+              <a:spcPct val="35000"/>
+            </a:spcAft>
+          </a:pPr>
+          <a:r>
+            <a:rPr lang="zh-CN" altLang="en-US" sz="3700" kern="1200" dirty="0" smtClean="0"/>
+            <a:t>需求分析</a:t>
+          </a:r>
+          <a:endParaRPr lang="zh-CN" altLang="en-US" sz="3700" kern="1200" dirty="0"/>
+        </a:p>
+      </dsp:txBody>
+      <dsp:txXfrm>
+        <a:off x="495927" y="1139393"/>
+        <a:ext cx="5100081" cy="918226"/>
+      </dsp:txXfrm>
+    </dsp:sp>
+    <dsp:sp modelId="{ECB21FFE-9F05-437C-B138-113778E9D6CE}">
+      <dsp:nvSpPr>
+        <dsp:cNvPr id="0" name=""/>
+        <dsp:cNvSpPr/>
+      </dsp:nvSpPr>
+      <dsp:spPr>
+        <a:xfrm>
+          <a:off x="934719" y="2221653"/>
+          <a:ext cx="6258560" cy="975360"/>
+        </a:xfrm>
+        <a:prstGeom prst="roundRect">
+          <a:avLst>
+            <a:gd name="adj" fmla="val 10000"/>
+          </a:avLst>
+        </a:prstGeom>
+        <a:solidFill>
+          <a:schemeClr val="accent1">
+            <a:hueOff val="0"/>
+            <a:satOff val="0"/>
+            <a:lumOff val="0"/>
+            <a:alphaOff val="0"/>
+          </a:schemeClr>
+        </a:solidFill>
+        <a:ln w="15875" cap="rnd" cmpd="sng" algn="ctr">
+          <a:solidFill>
+            <a:schemeClr val="lt1">
+              <a:hueOff val="0"/>
+              <a:satOff val="0"/>
+              <a:lumOff val="0"/>
+              <a:alphaOff val="0"/>
+            </a:schemeClr>
+          </a:solidFill>
+          <a:prstDash val="solid"/>
+        </a:ln>
+        <a:effectLst/>
+      </dsp:spPr>
+      <dsp:style>
+        <a:lnRef idx="2">
+          <a:scrgbClr r="0" g="0" b="0"/>
+        </a:lnRef>
+        <a:fillRef idx="1">
+          <a:scrgbClr r="0" g="0" b="0"/>
+        </a:fillRef>
+        <a:effectRef idx="0">
+          <a:scrgbClr r="0" g="0" b="0"/>
+        </a:effectRef>
+        <a:fontRef idx="minor">
+          <a:schemeClr val="lt1"/>
+        </a:fontRef>
+      </dsp:style>
+      <dsp:txBody>
+        <a:bodyPr spcFirstLastPara="0" vert="horz" wrap="square" lIns="140970" tIns="140970" rIns="140970" bIns="140970" numCol="1" spcCol="1270" anchor="ctr" anchorCtr="0">
+          <a:noAutofit/>
+        </a:bodyPr>
+        <a:lstStyle/>
+        <a:p>
+          <a:pPr lvl="0" algn="l" defTabSz="1644650">
+            <a:lnSpc>
+              <a:spcPct val="90000"/>
+            </a:lnSpc>
+            <a:spcBef>
+              <a:spcPct val="0"/>
+            </a:spcBef>
+            <a:spcAft>
+              <a:spcPct val="35000"/>
+            </a:spcAft>
+          </a:pPr>
+          <a:r>
+            <a:rPr lang="zh-CN" altLang="en-US" sz="3700" kern="1200" dirty="0" smtClean="0"/>
+            <a:t>关键技术</a:t>
+          </a:r>
+          <a:endParaRPr lang="zh-CN" altLang="en-US" sz="3700" kern="1200" dirty="0"/>
+        </a:p>
+      </dsp:txBody>
+      <dsp:txXfrm>
+        <a:off x="963286" y="2250220"/>
+        <a:ext cx="5100081" cy="918226"/>
+      </dsp:txXfrm>
+    </dsp:sp>
+    <dsp:sp modelId="{19EB898B-E605-4044-9E0A-17C1C03B86A0}">
+      <dsp:nvSpPr>
+        <dsp:cNvPr id="0" name=""/>
+        <dsp:cNvSpPr/>
+      </dsp:nvSpPr>
+      <dsp:spPr>
+        <a:xfrm>
+          <a:off x="1402079" y="3332480"/>
+          <a:ext cx="6258560" cy="975360"/>
+        </a:xfrm>
+        <a:prstGeom prst="roundRect">
+          <a:avLst>
+            <a:gd name="adj" fmla="val 10000"/>
+          </a:avLst>
+        </a:prstGeom>
+        <a:solidFill>
+          <a:schemeClr val="accent1">
+            <a:hueOff val="0"/>
+            <a:satOff val="0"/>
+            <a:lumOff val="0"/>
+            <a:alphaOff val="0"/>
+          </a:schemeClr>
+        </a:solidFill>
+        <a:ln w="15875" cap="rnd" cmpd="sng" algn="ctr">
+          <a:solidFill>
+            <a:schemeClr val="lt1">
+              <a:hueOff val="0"/>
+              <a:satOff val="0"/>
+              <a:lumOff val="0"/>
+              <a:alphaOff val="0"/>
+            </a:schemeClr>
+          </a:solidFill>
+          <a:prstDash val="solid"/>
+        </a:ln>
+        <a:effectLst/>
+      </dsp:spPr>
+      <dsp:style>
+        <a:lnRef idx="2">
+          <a:scrgbClr r="0" g="0" b="0"/>
+        </a:lnRef>
+        <a:fillRef idx="1">
+          <a:scrgbClr r="0" g="0" b="0"/>
+        </a:fillRef>
+        <a:effectRef idx="0">
+          <a:scrgbClr r="0" g="0" b="0"/>
+        </a:effectRef>
+        <a:fontRef idx="minor">
+          <a:schemeClr val="lt1"/>
+        </a:fontRef>
+      </dsp:style>
+      <dsp:txBody>
+        <a:bodyPr spcFirstLastPara="0" vert="horz" wrap="square" lIns="140970" tIns="140970" rIns="140970" bIns="140970" numCol="1" spcCol="1270" anchor="ctr" anchorCtr="0">
+          <a:noAutofit/>
+        </a:bodyPr>
+        <a:lstStyle/>
+        <a:p>
+          <a:pPr lvl="0" algn="l" defTabSz="1644650">
+            <a:lnSpc>
+              <a:spcPct val="90000"/>
+            </a:lnSpc>
+            <a:spcBef>
+              <a:spcPct val="0"/>
+            </a:spcBef>
+            <a:spcAft>
+              <a:spcPct val="35000"/>
+            </a:spcAft>
+          </a:pPr>
+          <a:r>
+            <a:rPr lang="zh-CN" altLang="en-US" sz="3700" kern="1200" dirty="0" smtClean="0"/>
+            <a:t>设计实现</a:t>
+          </a:r>
+          <a:endParaRPr lang="zh-CN" altLang="en-US" sz="3700" kern="1200" dirty="0"/>
+        </a:p>
+      </dsp:txBody>
+      <dsp:txXfrm>
+        <a:off x="1430646" y="3361047"/>
+        <a:ext cx="5100081" cy="918226"/>
+      </dsp:txXfrm>
+    </dsp:sp>
+    <dsp:sp modelId="{711C8C94-5A2B-4918-9F6D-879360ECF4F4}">
+      <dsp:nvSpPr>
+        <dsp:cNvPr id="0" name=""/>
+        <dsp:cNvSpPr/>
+      </dsp:nvSpPr>
+      <dsp:spPr>
+        <a:xfrm>
+          <a:off x="1869439" y="4443306"/>
+          <a:ext cx="6258560" cy="975360"/>
+        </a:xfrm>
+        <a:prstGeom prst="roundRect">
+          <a:avLst>
+            <a:gd name="adj" fmla="val 10000"/>
+          </a:avLst>
+        </a:prstGeom>
+        <a:solidFill>
+          <a:schemeClr val="accent1">
+            <a:hueOff val="0"/>
+            <a:satOff val="0"/>
+            <a:lumOff val="0"/>
+            <a:alphaOff val="0"/>
+          </a:schemeClr>
+        </a:solidFill>
+        <a:ln w="15875" cap="rnd" cmpd="sng" algn="ctr">
+          <a:solidFill>
+            <a:schemeClr val="lt1">
+              <a:hueOff val="0"/>
+              <a:satOff val="0"/>
+              <a:lumOff val="0"/>
+              <a:alphaOff val="0"/>
+            </a:schemeClr>
+          </a:solidFill>
+          <a:prstDash val="solid"/>
+        </a:ln>
+        <a:effectLst/>
+      </dsp:spPr>
+      <dsp:style>
+        <a:lnRef idx="2">
+          <a:scrgbClr r="0" g="0" b="0"/>
+        </a:lnRef>
+        <a:fillRef idx="1">
+          <a:scrgbClr r="0" g="0" b="0"/>
+        </a:fillRef>
+        <a:effectRef idx="0">
+          <a:scrgbClr r="0" g="0" b="0"/>
+        </a:effectRef>
+        <a:fontRef idx="minor">
+          <a:schemeClr val="lt1"/>
+        </a:fontRef>
+      </dsp:style>
+      <dsp:txBody>
+        <a:bodyPr spcFirstLastPara="0" vert="horz" wrap="square" lIns="140970" tIns="140970" rIns="140970" bIns="140970" numCol="1" spcCol="1270" anchor="ctr" anchorCtr="0">
+          <a:noAutofit/>
+        </a:bodyPr>
+        <a:lstStyle/>
+        <a:p>
+          <a:pPr lvl="0" algn="l" defTabSz="1644650">
+            <a:lnSpc>
+              <a:spcPct val="90000"/>
+            </a:lnSpc>
+            <a:spcBef>
+              <a:spcPct val="0"/>
+            </a:spcBef>
+            <a:spcAft>
+              <a:spcPct val="35000"/>
+            </a:spcAft>
+          </a:pPr>
+          <a:r>
+            <a:rPr lang="zh-CN" altLang="en-US" sz="3700" kern="1200" dirty="0" smtClean="0"/>
+            <a:t>总结展望</a:t>
+          </a:r>
+          <a:endParaRPr lang="zh-CN" altLang="en-US" sz="3700" kern="1200" dirty="0"/>
+        </a:p>
+      </dsp:txBody>
+      <dsp:txXfrm>
+        <a:off x="1898006" y="4471873"/>
+        <a:ext cx="5100081" cy="918226"/>
+      </dsp:txXfrm>
+    </dsp:sp>
+    <dsp:sp modelId="{341A637F-BF62-4472-933A-EC8F8D7429DA}">
+      <dsp:nvSpPr>
+        <dsp:cNvPr id="0" name=""/>
+        <dsp:cNvSpPr/>
+      </dsp:nvSpPr>
+      <dsp:spPr>
+        <a:xfrm>
+          <a:off x="5624575" y="712554"/>
+          <a:ext cx="633984" cy="633984"/>
+        </a:xfrm>
+        <a:prstGeom prst="downArrow">
+          <a:avLst>
+            <a:gd name="adj1" fmla="val 55000"/>
+            <a:gd name="adj2" fmla="val 45000"/>
+          </a:avLst>
+        </a:prstGeom>
+        <a:solidFill>
+          <a:schemeClr val="accent1">
+            <a:alpha val="90000"/>
+            <a:tint val="40000"/>
+            <a:hueOff val="0"/>
+            <a:satOff val="0"/>
+            <a:lumOff val="0"/>
+            <a:alphaOff val="0"/>
+          </a:schemeClr>
+        </a:solidFill>
+        <a:ln w="15875" cap="rnd" cmpd="sng" algn="ctr">
+          <a:solidFill>
+            <a:schemeClr val="accent1">
+              <a:alpha val="90000"/>
+              <a:tint val="40000"/>
+              <a:hueOff val="0"/>
+              <a:satOff val="0"/>
+              <a:lumOff val="0"/>
+              <a:alphaOff val="0"/>
+            </a:schemeClr>
+          </a:solidFill>
+          <a:prstDash val="solid"/>
+        </a:ln>
+        <a:effectLst/>
+      </dsp:spPr>
+      <dsp:style>
+        <a:lnRef idx="2">
+          <a:scrgbClr r="0" g="0" b="0"/>
+        </a:lnRef>
+        <a:fillRef idx="1">
+          <a:scrgbClr r="0" g="0" b="0"/>
+        </a:fillRef>
+        <a:effectRef idx="0">
+          <a:scrgbClr r="0" g="0" b="0"/>
+        </a:effectRef>
+        <a:fontRef idx="minor"/>
+      </dsp:style>
+      <dsp:txBody>
+        <a:bodyPr spcFirstLastPara="0" vert="horz" wrap="square" lIns="35560" tIns="35560" rIns="35560" bIns="35560" numCol="1" spcCol="1270" anchor="ctr" anchorCtr="0">
+          <a:noAutofit/>
+        </a:bodyPr>
+        <a:lstStyle/>
+        <a:p>
+          <a:pPr lvl="0" algn="ctr" defTabSz="1244600">
+            <a:lnSpc>
+              <a:spcPct val="90000"/>
+            </a:lnSpc>
+            <a:spcBef>
+              <a:spcPct val="0"/>
+            </a:spcBef>
+            <a:spcAft>
+              <a:spcPct val="35000"/>
+            </a:spcAft>
+          </a:pPr>
+          <a:endParaRPr lang="zh-CN" altLang="en-US" sz="2800" kern="1200"/>
+        </a:p>
+      </dsp:txBody>
+      <dsp:txXfrm>
+        <a:off x="5767221" y="712554"/>
+        <a:ext cx="348692" cy="477073"/>
+      </dsp:txXfrm>
+    </dsp:sp>
+    <dsp:sp modelId="{D73E2BBA-E2FA-4658-87D9-AB437B0F4207}">
+      <dsp:nvSpPr>
+        <dsp:cNvPr id="0" name=""/>
+        <dsp:cNvSpPr/>
+      </dsp:nvSpPr>
+      <dsp:spPr>
+        <a:xfrm>
+          <a:off x="6091935" y="1823381"/>
+          <a:ext cx="633984" cy="633984"/>
+        </a:xfrm>
+        <a:prstGeom prst="downArrow">
+          <a:avLst>
+            <a:gd name="adj1" fmla="val 55000"/>
+            <a:gd name="adj2" fmla="val 45000"/>
+          </a:avLst>
+        </a:prstGeom>
+        <a:solidFill>
+          <a:schemeClr val="accent1">
+            <a:alpha val="90000"/>
+            <a:tint val="40000"/>
+            <a:hueOff val="0"/>
+            <a:satOff val="0"/>
+            <a:lumOff val="0"/>
+            <a:alphaOff val="0"/>
+          </a:schemeClr>
+        </a:solidFill>
+        <a:ln w="15875" cap="rnd" cmpd="sng" algn="ctr">
+          <a:solidFill>
+            <a:schemeClr val="accent1">
+              <a:alpha val="90000"/>
+              <a:tint val="40000"/>
+              <a:hueOff val="0"/>
+              <a:satOff val="0"/>
+              <a:lumOff val="0"/>
+              <a:alphaOff val="0"/>
+            </a:schemeClr>
+          </a:solidFill>
+          <a:prstDash val="solid"/>
+        </a:ln>
+        <a:effectLst/>
+      </dsp:spPr>
+      <dsp:style>
+        <a:lnRef idx="2">
+          <a:scrgbClr r="0" g="0" b="0"/>
+        </a:lnRef>
+        <a:fillRef idx="1">
+          <a:scrgbClr r="0" g="0" b="0"/>
+        </a:fillRef>
+        <a:effectRef idx="0">
+          <a:scrgbClr r="0" g="0" b="0"/>
+        </a:effectRef>
+        <a:fontRef idx="minor"/>
+      </dsp:style>
+      <dsp:txBody>
+        <a:bodyPr spcFirstLastPara="0" vert="horz" wrap="square" lIns="35560" tIns="35560" rIns="35560" bIns="35560" numCol="1" spcCol="1270" anchor="ctr" anchorCtr="0">
+          <a:noAutofit/>
+        </a:bodyPr>
+        <a:lstStyle/>
+        <a:p>
+          <a:pPr lvl="0" algn="ctr" defTabSz="1244600">
+            <a:lnSpc>
+              <a:spcPct val="90000"/>
+            </a:lnSpc>
+            <a:spcBef>
+              <a:spcPct val="0"/>
+            </a:spcBef>
+            <a:spcAft>
+              <a:spcPct val="35000"/>
+            </a:spcAft>
+          </a:pPr>
+          <a:endParaRPr lang="zh-CN" altLang="en-US" sz="2800" kern="1200"/>
+        </a:p>
+      </dsp:txBody>
+      <dsp:txXfrm>
+        <a:off x="6234581" y="1823381"/>
+        <a:ext cx="348692" cy="477073"/>
+      </dsp:txXfrm>
+    </dsp:sp>
+    <dsp:sp modelId="{B2A5F7B8-4B19-48F7-88BD-57281B222D0D}">
+      <dsp:nvSpPr>
+        <dsp:cNvPr id="0" name=""/>
+        <dsp:cNvSpPr/>
+      </dsp:nvSpPr>
+      <dsp:spPr>
+        <a:xfrm>
+          <a:off x="6559295" y="2917952"/>
+          <a:ext cx="633984" cy="633984"/>
+        </a:xfrm>
+        <a:prstGeom prst="downArrow">
+          <a:avLst>
+            <a:gd name="adj1" fmla="val 55000"/>
+            <a:gd name="adj2" fmla="val 45000"/>
+          </a:avLst>
+        </a:prstGeom>
+        <a:solidFill>
+          <a:schemeClr val="accent1">
+            <a:alpha val="90000"/>
+            <a:tint val="40000"/>
+            <a:hueOff val="0"/>
+            <a:satOff val="0"/>
+            <a:lumOff val="0"/>
+            <a:alphaOff val="0"/>
+          </a:schemeClr>
+        </a:solidFill>
+        <a:ln w="15875" cap="rnd" cmpd="sng" algn="ctr">
+          <a:solidFill>
+            <a:schemeClr val="accent1">
+              <a:alpha val="90000"/>
+              <a:tint val="40000"/>
+              <a:hueOff val="0"/>
+              <a:satOff val="0"/>
+              <a:lumOff val="0"/>
+              <a:alphaOff val="0"/>
+            </a:schemeClr>
+          </a:solidFill>
+          <a:prstDash val="solid"/>
+        </a:ln>
+        <a:effectLst/>
+      </dsp:spPr>
+      <dsp:style>
+        <a:lnRef idx="2">
+          <a:scrgbClr r="0" g="0" b="0"/>
+        </a:lnRef>
+        <a:fillRef idx="1">
+          <a:scrgbClr r="0" g="0" b="0"/>
+        </a:fillRef>
+        <a:effectRef idx="0">
+          <a:scrgbClr r="0" g="0" b="0"/>
+        </a:effectRef>
+        <a:fontRef idx="minor"/>
+      </dsp:style>
+      <dsp:txBody>
+        <a:bodyPr spcFirstLastPara="0" vert="horz" wrap="square" lIns="35560" tIns="35560" rIns="35560" bIns="35560" numCol="1" spcCol="1270" anchor="ctr" anchorCtr="0">
+          <a:noAutofit/>
+        </a:bodyPr>
+        <a:lstStyle/>
+        <a:p>
+          <a:pPr lvl="0" algn="ctr" defTabSz="1244600">
+            <a:lnSpc>
+              <a:spcPct val="90000"/>
+            </a:lnSpc>
+            <a:spcBef>
+              <a:spcPct val="0"/>
+            </a:spcBef>
+            <a:spcAft>
+              <a:spcPct val="35000"/>
+            </a:spcAft>
+          </a:pPr>
+          <a:endParaRPr lang="zh-CN" altLang="en-US" sz="2800" kern="1200"/>
+        </a:p>
+      </dsp:txBody>
+      <dsp:txXfrm>
+        <a:off x="6701941" y="2917952"/>
+        <a:ext cx="348692" cy="477073"/>
+      </dsp:txXfrm>
+    </dsp:sp>
+    <dsp:sp modelId="{5C4FFC89-8AF4-4A4A-8076-5CAA65F8BB77}">
+      <dsp:nvSpPr>
+        <dsp:cNvPr id="0" name=""/>
+        <dsp:cNvSpPr/>
+      </dsp:nvSpPr>
+      <dsp:spPr>
+        <a:xfrm>
+          <a:off x="7026655" y="4039616"/>
+          <a:ext cx="633984" cy="633984"/>
+        </a:xfrm>
+        <a:prstGeom prst="downArrow">
+          <a:avLst>
+            <a:gd name="adj1" fmla="val 55000"/>
+            <a:gd name="adj2" fmla="val 45000"/>
+          </a:avLst>
+        </a:prstGeom>
+        <a:solidFill>
+          <a:schemeClr val="accent1">
+            <a:alpha val="90000"/>
+            <a:tint val="40000"/>
+            <a:hueOff val="0"/>
+            <a:satOff val="0"/>
+            <a:lumOff val="0"/>
+            <a:alphaOff val="0"/>
+          </a:schemeClr>
+        </a:solidFill>
+        <a:ln w="15875" cap="rnd" cmpd="sng" algn="ctr">
+          <a:solidFill>
+            <a:schemeClr val="accent1">
+              <a:alpha val="90000"/>
+              <a:tint val="40000"/>
+              <a:hueOff val="0"/>
+              <a:satOff val="0"/>
+              <a:lumOff val="0"/>
+              <a:alphaOff val="0"/>
+            </a:schemeClr>
+          </a:solidFill>
+          <a:prstDash val="solid"/>
+        </a:ln>
+        <a:effectLst/>
+      </dsp:spPr>
+      <dsp:style>
+        <a:lnRef idx="2">
+          <a:scrgbClr r="0" g="0" b="0"/>
+        </a:lnRef>
+        <a:fillRef idx="1">
+          <a:scrgbClr r="0" g="0" b="0"/>
+        </a:fillRef>
+        <a:effectRef idx="0">
+          <a:scrgbClr r="0" g="0" b="0"/>
+        </a:effectRef>
+        <a:fontRef idx="minor"/>
+      </dsp:style>
+      <dsp:txBody>
+        <a:bodyPr spcFirstLastPara="0" vert="horz" wrap="square" lIns="35560" tIns="35560" rIns="35560" bIns="35560" numCol="1" spcCol="1270" anchor="ctr" anchorCtr="0">
+          <a:noAutofit/>
+        </a:bodyPr>
+        <a:lstStyle/>
+        <a:p>
+          <a:pPr lvl="0" algn="ctr" defTabSz="1244600">
+            <a:lnSpc>
+              <a:spcPct val="90000"/>
+            </a:lnSpc>
+            <a:spcBef>
+              <a:spcPct val="0"/>
+            </a:spcBef>
+            <a:spcAft>
+              <a:spcPct val="35000"/>
+            </a:spcAft>
+          </a:pPr>
+          <a:endParaRPr lang="zh-CN" altLang="en-US" sz="2800" kern="1200"/>
+        </a:p>
+      </dsp:txBody>
+      <dsp:txXfrm>
+        <a:off x="7169301" y="4039616"/>
+        <a:ext cx="348692" cy="477073"/>
+      </dsp:txXfrm>
+    </dsp:sp>
   </dsp:spTree>
 </dsp:drawing>
 </file>
@@ -9865,6 +11623,700 @@
       <dsp:cNvGrpSpPr/>
     </dsp:nvGrpSpPr>
     <dsp:grpSpPr/>
+    <dsp:sp modelId="{DEDEE683-05B9-47C6-A07A-BA4F6F44A0E4}">
+      <dsp:nvSpPr>
+        <dsp:cNvPr id="0" name=""/>
+        <dsp:cNvSpPr/>
+      </dsp:nvSpPr>
+      <dsp:spPr>
+        <a:xfrm>
+          <a:off x="0" y="0"/>
+          <a:ext cx="6258560" cy="975360"/>
+        </a:xfrm>
+        <a:prstGeom prst="roundRect">
+          <a:avLst>
+            <a:gd name="adj" fmla="val 10000"/>
+          </a:avLst>
+        </a:prstGeom>
+        <a:solidFill>
+          <a:schemeClr val="accent1"/>
+        </a:solidFill>
+        <a:ln w="15875" cap="rnd" cmpd="sng" algn="ctr">
+          <a:solidFill>
+            <a:schemeClr val="lt1">
+              <a:hueOff val="0"/>
+              <a:satOff val="0"/>
+              <a:lumOff val="0"/>
+              <a:alphaOff val="0"/>
+            </a:schemeClr>
+          </a:solidFill>
+          <a:prstDash val="solid"/>
+        </a:ln>
+        <a:effectLst/>
+      </dsp:spPr>
+      <dsp:style>
+        <a:lnRef idx="2">
+          <a:scrgbClr r="0" g="0" b="0"/>
+        </a:lnRef>
+        <a:fillRef idx="1">
+          <a:scrgbClr r="0" g="0" b="0"/>
+        </a:fillRef>
+        <a:effectRef idx="0">
+          <a:scrgbClr r="0" g="0" b="0"/>
+        </a:effectRef>
+        <a:fontRef idx="minor">
+          <a:schemeClr val="lt1"/>
+        </a:fontRef>
+      </dsp:style>
+      <dsp:txBody>
+        <a:bodyPr spcFirstLastPara="0" vert="horz" wrap="square" lIns="140970" tIns="140970" rIns="140970" bIns="140970" numCol="1" spcCol="1270" anchor="ctr" anchorCtr="0">
+          <a:noAutofit/>
+        </a:bodyPr>
+        <a:lstStyle/>
+        <a:p>
+          <a:pPr lvl="0" algn="l" defTabSz="1644650">
+            <a:lnSpc>
+              <a:spcPct val="90000"/>
+            </a:lnSpc>
+            <a:spcBef>
+              <a:spcPct val="0"/>
+            </a:spcBef>
+            <a:spcAft>
+              <a:spcPct val="35000"/>
+            </a:spcAft>
+          </a:pPr>
+          <a:r>
+            <a:rPr lang="zh-CN" altLang="en-US" sz="3700" kern="1200" dirty="0" smtClean="0"/>
+            <a:t>研究背景</a:t>
+          </a:r>
+          <a:endParaRPr lang="zh-CN" altLang="en-US" sz="3700" kern="1200" dirty="0"/>
+        </a:p>
+      </dsp:txBody>
+      <dsp:txXfrm>
+        <a:off x="28567" y="28567"/>
+        <a:ext cx="5091953" cy="918226"/>
+      </dsp:txXfrm>
+    </dsp:sp>
+    <dsp:sp modelId="{30A668FC-7FB9-43B2-BB67-BD57FD8C149C}">
+      <dsp:nvSpPr>
+        <dsp:cNvPr id="0" name=""/>
+        <dsp:cNvSpPr/>
+      </dsp:nvSpPr>
+      <dsp:spPr>
+        <a:xfrm>
+          <a:off x="467360" y="1110826"/>
+          <a:ext cx="6258560" cy="975360"/>
+        </a:xfrm>
+        <a:prstGeom prst="roundRect">
+          <a:avLst>
+            <a:gd name="adj" fmla="val 10000"/>
+          </a:avLst>
+        </a:prstGeom>
+        <a:solidFill>
+          <a:schemeClr val="accent1"/>
+        </a:solidFill>
+        <a:ln w="15875" cap="rnd" cmpd="sng" algn="ctr">
+          <a:solidFill>
+            <a:schemeClr val="lt1">
+              <a:hueOff val="0"/>
+              <a:satOff val="0"/>
+              <a:lumOff val="0"/>
+              <a:alphaOff val="0"/>
+            </a:schemeClr>
+          </a:solidFill>
+          <a:prstDash val="solid"/>
+        </a:ln>
+        <a:effectLst/>
+      </dsp:spPr>
+      <dsp:style>
+        <a:lnRef idx="2">
+          <a:scrgbClr r="0" g="0" b="0"/>
+        </a:lnRef>
+        <a:fillRef idx="1">
+          <a:scrgbClr r="0" g="0" b="0"/>
+        </a:fillRef>
+        <a:effectRef idx="0">
+          <a:scrgbClr r="0" g="0" b="0"/>
+        </a:effectRef>
+        <a:fontRef idx="minor">
+          <a:schemeClr val="lt1"/>
+        </a:fontRef>
+      </dsp:style>
+      <dsp:txBody>
+        <a:bodyPr spcFirstLastPara="0" vert="horz" wrap="square" lIns="140970" tIns="140970" rIns="140970" bIns="140970" numCol="1" spcCol="1270" anchor="ctr" anchorCtr="0">
+          <a:noAutofit/>
+        </a:bodyPr>
+        <a:lstStyle/>
+        <a:p>
+          <a:pPr lvl="0" algn="l" defTabSz="1644650">
+            <a:lnSpc>
+              <a:spcPct val="90000"/>
+            </a:lnSpc>
+            <a:spcBef>
+              <a:spcPct val="0"/>
+            </a:spcBef>
+            <a:spcAft>
+              <a:spcPct val="35000"/>
+            </a:spcAft>
+          </a:pPr>
+          <a:r>
+            <a:rPr lang="zh-CN" altLang="en-US" sz="3700" kern="1200" dirty="0" smtClean="0"/>
+            <a:t>需求分析</a:t>
+          </a:r>
+          <a:endParaRPr lang="zh-CN" altLang="en-US" sz="3700" kern="1200" dirty="0"/>
+        </a:p>
+      </dsp:txBody>
+      <dsp:txXfrm>
+        <a:off x="495927" y="1139393"/>
+        <a:ext cx="5100081" cy="918226"/>
+      </dsp:txXfrm>
+    </dsp:sp>
+    <dsp:sp modelId="{ECB21FFE-9F05-437C-B138-113778E9D6CE}">
+      <dsp:nvSpPr>
+        <dsp:cNvPr id="0" name=""/>
+        <dsp:cNvSpPr/>
+      </dsp:nvSpPr>
+      <dsp:spPr>
+        <a:xfrm>
+          <a:off x="934719" y="2221653"/>
+          <a:ext cx="6258560" cy="975360"/>
+        </a:xfrm>
+        <a:prstGeom prst="roundRect">
+          <a:avLst>
+            <a:gd name="adj" fmla="val 10000"/>
+          </a:avLst>
+        </a:prstGeom>
+        <a:solidFill>
+          <a:schemeClr val="accent6">
+            <a:lumMod val="50000"/>
+          </a:schemeClr>
+        </a:solidFill>
+        <a:ln w="15875" cap="rnd" cmpd="sng" algn="ctr">
+          <a:solidFill>
+            <a:schemeClr val="lt1">
+              <a:hueOff val="0"/>
+              <a:satOff val="0"/>
+              <a:lumOff val="0"/>
+              <a:alphaOff val="0"/>
+            </a:schemeClr>
+          </a:solidFill>
+          <a:prstDash val="solid"/>
+        </a:ln>
+        <a:effectLst/>
+      </dsp:spPr>
+      <dsp:style>
+        <a:lnRef idx="2">
+          <a:scrgbClr r="0" g="0" b="0"/>
+        </a:lnRef>
+        <a:fillRef idx="1">
+          <a:scrgbClr r="0" g="0" b="0"/>
+        </a:fillRef>
+        <a:effectRef idx="0">
+          <a:scrgbClr r="0" g="0" b="0"/>
+        </a:effectRef>
+        <a:fontRef idx="minor">
+          <a:schemeClr val="lt1"/>
+        </a:fontRef>
+      </dsp:style>
+      <dsp:txBody>
+        <a:bodyPr spcFirstLastPara="0" vert="horz" wrap="square" lIns="140970" tIns="140970" rIns="140970" bIns="140970" numCol="1" spcCol="1270" anchor="ctr" anchorCtr="0">
+          <a:noAutofit/>
+        </a:bodyPr>
+        <a:lstStyle/>
+        <a:p>
+          <a:pPr lvl="0" algn="l" defTabSz="1644650">
+            <a:lnSpc>
+              <a:spcPct val="90000"/>
+            </a:lnSpc>
+            <a:spcBef>
+              <a:spcPct val="0"/>
+            </a:spcBef>
+            <a:spcAft>
+              <a:spcPct val="35000"/>
+            </a:spcAft>
+          </a:pPr>
+          <a:r>
+            <a:rPr lang="zh-CN" altLang="en-US" sz="3700" kern="1200" dirty="0" smtClean="0"/>
+            <a:t>关键技术</a:t>
+          </a:r>
+          <a:endParaRPr lang="zh-CN" altLang="en-US" sz="3700" kern="1200" dirty="0"/>
+        </a:p>
+      </dsp:txBody>
+      <dsp:txXfrm>
+        <a:off x="963286" y="2250220"/>
+        <a:ext cx="5100081" cy="918226"/>
+      </dsp:txXfrm>
+    </dsp:sp>
+    <dsp:sp modelId="{19EB898B-E605-4044-9E0A-17C1C03B86A0}">
+      <dsp:nvSpPr>
+        <dsp:cNvPr id="0" name=""/>
+        <dsp:cNvSpPr/>
+      </dsp:nvSpPr>
+      <dsp:spPr>
+        <a:xfrm>
+          <a:off x="1402079" y="3332480"/>
+          <a:ext cx="6258560" cy="975360"/>
+        </a:xfrm>
+        <a:prstGeom prst="roundRect">
+          <a:avLst>
+            <a:gd name="adj" fmla="val 10000"/>
+          </a:avLst>
+        </a:prstGeom>
+        <a:solidFill>
+          <a:schemeClr val="accent1">
+            <a:hueOff val="0"/>
+            <a:satOff val="0"/>
+            <a:lumOff val="0"/>
+            <a:alphaOff val="0"/>
+          </a:schemeClr>
+        </a:solidFill>
+        <a:ln w="15875" cap="rnd" cmpd="sng" algn="ctr">
+          <a:solidFill>
+            <a:schemeClr val="lt1">
+              <a:hueOff val="0"/>
+              <a:satOff val="0"/>
+              <a:lumOff val="0"/>
+              <a:alphaOff val="0"/>
+            </a:schemeClr>
+          </a:solidFill>
+          <a:prstDash val="solid"/>
+        </a:ln>
+        <a:effectLst/>
+      </dsp:spPr>
+      <dsp:style>
+        <a:lnRef idx="2">
+          <a:scrgbClr r="0" g="0" b="0"/>
+        </a:lnRef>
+        <a:fillRef idx="1">
+          <a:scrgbClr r="0" g="0" b="0"/>
+        </a:fillRef>
+        <a:effectRef idx="0">
+          <a:scrgbClr r="0" g="0" b="0"/>
+        </a:effectRef>
+        <a:fontRef idx="minor">
+          <a:schemeClr val="lt1"/>
+        </a:fontRef>
+      </dsp:style>
+      <dsp:txBody>
+        <a:bodyPr spcFirstLastPara="0" vert="horz" wrap="square" lIns="140970" tIns="140970" rIns="140970" bIns="140970" numCol="1" spcCol="1270" anchor="ctr" anchorCtr="0">
+          <a:noAutofit/>
+        </a:bodyPr>
+        <a:lstStyle/>
+        <a:p>
+          <a:pPr lvl="0" algn="l" defTabSz="1644650">
+            <a:lnSpc>
+              <a:spcPct val="90000"/>
+            </a:lnSpc>
+            <a:spcBef>
+              <a:spcPct val="0"/>
+            </a:spcBef>
+            <a:spcAft>
+              <a:spcPct val="35000"/>
+            </a:spcAft>
+          </a:pPr>
+          <a:r>
+            <a:rPr lang="zh-CN" altLang="en-US" sz="3700" kern="1200" dirty="0" smtClean="0"/>
+            <a:t>设计实现</a:t>
+          </a:r>
+          <a:endParaRPr lang="zh-CN" altLang="en-US" sz="3700" kern="1200" dirty="0"/>
+        </a:p>
+      </dsp:txBody>
+      <dsp:txXfrm>
+        <a:off x="1430646" y="3361047"/>
+        <a:ext cx="5100081" cy="918226"/>
+      </dsp:txXfrm>
+    </dsp:sp>
+    <dsp:sp modelId="{711C8C94-5A2B-4918-9F6D-879360ECF4F4}">
+      <dsp:nvSpPr>
+        <dsp:cNvPr id="0" name=""/>
+        <dsp:cNvSpPr/>
+      </dsp:nvSpPr>
+      <dsp:spPr>
+        <a:xfrm>
+          <a:off x="1869439" y="4443306"/>
+          <a:ext cx="6258560" cy="975360"/>
+        </a:xfrm>
+        <a:prstGeom prst="roundRect">
+          <a:avLst>
+            <a:gd name="adj" fmla="val 10000"/>
+          </a:avLst>
+        </a:prstGeom>
+        <a:solidFill>
+          <a:schemeClr val="accent1">
+            <a:hueOff val="0"/>
+            <a:satOff val="0"/>
+            <a:lumOff val="0"/>
+            <a:alphaOff val="0"/>
+          </a:schemeClr>
+        </a:solidFill>
+        <a:ln w="15875" cap="rnd" cmpd="sng" algn="ctr">
+          <a:solidFill>
+            <a:schemeClr val="lt1">
+              <a:hueOff val="0"/>
+              <a:satOff val="0"/>
+              <a:lumOff val="0"/>
+              <a:alphaOff val="0"/>
+            </a:schemeClr>
+          </a:solidFill>
+          <a:prstDash val="solid"/>
+        </a:ln>
+        <a:effectLst/>
+      </dsp:spPr>
+      <dsp:style>
+        <a:lnRef idx="2">
+          <a:scrgbClr r="0" g="0" b="0"/>
+        </a:lnRef>
+        <a:fillRef idx="1">
+          <a:scrgbClr r="0" g="0" b="0"/>
+        </a:fillRef>
+        <a:effectRef idx="0">
+          <a:scrgbClr r="0" g="0" b="0"/>
+        </a:effectRef>
+        <a:fontRef idx="minor">
+          <a:schemeClr val="lt1"/>
+        </a:fontRef>
+      </dsp:style>
+      <dsp:txBody>
+        <a:bodyPr spcFirstLastPara="0" vert="horz" wrap="square" lIns="140970" tIns="140970" rIns="140970" bIns="140970" numCol="1" spcCol="1270" anchor="ctr" anchorCtr="0">
+          <a:noAutofit/>
+        </a:bodyPr>
+        <a:lstStyle/>
+        <a:p>
+          <a:pPr lvl="0" algn="l" defTabSz="1644650">
+            <a:lnSpc>
+              <a:spcPct val="90000"/>
+            </a:lnSpc>
+            <a:spcBef>
+              <a:spcPct val="0"/>
+            </a:spcBef>
+            <a:spcAft>
+              <a:spcPct val="35000"/>
+            </a:spcAft>
+          </a:pPr>
+          <a:r>
+            <a:rPr lang="zh-CN" altLang="en-US" sz="3700" kern="1200" dirty="0" smtClean="0"/>
+            <a:t>总结展望</a:t>
+          </a:r>
+          <a:endParaRPr lang="zh-CN" altLang="en-US" sz="3700" kern="1200" dirty="0"/>
+        </a:p>
+      </dsp:txBody>
+      <dsp:txXfrm>
+        <a:off x="1898006" y="4471873"/>
+        <a:ext cx="5100081" cy="918226"/>
+      </dsp:txXfrm>
+    </dsp:sp>
+    <dsp:sp modelId="{341A637F-BF62-4472-933A-EC8F8D7429DA}">
+      <dsp:nvSpPr>
+        <dsp:cNvPr id="0" name=""/>
+        <dsp:cNvSpPr/>
+      </dsp:nvSpPr>
+      <dsp:spPr>
+        <a:xfrm>
+          <a:off x="5624575" y="712554"/>
+          <a:ext cx="633984" cy="633984"/>
+        </a:xfrm>
+        <a:prstGeom prst="downArrow">
+          <a:avLst>
+            <a:gd name="adj1" fmla="val 55000"/>
+            <a:gd name="adj2" fmla="val 45000"/>
+          </a:avLst>
+        </a:prstGeom>
+        <a:solidFill>
+          <a:schemeClr val="accent1">
+            <a:alpha val="90000"/>
+            <a:tint val="40000"/>
+            <a:hueOff val="0"/>
+            <a:satOff val="0"/>
+            <a:lumOff val="0"/>
+            <a:alphaOff val="0"/>
+          </a:schemeClr>
+        </a:solidFill>
+        <a:ln w="15875" cap="rnd" cmpd="sng" algn="ctr">
+          <a:solidFill>
+            <a:schemeClr val="accent1">
+              <a:alpha val="90000"/>
+              <a:tint val="40000"/>
+              <a:hueOff val="0"/>
+              <a:satOff val="0"/>
+              <a:lumOff val="0"/>
+              <a:alphaOff val="0"/>
+            </a:schemeClr>
+          </a:solidFill>
+          <a:prstDash val="solid"/>
+        </a:ln>
+        <a:effectLst/>
+      </dsp:spPr>
+      <dsp:style>
+        <a:lnRef idx="2">
+          <a:scrgbClr r="0" g="0" b="0"/>
+        </a:lnRef>
+        <a:fillRef idx="1">
+          <a:scrgbClr r="0" g="0" b="0"/>
+        </a:fillRef>
+        <a:effectRef idx="0">
+          <a:scrgbClr r="0" g="0" b="0"/>
+        </a:effectRef>
+        <a:fontRef idx="minor"/>
+      </dsp:style>
+      <dsp:txBody>
+        <a:bodyPr spcFirstLastPara="0" vert="horz" wrap="square" lIns="35560" tIns="35560" rIns="35560" bIns="35560" numCol="1" spcCol="1270" anchor="ctr" anchorCtr="0">
+          <a:noAutofit/>
+        </a:bodyPr>
+        <a:lstStyle/>
+        <a:p>
+          <a:pPr lvl="0" algn="ctr" defTabSz="1244600">
+            <a:lnSpc>
+              <a:spcPct val="90000"/>
+            </a:lnSpc>
+            <a:spcBef>
+              <a:spcPct val="0"/>
+            </a:spcBef>
+            <a:spcAft>
+              <a:spcPct val="35000"/>
+            </a:spcAft>
+          </a:pPr>
+          <a:endParaRPr lang="zh-CN" altLang="en-US" sz="2800" kern="1200"/>
+        </a:p>
+      </dsp:txBody>
+      <dsp:txXfrm>
+        <a:off x="5767221" y="712554"/>
+        <a:ext cx="348692" cy="477073"/>
+      </dsp:txXfrm>
+    </dsp:sp>
+    <dsp:sp modelId="{D73E2BBA-E2FA-4658-87D9-AB437B0F4207}">
+      <dsp:nvSpPr>
+        <dsp:cNvPr id="0" name=""/>
+        <dsp:cNvSpPr/>
+      </dsp:nvSpPr>
+      <dsp:spPr>
+        <a:xfrm>
+          <a:off x="6091935" y="1823381"/>
+          <a:ext cx="633984" cy="633984"/>
+        </a:xfrm>
+        <a:prstGeom prst="downArrow">
+          <a:avLst>
+            <a:gd name="adj1" fmla="val 55000"/>
+            <a:gd name="adj2" fmla="val 45000"/>
+          </a:avLst>
+        </a:prstGeom>
+        <a:solidFill>
+          <a:schemeClr val="accent1">
+            <a:alpha val="90000"/>
+            <a:tint val="40000"/>
+            <a:hueOff val="0"/>
+            <a:satOff val="0"/>
+            <a:lumOff val="0"/>
+            <a:alphaOff val="0"/>
+          </a:schemeClr>
+        </a:solidFill>
+        <a:ln w="15875" cap="rnd" cmpd="sng" algn="ctr">
+          <a:solidFill>
+            <a:schemeClr val="accent1">
+              <a:alpha val="90000"/>
+              <a:tint val="40000"/>
+              <a:hueOff val="0"/>
+              <a:satOff val="0"/>
+              <a:lumOff val="0"/>
+              <a:alphaOff val="0"/>
+            </a:schemeClr>
+          </a:solidFill>
+          <a:prstDash val="solid"/>
+        </a:ln>
+        <a:effectLst/>
+      </dsp:spPr>
+      <dsp:style>
+        <a:lnRef idx="2">
+          <a:scrgbClr r="0" g="0" b="0"/>
+        </a:lnRef>
+        <a:fillRef idx="1">
+          <a:scrgbClr r="0" g="0" b="0"/>
+        </a:fillRef>
+        <a:effectRef idx="0">
+          <a:scrgbClr r="0" g="0" b="0"/>
+        </a:effectRef>
+        <a:fontRef idx="minor"/>
+      </dsp:style>
+      <dsp:txBody>
+        <a:bodyPr spcFirstLastPara="0" vert="horz" wrap="square" lIns="35560" tIns="35560" rIns="35560" bIns="35560" numCol="1" spcCol="1270" anchor="ctr" anchorCtr="0">
+          <a:noAutofit/>
+        </a:bodyPr>
+        <a:lstStyle/>
+        <a:p>
+          <a:pPr lvl="0" algn="ctr" defTabSz="1244600">
+            <a:lnSpc>
+              <a:spcPct val="90000"/>
+            </a:lnSpc>
+            <a:spcBef>
+              <a:spcPct val="0"/>
+            </a:spcBef>
+            <a:spcAft>
+              <a:spcPct val="35000"/>
+            </a:spcAft>
+          </a:pPr>
+          <a:endParaRPr lang="zh-CN" altLang="en-US" sz="2800" kern="1200"/>
+        </a:p>
+      </dsp:txBody>
+      <dsp:txXfrm>
+        <a:off x="6234581" y="1823381"/>
+        <a:ext cx="348692" cy="477073"/>
+      </dsp:txXfrm>
+    </dsp:sp>
+    <dsp:sp modelId="{B2A5F7B8-4B19-48F7-88BD-57281B222D0D}">
+      <dsp:nvSpPr>
+        <dsp:cNvPr id="0" name=""/>
+        <dsp:cNvSpPr/>
+      </dsp:nvSpPr>
+      <dsp:spPr>
+        <a:xfrm>
+          <a:off x="6559295" y="2917952"/>
+          <a:ext cx="633984" cy="633984"/>
+        </a:xfrm>
+        <a:prstGeom prst="downArrow">
+          <a:avLst>
+            <a:gd name="adj1" fmla="val 55000"/>
+            <a:gd name="adj2" fmla="val 45000"/>
+          </a:avLst>
+        </a:prstGeom>
+        <a:solidFill>
+          <a:schemeClr val="accent1">
+            <a:alpha val="90000"/>
+            <a:tint val="40000"/>
+            <a:hueOff val="0"/>
+            <a:satOff val="0"/>
+            <a:lumOff val="0"/>
+            <a:alphaOff val="0"/>
+          </a:schemeClr>
+        </a:solidFill>
+        <a:ln w="15875" cap="rnd" cmpd="sng" algn="ctr">
+          <a:solidFill>
+            <a:schemeClr val="accent1">
+              <a:alpha val="90000"/>
+              <a:tint val="40000"/>
+              <a:hueOff val="0"/>
+              <a:satOff val="0"/>
+              <a:lumOff val="0"/>
+              <a:alphaOff val="0"/>
+            </a:schemeClr>
+          </a:solidFill>
+          <a:prstDash val="solid"/>
+        </a:ln>
+        <a:effectLst/>
+      </dsp:spPr>
+      <dsp:style>
+        <a:lnRef idx="2">
+          <a:scrgbClr r="0" g="0" b="0"/>
+        </a:lnRef>
+        <a:fillRef idx="1">
+          <a:scrgbClr r="0" g="0" b="0"/>
+        </a:fillRef>
+        <a:effectRef idx="0">
+          <a:scrgbClr r="0" g="0" b="0"/>
+        </a:effectRef>
+        <a:fontRef idx="minor"/>
+      </dsp:style>
+      <dsp:txBody>
+        <a:bodyPr spcFirstLastPara="0" vert="horz" wrap="square" lIns="35560" tIns="35560" rIns="35560" bIns="35560" numCol="1" spcCol="1270" anchor="ctr" anchorCtr="0">
+          <a:noAutofit/>
+        </a:bodyPr>
+        <a:lstStyle/>
+        <a:p>
+          <a:pPr lvl="0" algn="ctr" defTabSz="1244600">
+            <a:lnSpc>
+              <a:spcPct val="90000"/>
+            </a:lnSpc>
+            <a:spcBef>
+              <a:spcPct val="0"/>
+            </a:spcBef>
+            <a:spcAft>
+              <a:spcPct val="35000"/>
+            </a:spcAft>
+          </a:pPr>
+          <a:endParaRPr lang="zh-CN" altLang="en-US" sz="2800" kern="1200"/>
+        </a:p>
+      </dsp:txBody>
+      <dsp:txXfrm>
+        <a:off x="6701941" y="2917952"/>
+        <a:ext cx="348692" cy="477073"/>
+      </dsp:txXfrm>
+    </dsp:sp>
+    <dsp:sp modelId="{5C4FFC89-8AF4-4A4A-8076-5CAA65F8BB77}">
+      <dsp:nvSpPr>
+        <dsp:cNvPr id="0" name=""/>
+        <dsp:cNvSpPr/>
+      </dsp:nvSpPr>
+      <dsp:spPr>
+        <a:xfrm>
+          <a:off x="7026655" y="4039616"/>
+          <a:ext cx="633984" cy="633984"/>
+        </a:xfrm>
+        <a:prstGeom prst="downArrow">
+          <a:avLst>
+            <a:gd name="adj1" fmla="val 55000"/>
+            <a:gd name="adj2" fmla="val 45000"/>
+          </a:avLst>
+        </a:prstGeom>
+        <a:solidFill>
+          <a:schemeClr val="accent1">
+            <a:alpha val="90000"/>
+            <a:tint val="40000"/>
+            <a:hueOff val="0"/>
+            <a:satOff val="0"/>
+            <a:lumOff val="0"/>
+            <a:alphaOff val="0"/>
+          </a:schemeClr>
+        </a:solidFill>
+        <a:ln w="15875" cap="rnd" cmpd="sng" algn="ctr">
+          <a:solidFill>
+            <a:schemeClr val="accent1">
+              <a:alpha val="90000"/>
+              <a:tint val="40000"/>
+              <a:hueOff val="0"/>
+              <a:satOff val="0"/>
+              <a:lumOff val="0"/>
+              <a:alphaOff val="0"/>
+            </a:schemeClr>
+          </a:solidFill>
+          <a:prstDash val="solid"/>
+        </a:ln>
+        <a:effectLst/>
+      </dsp:spPr>
+      <dsp:style>
+        <a:lnRef idx="2">
+          <a:scrgbClr r="0" g="0" b="0"/>
+        </a:lnRef>
+        <a:fillRef idx="1">
+          <a:scrgbClr r="0" g="0" b="0"/>
+        </a:fillRef>
+        <a:effectRef idx="0">
+          <a:scrgbClr r="0" g="0" b="0"/>
+        </a:effectRef>
+        <a:fontRef idx="minor"/>
+      </dsp:style>
+      <dsp:txBody>
+        <a:bodyPr spcFirstLastPara="0" vert="horz" wrap="square" lIns="35560" tIns="35560" rIns="35560" bIns="35560" numCol="1" spcCol="1270" anchor="ctr" anchorCtr="0">
+          <a:noAutofit/>
+        </a:bodyPr>
+        <a:lstStyle/>
+        <a:p>
+          <a:pPr lvl="0" algn="ctr" defTabSz="1244600">
+            <a:lnSpc>
+              <a:spcPct val="90000"/>
+            </a:lnSpc>
+            <a:spcBef>
+              <a:spcPct val="0"/>
+            </a:spcBef>
+            <a:spcAft>
+              <a:spcPct val="35000"/>
+            </a:spcAft>
+          </a:pPr>
+          <a:endParaRPr lang="zh-CN" altLang="en-US" sz="2800" kern="1200"/>
+        </a:p>
+      </dsp:txBody>
+      <dsp:txXfrm>
+        <a:off x="7169301" y="4039616"/>
+        <a:ext cx="348692" cy="477073"/>
+      </dsp:txXfrm>
+    </dsp:sp>
   </dsp:spTree>
 </dsp:drawing>
 </file>
@@ -11324,8 +13776,8 @@
       </dsp:nvSpPr>
       <dsp:spPr>
         <a:xfrm>
-          <a:off x="2529170" y="1046822"/>
-          <a:ext cx="549980" cy="91440"/>
+          <a:off x="2530970" y="1047845"/>
+          <a:ext cx="549414" cy="91440"/>
         </a:xfrm>
         <a:custGeom>
           <a:avLst/>
@@ -11339,7 +13791,7 @@
                 <a:pt x="0" y="45720"/>
               </a:moveTo>
               <a:lnTo>
-                <a:pt x="549980" y="45720"/>
+                <a:pt x="549414" y="45720"/>
               </a:lnTo>
             </a:path>
           </a:pathLst>
@@ -11377,7 +13829,7 @@
         </a:bodyPr>
         <a:lstStyle/>
         <a:p>
-          <a:pPr lvl="0" algn="ctr" defTabSz="222250">
+          <a:pPr lvl="0" algn="ctr" defTabSz="1377950">
             <a:lnSpc>
               <a:spcPct val="90000"/>
             </a:lnSpc>
@@ -11388,12 +13840,12 @@
               <a:spcPct val="35000"/>
             </a:spcAft>
           </a:pPr>
-          <a:endParaRPr lang="zh-CN" altLang="en-US" sz="500" kern="1200"/>
+          <a:endParaRPr lang="zh-CN" altLang="en-US" sz="3100" kern="1200"/>
         </a:p>
       </dsp:txBody>
       <dsp:txXfrm>
-        <a:off x="2789646" y="1089640"/>
-        <a:ext cx="29029" cy="5805"/>
+        <a:off x="2791177" y="1090663"/>
+        <a:ext cx="29000" cy="5805"/>
       </dsp:txXfrm>
     </dsp:sp>
     <dsp:sp modelId="{8F3680DE-EA3F-4EA4-85D8-D57D24A75127}">
@@ -11403,8 +13855,8 @@
       </dsp:nvSpPr>
       <dsp:spPr>
         <a:xfrm>
-          <a:off x="6705" y="335263"/>
-          <a:ext cx="2524265" cy="1514559"/>
+          <a:off x="10970" y="337025"/>
+          <a:ext cx="2521800" cy="1513080"/>
         </a:xfrm>
         <a:prstGeom prst="rect">
           <a:avLst/>
@@ -11445,12 +13897,12 @@
         </a:fontRef>
       </dsp:style>
       <dsp:txBody>
-        <a:bodyPr spcFirstLastPara="0" vert="horz" wrap="square" lIns="170688" tIns="170688" rIns="170688" bIns="170688" numCol="1" spcCol="1270" anchor="ctr" anchorCtr="0">
+        <a:bodyPr spcFirstLastPara="0" vert="horz" wrap="square" lIns="220472" tIns="220472" rIns="220472" bIns="220472" numCol="1" spcCol="1270" anchor="ctr" anchorCtr="0">
           <a:noAutofit/>
         </a:bodyPr>
         <a:lstStyle/>
         <a:p>
-          <a:pPr lvl="0" algn="ctr" defTabSz="1066800">
+          <a:pPr lvl="0" algn="ctr" defTabSz="1377950">
             <a:lnSpc>
               <a:spcPct val="90000"/>
             </a:lnSpc>
@@ -11462,19 +13914,19 @@
             </a:spcAft>
           </a:pPr>
           <a:r>
-            <a:rPr lang="en-US" altLang="zh-CN" sz="2400" kern="1200" dirty="0" smtClean="0"/>
+            <a:rPr lang="en-US" altLang="zh-CN" sz="3100" kern="1200" dirty="0" smtClean="0"/>
             <a:t>WAV</a:t>
           </a:r>
           <a:r>
-            <a:rPr lang="zh-CN" altLang="en-US" sz="2400" kern="1200" dirty="0" smtClean="0"/>
+            <a:rPr lang="zh-CN" altLang="en-US" sz="3100" kern="1200" dirty="0" smtClean="0"/>
             <a:t>格式录音保存</a:t>
           </a:r>
-          <a:endParaRPr lang="zh-CN" altLang="en-US" sz="2400" kern="1200" dirty="0"/>
+          <a:endParaRPr lang="zh-CN" altLang="en-US" sz="3100" kern="1200" dirty="0"/>
         </a:p>
       </dsp:txBody>
       <dsp:txXfrm>
-        <a:off x="6705" y="335263"/>
-        <a:ext cx="2524265" cy="1514559"/>
+        <a:off x="10970" y="337025"/>
+        <a:ext cx="2521800" cy="1513080"/>
       </dsp:txXfrm>
     </dsp:sp>
     <dsp:sp modelId="{7E95438E-2697-4E53-95AC-4B8E374510BC}">
@@ -11484,8 +13936,8 @@
       </dsp:nvSpPr>
       <dsp:spPr>
         <a:xfrm>
-          <a:off x="5634017" y="1046822"/>
-          <a:ext cx="549980" cy="91440"/>
+          <a:off x="5632784" y="1047845"/>
+          <a:ext cx="549414" cy="91440"/>
         </a:xfrm>
         <a:custGeom>
           <a:avLst/>
@@ -11499,7 +13951,7 @@
                 <a:pt x="0" y="45720"/>
               </a:moveTo>
               <a:lnTo>
-                <a:pt x="549980" y="45720"/>
+                <a:pt x="549414" y="45720"/>
               </a:lnTo>
             </a:path>
           </a:pathLst>
@@ -11537,7 +13989,7 @@
         </a:bodyPr>
         <a:lstStyle/>
         <a:p>
-          <a:pPr lvl="0" algn="ctr" defTabSz="222250">
+          <a:pPr lvl="0" algn="ctr" defTabSz="1377950">
             <a:lnSpc>
               <a:spcPct val="90000"/>
             </a:lnSpc>
@@ -11548,12 +14000,12 @@
               <a:spcPct val="35000"/>
             </a:spcAft>
           </a:pPr>
-          <a:endParaRPr lang="zh-CN" altLang="en-US" sz="500" kern="1200"/>
+          <a:endParaRPr lang="zh-CN" altLang="en-US" sz="3100" kern="1200"/>
         </a:p>
       </dsp:txBody>
       <dsp:txXfrm>
-        <a:off x="5894493" y="1089640"/>
-        <a:ext cx="29029" cy="5805"/>
+        <a:off x="5892991" y="1090663"/>
+        <a:ext cx="29000" cy="5805"/>
       </dsp:txXfrm>
     </dsp:sp>
     <dsp:sp modelId="{3A5F1568-9846-461D-8B97-7038C2F3D2D3}">
@@ -11563,8 +14015,8 @@
       </dsp:nvSpPr>
       <dsp:spPr>
         <a:xfrm>
-          <a:off x="3111551" y="335263"/>
-          <a:ext cx="2524265" cy="1514559"/>
+          <a:off x="3112784" y="337025"/>
+          <a:ext cx="2521800" cy="1513080"/>
         </a:xfrm>
         <a:prstGeom prst="rect">
           <a:avLst/>
@@ -11605,12 +14057,12 @@
         </a:fontRef>
       </dsp:style>
       <dsp:txBody>
-        <a:bodyPr spcFirstLastPara="0" vert="horz" wrap="square" lIns="170688" tIns="170688" rIns="170688" bIns="170688" numCol="1" spcCol="1270" anchor="ctr" anchorCtr="0">
+        <a:bodyPr spcFirstLastPara="0" vert="horz" wrap="square" lIns="220472" tIns="220472" rIns="220472" bIns="220472" numCol="1" spcCol="1270" anchor="ctr" anchorCtr="0">
           <a:noAutofit/>
         </a:bodyPr>
         <a:lstStyle/>
         <a:p>
-          <a:pPr lvl="0" algn="ctr" defTabSz="1066800">
+          <a:pPr lvl="0" algn="ctr" defTabSz="1377950">
             <a:lnSpc>
               <a:spcPct val="90000"/>
             </a:lnSpc>
@@ -11622,19 +14074,19 @@
             </a:spcAft>
           </a:pPr>
           <a:r>
-            <a:rPr lang="en-US" altLang="zh-CN" sz="2400" kern="1200" smtClean="0"/>
+            <a:rPr lang="en-US" altLang="zh-CN" sz="3100" kern="1200" smtClean="0"/>
             <a:t>MFCC</a:t>
           </a:r>
           <a:r>
-            <a:rPr lang="zh-CN" altLang="en-US" sz="2400" kern="1200" dirty="0" smtClean="0"/>
+            <a:rPr lang="zh-CN" altLang="en-US" sz="3100" kern="1200" dirty="0" smtClean="0"/>
             <a:t>特征提取</a:t>
           </a:r>
-          <a:endParaRPr lang="zh-CN" altLang="en-US" sz="2400" kern="1200" dirty="0"/>
+          <a:endParaRPr lang="zh-CN" altLang="en-US" sz="3100" kern="1200" dirty="0"/>
         </a:p>
       </dsp:txBody>
       <dsp:txXfrm>
-        <a:off x="3111551" y="335263"/>
-        <a:ext cx="2524265" cy="1514559"/>
+        <a:off x="3112784" y="337025"/>
+        <a:ext cx="2521800" cy="1513080"/>
       </dsp:txXfrm>
     </dsp:sp>
     <dsp:sp modelId="{7263C1B6-0F80-44D6-B28D-0E172BF64B28}">
@@ -11644,8 +14096,8 @@
       </dsp:nvSpPr>
       <dsp:spPr>
         <a:xfrm>
-          <a:off x="1268838" y="1848022"/>
-          <a:ext cx="6209692" cy="549980"/>
+          <a:off x="1271870" y="1848305"/>
+          <a:ext cx="6203628" cy="549414"/>
         </a:xfrm>
         <a:custGeom>
           <a:avLst/>
@@ -11656,16 +14108,16 @@
           <a:pathLst>
             <a:path>
               <a:moveTo>
-                <a:pt x="6209692" y="0"/>
+                <a:pt x="6203628" y="0"/>
               </a:moveTo>
               <a:lnTo>
-                <a:pt x="6209692" y="292090"/>
+                <a:pt x="6203628" y="291807"/>
               </a:lnTo>
               <a:lnTo>
-                <a:pt x="0" y="292090"/>
+                <a:pt x="0" y="291807"/>
               </a:lnTo>
               <a:lnTo>
-                <a:pt x="0" y="549980"/>
+                <a:pt x="0" y="549414"/>
               </a:lnTo>
             </a:path>
           </a:pathLst>
@@ -11703,7 +14155,7 @@
         </a:bodyPr>
         <a:lstStyle/>
         <a:p>
-          <a:pPr lvl="0" algn="ctr" defTabSz="222250">
+          <a:pPr lvl="0" algn="ctr" defTabSz="1377950">
             <a:lnSpc>
               <a:spcPct val="90000"/>
             </a:lnSpc>
@@ -11714,12 +14166,12 @@
               <a:spcPct val="35000"/>
             </a:spcAft>
           </a:pPr>
-          <a:endParaRPr lang="zh-CN" altLang="en-US" sz="500" kern="1200"/>
+          <a:endParaRPr lang="zh-CN" altLang="en-US" sz="3100" kern="1200"/>
         </a:p>
       </dsp:txBody>
       <dsp:txXfrm>
-        <a:off x="4217765" y="2120110"/>
-        <a:ext cx="311838" cy="5805"/>
+        <a:off x="4217917" y="2120110"/>
+        <a:ext cx="311534" cy="5805"/>
       </dsp:txXfrm>
     </dsp:sp>
     <dsp:sp modelId="{3AFC2D57-A830-4A01-9E6C-E34A7D324FB9}">
@@ -11729,8 +14181,8 @@
       </dsp:nvSpPr>
       <dsp:spPr>
         <a:xfrm>
-          <a:off x="6216398" y="335263"/>
-          <a:ext cx="2524265" cy="1514559"/>
+          <a:off x="6214598" y="337025"/>
+          <a:ext cx="2521800" cy="1513080"/>
         </a:xfrm>
         <a:prstGeom prst="rect">
           <a:avLst/>
@@ -11771,12 +14223,12 @@
         </a:fontRef>
       </dsp:style>
       <dsp:txBody>
-        <a:bodyPr spcFirstLastPara="0" vert="horz" wrap="square" lIns="170688" tIns="170688" rIns="170688" bIns="170688" numCol="1" spcCol="1270" anchor="ctr" anchorCtr="0">
+        <a:bodyPr spcFirstLastPara="0" vert="horz" wrap="square" lIns="220472" tIns="220472" rIns="220472" bIns="220472" numCol="1" spcCol="1270" anchor="ctr" anchorCtr="0">
           <a:noAutofit/>
         </a:bodyPr>
         <a:lstStyle/>
         <a:p>
-          <a:pPr lvl="0" algn="ctr" defTabSz="1066800">
+          <a:pPr lvl="0" algn="ctr" defTabSz="1377950">
             <a:lnSpc>
               <a:spcPct val="90000"/>
             </a:lnSpc>
@@ -11788,19 +14240,19 @@
             </a:spcAft>
           </a:pPr>
           <a:r>
-            <a:rPr lang="en-US" altLang="zh-CN" sz="2400" kern="1200" dirty="0" err="1" smtClean="0"/>
+            <a:rPr lang="en-US" altLang="zh-CN" sz="3100" kern="1200" dirty="0" err="1" smtClean="0"/>
             <a:t>Hvite</a:t>
           </a:r>
           <a:r>
-            <a:rPr lang="zh-CN" altLang="en-US" sz="2400" kern="1200" dirty="0" smtClean="0"/>
+            <a:rPr lang="zh-CN" altLang="en-US" sz="3100" kern="1200" dirty="0" smtClean="0"/>
             <a:t>识别得到结果</a:t>
           </a:r>
-          <a:endParaRPr lang="zh-CN" altLang="en-US" sz="2400" kern="1200" dirty="0"/>
+          <a:endParaRPr lang="zh-CN" altLang="en-US" sz="3100" kern="1200" dirty="0"/>
         </a:p>
       </dsp:txBody>
       <dsp:txXfrm>
-        <a:off x="6216398" y="335263"/>
-        <a:ext cx="2524265" cy="1514559"/>
+        <a:off x="6214598" y="337025"/>
+        <a:ext cx="2521800" cy="1513080"/>
       </dsp:txXfrm>
     </dsp:sp>
     <dsp:sp modelId="{1C1ADA81-2232-4818-9E5E-5F153F3942BA}">
@@ -11810,8 +14262,8 @@
       </dsp:nvSpPr>
       <dsp:spPr>
         <a:xfrm>
-          <a:off x="2529170" y="3141963"/>
-          <a:ext cx="549980" cy="91440"/>
+          <a:off x="2530970" y="3140940"/>
+          <a:ext cx="549414" cy="91440"/>
         </a:xfrm>
         <a:custGeom>
           <a:avLst/>
@@ -11825,7 +14277,7 @@
                 <a:pt x="0" y="45720"/>
               </a:moveTo>
               <a:lnTo>
-                <a:pt x="549980" y="45720"/>
+                <a:pt x="549414" y="45720"/>
               </a:lnTo>
             </a:path>
           </a:pathLst>
@@ -11863,7 +14315,7 @@
         </a:bodyPr>
         <a:lstStyle/>
         <a:p>
-          <a:pPr lvl="0" algn="ctr" defTabSz="222250">
+          <a:pPr lvl="0" algn="ctr" defTabSz="1377950">
             <a:lnSpc>
               <a:spcPct val="90000"/>
             </a:lnSpc>
@@ -11874,12 +14326,12 @@
               <a:spcPct val="35000"/>
             </a:spcAft>
           </a:pPr>
-          <a:endParaRPr lang="zh-CN" altLang="en-US" sz="500" kern="1200"/>
+          <a:endParaRPr lang="zh-CN" altLang="en-US" sz="3100" kern="1200"/>
         </a:p>
       </dsp:txBody>
       <dsp:txXfrm>
-        <a:off x="2789646" y="3184780"/>
-        <a:ext cx="29029" cy="5805"/>
+        <a:off x="2791177" y="3183757"/>
+        <a:ext cx="29000" cy="5805"/>
       </dsp:txXfrm>
     </dsp:sp>
     <dsp:sp modelId="{3B37443F-9334-4326-9569-7763E4E6BDE6}">
@@ -11889,8 +14341,8 @@
       </dsp:nvSpPr>
       <dsp:spPr>
         <a:xfrm>
-          <a:off x="6705" y="2430403"/>
-          <a:ext cx="2524265" cy="1514559"/>
+          <a:off x="10970" y="2430120"/>
+          <a:ext cx="2521800" cy="1513080"/>
         </a:xfrm>
         <a:prstGeom prst="rect">
           <a:avLst/>
@@ -11931,12 +14383,12 @@
         </a:fontRef>
       </dsp:style>
       <dsp:txBody>
-        <a:bodyPr spcFirstLastPara="0" vert="horz" wrap="square" lIns="170688" tIns="170688" rIns="170688" bIns="170688" numCol="1" spcCol="1270" anchor="ctr" anchorCtr="0">
+        <a:bodyPr spcFirstLastPara="0" vert="horz" wrap="square" lIns="220472" tIns="220472" rIns="220472" bIns="220472" numCol="1" spcCol="1270" anchor="ctr" anchorCtr="0">
           <a:noAutofit/>
         </a:bodyPr>
         <a:lstStyle/>
         <a:p>
-          <a:pPr lvl="0" algn="ctr" defTabSz="1066800">
+          <a:pPr lvl="0" algn="ctr" defTabSz="1377950">
             <a:lnSpc>
               <a:spcPct val="90000"/>
             </a:lnSpc>
@@ -11948,15 +14400,15 @@
             </a:spcAft>
           </a:pPr>
           <a:r>
-            <a:rPr lang="zh-CN" altLang="en-US" sz="2400" kern="1200" dirty="0" smtClean="0"/>
+            <a:rPr lang="zh-CN" altLang="en-US" sz="3100" kern="1200" dirty="0" smtClean="0"/>
             <a:t>判断结果是否与声明相匹配</a:t>
           </a:r>
-          <a:endParaRPr lang="zh-CN" altLang="en-US" sz="2400" kern="1200" dirty="0"/>
+          <a:endParaRPr lang="zh-CN" altLang="en-US" sz="3100" kern="1200" dirty="0"/>
         </a:p>
       </dsp:txBody>
       <dsp:txXfrm>
-        <a:off x="6705" y="2430403"/>
-        <a:ext cx="2524265" cy="1514559"/>
+        <a:off x="10970" y="2430120"/>
+        <a:ext cx="2521800" cy="1513080"/>
       </dsp:txXfrm>
     </dsp:sp>
     <dsp:sp modelId="{661D2DF1-48FC-43BE-A76D-07CFF26D7177}">
@@ -11966,8 +14418,8 @@
       </dsp:nvSpPr>
       <dsp:spPr>
         <a:xfrm>
-          <a:off x="3111551" y="2430403"/>
-          <a:ext cx="2524265" cy="1514559"/>
+          <a:off x="3112784" y="2430120"/>
+          <a:ext cx="2521800" cy="1513080"/>
         </a:xfrm>
         <a:prstGeom prst="rect">
           <a:avLst/>
@@ -12008,12 +14460,12 @@
         </a:fontRef>
       </dsp:style>
       <dsp:txBody>
-        <a:bodyPr spcFirstLastPara="0" vert="horz" wrap="square" lIns="170688" tIns="170688" rIns="170688" bIns="170688" numCol="1" spcCol="1270" anchor="ctr" anchorCtr="0">
+        <a:bodyPr spcFirstLastPara="0" vert="horz" wrap="square" lIns="220472" tIns="220472" rIns="220472" bIns="220472" numCol="1" spcCol="1270" anchor="ctr" anchorCtr="0">
           <a:noAutofit/>
         </a:bodyPr>
         <a:lstStyle/>
         <a:p>
-          <a:pPr lvl="0" algn="ctr" defTabSz="1066800">
+          <a:pPr lvl="0" algn="ctr" defTabSz="1377950">
             <a:lnSpc>
               <a:spcPct val="90000"/>
             </a:lnSpc>
@@ -12025,15 +14477,15 @@
             </a:spcAft>
           </a:pPr>
           <a:r>
-            <a:rPr lang="zh-CN" altLang="en-US" sz="2400" kern="1200" dirty="0" smtClean="0"/>
+            <a:rPr lang="zh-CN" altLang="en-US" sz="3100" kern="1200" dirty="0" smtClean="0"/>
             <a:t>判断结果中的分数是否低于阈值</a:t>
           </a:r>
-          <a:endParaRPr lang="zh-CN" altLang="en-US" sz="2400" kern="1200" dirty="0"/>
+          <a:endParaRPr lang="zh-CN" altLang="en-US" sz="3100" kern="1200" dirty="0"/>
         </a:p>
       </dsp:txBody>
       <dsp:txXfrm>
-        <a:off x="3111551" y="2430403"/>
-        <a:ext cx="2524265" cy="1514559"/>
+        <a:off x="3112784" y="2430120"/>
+        <a:ext cx="2521800" cy="1513080"/>
       </dsp:txXfrm>
     </dsp:sp>
   </dsp:spTree>
@@ -28602,6 +31054,90 @@
 </p:notes>
 </file>
 
+<file path=ppt/notesSlides/notesSlide6.xml><?xml version="1.0" encoding="utf-8"?>
+<p:notes xmlns:a="http://schemas.openxmlformats.org/drawingml/2006/main" xmlns:r="http://schemas.openxmlformats.org/officeDocument/2006/relationships" xmlns:p="http://schemas.openxmlformats.org/presentationml/2006/main">
+  <p:cSld>
+    <p:spTree>
+      <p:nvGrpSpPr>
+        <p:cNvPr id="1" name=""/>
+        <p:cNvGrpSpPr/>
+        <p:nvPr/>
+      </p:nvGrpSpPr>
+      <p:grpSpPr>
+        <a:xfrm>
+          <a:off x="0" y="0"/>
+          <a:ext cx="0" cy="0"/>
+          <a:chOff x="0" y="0"/>
+          <a:chExt cx="0" cy="0"/>
+        </a:xfrm>
+      </p:grpSpPr>
+      <p:sp>
+        <p:nvSpPr>
+          <p:cNvPr id="2" name="幻灯片图像占位符 1"/>
+          <p:cNvSpPr>
+            <a:spLocks noGrp="1" noRot="1" noChangeAspect="1"/>
+          </p:cNvSpPr>
+          <p:nvPr>
+            <p:ph type="sldImg"/>
+          </p:nvPr>
+        </p:nvSpPr>
+        <p:spPr/>
+      </p:sp>
+      <p:sp>
+        <p:nvSpPr>
+          <p:cNvPr id="3" name="备注占位符 2"/>
+          <p:cNvSpPr>
+            <a:spLocks noGrp="1"/>
+          </p:cNvSpPr>
+          <p:nvPr>
+            <p:ph type="body" idx="1"/>
+          </p:nvPr>
+        </p:nvSpPr>
+        <p:spPr/>
+        <p:txBody>
+          <a:bodyPr/>
+          <a:lstStyle/>
+          <a:p>
+            <a:endParaRPr lang="zh-CN" altLang="en-US" dirty="0"/>
+          </a:p>
+        </p:txBody>
+      </p:sp>
+      <p:sp>
+        <p:nvSpPr>
+          <p:cNvPr id="4" name="灯片编号占位符 3"/>
+          <p:cNvSpPr>
+            <a:spLocks noGrp="1"/>
+          </p:cNvSpPr>
+          <p:nvPr>
+            <p:ph type="sldNum" sz="quarter" idx="10"/>
+          </p:nvPr>
+        </p:nvSpPr>
+        <p:spPr/>
+        <p:txBody>
+          <a:bodyPr/>
+          <a:lstStyle/>
+          <a:p>
+            <a:fld id="{D7DDA57B-CC41-46A7-B41F-28C9EB5D2C46}" type="slidenum">
+              <a:rPr lang="zh-CN" altLang="en-US" smtClean="0"/>
+              <a:t>13</a:t>
+            </a:fld>
+            <a:endParaRPr lang="zh-CN" altLang="en-US"/>
+          </a:p>
+        </p:txBody>
+      </p:sp>
+    </p:spTree>
+    <p:extLst>
+      <p:ext uri="{BB962C8B-B14F-4D97-AF65-F5344CB8AC3E}">
+        <p14:creationId xmlns:p14="http://schemas.microsoft.com/office/powerpoint/2010/main" val="4141502263"/>
+      </p:ext>
+    </p:extLst>
+  </p:cSld>
+  <p:clrMapOvr>
+    <a:masterClrMapping/>
+  </p:clrMapOvr>
+</p:notes>
+</file>
+
 <file path=ppt/slideLayouts/slideLayout1.xml><?xml version="1.0" encoding="utf-8"?>
 <p:sldLayout xmlns:a="http://schemas.openxmlformats.org/drawingml/2006/main" xmlns:r="http://schemas.openxmlformats.org/officeDocument/2006/relationships" xmlns:p="http://schemas.openxmlformats.org/presentationml/2006/main" showMasterSp="0" type="title" preserve="1">
   <p:cSld name="标题幻灯片">
@@ -34761,7 +37297,7 @@
           <a:graphicData uri="http://schemas.openxmlformats.org/presentationml/2006/ole">
             <mc:AlternateContent xmlns:mc="http://schemas.openxmlformats.org/markup-compatibility/2006">
               <mc:Choice xmlns:v="urn:schemas-microsoft-com:vml" Requires="v">
-                <p:oleObj spid="_x0000_s4112" name="演示文稿" r:id="rId3" imgW="4433197" imgH="2494894" progId="PowerPoint.Show.12">
+                <p:oleObj spid="_x0000_s4168" name="演示文稿" r:id="rId3" imgW="4433197" imgH="2494894" progId="PowerPoint.Show.12">
                   <p:embed/>
                 </p:oleObj>
               </mc:Choice>
@@ -34820,7 +37356,7 @@
           <a:graphicData uri="http://schemas.openxmlformats.org/presentationml/2006/ole">
             <mc:AlternateContent xmlns:mc="http://schemas.openxmlformats.org/markup-compatibility/2006">
               <mc:Choice xmlns:v="urn:schemas-microsoft-com:vml" Requires="v">
-                <p:oleObj spid="_x0000_s4113" name="演示文稿" r:id="rId5" imgW="4096640" imgH="2304114" progId="PowerPoint.Show.12">
+                <p:oleObj spid="_x0000_s4169" name="演示文稿" r:id="rId5" imgW="4096640" imgH="2304114" progId="PowerPoint.Show.12">
                   <p:embed/>
                 </p:oleObj>
               </mc:Choice>
@@ -34879,7 +37415,7 @@
           <a:graphicData uri="http://schemas.openxmlformats.org/presentationml/2006/ole">
             <mc:AlternateContent xmlns:mc="http://schemas.openxmlformats.org/markup-compatibility/2006">
               <mc:Choice xmlns:v="urn:schemas-microsoft-com:vml" Requires="v">
-                <p:oleObj spid="_x0000_s4114" name="演示文稿" r:id="rId7" imgW="3805437" imgH="2139612" progId="PowerPoint.Show.12">
+                <p:oleObj spid="_x0000_s4170" name="演示文稿" r:id="rId7" imgW="3805437" imgH="2139612" progId="PowerPoint.Show.12">
                   <p:embed/>
                 </p:oleObj>
               </mc:Choice>
@@ -34938,7 +37474,7 @@
           <a:graphicData uri="http://schemas.openxmlformats.org/presentationml/2006/ole">
             <mc:AlternateContent xmlns:mc="http://schemas.openxmlformats.org/markup-compatibility/2006">
               <mc:Choice xmlns:v="urn:schemas-microsoft-com:vml" Requires="v">
-                <p:oleObj spid="_x0000_s4115" name="演示文稿" r:id="rId9" imgW="3471759" imgH="1950632" progId="PowerPoint.Show.12">
+                <p:oleObj spid="_x0000_s4171" name="演示文稿" r:id="rId9" imgW="3471759" imgH="1950632" progId="PowerPoint.Show.12">
                   <p:embed/>
                 </p:oleObj>
               </mc:Choice>
@@ -34997,7 +37533,7 @@
           <a:graphicData uri="http://schemas.openxmlformats.org/presentationml/2006/ole">
             <mc:AlternateContent xmlns:mc="http://schemas.openxmlformats.org/markup-compatibility/2006">
               <mc:Choice xmlns:v="urn:schemas-microsoft-com:vml" Requires="v">
-                <p:oleObj spid="_x0000_s4116" name="演示文稿" r:id="rId11" imgW="3200354" imgH="1799808" progId="PowerPoint.Show.12">
+                <p:oleObj spid="_x0000_s4172" name="演示文稿" r:id="rId11" imgW="3200354" imgH="1799808" progId="PowerPoint.Show.12">
                   <p:embed/>
                 </p:oleObj>
               </mc:Choice>
@@ -35056,7 +37592,7 @@
           <a:graphicData uri="http://schemas.openxmlformats.org/presentationml/2006/ole">
             <mc:AlternateContent xmlns:mc="http://schemas.openxmlformats.org/markup-compatibility/2006">
               <mc:Choice xmlns:v="urn:schemas-microsoft-com:vml" Requires="v">
-                <p:oleObj spid="_x0000_s4117" name="演示文稿" r:id="rId13" imgW="2235676" imgH="1257346" progId="PowerPoint.Show.12">
+                <p:oleObj spid="_x0000_s4173" name="演示文稿" r:id="rId13" imgW="2235676" imgH="1257346" progId="PowerPoint.Show.12">
                   <p:embed/>
                 </p:oleObj>
               </mc:Choice>
@@ -35115,7 +37651,7 @@
           <a:graphicData uri="http://schemas.openxmlformats.org/presentationml/2006/ole">
             <mc:AlternateContent xmlns:mc="http://schemas.openxmlformats.org/markup-compatibility/2006">
               <mc:Choice xmlns:v="urn:schemas-microsoft-com:vml" Requires="v">
-                <p:oleObj spid="_x0000_s4118" name="演示文稿" r:id="rId15" imgW="1447736" imgH="812433" progId="PowerPoint.Show.12">
+                <p:oleObj spid="_x0000_s4174" name="演示文稿" r:id="rId15" imgW="1447736" imgH="812433" progId="PowerPoint.Show.12">
                   <p:embed/>
                 </p:oleObj>
               </mc:Choice>
@@ -35160,8 +37696,8 @@
         </p:nvCxnSpPr>
         <p:spPr>
           <a:xfrm flipH="1">
-            <a:off x="2659570" y="3300714"/>
-            <a:ext cx="2531206" cy="799773"/>
+            <a:off x="2766657" y="3300714"/>
+            <a:ext cx="2424119" cy="738161"/>
           </a:xfrm>
           <a:prstGeom prst="line">
             <a:avLst/>
@@ -35771,7 +38307,7 @@
           <p:nvPr>
             <p:extLst>
               <p:ext uri="{D42A27DB-BD31-4B8C-83A1-F6EECF244321}">
-                <p14:modId xmlns:p14="http://schemas.microsoft.com/office/powerpoint/2010/main" val="3582054526"/>
+                <p14:modId xmlns:p14="http://schemas.microsoft.com/office/powerpoint/2010/main" val="3611814905"/>
               </p:ext>
             </p:extLst>
           </p:nvPr>
@@ -35830,7 +38366,7 @@
           <p:nvPr>
             <p:extLst>
               <p:ext uri="{D42A27DB-BD31-4B8C-83A1-F6EECF244321}">
-                <p14:modId xmlns:p14="http://schemas.microsoft.com/office/powerpoint/2010/main" val="2637824946"/>
+                <p14:modId xmlns:p14="http://schemas.microsoft.com/office/powerpoint/2010/main" val="1809161854"/>
               </p:ext>
             </p:extLst>
           </p:nvPr>
@@ -35841,7 +38377,7 @@
         </p:xfrm>
         <a:graphic>
           <a:graphicData uri="http://schemas.openxmlformats.org/drawingml/2006/diagram">
-            <dgm:relIds xmlns:dgm="http://schemas.openxmlformats.org/drawingml/2006/diagram" xmlns:r="http://schemas.openxmlformats.org/officeDocument/2006/relationships" r:dm="rId2" r:lo="rId3" r:qs="rId4" r:cs="rId5"/>
+            <dgm:relIds xmlns:dgm="http://schemas.openxmlformats.org/drawingml/2006/diagram" xmlns:r="http://schemas.openxmlformats.org/officeDocument/2006/relationships" r:dm="rId3" r:lo="rId4" r:qs="rId5" r:cs="rId6"/>
           </a:graphicData>
         </a:graphic>
       </p:graphicFrame>
@@ -35914,8 +38450,28 @@
           <a:p>
             <a:pPr lvl="1"/>
             <a:r>
+              <a:rPr lang="zh-CN" altLang="en-US" sz="3600" dirty="0" smtClean="0"/>
+              <a:t>掌握</a:t>
+            </a:r>
+            <a:r>
+              <a:rPr lang="en-US" altLang="zh-CN" sz="3600" dirty="0" smtClean="0"/>
+              <a:t>Android</a:t>
+            </a:r>
+            <a:r>
+              <a:rPr lang="zh-CN" altLang="en-US" sz="3600" dirty="0" smtClean="0"/>
+              <a:t>开发这一项技能</a:t>
+            </a:r>
+            <a:endParaRPr lang="en-US" altLang="zh-CN" sz="3600" dirty="0" smtClean="0"/>
+          </a:p>
+          <a:p>
+            <a:pPr lvl="1"/>
+            <a:r>
+              <a:rPr lang="zh-CN" altLang="en-US" sz="3600" dirty="0" smtClean="0"/>
+              <a:t>基本</a:t>
+            </a:r>
+            <a:r>
               <a:rPr lang="zh-CN" altLang="en-US" sz="3600" dirty="0"/>
-              <a:t>基本实现了</a:t>
+              <a:t>实现了</a:t>
             </a:r>
             <a:r>
               <a:rPr lang="en-US" altLang="zh-CN" sz="3600" dirty="0"/>
@@ -35923,15 +38479,7 @@
             </a:r>
             <a:r>
               <a:rPr lang="zh-CN" altLang="en-US" sz="3600" dirty="0"/>
-              <a:t>下的</a:t>
-            </a:r>
-            <a:r>
-              <a:rPr lang="zh-CN" altLang="en-US" sz="3600"/>
-              <a:t>文本</a:t>
-            </a:r>
-            <a:r>
-              <a:rPr lang="zh-CN" altLang="en-US" sz="3600" smtClean="0"/>
-              <a:t>相关声纹</a:t>
+              <a:t>下的文本相关声纹</a:t>
             </a:r>
             <a:r>
               <a:rPr lang="zh-CN" altLang="en-US" sz="3600" dirty="0" smtClean="0"/>
@@ -35950,13 +38498,21 @@
           <a:p>
             <a:pPr lvl="1"/>
             <a:r>
-              <a:rPr lang="zh-CN" altLang="en-US" sz="3600" dirty="0" smtClean="0"/>
-              <a:t>训练会有不到位的情况，需要多次训练</a:t>
+              <a:rPr lang="zh-CN" altLang="en-US" sz="4000" dirty="0" smtClean="0"/>
+              <a:t>错误的接受率和</a:t>
             </a:r>
-            <a:endParaRPr lang="en-US" altLang="zh-CN" sz="3600" dirty="0" smtClean="0"/>
+            <a:r>
+              <a:rPr lang="zh-CN" altLang="en-US" sz="4000" dirty="0"/>
+              <a:t>错误的拒绝</a:t>
+            </a:r>
+            <a:r>
+              <a:rPr lang="zh-CN" altLang="en-US" sz="4000" dirty="0" smtClean="0"/>
+              <a:t>率可以进一步降低</a:t>
+            </a:r>
+            <a:endParaRPr lang="en-US" altLang="zh-CN" sz="4000" dirty="0" smtClean="0"/>
           </a:p>
           <a:p>
-            <a:pPr lvl="0"/>
+            <a:pPr lvl="1"/>
             <a:endParaRPr lang="zh-CN" altLang="en-US" sz="4000" dirty="0"/>
           </a:p>
           <a:p>
@@ -35985,6 +38541,130 @@
 </file>
 
 <file path=ppt/slides/slide15.xml><?xml version="1.0" encoding="utf-8"?>
+<p:sld xmlns:a="http://schemas.openxmlformats.org/drawingml/2006/main" xmlns:r="http://schemas.openxmlformats.org/officeDocument/2006/relationships" xmlns:p="http://schemas.openxmlformats.org/presentationml/2006/main">
+  <p:cSld>
+    <p:spTree>
+      <p:nvGrpSpPr>
+        <p:cNvPr id="1" name=""/>
+        <p:cNvGrpSpPr/>
+        <p:nvPr/>
+      </p:nvGrpSpPr>
+      <p:grpSpPr>
+        <a:xfrm>
+          <a:off x="0" y="0"/>
+          <a:ext cx="0" cy="0"/>
+          <a:chOff x="0" y="0"/>
+          <a:chExt cx="0" cy="0"/>
+        </a:xfrm>
+      </p:grpSpPr>
+      <p:pic>
+        <p:nvPicPr>
+          <p:cNvPr id="6" name="图片 5"/>
+          <p:cNvPicPr>
+            <a:picLocks noChangeAspect="1"/>
+          </p:cNvPicPr>
+          <p:nvPr/>
+        </p:nvPicPr>
+        <p:blipFill rotWithShape="1">
+          <a:blip r:embed="rId2"/>
+          <a:srcRect r="28080"/>
+          <a:stretch/>
+        </p:blipFill>
+        <p:spPr>
+          <a:xfrm>
+            <a:off x="212116" y="341067"/>
+            <a:ext cx="2161808" cy="5251502"/>
+          </a:xfrm>
+          <a:prstGeom prst="rect">
+            <a:avLst/>
+          </a:prstGeom>
+        </p:spPr>
+      </p:pic>
+      <p:pic>
+        <p:nvPicPr>
+          <p:cNvPr id="7" name="图片 6"/>
+          <p:cNvPicPr>
+            <a:picLocks noChangeAspect="1"/>
+          </p:cNvPicPr>
+          <p:nvPr/>
+        </p:nvPicPr>
+        <p:blipFill rotWithShape="1">
+          <a:blip r:embed="rId3"/>
+          <a:srcRect r="11717"/>
+          <a:stretch/>
+        </p:blipFill>
+        <p:spPr>
+          <a:xfrm>
+            <a:off x="2878748" y="341067"/>
+            <a:ext cx="2613514" cy="6178178"/>
+          </a:xfrm>
+          <a:prstGeom prst="rect">
+            <a:avLst/>
+          </a:prstGeom>
+        </p:spPr>
+      </p:pic>
+      <p:pic>
+        <p:nvPicPr>
+          <p:cNvPr id="8" name="图片 7"/>
+          <p:cNvPicPr>
+            <a:picLocks noChangeAspect="1"/>
+          </p:cNvPicPr>
+          <p:nvPr/>
+        </p:nvPicPr>
+        <p:blipFill>
+          <a:blip r:embed="rId4"/>
+          <a:stretch>
+            <a:fillRect/>
+          </a:stretch>
+        </p:blipFill>
+        <p:spPr>
+          <a:xfrm>
+            <a:off x="5997086" y="371254"/>
+            <a:ext cx="2666268" cy="5634896"/>
+          </a:xfrm>
+          <a:prstGeom prst="rect">
+            <a:avLst/>
+          </a:prstGeom>
+        </p:spPr>
+      </p:pic>
+      <p:pic>
+        <p:nvPicPr>
+          <p:cNvPr id="9" name="图片 8"/>
+          <p:cNvPicPr>
+            <a:picLocks noChangeAspect="1"/>
+          </p:cNvPicPr>
+          <p:nvPr/>
+        </p:nvPicPr>
+        <p:blipFill>
+          <a:blip r:embed="rId5"/>
+          <a:stretch>
+            <a:fillRect/>
+          </a:stretch>
+        </p:blipFill>
+        <p:spPr>
+          <a:xfrm>
+            <a:off x="9168178" y="371254"/>
+            <a:ext cx="2785330" cy="4897875"/>
+          </a:xfrm>
+          <a:prstGeom prst="rect">
+            <a:avLst/>
+          </a:prstGeom>
+        </p:spPr>
+      </p:pic>
+    </p:spTree>
+    <p:extLst>
+      <p:ext uri="{BB962C8B-B14F-4D97-AF65-F5344CB8AC3E}">
+        <p14:creationId xmlns:p14="http://schemas.microsoft.com/office/powerpoint/2010/main" val="8960759"/>
+      </p:ext>
+    </p:extLst>
+  </p:cSld>
+  <p:clrMapOvr>
+    <a:masterClrMapping/>
+  </p:clrMapOvr>
+</p:sld>
+</file>
+
+<file path=ppt/slides/slide16.xml><?xml version="1.0" encoding="utf-8"?>
 <p:sld xmlns:a="http://schemas.openxmlformats.org/drawingml/2006/main" xmlns:r="http://schemas.openxmlformats.org/officeDocument/2006/relationships" xmlns:p="http://schemas.openxmlformats.org/presentationml/2006/main">
   <p:cSld>
     <p:spTree>
@@ -36233,17 +38913,10 @@
           <a:lstStyle/>
           <a:p>
             <a:r>
-              <a:rPr lang="zh-CN" altLang="en-US" dirty="0"/>
-              <a:t>面向</a:t>
+              <a:rPr lang="zh-CN" altLang="en-US" dirty="0" smtClean="0"/>
+              <a:t>系统需求</a:t>
             </a:r>
-            <a:r>
-              <a:rPr lang="en-US" altLang="zh-CN" dirty="0"/>
-              <a:t>Android</a:t>
-            </a:r>
-            <a:r>
-              <a:rPr lang="zh-CN" altLang="en-US" dirty="0"/>
-              <a:t>的文本相关声纹锁</a:t>
-            </a:r>
+            <a:endParaRPr lang="zh-CN" altLang="en-US" dirty="0"/>
           </a:p>
         </p:txBody>
       </p:sp>
@@ -36268,7 +38941,36 @@
             </a:r>
             <a:r>
               <a:rPr lang="zh-CN" altLang="en-US" dirty="0" smtClean="0"/>
-              <a:t>锁屏</a:t>
+              <a:t>锁</a:t>
+            </a:r>
+            <a:r>
+              <a:rPr lang="zh-CN" altLang="en-US" dirty="0" smtClean="0"/>
+              <a:t>屏</a:t>
+            </a:r>
+            <a:endParaRPr lang="en-US" altLang="zh-CN" dirty="0" smtClean="0"/>
+          </a:p>
+          <a:p>
+            <a:r>
+              <a:rPr lang="en-US" altLang="zh-CN" dirty="0" smtClean="0"/>
+              <a:t>Android</a:t>
+            </a:r>
+            <a:r>
+              <a:rPr lang="zh-CN" altLang="en-US" dirty="0" smtClean="0"/>
+              <a:t>录音</a:t>
+            </a:r>
+            <a:endParaRPr lang="en-US" altLang="zh-CN" dirty="0" smtClean="0"/>
+          </a:p>
+          <a:p>
+            <a:r>
+              <a:rPr lang="zh-CN" altLang="en-US" dirty="0" smtClean="0"/>
+              <a:t>语音特征提取</a:t>
+            </a:r>
+            <a:endParaRPr lang="en-US" altLang="zh-CN" dirty="0" smtClean="0"/>
+          </a:p>
+          <a:p>
+            <a:r>
+              <a:rPr lang="zh-CN" altLang="en-US" dirty="0" smtClean="0"/>
+              <a:t>模型训练</a:t>
             </a:r>
             <a:endParaRPr lang="en-US" altLang="zh-CN" dirty="0" smtClean="0"/>
           </a:p>
@@ -36340,7 +39042,7 @@
           <a:graphicData uri="http://schemas.openxmlformats.org/presentationml/2006/ole">
             <mc:AlternateContent xmlns:mc="http://schemas.openxmlformats.org/markup-compatibility/2006">
               <mc:Choice xmlns:v="urn:schemas-microsoft-com:vml" Requires="v">
-                <p:oleObj spid="_x0000_s1039" name="Visio" r:id="rId4" imgW="6962856" imgH="3781541" progId="Visio.Drawing.15">
+                <p:oleObj spid="_x0000_s1047" name="Visio" r:id="rId4" imgW="6962856" imgH="3781541" progId="Visio.Drawing.15">
                   <p:embed/>
                 </p:oleObj>
               </mc:Choice>
@@ -36581,6 +39283,13 @@
   <p:clrMapOvr>
     <a:masterClrMapping/>
   </p:clrMapOvr>
+  <p:timing>
+    <p:tnLst>
+      <p:par>
+        <p:cTn id="1" dur="indefinite" restart="never" nodeType="tmRoot"/>
+      </p:par>
+    </p:tnLst>
+  </p:timing>
 </p:sld>
 </file>
 

--- a/A.pptx
+++ b/A.pptx
@@ -5,7 +5,7 @@
     <p:sldMasterId id="2147483660" r:id="rId1"/>
   </p:sldMasterIdLst>
   <p:notesMasterIdLst>
-    <p:notesMasterId r:id="rId18"/>
+    <p:notesMasterId r:id="rId21"/>
   </p:notesMasterIdLst>
   <p:sldIdLst>
     <p:sldId id="256" r:id="rId2"/>
@@ -19,11 +19,14 @@
     <p:sldId id="266" r:id="rId10"/>
     <p:sldId id="273" r:id="rId11"/>
     <p:sldId id="267" r:id="rId12"/>
-    <p:sldId id="269" r:id="rId13"/>
-    <p:sldId id="272" r:id="rId14"/>
-    <p:sldId id="270" r:id="rId15"/>
-    <p:sldId id="274" r:id="rId16"/>
-    <p:sldId id="268" r:id="rId17"/>
+    <p:sldId id="276" r:id="rId13"/>
+    <p:sldId id="269" r:id="rId14"/>
+    <p:sldId id="277" r:id="rId15"/>
+    <p:sldId id="272" r:id="rId16"/>
+    <p:sldId id="270" r:id="rId17"/>
+    <p:sldId id="274" r:id="rId18"/>
+    <p:sldId id="279" r:id="rId19"/>
+    <p:sldId id="268" r:id="rId20"/>
   </p:sldIdLst>
   <p:sldSz cx="12192000" cy="6858000"/>
   <p:notesSz cx="6858000" cy="9144000"/>
@@ -8915,6 +8918,13 @@
         </dgm:presLayoutVars>
       </dgm:prSet>
       <dgm:spPr/>
+      <dgm:t>
+        <a:bodyPr/>
+        <a:lstStyle/>
+        <a:p>
+          <a:endParaRPr lang="zh-CN" altLang="en-US"/>
+        </a:p>
+      </dgm:t>
     </dgm:pt>
     <dgm:pt modelId="{C7BF6BD2-BDD0-4E4D-8FF0-972F4771BEB9}" type="pres">
       <dgm:prSet presAssocID="{1FB50FC4-13F6-437B-9D59-2F5471C3E76C}" presName="linNode" presStyleCnt="0"/>
@@ -8928,6 +8938,13 @@
         </dgm:presLayoutVars>
       </dgm:prSet>
       <dgm:spPr/>
+      <dgm:t>
+        <a:bodyPr/>
+        <a:lstStyle/>
+        <a:p>
+          <a:endParaRPr lang="zh-CN" altLang="en-US"/>
+        </a:p>
+      </dgm:t>
     </dgm:pt>
     <dgm:pt modelId="{1397DF47-AD66-4F1D-8832-59BACA93DB79}" type="pres">
       <dgm:prSet presAssocID="{1FB50FC4-13F6-437B-9D59-2F5471C3E76C}" presName="descendantText" presStyleLbl="alignAccFollowNode1" presStyleIdx="0" presStyleCnt="3">
@@ -8960,6 +8977,13 @@
         </dgm:presLayoutVars>
       </dgm:prSet>
       <dgm:spPr/>
+      <dgm:t>
+        <a:bodyPr/>
+        <a:lstStyle/>
+        <a:p>
+          <a:endParaRPr lang="zh-CN" altLang="en-US"/>
+        </a:p>
+      </dgm:t>
     </dgm:pt>
     <dgm:pt modelId="{511F3C4C-A133-48D2-A8FF-0926875A18D6}" type="pres">
       <dgm:prSet presAssocID="{E745678F-BC1C-4C96-BEB9-A2B5075B482D}" presName="descendantText" presStyleLbl="alignAccFollowNode1" presStyleIdx="1" presStyleCnt="3">
@@ -8992,6 +9016,13 @@
         </dgm:presLayoutVars>
       </dgm:prSet>
       <dgm:spPr/>
+      <dgm:t>
+        <a:bodyPr/>
+        <a:lstStyle/>
+        <a:p>
+          <a:endParaRPr lang="zh-CN" altLang="en-US"/>
+        </a:p>
+      </dgm:t>
     </dgm:pt>
     <dgm:pt modelId="{382C3EF1-9935-4872-AB63-507D545AFDDF}" type="pres">
       <dgm:prSet presAssocID="{2D9F42F3-C3B7-4E3E-9247-F08C00421283}" presName="descendantText" presStyleLbl="alignAccFollowNode1" presStyleIdx="2" presStyleCnt="3">
@@ -9829,6 +9860,13 @@
         </dgm:presLayoutVars>
       </dgm:prSet>
       <dgm:spPr/>
+      <dgm:t>
+        <a:bodyPr/>
+        <a:lstStyle/>
+        <a:p>
+          <a:endParaRPr lang="zh-CN" altLang="en-US"/>
+        </a:p>
+      </dgm:t>
     </dgm:pt>
     <dgm:pt modelId="{AB64B9D0-56BD-4602-BB55-412B6EF56C86}" type="pres">
       <dgm:prSet presAssocID="{EBF25381-F186-40CE-9C31-06B3E9AD7626}" presName="thickLine" presStyleLbl="alignNode1" presStyleIdx="0" presStyleCnt="1"/>
@@ -9868,6 +9906,13 @@
     <dgm:pt modelId="{437F363F-4689-42E4-9600-AEC2BC302490}" type="pres">
       <dgm:prSet presAssocID="{634FBA62-A5BF-49B7-B0E7-BAD6F63697A2}" presName="tx2" presStyleLbl="revTx" presStyleIdx="1" presStyleCnt="7"/>
       <dgm:spPr/>
+      <dgm:t>
+        <a:bodyPr/>
+        <a:lstStyle/>
+        <a:p>
+          <a:endParaRPr lang="zh-CN" altLang="en-US"/>
+        </a:p>
+      </dgm:t>
     </dgm:pt>
     <dgm:pt modelId="{E3588764-164B-4D6E-A344-73B4DE97E3AD}" type="pres">
       <dgm:prSet presAssocID="{634FBA62-A5BF-49B7-B0E7-BAD6F63697A2}" presName="vert2" presStyleCnt="0"/>
@@ -9892,6 +9937,13 @@
     <dgm:pt modelId="{627F78DA-2562-41A3-A6D1-2F0F1235D85E}" type="pres">
       <dgm:prSet presAssocID="{2F6D0293-4055-46C1-849C-ED3E6A7E7EB3}" presName="tx2" presStyleLbl="revTx" presStyleIdx="2" presStyleCnt="7"/>
       <dgm:spPr/>
+      <dgm:t>
+        <a:bodyPr/>
+        <a:lstStyle/>
+        <a:p>
+          <a:endParaRPr lang="zh-CN" altLang="en-US"/>
+        </a:p>
+      </dgm:t>
     </dgm:pt>
     <dgm:pt modelId="{36AA87F3-C714-4321-8BE3-84038C86D61C}" type="pres">
       <dgm:prSet presAssocID="{2F6D0293-4055-46C1-849C-ED3E6A7E7EB3}" presName="vert2" presStyleCnt="0"/>
@@ -9916,6 +9968,13 @@
     <dgm:pt modelId="{570DEA6F-230D-4AA6-AC6A-6040782EA363}" type="pres">
       <dgm:prSet presAssocID="{AC59121F-4896-4A9F-A1E6-CD04E62064E1}" presName="tx2" presStyleLbl="revTx" presStyleIdx="3" presStyleCnt="7"/>
       <dgm:spPr/>
+      <dgm:t>
+        <a:bodyPr/>
+        <a:lstStyle/>
+        <a:p>
+          <a:endParaRPr lang="zh-CN" altLang="en-US"/>
+        </a:p>
+      </dgm:t>
     </dgm:pt>
     <dgm:pt modelId="{3CE862D1-A368-43DB-B874-B7696C6CA771}" type="pres">
       <dgm:prSet presAssocID="{AC59121F-4896-4A9F-A1E6-CD04E62064E1}" presName="vert2" presStyleCnt="0"/>
@@ -9940,6 +9999,13 @@
     <dgm:pt modelId="{14267028-767E-4084-8ED4-17A80498ED20}" type="pres">
       <dgm:prSet presAssocID="{A1876D97-C3DC-4C97-BC2C-4392981DC33B}" presName="tx2" presStyleLbl="revTx" presStyleIdx="4" presStyleCnt="7"/>
       <dgm:spPr/>
+      <dgm:t>
+        <a:bodyPr/>
+        <a:lstStyle/>
+        <a:p>
+          <a:endParaRPr lang="zh-CN" altLang="en-US"/>
+        </a:p>
+      </dgm:t>
     </dgm:pt>
     <dgm:pt modelId="{3BBF758D-F796-4F94-86EB-92760630EA79}" type="pres">
       <dgm:prSet presAssocID="{A1876D97-C3DC-4C97-BC2C-4392981DC33B}" presName="vert2" presStyleCnt="0"/>
@@ -9964,6 +10030,13 @@
     <dgm:pt modelId="{CDE4895D-037F-4A1D-ACAA-403ABA463831}" type="pres">
       <dgm:prSet presAssocID="{EF3D15DC-BA24-4C0F-A381-1665E3EDA5F4}" presName="tx2" presStyleLbl="revTx" presStyleIdx="5" presStyleCnt="7"/>
       <dgm:spPr/>
+      <dgm:t>
+        <a:bodyPr/>
+        <a:lstStyle/>
+        <a:p>
+          <a:endParaRPr lang="zh-CN" altLang="en-US"/>
+        </a:p>
+      </dgm:t>
     </dgm:pt>
     <dgm:pt modelId="{75C6AF0C-8F8B-4BEE-B756-DB35AE630396}" type="pres">
       <dgm:prSet presAssocID="{EF3D15DC-BA24-4C0F-A381-1665E3EDA5F4}" presName="vert2" presStyleCnt="0"/>
@@ -9988,6 +10061,13 @@
     <dgm:pt modelId="{E9D70DD7-6323-4061-A13E-E6A9392383BC}" type="pres">
       <dgm:prSet presAssocID="{E1BA109A-80F1-4229-B612-84B3AF4678AF}" presName="tx2" presStyleLbl="revTx" presStyleIdx="6" presStyleCnt="7"/>
       <dgm:spPr/>
+      <dgm:t>
+        <a:bodyPr/>
+        <a:lstStyle/>
+        <a:p>
+          <a:endParaRPr lang="zh-CN" altLang="en-US"/>
+        </a:p>
+      </dgm:t>
     </dgm:pt>
     <dgm:pt modelId="{467A03C7-7E3D-416E-8F8D-27E090A6ABF4}" type="pres">
       <dgm:prSet presAssocID="{E1BA109A-80F1-4229-B612-84B3AF4678AF}" presName="vert2" presStyleCnt="0"/>
@@ -10825,6 +10905,13 @@
         </dgm:presLayoutVars>
       </dgm:prSet>
       <dgm:spPr/>
+      <dgm:t>
+        <a:bodyPr/>
+        <a:lstStyle/>
+        <a:p>
+          <a:endParaRPr lang="zh-CN" altLang="en-US"/>
+        </a:p>
+      </dgm:t>
     </dgm:pt>
     <dgm:pt modelId="{AB64B9D0-56BD-4602-BB55-412B6EF56C86}" type="pres">
       <dgm:prSet presAssocID="{EBF25381-F186-40CE-9C31-06B3E9AD7626}" presName="thickLine" presStyleLbl="alignNode1" presStyleIdx="0" presStyleCnt="1"/>
@@ -10864,6 +10951,13 @@
     <dgm:pt modelId="{437F363F-4689-42E4-9600-AEC2BC302490}" type="pres">
       <dgm:prSet presAssocID="{634FBA62-A5BF-49B7-B0E7-BAD6F63697A2}" presName="tx2" presStyleLbl="revTx" presStyleIdx="1" presStyleCnt="6"/>
       <dgm:spPr/>
+      <dgm:t>
+        <a:bodyPr/>
+        <a:lstStyle/>
+        <a:p>
+          <a:endParaRPr lang="zh-CN" altLang="en-US"/>
+        </a:p>
+      </dgm:t>
     </dgm:pt>
     <dgm:pt modelId="{E3588764-164B-4D6E-A344-73B4DE97E3AD}" type="pres">
       <dgm:prSet presAssocID="{634FBA62-A5BF-49B7-B0E7-BAD6F63697A2}" presName="vert2" presStyleCnt="0"/>
@@ -10888,6 +10982,13 @@
     <dgm:pt modelId="{627F78DA-2562-41A3-A6D1-2F0F1235D85E}" type="pres">
       <dgm:prSet presAssocID="{2F6D0293-4055-46C1-849C-ED3E6A7E7EB3}" presName="tx2" presStyleLbl="revTx" presStyleIdx="2" presStyleCnt="6"/>
       <dgm:spPr/>
+      <dgm:t>
+        <a:bodyPr/>
+        <a:lstStyle/>
+        <a:p>
+          <a:endParaRPr lang="zh-CN" altLang="en-US"/>
+        </a:p>
+      </dgm:t>
     </dgm:pt>
     <dgm:pt modelId="{36AA87F3-C714-4321-8BE3-84038C86D61C}" type="pres">
       <dgm:prSet presAssocID="{2F6D0293-4055-46C1-849C-ED3E6A7E7EB3}" presName="vert2" presStyleCnt="0"/>
@@ -10912,6 +11013,13 @@
     <dgm:pt modelId="{570DEA6F-230D-4AA6-AC6A-6040782EA363}" type="pres">
       <dgm:prSet presAssocID="{AC59121F-4896-4A9F-A1E6-CD04E62064E1}" presName="tx2" presStyleLbl="revTx" presStyleIdx="3" presStyleCnt="6"/>
       <dgm:spPr/>
+      <dgm:t>
+        <a:bodyPr/>
+        <a:lstStyle/>
+        <a:p>
+          <a:endParaRPr lang="zh-CN" altLang="en-US"/>
+        </a:p>
+      </dgm:t>
     </dgm:pt>
     <dgm:pt modelId="{3CE862D1-A368-43DB-B874-B7696C6CA771}" type="pres">
       <dgm:prSet presAssocID="{AC59121F-4896-4A9F-A1E6-CD04E62064E1}" presName="vert2" presStyleCnt="0"/>
@@ -10936,6 +11044,13 @@
     <dgm:pt modelId="{14267028-767E-4084-8ED4-17A80498ED20}" type="pres">
       <dgm:prSet presAssocID="{A1876D97-C3DC-4C97-BC2C-4392981DC33B}" presName="tx2" presStyleLbl="revTx" presStyleIdx="4" presStyleCnt="6"/>
       <dgm:spPr/>
+      <dgm:t>
+        <a:bodyPr/>
+        <a:lstStyle/>
+        <a:p>
+          <a:endParaRPr lang="zh-CN" altLang="en-US"/>
+        </a:p>
+      </dgm:t>
     </dgm:pt>
     <dgm:pt modelId="{3BBF758D-F796-4F94-86EB-92760630EA79}" type="pres">
       <dgm:prSet presAssocID="{A1876D97-C3DC-4C97-BC2C-4392981DC33B}" presName="vert2" presStyleCnt="0"/>
@@ -13153,523 +13268,6 @@
       <dsp:cNvGrpSpPr/>
     </dsp:nvGrpSpPr>
     <dsp:grpSpPr/>
-    <dsp:sp modelId="{1397DF47-AD66-4F1D-8832-59BACA93DB79}">
-      <dsp:nvSpPr>
-        <dsp:cNvPr id="0" name=""/>
-        <dsp:cNvSpPr/>
-      </dsp:nvSpPr>
-      <dsp:spPr>
-        <a:xfrm rot="5400000">
-          <a:off x="6163673" y="-2392215"/>
-          <a:ext cx="1298101" cy="6411975"/>
-        </a:xfrm>
-        <a:prstGeom prst="round2SameRect">
-          <a:avLst/>
-        </a:prstGeom>
-        <a:solidFill>
-          <a:schemeClr val="accent1">
-            <a:alpha val="90000"/>
-            <a:tint val="40000"/>
-            <a:hueOff val="0"/>
-            <a:satOff val="0"/>
-            <a:lumOff val="0"/>
-            <a:alphaOff val="0"/>
-          </a:schemeClr>
-        </a:solidFill>
-        <a:ln w="15875" cap="rnd" cmpd="sng" algn="ctr">
-          <a:solidFill>
-            <a:schemeClr val="accent1">
-              <a:alpha val="90000"/>
-              <a:tint val="40000"/>
-              <a:hueOff val="0"/>
-              <a:satOff val="0"/>
-              <a:lumOff val="0"/>
-              <a:alphaOff val="0"/>
-            </a:schemeClr>
-          </a:solidFill>
-          <a:prstDash val="solid"/>
-        </a:ln>
-        <a:effectLst/>
-      </dsp:spPr>
-      <dsp:style>
-        <a:lnRef idx="2">
-          <a:scrgbClr r="0" g="0" b="0"/>
-        </a:lnRef>
-        <a:fillRef idx="1">
-          <a:scrgbClr r="0" g="0" b="0"/>
-        </a:fillRef>
-        <a:effectRef idx="0">
-          <a:scrgbClr r="0" g="0" b="0"/>
-        </a:effectRef>
-        <a:fontRef idx="minor"/>
-      </dsp:style>
-      <dsp:txBody>
-        <a:bodyPr spcFirstLastPara="0" vert="horz" wrap="square" lIns="110490" tIns="55245" rIns="110490" bIns="55245" numCol="1" spcCol="1270" anchor="ctr" anchorCtr="0">
-          <a:noAutofit/>
-        </a:bodyPr>
-        <a:lstStyle/>
-        <a:p>
-          <a:pPr marL="285750" lvl="1" indent="-285750" algn="l" defTabSz="1289050">
-            <a:lnSpc>
-              <a:spcPct val="90000"/>
-            </a:lnSpc>
-            <a:spcBef>
-              <a:spcPct val="0"/>
-            </a:spcBef>
-            <a:spcAft>
-              <a:spcPct val="15000"/>
-            </a:spcAft>
-            <a:buChar char="••"/>
-          </a:pPr>
-          <a:r>
-            <a:rPr lang="zh-CN" altLang="en-US" sz="2900" kern="1200" dirty="0" smtClean="0"/>
-            <a:t>面向智能手机的说话人识别研究</a:t>
-          </a:r>
-          <a:endParaRPr lang="zh-CN" altLang="en-US" sz="2900" kern="1200" dirty="0"/>
-        </a:p>
-      </dsp:txBody>
-      <dsp:txXfrm rot="-5400000">
-        <a:off x="3606736" y="228090"/>
-        <a:ext cx="6348607" cy="1171365"/>
-      </dsp:txXfrm>
-    </dsp:sp>
-    <dsp:sp modelId="{373C26A7-0E0B-4AEA-A816-81526C6F6CB0}">
-      <dsp:nvSpPr>
-        <dsp:cNvPr id="0" name=""/>
-        <dsp:cNvSpPr/>
-      </dsp:nvSpPr>
-      <dsp:spPr>
-        <a:xfrm>
-          <a:off x="0" y="2458"/>
-          <a:ext cx="3606736" cy="1622627"/>
-        </a:xfrm>
-        <a:prstGeom prst="roundRect">
-          <a:avLst/>
-        </a:prstGeom>
-        <a:solidFill>
-          <a:schemeClr val="accent1">
-            <a:hueOff val="0"/>
-            <a:satOff val="0"/>
-            <a:lumOff val="0"/>
-            <a:alphaOff val="0"/>
-          </a:schemeClr>
-        </a:solidFill>
-        <a:ln w="15875" cap="rnd" cmpd="sng" algn="ctr">
-          <a:solidFill>
-            <a:schemeClr val="lt1">
-              <a:hueOff val="0"/>
-              <a:satOff val="0"/>
-              <a:lumOff val="0"/>
-              <a:alphaOff val="0"/>
-            </a:schemeClr>
-          </a:solidFill>
-          <a:prstDash val="solid"/>
-        </a:ln>
-        <a:effectLst/>
-      </dsp:spPr>
-      <dsp:style>
-        <a:lnRef idx="2">
-          <a:scrgbClr r="0" g="0" b="0"/>
-        </a:lnRef>
-        <a:fillRef idx="1">
-          <a:scrgbClr r="0" g="0" b="0"/>
-        </a:fillRef>
-        <a:effectRef idx="0">
-          <a:scrgbClr r="0" g="0" b="0"/>
-        </a:effectRef>
-        <a:fontRef idx="minor">
-          <a:schemeClr val="lt1"/>
-        </a:fontRef>
-      </dsp:style>
-      <dsp:txBody>
-        <a:bodyPr spcFirstLastPara="0" vert="horz" wrap="square" lIns="182880" tIns="91440" rIns="182880" bIns="91440" numCol="1" spcCol="1270" anchor="ctr" anchorCtr="0">
-          <a:noAutofit/>
-        </a:bodyPr>
-        <a:lstStyle/>
-        <a:p>
-          <a:pPr lvl="0" algn="ctr" defTabSz="2133600">
-            <a:lnSpc>
-              <a:spcPct val="90000"/>
-            </a:lnSpc>
-            <a:spcBef>
-              <a:spcPct val="0"/>
-            </a:spcBef>
-            <a:spcAft>
-              <a:spcPct val="35000"/>
-            </a:spcAft>
-          </a:pPr>
-          <a:r>
-            <a:rPr lang="zh-CN" altLang="en-US" sz="4800" kern="1200" dirty="0" smtClean="0"/>
-            <a:t>大创课题</a:t>
-          </a:r>
-          <a:endParaRPr lang="zh-CN" altLang="en-US" sz="4800" kern="1200" dirty="0"/>
-        </a:p>
-      </dsp:txBody>
-      <dsp:txXfrm>
-        <a:off x="79210" y="81668"/>
-        <a:ext cx="3448316" cy="1464207"/>
-      </dsp:txXfrm>
-    </dsp:sp>
-    <dsp:sp modelId="{511F3C4C-A133-48D2-A8FF-0926875A18D6}">
-      <dsp:nvSpPr>
-        <dsp:cNvPr id="0" name=""/>
-        <dsp:cNvSpPr/>
-      </dsp:nvSpPr>
-      <dsp:spPr>
-        <a:xfrm rot="5400000">
-          <a:off x="6163673" y="-688456"/>
-          <a:ext cx="1298101" cy="6411975"/>
-        </a:xfrm>
-        <a:prstGeom prst="round2SameRect">
-          <a:avLst/>
-        </a:prstGeom>
-        <a:solidFill>
-          <a:schemeClr val="accent1">
-            <a:alpha val="90000"/>
-            <a:tint val="40000"/>
-            <a:hueOff val="0"/>
-            <a:satOff val="0"/>
-            <a:lumOff val="0"/>
-            <a:alphaOff val="0"/>
-          </a:schemeClr>
-        </a:solidFill>
-        <a:ln w="15875" cap="rnd" cmpd="sng" algn="ctr">
-          <a:solidFill>
-            <a:schemeClr val="accent1">
-              <a:alpha val="90000"/>
-              <a:tint val="40000"/>
-              <a:hueOff val="0"/>
-              <a:satOff val="0"/>
-              <a:lumOff val="0"/>
-              <a:alphaOff val="0"/>
-            </a:schemeClr>
-          </a:solidFill>
-          <a:prstDash val="solid"/>
-        </a:ln>
-        <a:effectLst/>
-      </dsp:spPr>
-      <dsp:style>
-        <a:lnRef idx="2">
-          <a:scrgbClr r="0" g="0" b="0"/>
-        </a:lnRef>
-        <a:fillRef idx="1">
-          <a:scrgbClr r="0" g="0" b="0"/>
-        </a:fillRef>
-        <a:effectRef idx="0">
-          <a:scrgbClr r="0" g="0" b="0"/>
-        </a:effectRef>
-        <a:fontRef idx="minor"/>
-      </dsp:style>
-      <dsp:txBody>
-        <a:bodyPr spcFirstLastPara="0" vert="horz" wrap="square" lIns="110490" tIns="55245" rIns="110490" bIns="55245" numCol="1" spcCol="1270" anchor="ctr" anchorCtr="0">
-          <a:noAutofit/>
-        </a:bodyPr>
-        <a:lstStyle/>
-        <a:p>
-          <a:pPr marL="285750" lvl="1" indent="-285750" algn="l" defTabSz="1289050">
-            <a:lnSpc>
-              <a:spcPct val="90000"/>
-            </a:lnSpc>
-            <a:spcBef>
-              <a:spcPct val="0"/>
-            </a:spcBef>
-            <a:spcAft>
-              <a:spcPct val="15000"/>
-            </a:spcAft>
-            <a:buChar char="••"/>
-          </a:pPr>
-          <a:r>
-            <a:rPr lang="zh-CN" altLang="en-US" sz="2900" kern="1200" dirty="0" smtClean="0"/>
-            <a:t>文本相关</a:t>
-          </a:r>
-          <a:endParaRPr lang="zh-CN" altLang="en-US" sz="2900" kern="1200" dirty="0"/>
-        </a:p>
-        <a:p>
-          <a:pPr marL="285750" lvl="1" indent="-285750" algn="l" defTabSz="1289050">
-            <a:lnSpc>
-              <a:spcPct val="90000"/>
-            </a:lnSpc>
-            <a:spcBef>
-              <a:spcPct val="0"/>
-            </a:spcBef>
-            <a:spcAft>
-              <a:spcPct val="15000"/>
-            </a:spcAft>
-            <a:buChar char="••"/>
-          </a:pPr>
-          <a:r>
-            <a:rPr lang="zh-CN" altLang="en-US" sz="2900" kern="1200" dirty="0" smtClean="0"/>
-            <a:t>文本无关</a:t>
-          </a:r>
-          <a:endParaRPr lang="zh-CN" altLang="en-US" sz="2900" kern="1200" dirty="0"/>
-        </a:p>
-      </dsp:txBody>
-      <dsp:txXfrm rot="-5400000">
-        <a:off x="3606736" y="1931849"/>
-        <a:ext cx="6348607" cy="1171365"/>
-      </dsp:txXfrm>
-    </dsp:sp>
-    <dsp:sp modelId="{99772CB8-0D14-4C7D-9058-872C38C44E3F}">
-      <dsp:nvSpPr>
-        <dsp:cNvPr id="0" name=""/>
-        <dsp:cNvSpPr/>
-      </dsp:nvSpPr>
-      <dsp:spPr>
-        <a:xfrm>
-          <a:off x="0" y="1706217"/>
-          <a:ext cx="3606736" cy="1622627"/>
-        </a:xfrm>
-        <a:prstGeom prst="roundRect">
-          <a:avLst/>
-        </a:prstGeom>
-        <a:solidFill>
-          <a:schemeClr val="accent1">
-            <a:hueOff val="0"/>
-            <a:satOff val="0"/>
-            <a:lumOff val="0"/>
-            <a:alphaOff val="0"/>
-          </a:schemeClr>
-        </a:solidFill>
-        <a:ln w="15875" cap="rnd" cmpd="sng" algn="ctr">
-          <a:solidFill>
-            <a:schemeClr val="lt1">
-              <a:hueOff val="0"/>
-              <a:satOff val="0"/>
-              <a:lumOff val="0"/>
-              <a:alphaOff val="0"/>
-            </a:schemeClr>
-          </a:solidFill>
-          <a:prstDash val="solid"/>
-        </a:ln>
-        <a:effectLst/>
-      </dsp:spPr>
-      <dsp:style>
-        <a:lnRef idx="2">
-          <a:scrgbClr r="0" g="0" b="0"/>
-        </a:lnRef>
-        <a:fillRef idx="1">
-          <a:scrgbClr r="0" g="0" b="0"/>
-        </a:fillRef>
-        <a:effectRef idx="0">
-          <a:scrgbClr r="0" g="0" b="0"/>
-        </a:effectRef>
-        <a:fontRef idx="minor">
-          <a:schemeClr val="lt1"/>
-        </a:fontRef>
-      </dsp:style>
-      <dsp:txBody>
-        <a:bodyPr spcFirstLastPara="0" vert="horz" wrap="square" lIns="182880" tIns="91440" rIns="182880" bIns="91440" numCol="1" spcCol="1270" anchor="ctr" anchorCtr="0">
-          <a:noAutofit/>
-        </a:bodyPr>
-        <a:lstStyle/>
-        <a:p>
-          <a:pPr lvl="0" algn="ctr" defTabSz="2133600">
-            <a:lnSpc>
-              <a:spcPct val="90000"/>
-            </a:lnSpc>
-            <a:spcBef>
-              <a:spcPct val="0"/>
-            </a:spcBef>
-            <a:spcAft>
-              <a:spcPct val="35000"/>
-            </a:spcAft>
-          </a:pPr>
-          <a:r>
-            <a:rPr lang="zh-CN" altLang="en-US" sz="4800" kern="1200" dirty="0" smtClean="0"/>
-            <a:t>说话人识别</a:t>
-          </a:r>
-          <a:endParaRPr lang="zh-CN" altLang="en-US" sz="4800" kern="1200" dirty="0"/>
-        </a:p>
-      </dsp:txBody>
-      <dsp:txXfrm>
-        <a:off x="79210" y="1785427"/>
-        <a:ext cx="3448316" cy="1464207"/>
-      </dsp:txXfrm>
-    </dsp:sp>
-    <dsp:sp modelId="{382C3EF1-9935-4872-AB63-507D545AFDDF}">
-      <dsp:nvSpPr>
-        <dsp:cNvPr id="0" name=""/>
-        <dsp:cNvSpPr/>
-      </dsp:nvSpPr>
-      <dsp:spPr>
-        <a:xfrm rot="5400000">
-          <a:off x="6163673" y="1015301"/>
-          <a:ext cx="1298101" cy="6411975"/>
-        </a:xfrm>
-        <a:prstGeom prst="round2SameRect">
-          <a:avLst/>
-        </a:prstGeom>
-        <a:solidFill>
-          <a:schemeClr val="accent1">
-            <a:alpha val="90000"/>
-            <a:tint val="40000"/>
-            <a:hueOff val="0"/>
-            <a:satOff val="0"/>
-            <a:lumOff val="0"/>
-            <a:alphaOff val="0"/>
-          </a:schemeClr>
-        </a:solidFill>
-        <a:ln w="15875" cap="rnd" cmpd="sng" algn="ctr">
-          <a:solidFill>
-            <a:schemeClr val="accent1">
-              <a:alpha val="90000"/>
-              <a:tint val="40000"/>
-              <a:hueOff val="0"/>
-              <a:satOff val="0"/>
-              <a:lumOff val="0"/>
-              <a:alphaOff val="0"/>
-            </a:schemeClr>
-          </a:solidFill>
-          <a:prstDash val="solid"/>
-        </a:ln>
-        <a:effectLst/>
-      </dsp:spPr>
-      <dsp:style>
-        <a:lnRef idx="2">
-          <a:scrgbClr r="0" g="0" b="0"/>
-        </a:lnRef>
-        <a:fillRef idx="1">
-          <a:scrgbClr r="0" g="0" b="0"/>
-        </a:fillRef>
-        <a:effectRef idx="0">
-          <a:scrgbClr r="0" g="0" b="0"/>
-        </a:effectRef>
-        <a:fontRef idx="minor"/>
-      </dsp:style>
-      <dsp:txBody>
-        <a:bodyPr spcFirstLastPara="0" vert="horz" wrap="square" lIns="110490" tIns="55245" rIns="110490" bIns="55245" numCol="1" spcCol="1270" anchor="ctr" anchorCtr="0">
-          <a:noAutofit/>
-        </a:bodyPr>
-        <a:lstStyle/>
-        <a:p>
-          <a:pPr marL="285750" lvl="1" indent="-285750" algn="l" defTabSz="1289050">
-            <a:lnSpc>
-              <a:spcPct val="90000"/>
-            </a:lnSpc>
-            <a:spcBef>
-              <a:spcPct val="0"/>
-            </a:spcBef>
-            <a:spcAft>
-              <a:spcPct val="15000"/>
-            </a:spcAft>
-            <a:buChar char="••"/>
-          </a:pPr>
-          <a:r>
-            <a:rPr lang="zh-CN" altLang="en-US" sz="2900" kern="1200" dirty="0" smtClean="0"/>
-            <a:t>性能足够</a:t>
-          </a:r>
-          <a:endParaRPr lang="zh-CN" altLang="en-US" sz="2900" kern="1200" dirty="0"/>
-        </a:p>
-        <a:p>
-          <a:pPr marL="285750" lvl="1" indent="-285750" algn="l" defTabSz="1289050">
-            <a:lnSpc>
-              <a:spcPct val="90000"/>
-            </a:lnSpc>
-            <a:spcBef>
-              <a:spcPct val="0"/>
-            </a:spcBef>
-            <a:spcAft>
-              <a:spcPct val="15000"/>
-            </a:spcAft>
-            <a:buChar char="••"/>
-          </a:pPr>
-          <a:r>
-            <a:rPr lang="zh-CN" altLang="en-US" sz="2900" kern="1200" dirty="0" smtClean="0"/>
-            <a:t>大规模普及</a:t>
-          </a:r>
-          <a:r>
-            <a:rPr lang="en-US" altLang="zh-CN" sz="2900" kern="1200" dirty="0" smtClean="0"/>
-            <a:t>&amp;</a:t>
-          </a:r>
-          <a:r>
-            <a:rPr lang="zh-CN" altLang="en-US" sz="2900" kern="1200" dirty="0" smtClean="0"/>
-            <a:t>快速部署</a:t>
-          </a:r>
-          <a:endParaRPr lang="zh-CN" altLang="en-US" sz="2900" kern="1200" dirty="0"/>
-        </a:p>
-      </dsp:txBody>
-      <dsp:txXfrm rot="-5400000">
-        <a:off x="3606736" y="3635606"/>
-        <a:ext cx="6348607" cy="1171365"/>
-      </dsp:txXfrm>
-    </dsp:sp>
-    <dsp:sp modelId="{F599C395-8E19-443A-B48A-D1507C91A7BC}">
-      <dsp:nvSpPr>
-        <dsp:cNvPr id="0" name=""/>
-        <dsp:cNvSpPr/>
-      </dsp:nvSpPr>
-      <dsp:spPr>
-        <a:xfrm>
-          <a:off x="0" y="3409976"/>
-          <a:ext cx="3606736" cy="1622627"/>
-        </a:xfrm>
-        <a:prstGeom prst="roundRect">
-          <a:avLst/>
-        </a:prstGeom>
-        <a:solidFill>
-          <a:schemeClr val="accent1">
-            <a:hueOff val="0"/>
-            <a:satOff val="0"/>
-            <a:lumOff val="0"/>
-            <a:alphaOff val="0"/>
-          </a:schemeClr>
-        </a:solidFill>
-        <a:ln w="15875" cap="rnd" cmpd="sng" algn="ctr">
-          <a:solidFill>
-            <a:schemeClr val="lt1">
-              <a:hueOff val="0"/>
-              <a:satOff val="0"/>
-              <a:lumOff val="0"/>
-              <a:alphaOff val="0"/>
-            </a:schemeClr>
-          </a:solidFill>
-          <a:prstDash val="solid"/>
-        </a:ln>
-        <a:effectLst/>
-      </dsp:spPr>
-      <dsp:style>
-        <a:lnRef idx="2">
-          <a:scrgbClr r="0" g="0" b="0"/>
-        </a:lnRef>
-        <a:fillRef idx="1">
-          <a:scrgbClr r="0" g="0" b="0"/>
-        </a:fillRef>
-        <a:effectRef idx="0">
-          <a:scrgbClr r="0" g="0" b="0"/>
-        </a:effectRef>
-        <a:fontRef idx="minor">
-          <a:schemeClr val="lt1"/>
-        </a:fontRef>
-      </dsp:style>
-      <dsp:txBody>
-        <a:bodyPr spcFirstLastPara="0" vert="horz" wrap="square" lIns="182880" tIns="91440" rIns="182880" bIns="91440" numCol="1" spcCol="1270" anchor="ctr" anchorCtr="0">
-          <a:noAutofit/>
-        </a:bodyPr>
-        <a:lstStyle/>
-        <a:p>
-          <a:pPr lvl="0" algn="ctr" defTabSz="2133600">
-            <a:lnSpc>
-              <a:spcPct val="90000"/>
-            </a:lnSpc>
-            <a:spcBef>
-              <a:spcPct val="0"/>
-            </a:spcBef>
-            <a:spcAft>
-              <a:spcPct val="35000"/>
-            </a:spcAft>
-          </a:pPr>
-          <a:r>
-            <a:rPr lang="zh-CN" altLang="en-US" sz="4800" kern="1200" dirty="0" smtClean="0"/>
-            <a:t>智能手机</a:t>
-          </a:r>
-          <a:endParaRPr lang="zh-CN" altLang="en-US" sz="4800" kern="1200" dirty="0"/>
-        </a:p>
-      </dsp:txBody>
-      <dsp:txXfrm>
-        <a:off x="79210" y="3489186"/>
-        <a:ext cx="3448316" cy="1464207"/>
-      </dsp:txXfrm>
-    </dsp:sp>
   </dsp:spTree>
 </dsp:drawing>
 </file>
@@ -13682,705 +13280,6 @@
       <dsp:cNvGrpSpPr/>
     </dsp:nvGrpSpPr>
     <dsp:grpSpPr/>
-    <dsp:sp modelId="{DEDEE683-05B9-47C6-A07A-BA4F6F44A0E4}">
-      <dsp:nvSpPr>
-        <dsp:cNvPr id="0" name=""/>
-        <dsp:cNvSpPr/>
-      </dsp:nvSpPr>
-      <dsp:spPr>
-        <a:xfrm>
-          <a:off x="0" y="0"/>
-          <a:ext cx="6258560" cy="975360"/>
-        </a:xfrm>
-        <a:prstGeom prst="roundRect">
-          <a:avLst>
-            <a:gd name="adj" fmla="val 10000"/>
-          </a:avLst>
-        </a:prstGeom>
-        <a:solidFill>
-          <a:schemeClr val="accent1"/>
-        </a:solidFill>
-        <a:ln w="15875" cap="rnd" cmpd="sng" algn="ctr">
-          <a:solidFill>
-            <a:schemeClr val="lt1">
-              <a:hueOff val="0"/>
-              <a:satOff val="0"/>
-              <a:lumOff val="0"/>
-              <a:alphaOff val="0"/>
-            </a:schemeClr>
-          </a:solidFill>
-          <a:prstDash val="solid"/>
-        </a:ln>
-        <a:effectLst/>
-      </dsp:spPr>
-      <dsp:style>
-        <a:lnRef idx="2">
-          <a:scrgbClr r="0" g="0" b="0"/>
-        </a:lnRef>
-        <a:fillRef idx="1">
-          <a:scrgbClr r="0" g="0" b="0"/>
-        </a:fillRef>
-        <a:effectRef idx="0">
-          <a:scrgbClr r="0" g="0" b="0"/>
-        </a:effectRef>
-        <a:fontRef idx="minor">
-          <a:schemeClr val="lt1"/>
-        </a:fontRef>
-      </dsp:style>
-      <dsp:txBody>
-        <a:bodyPr spcFirstLastPara="0" vert="horz" wrap="square" lIns="140970" tIns="140970" rIns="140970" bIns="140970" numCol="1" spcCol="1270" anchor="ctr" anchorCtr="0">
-          <a:noAutofit/>
-        </a:bodyPr>
-        <a:lstStyle/>
-        <a:p>
-          <a:pPr lvl="0" algn="l" defTabSz="1644650">
-            <a:lnSpc>
-              <a:spcPct val="90000"/>
-            </a:lnSpc>
-            <a:spcBef>
-              <a:spcPct val="0"/>
-            </a:spcBef>
-            <a:spcAft>
-              <a:spcPct val="35000"/>
-            </a:spcAft>
-          </a:pPr>
-          <a:r>
-            <a:rPr lang="zh-CN" altLang="en-US" sz="3700" kern="1200" dirty="0" smtClean="0"/>
-            <a:t>研究背景</a:t>
-          </a:r>
-          <a:endParaRPr lang="zh-CN" altLang="en-US" sz="3700" kern="1200" dirty="0"/>
-        </a:p>
-      </dsp:txBody>
-      <dsp:txXfrm>
-        <a:off x="28567" y="28567"/>
-        <a:ext cx="5091953" cy="918226"/>
-      </dsp:txXfrm>
-    </dsp:sp>
-    <dsp:sp modelId="{30A668FC-7FB9-43B2-BB67-BD57FD8C149C}">
-      <dsp:nvSpPr>
-        <dsp:cNvPr id="0" name=""/>
-        <dsp:cNvSpPr/>
-      </dsp:nvSpPr>
-      <dsp:spPr>
-        <a:xfrm>
-          <a:off x="467360" y="1110826"/>
-          <a:ext cx="6258560" cy="975360"/>
-        </a:xfrm>
-        <a:prstGeom prst="roundRect">
-          <a:avLst>
-            <a:gd name="adj" fmla="val 10000"/>
-          </a:avLst>
-        </a:prstGeom>
-        <a:solidFill>
-          <a:schemeClr val="accent6">
-            <a:lumMod val="50000"/>
-          </a:schemeClr>
-        </a:solidFill>
-        <a:ln w="15875" cap="rnd" cmpd="sng" algn="ctr">
-          <a:solidFill>
-            <a:schemeClr val="lt1">
-              <a:hueOff val="0"/>
-              <a:satOff val="0"/>
-              <a:lumOff val="0"/>
-              <a:alphaOff val="0"/>
-            </a:schemeClr>
-          </a:solidFill>
-          <a:prstDash val="solid"/>
-        </a:ln>
-        <a:effectLst/>
-      </dsp:spPr>
-      <dsp:style>
-        <a:lnRef idx="2">
-          <a:scrgbClr r="0" g="0" b="0"/>
-        </a:lnRef>
-        <a:fillRef idx="1">
-          <a:scrgbClr r="0" g="0" b="0"/>
-        </a:fillRef>
-        <a:effectRef idx="0">
-          <a:scrgbClr r="0" g="0" b="0"/>
-        </a:effectRef>
-        <a:fontRef idx="minor">
-          <a:schemeClr val="lt1"/>
-        </a:fontRef>
-      </dsp:style>
-      <dsp:txBody>
-        <a:bodyPr spcFirstLastPara="0" vert="horz" wrap="square" lIns="140970" tIns="140970" rIns="140970" bIns="140970" numCol="1" spcCol="1270" anchor="ctr" anchorCtr="0">
-          <a:noAutofit/>
-        </a:bodyPr>
-        <a:lstStyle/>
-        <a:p>
-          <a:pPr lvl="0" algn="l" defTabSz="1644650">
-            <a:lnSpc>
-              <a:spcPct val="90000"/>
-            </a:lnSpc>
-            <a:spcBef>
-              <a:spcPct val="0"/>
-            </a:spcBef>
-            <a:spcAft>
-              <a:spcPct val="35000"/>
-            </a:spcAft>
-          </a:pPr>
-          <a:r>
-            <a:rPr lang="zh-CN" altLang="en-US" sz="3700" kern="1200" dirty="0" smtClean="0"/>
-            <a:t>需求分析</a:t>
-          </a:r>
-          <a:endParaRPr lang="zh-CN" altLang="en-US" sz="3700" kern="1200" dirty="0"/>
-        </a:p>
-      </dsp:txBody>
-      <dsp:txXfrm>
-        <a:off x="495927" y="1139393"/>
-        <a:ext cx="5100081" cy="918226"/>
-      </dsp:txXfrm>
-    </dsp:sp>
-    <dsp:sp modelId="{ECB21FFE-9F05-437C-B138-113778E9D6CE}">
-      <dsp:nvSpPr>
-        <dsp:cNvPr id="0" name=""/>
-        <dsp:cNvSpPr/>
-      </dsp:nvSpPr>
-      <dsp:spPr>
-        <a:xfrm>
-          <a:off x="934719" y="2221653"/>
-          <a:ext cx="6258560" cy="975360"/>
-        </a:xfrm>
-        <a:prstGeom prst="roundRect">
-          <a:avLst>
-            <a:gd name="adj" fmla="val 10000"/>
-          </a:avLst>
-        </a:prstGeom>
-        <a:solidFill>
-          <a:schemeClr val="accent1">
-            <a:hueOff val="0"/>
-            <a:satOff val="0"/>
-            <a:lumOff val="0"/>
-            <a:alphaOff val="0"/>
-          </a:schemeClr>
-        </a:solidFill>
-        <a:ln w="15875" cap="rnd" cmpd="sng" algn="ctr">
-          <a:solidFill>
-            <a:schemeClr val="lt1">
-              <a:hueOff val="0"/>
-              <a:satOff val="0"/>
-              <a:lumOff val="0"/>
-              <a:alphaOff val="0"/>
-            </a:schemeClr>
-          </a:solidFill>
-          <a:prstDash val="solid"/>
-        </a:ln>
-        <a:effectLst/>
-      </dsp:spPr>
-      <dsp:style>
-        <a:lnRef idx="2">
-          <a:scrgbClr r="0" g="0" b="0"/>
-        </a:lnRef>
-        <a:fillRef idx="1">
-          <a:scrgbClr r="0" g="0" b="0"/>
-        </a:fillRef>
-        <a:effectRef idx="0">
-          <a:scrgbClr r="0" g="0" b="0"/>
-        </a:effectRef>
-        <a:fontRef idx="minor">
-          <a:schemeClr val="lt1"/>
-        </a:fontRef>
-      </dsp:style>
-      <dsp:txBody>
-        <a:bodyPr spcFirstLastPara="0" vert="horz" wrap="square" lIns="140970" tIns="140970" rIns="140970" bIns="140970" numCol="1" spcCol="1270" anchor="ctr" anchorCtr="0">
-          <a:noAutofit/>
-        </a:bodyPr>
-        <a:lstStyle/>
-        <a:p>
-          <a:pPr lvl="0" algn="l" defTabSz="1644650">
-            <a:lnSpc>
-              <a:spcPct val="90000"/>
-            </a:lnSpc>
-            <a:spcBef>
-              <a:spcPct val="0"/>
-            </a:spcBef>
-            <a:spcAft>
-              <a:spcPct val="35000"/>
-            </a:spcAft>
-          </a:pPr>
-          <a:r>
-            <a:rPr lang="zh-CN" altLang="en-US" sz="3700" kern="1200" dirty="0" smtClean="0"/>
-            <a:t>关键技术</a:t>
-          </a:r>
-          <a:endParaRPr lang="zh-CN" altLang="en-US" sz="3700" kern="1200" dirty="0"/>
-        </a:p>
-      </dsp:txBody>
-      <dsp:txXfrm>
-        <a:off x="963286" y="2250220"/>
-        <a:ext cx="5100081" cy="918226"/>
-      </dsp:txXfrm>
-    </dsp:sp>
-    <dsp:sp modelId="{19EB898B-E605-4044-9E0A-17C1C03B86A0}">
-      <dsp:nvSpPr>
-        <dsp:cNvPr id="0" name=""/>
-        <dsp:cNvSpPr/>
-      </dsp:nvSpPr>
-      <dsp:spPr>
-        <a:xfrm>
-          <a:off x="1402079" y="3332480"/>
-          <a:ext cx="6258560" cy="975360"/>
-        </a:xfrm>
-        <a:prstGeom prst="roundRect">
-          <a:avLst>
-            <a:gd name="adj" fmla="val 10000"/>
-          </a:avLst>
-        </a:prstGeom>
-        <a:solidFill>
-          <a:schemeClr val="accent1">
-            <a:hueOff val="0"/>
-            <a:satOff val="0"/>
-            <a:lumOff val="0"/>
-            <a:alphaOff val="0"/>
-          </a:schemeClr>
-        </a:solidFill>
-        <a:ln w="15875" cap="rnd" cmpd="sng" algn="ctr">
-          <a:solidFill>
-            <a:schemeClr val="lt1">
-              <a:hueOff val="0"/>
-              <a:satOff val="0"/>
-              <a:lumOff val="0"/>
-              <a:alphaOff val="0"/>
-            </a:schemeClr>
-          </a:solidFill>
-          <a:prstDash val="solid"/>
-        </a:ln>
-        <a:effectLst/>
-      </dsp:spPr>
-      <dsp:style>
-        <a:lnRef idx="2">
-          <a:scrgbClr r="0" g="0" b="0"/>
-        </a:lnRef>
-        <a:fillRef idx="1">
-          <a:scrgbClr r="0" g="0" b="0"/>
-        </a:fillRef>
-        <a:effectRef idx="0">
-          <a:scrgbClr r="0" g="0" b="0"/>
-        </a:effectRef>
-        <a:fontRef idx="minor">
-          <a:schemeClr val="lt1"/>
-        </a:fontRef>
-      </dsp:style>
-      <dsp:txBody>
-        <a:bodyPr spcFirstLastPara="0" vert="horz" wrap="square" lIns="140970" tIns="140970" rIns="140970" bIns="140970" numCol="1" spcCol="1270" anchor="ctr" anchorCtr="0">
-          <a:noAutofit/>
-        </a:bodyPr>
-        <a:lstStyle/>
-        <a:p>
-          <a:pPr lvl="0" algn="l" defTabSz="1644650">
-            <a:lnSpc>
-              <a:spcPct val="90000"/>
-            </a:lnSpc>
-            <a:spcBef>
-              <a:spcPct val="0"/>
-            </a:spcBef>
-            <a:spcAft>
-              <a:spcPct val="35000"/>
-            </a:spcAft>
-          </a:pPr>
-          <a:r>
-            <a:rPr lang="zh-CN" altLang="en-US" sz="3700" kern="1200" dirty="0" smtClean="0"/>
-            <a:t>设计实现</a:t>
-          </a:r>
-          <a:endParaRPr lang="zh-CN" altLang="en-US" sz="3700" kern="1200" dirty="0"/>
-        </a:p>
-      </dsp:txBody>
-      <dsp:txXfrm>
-        <a:off x="1430646" y="3361047"/>
-        <a:ext cx="5100081" cy="918226"/>
-      </dsp:txXfrm>
-    </dsp:sp>
-    <dsp:sp modelId="{711C8C94-5A2B-4918-9F6D-879360ECF4F4}">
-      <dsp:nvSpPr>
-        <dsp:cNvPr id="0" name=""/>
-        <dsp:cNvSpPr/>
-      </dsp:nvSpPr>
-      <dsp:spPr>
-        <a:xfrm>
-          <a:off x="1869439" y="4443306"/>
-          <a:ext cx="6258560" cy="975360"/>
-        </a:xfrm>
-        <a:prstGeom prst="roundRect">
-          <a:avLst>
-            <a:gd name="adj" fmla="val 10000"/>
-          </a:avLst>
-        </a:prstGeom>
-        <a:solidFill>
-          <a:schemeClr val="accent1">
-            <a:hueOff val="0"/>
-            <a:satOff val="0"/>
-            <a:lumOff val="0"/>
-            <a:alphaOff val="0"/>
-          </a:schemeClr>
-        </a:solidFill>
-        <a:ln w="15875" cap="rnd" cmpd="sng" algn="ctr">
-          <a:solidFill>
-            <a:schemeClr val="lt1">
-              <a:hueOff val="0"/>
-              <a:satOff val="0"/>
-              <a:lumOff val="0"/>
-              <a:alphaOff val="0"/>
-            </a:schemeClr>
-          </a:solidFill>
-          <a:prstDash val="solid"/>
-        </a:ln>
-        <a:effectLst/>
-      </dsp:spPr>
-      <dsp:style>
-        <a:lnRef idx="2">
-          <a:scrgbClr r="0" g="0" b="0"/>
-        </a:lnRef>
-        <a:fillRef idx="1">
-          <a:scrgbClr r="0" g="0" b="0"/>
-        </a:fillRef>
-        <a:effectRef idx="0">
-          <a:scrgbClr r="0" g="0" b="0"/>
-        </a:effectRef>
-        <a:fontRef idx="minor">
-          <a:schemeClr val="lt1"/>
-        </a:fontRef>
-      </dsp:style>
-      <dsp:txBody>
-        <a:bodyPr spcFirstLastPara="0" vert="horz" wrap="square" lIns="140970" tIns="140970" rIns="140970" bIns="140970" numCol="1" spcCol="1270" anchor="ctr" anchorCtr="0">
-          <a:noAutofit/>
-        </a:bodyPr>
-        <a:lstStyle/>
-        <a:p>
-          <a:pPr lvl="0" algn="l" defTabSz="1644650">
-            <a:lnSpc>
-              <a:spcPct val="90000"/>
-            </a:lnSpc>
-            <a:spcBef>
-              <a:spcPct val="0"/>
-            </a:spcBef>
-            <a:spcAft>
-              <a:spcPct val="35000"/>
-            </a:spcAft>
-          </a:pPr>
-          <a:r>
-            <a:rPr lang="zh-CN" altLang="en-US" sz="3700" kern="1200" dirty="0" smtClean="0"/>
-            <a:t>总结展望</a:t>
-          </a:r>
-          <a:endParaRPr lang="zh-CN" altLang="en-US" sz="3700" kern="1200" dirty="0"/>
-        </a:p>
-      </dsp:txBody>
-      <dsp:txXfrm>
-        <a:off x="1898006" y="4471873"/>
-        <a:ext cx="5100081" cy="918226"/>
-      </dsp:txXfrm>
-    </dsp:sp>
-    <dsp:sp modelId="{341A637F-BF62-4472-933A-EC8F8D7429DA}">
-      <dsp:nvSpPr>
-        <dsp:cNvPr id="0" name=""/>
-        <dsp:cNvSpPr/>
-      </dsp:nvSpPr>
-      <dsp:spPr>
-        <a:xfrm>
-          <a:off x="5624575" y="712554"/>
-          <a:ext cx="633984" cy="633984"/>
-        </a:xfrm>
-        <a:prstGeom prst="downArrow">
-          <a:avLst>
-            <a:gd name="adj1" fmla="val 55000"/>
-            <a:gd name="adj2" fmla="val 45000"/>
-          </a:avLst>
-        </a:prstGeom>
-        <a:solidFill>
-          <a:schemeClr val="accent1">
-            <a:alpha val="90000"/>
-            <a:tint val="40000"/>
-            <a:hueOff val="0"/>
-            <a:satOff val="0"/>
-            <a:lumOff val="0"/>
-            <a:alphaOff val="0"/>
-          </a:schemeClr>
-        </a:solidFill>
-        <a:ln w="15875" cap="rnd" cmpd="sng" algn="ctr">
-          <a:solidFill>
-            <a:schemeClr val="accent1">
-              <a:alpha val="90000"/>
-              <a:tint val="40000"/>
-              <a:hueOff val="0"/>
-              <a:satOff val="0"/>
-              <a:lumOff val="0"/>
-              <a:alphaOff val="0"/>
-            </a:schemeClr>
-          </a:solidFill>
-          <a:prstDash val="solid"/>
-        </a:ln>
-        <a:effectLst/>
-      </dsp:spPr>
-      <dsp:style>
-        <a:lnRef idx="2">
-          <a:scrgbClr r="0" g="0" b="0"/>
-        </a:lnRef>
-        <a:fillRef idx="1">
-          <a:scrgbClr r="0" g="0" b="0"/>
-        </a:fillRef>
-        <a:effectRef idx="0">
-          <a:scrgbClr r="0" g="0" b="0"/>
-        </a:effectRef>
-        <a:fontRef idx="minor"/>
-      </dsp:style>
-      <dsp:txBody>
-        <a:bodyPr spcFirstLastPara="0" vert="horz" wrap="square" lIns="35560" tIns="35560" rIns="35560" bIns="35560" numCol="1" spcCol="1270" anchor="ctr" anchorCtr="0">
-          <a:noAutofit/>
-        </a:bodyPr>
-        <a:lstStyle/>
-        <a:p>
-          <a:pPr lvl="0" algn="ctr" defTabSz="1244600">
-            <a:lnSpc>
-              <a:spcPct val="90000"/>
-            </a:lnSpc>
-            <a:spcBef>
-              <a:spcPct val="0"/>
-            </a:spcBef>
-            <a:spcAft>
-              <a:spcPct val="35000"/>
-            </a:spcAft>
-          </a:pPr>
-          <a:endParaRPr lang="zh-CN" altLang="en-US" sz="2800" kern="1200"/>
-        </a:p>
-      </dsp:txBody>
-      <dsp:txXfrm>
-        <a:off x="5767221" y="712554"/>
-        <a:ext cx="348692" cy="477073"/>
-      </dsp:txXfrm>
-    </dsp:sp>
-    <dsp:sp modelId="{D73E2BBA-E2FA-4658-87D9-AB437B0F4207}">
-      <dsp:nvSpPr>
-        <dsp:cNvPr id="0" name=""/>
-        <dsp:cNvSpPr/>
-      </dsp:nvSpPr>
-      <dsp:spPr>
-        <a:xfrm>
-          <a:off x="6091935" y="1823381"/>
-          <a:ext cx="633984" cy="633984"/>
-        </a:xfrm>
-        <a:prstGeom prst="downArrow">
-          <a:avLst>
-            <a:gd name="adj1" fmla="val 55000"/>
-            <a:gd name="adj2" fmla="val 45000"/>
-          </a:avLst>
-        </a:prstGeom>
-        <a:solidFill>
-          <a:schemeClr val="accent1">
-            <a:alpha val="90000"/>
-            <a:tint val="40000"/>
-            <a:hueOff val="0"/>
-            <a:satOff val="0"/>
-            <a:lumOff val="0"/>
-            <a:alphaOff val="0"/>
-          </a:schemeClr>
-        </a:solidFill>
-        <a:ln w="15875" cap="rnd" cmpd="sng" algn="ctr">
-          <a:solidFill>
-            <a:schemeClr val="accent1">
-              <a:alpha val="90000"/>
-              <a:tint val="40000"/>
-              <a:hueOff val="0"/>
-              <a:satOff val="0"/>
-              <a:lumOff val="0"/>
-              <a:alphaOff val="0"/>
-            </a:schemeClr>
-          </a:solidFill>
-          <a:prstDash val="solid"/>
-        </a:ln>
-        <a:effectLst/>
-      </dsp:spPr>
-      <dsp:style>
-        <a:lnRef idx="2">
-          <a:scrgbClr r="0" g="0" b="0"/>
-        </a:lnRef>
-        <a:fillRef idx="1">
-          <a:scrgbClr r="0" g="0" b="0"/>
-        </a:fillRef>
-        <a:effectRef idx="0">
-          <a:scrgbClr r="0" g="0" b="0"/>
-        </a:effectRef>
-        <a:fontRef idx="minor"/>
-      </dsp:style>
-      <dsp:txBody>
-        <a:bodyPr spcFirstLastPara="0" vert="horz" wrap="square" lIns="35560" tIns="35560" rIns="35560" bIns="35560" numCol="1" spcCol="1270" anchor="ctr" anchorCtr="0">
-          <a:noAutofit/>
-        </a:bodyPr>
-        <a:lstStyle/>
-        <a:p>
-          <a:pPr lvl="0" algn="ctr" defTabSz="1244600">
-            <a:lnSpc>
-              <a:spcPct val="90000"/>
-            </a:lnSpc>
-            <a:spcBef>
-              <a:spcPct val="0"/>
-            </a:spcBef>
-            <a:spcAft>
-              <a:spcPct val="35000"/>
-            </a:spcAft>
-          </a:pPr>
-          <a:endParaRPr lang="zh-CN" altLang="en-US" sz="2800" kern="1200"/>
-        </a:p>
-      </dsp:txBody>
-      <dsp:txXfrm>
-        <a:off x="6234581" y="1823381"/>
-        <a:ext cx="348692" cy="477073"/>
-      </dsp:txXfrm>
-    </dsp:sp>
-    <dsp:sp modelId="{B2A5F7B8-4B19-48F7-88BD-57281B222D0D}">
-      <dsp:nvSpPr>
-        <dsp:cNvPr id="0" name=""/>
-        <dsp:cNvSpPr/>
-      </dsp:nvSpPr>
-      <dsp:spPr>
-        <a:xfrm>
-          <a:off x="6559295" y="2917952"/>
-          <a:ext cx="633984" cy="633984"/>
-        </a:xfrm>
-        <a:prstGeom prst="downArrow">
-          <a:avLst>
-            <a:gd name="adj1" fmla="val 55000"/>
-            <a:gd name="adj2" fmla="val 45000"/>
-          </a:avLst>
-        </a:prstGeom>
-        <a:solidFill>
-          <a:schemeClr val="accent1">
-            <a:alpha val="90000"/>
-            <a:tint val="40000"/>
-            <a:hueOff val="0"/>
-            <a:satOff val="0"/>
-            <a:lumOff val="0"/>
-            <a:alphaOff val="0"/>
-          </a:schemeClr>
-        </a:solidFill>
-        <a:ln w="15875" cap="rnd" cmpd="sng" algn="ctr">
-          <a:solidFill>
-            <a:schemeClr val="accent1">
-              <a:alpha val="90000"/>
-              <a:tint val="40000"/>
-              <a:hueOff val="0"/>
-              <a:satOff val="0"/>
-              <a:lumOff val="0"/>
-              <a:alphaOff val="0"/>
-            </a:schemeClr>
-          </a:solidFill>
-          <a:prstDash val="solid"/>
-        </a:ln>
-        <a:effectLst/>
-      </dsp:spPr>
-      <dsp:style>
-        <a:lnRef idx="2">
-          <a:scrgbClr r="0" g="0" b="0"/>
-        </a:lnRef>
-        <a:fillRef idx="1">
-          <a:scrgbClr r="0" g="0" b="0"/>
-        </a:fillRef>
-        <a:effectRef idx="0">
-          <a:scrgbClr r="0" g="0" b="0"/>
-        </a:effectRef>
-        <a:fontRef idx="minor"/>
-      </dsp:style>
-      <dsp:txBody>
-        <a:bodyPr spcFirstLastPara="0" vert="horz" wrap="square" lIns="35560" tIns="35560" rIns="35560" bIns="35560" numCol="1" spcCol="1270" anchor="ctr" anchorCtr="0">
-          <a:noAutofit/>
-        </a:bodyPr>
-        <a:lstStyle/>
-        <a:p>
-          <a:pPr lvl="0" algn="ctr" defTabSz="1244600">
-            <a:lnSpc>
-              <a:spcPct val="90000"/>
-            </a:lnSpc>
-            <a:spcBef>
-              <a:spcPct val="0"/>
-            </a:spcBef>
-            <a:spcAft>
-              <a:spcPct val="35000"/>
-            </a:spcAft>
-          </a:pPr>
-          <a:endParaRPr lang="zh-CN" altLang="en-US" sz="2800" kern="1200"/>
-        </a:p>
-      </dsp:txBody>
-      <dsp:txXfrm>
-        <a:off x="6701941" y="2917952"/>
-        <a:ext cx="348692" cy="477073"/>
-      </dsp:txXfrm>
-    </dsp:sp>
-    <dsp:sp modelId="{5C4FFC89-8AF4-4A4A-8076-5CAA65F8BB77}">
-      <dsp:nvSpPr>
-        <dsp:cNvPr id="0" name=""/>
-        <dsp:cNvSpPr/>
-      </dsp:nvSpPr>
-      <dsp:spPr>
-        <a:xfrm>
-          <a:off x="7026655" y="4039616"/>
-          <a:ext cx="633984" cy="633984"/>
-        </a:xfrm>
-        <a:prstGeom prst="downArrow">
-          <a:avLst>
-            <a:gd name="adj1" fmla="val 55000"/>
-            <a:gd name="adj2" fmla="val 45000"/>
-          </a:avLst>
-        </a:prstGeom>
-        <a:solidFill>
-          <a:schemeClr val="accent1">
-            <a:alpha val="90000"/>
-            <a:tint val="40000"/>
-            <a:hueOff val="0"/>
-            <a:satOff val="0"/>
-            <a:lumOff val="0"/>
-            <a:alphaOff val="0"/>
-          </a:schemeClr>
-        </a:solidFill>
-        <a:ln w="15875" cap="rnd" cmpd="sng" algn="ctr">
-          <a:solidFill>
-            <a:schemeClr val="accent1">
-              <a:alpha val="90000"/>
-              <a:tint val="40000"/>
-              <a:hueOff val="0"/>
-              <a:satOff val="0"/>
-              <a:lumOff val="0"/>
-              <a:alphaOff val="0"/>
-            </a:schemeClr>
-          </a:solidFill>
-          <a:prstDash val="solid"/>
-        </a:ln>
-        <a:effectLst/>
-      </dsp:spPr>
-      <dsp:style>
-        <a:lnRef idx="2">
-          <a:scrgbClr r="0" g="0" b="0"/>
-        </a:lnRef>
-        <a:fillRef idx="1">
-          <a:scrgbClr r="0" g="0" b="0"/>
-        </a:fillRef>
-        <a:effectRef idx="0">
-          <a:scrgbClr r="0" g="0" b="0"/>
-        </a:effectRef>
-        <a:fontRef idx="minor"/>
-      </dsp:style>
-      <dsp:txBody>
-        <a:bodyPr spcFirstLastPara="0" vert="horz" wrap="square" lIns="35560" tIns="35560" rIns="35560" bIns="35560" numCol="1" spcCol="1270" anchor="ctr" anchorCtr="0">
-          <a:noAutofit/>
-        </a:bodyPr>
-        <a:lstStyle/>
-        <a:p>
-          <a:pPr lvl="0" algn="ctr" defTabSz="1244600">
-            <a:lnSpc>
-              <a:spcPct val="90000"/>
-            </a:lnSpc>
-            <a:spcBef>
-              <a:spcPct val="0"/>
-            </a:spcBef>
-            <a:spcAft>
-              <a:spcPct val="35000"/>
-            </a:spcAft>
-          </a:pPr>
-          <a:endParaRPr lang="zh-CN" altLang="en-US" sz="2800" kern="1200"/>
-        </a:p>
-      </dsp:txBody>
-      <dsp:txXfrm>
-        <a:off x="7169301" y="4039616"/>
-        <a:ext cx="348692" cy="477073"/>
-      </dsp:txXfrm>
-    </dsp:sp>
   </dsp:spTree>
 </dsp:drawing>
 </file>
@@ -14393,771 +13292,6 @@
       <dsp:cNvGrpSpPr/>
     </dsp:nvGrpSpPr>
     <dsp:grpSpPr/>
-    <dsp:sp modelId="{AB64B9D0-56BD-4602-BB55-412B6EF56C86}">
-      <dsp:nvSpPr>
-        <dsp:cNvPr id="0" name=""/>
-        <dsp:cNvSpPr/>
-      </dsp:nvSpPr>
-      <dsp:spPr>
-        <a:xfrm>
-          <a:off x="0" y="0"/>
-          <a:ext cx="8128000" cy="0"/>
-        </a:xfrm>
-        <a:prstGeom prst="line">
-          <a:avLst/>
-        </a:prstGeom>
-        <a:solidFill>
-          <a:schemeClr val="accent1">
-            <a:hueOff val="0"/>
-            <a:satOff val="0"/>
-            <a:lumOff val="0"/>
-            <a:alphaOff val="0"/>
-          </a:schemeClr>
-        </a:solidFill>
-        <a:ln w="15875" cap="rnd" cmpd="sng" algn="ctr">
-          <a:solidFill>
-            <a:schemeClr val="accent1">
-              <a:hueOff val="0"/>
-              <a:satOff val="0"/>
-              <a:lumOff val="0"/>
-              <a:alphaOff val="0"/>
-            </a:schemeClr>
-          </a:solidFill>
-          <a:prstDash val="solid"/>
-        </a:ln>
-        <a:effectLst/>
-      </dsp:spPr>
-      <dsp:style>
-        <a:lnRef idx="2">
-          <a:scrgbClr r="0" g="0" b="0"/>
-        </a:lnRef>
-        <a:fillRef idx="1">
-          <a:scrgbClr r="0" g="0" b="0"/>
-        </a:fillRef>
-        <a:effectRef idx="0">
-          <a:scrgbClr r="0" g="0" b="0"/>
-        </a:effectRef>
-        <a:fontRef idx="minor">
-          <a:schemeClr val="lt1"/>
-        </a:fontRef>
-      </dsp:style>
-    </dsp:sp>
-    <dsp:sp modelId="{C86493C2-6833-4438-9D45-05EB0D2B3D5E}">
-      <dsp:nvSpPr>
-        <dsp:cNvPr id="0" name=""/>
-        <dsp:cNvSpPr/>
-      </dsp:nvSpPr>
-      <dsp:spPr>
-        <a:xfrm>
-          <a:off x="0" y="0"/>
-          <a:ext cx="1625600" cy="5418667"/>
-        </a:xfrm>
-        <a:prstGeom prst="rect">
-          <a:avLst/>
-        </a:prstGeom>
-        <a:noFill/>
-        <a:ln>
-          <a:noFill/>
-        </a:ln>
-        <a:effectLst/>
-      </dsp:spPr>
-      <dsp:style>
-        <a:lnRef idx="0">
-          <a:scrgbClr r="0" g="0" b="0"/>
-        </a:lnRef>
-        <a:fillRef idx="0">
-          <a:scrgbClr r="0" g="0" b="0"/>
-        </a:fillRef>
-        <a:effectRef idx="0">
-          <a:scrgbClr r="0" g="0" b="0"/>
-        </a:effectRef>
-        <a:fontRef idx="minor"/>
-      </dsp:style>
-      <dsp:txBody>
-        <a:bodyPr spcFirstLastPara="0" vert="horz" wrap="square" lIns="137160" tIns="137160" rIns="137160" bIns="137160" numCol="1" spcCol="1270" anchor="t" anchorCtr="0">
-          <a:noAutofit/>
-        </a:bodyPr>
-        <a:lstStyle/>
-        <a:p>
-          <a:pPr lvl="0" algn="l" defTabSz="1600200">
-            <a:lnSpc>
-              <a:spcPct val="90000"/>
-            </a:lnSpc>
-            <a:spcBef>
-              <a:spcPct val="0"/>
-            </a:spcBef>
-            <a:spcAft>
-              <a:spcPct val="35000"/>
-            </a:spcAft>
-          </a:pPr>
-          <a:r>
-            <a:rPr lang="zh-CN" altLang="en-US" sz="3600" kern="1200" dirty="0" smtClean="0"/>
-            <a:t>系统需求</a:t>
-          </a:r>
-          <a:endParaRPr lang="zh-CN" altLang="en-US" sz="3600" kern="1200" dirty="0"/>
-        </a:p>
-      </dsp:txBody>
-      <dsp:txXfrm>
-        <a:off x="0" y="0"/>
-        <a:ext cx="1625600" cy="5418667"/>
-      </dsp:txXfrm>
-    </dsp:sp>
-    <dsp:sp modelId="{437F363F-4689-42E4-9600-AEC2BC302490}">
-      <dsp:nvSpPr>
-        <dsp:cNvPr id="0" name=""/>
-        <dsp:cNvSpPr/>
-      </dsp:nvSpPr>
-      <dsp:spPr>
-        <a:xfrm>
-          <a:off x="1747520" y="42664"/>
-          <a:ext cx="6380480" cy="853281"/>
-        </a:xfrm>
-        <a:prstGeom prst="rect">
-          <a:avLst/>
-        </a:prstGeom>
-        <a:noFill/>
-        <a:ln>
-          <a:noFill/>
-        </a:ln>
-        <a:effectLst/>
-      </dsp:spPr>
-      <dsp:style>
-        <a:lnRef idx="0">
-          <a:scrgbClr r="0" g="0" b="0"/>
-        </a:lnRef>
-        <a:fillRef idx="0">
-          <a:scrgbClr r="0" g="0" b="0"/>
-        </a:fillRef>
-        <a:effectRef idx="0">
-          <a:scrgbClr r="0" g="0" b="0"/>
-        </a:effectRef>
-        <a:fontRef idx="minor"/>
-      </dsp:style>
-      <dsp:txBody>
-        <a:bodyPr spcFirstLastPara="0" vert="horz" wrap="square" lIns="129540" tIns="129540" rIns="129540" bIns="129540" numCol="1" spcCol="1270" anchor="t" anchorCtr="0">
-          <a:noAutofit/>
-        </a:bodyPr>
-        <a:lstStyle/>
-        <a:p>
-          <a:pPr lvl="0" algn="l" defTabSz="1511300">
-            <a:lnSpc>
-              <a:spcPct val="90000"/>
-            </a:lnSpc>
-            <a:spcBef>
-              <a:spcPct val="0"/>
-            </a:spcBef>
-            <a:spcAft>
-              <a:spcPct val="35000"/>
-            </a:spcAft>
-          </a:pPr>
-          <a:r>
-            <a:rPr lang="en-US" altLang="zh-CN" sz="3400" kern="1200" dirty="0" smtClean="0"/>
-            <a:t>Android</a:t>
-          </a:r>
-          <a:r>
-            <a:rPr lang="zh-CN" altLang="en-US" sz="3400" kern="1200" dirty="0" smtClean="0"/>
-            <a:t>锁屏</a:t>
-          </a:r>
-          <a:endParaRPr lang="zh-CN" altLang="en-US" sz="3400" kern="1200" dirty="0"/>
-        </a:p>
-      </dsp:txBody>
-      <dsp:txXfrm>
-        <a:off x="1747520" y="42664"/>
-        <a:ext cx="6380480" cy="853281"/>
-      </dsp:txXfrm>
-    </dsp:sp>
-    <dsp:sp modelId="{DE74AD73-DECA-40F7-8218-D2291073B229}">
-      <dsp:nvSpPr>
-        <dsp:cNvPr id="0" name=""/>
-        <dsp:cNvSpPr/>
-      </dsp:nvSpPr>
-      <dsp:spPr>
-        <a:xfrm>
-          <a:off x="1625599" y="895945"/>
-          <a:ext cx="6502400" cy="0"/>
-        </a:xfrm>
-        <a:prstGeom prst="line">
-          <a:avLst/>
-        </a:prstGeom>
-        <a:solidFill>
-          <a:schemeClr val="accent1">
-            <a:hueOff val="0"/>
-            <a:satOff val="0"/>
-            <a:lumOff val="0"/>
-            <a:alphaOff val="0"/>
-          </a:schemeClr>
-        </a:solidFill>
-        <a:ln w="15875" cap="rnd" cmpd="sng" algn="ctr">
-          <a:solidFill>
-            <a:schemeClr val="accent1">
-              <a:tint val="50000"/>
-              <a:hueOff val="0"/>
-              <a:satOff val="0"/>
-              <a:lumOff val="0"/>
-              <a:alphaOff val="0"/>
-            </a:schemeClr>
-          </a:solidFill>
-          <a:prstDash val="solid"/>
-        </a:ln>
-        <a:effectLst/>
-      </dsp:spPr>
-      <dsp:style>
-        <a:lnRef idx="2">
-          <a:scrgbClr r="0" g="0" b="0"/>
-        </a:lnRef>
-        <a:fillRef idx="1">
-          <a:scrgbClr r="0" g="0" b="0"/>
-        </a:fillRef>
-        <a:effectRef idx="0">
-          <a:scrgbClr r="0" g="0" b="0"/>
-        </a:effectRef>
-        <a:fontRef idx="minor"/>
-      </dsp:style>
-    </dsp:sp>
-    <dsp:sp modelId="{627F78DA-2562-41A3-A6D1-2F0F1235D85E}">
-      <dsp:nvSpPr>
-        <dsp:cNvPr id="0" name=""/>
-        <dsp:cNvSpPr/>
-      </dsp:nvSpPr>
-      <dsp:spPr>
-        <a:xfrm>
-          <a:off x="1747520" y="938609"/>
-          <a:ext cx="6380480" cy="853281"/>
-        </a:xfrm>
-        <a:prstGeom prst="rect">
-          <a:avLst/>
-        </a:prstGeom>
-        <a:noFill/>
-        <a:ln>
-          <a:noFill/>
-        </a:ln>
-        <a:effectLst/>
-      </dsp:spPr>
-      <dsp:style>
-        <a:lnRef idx="0">
-          <a:scrgbClr r="0" g="0" b="0"/>
-        </a:lnRef>
-        <a:fillRef idx="0">
-          <a:scrgbClr r="0" g="0" b="0"/>
-        </a:fillRef>
-        <a:effectRef idx="0">
-          <a:scrgbClr r="0" g="0" b="0"/>
-        </a:effectRef>
-        <a:fontRef idx="minor"/>
-      </dsp:style>
-      <dsp:txBody>
-        <a:bodyPr spcFirstLastPara="0" vert="horz" wrap="square" lIns="129540" tIns="129540" rIns="129540" bIns="129540" numCol="1" spcCol="1270" anchor="t" anchorCtr="0">
-          <a:noAutofit/>
-        </a:bodyPr>
-        <a:lstStyle/>
-        <a:p>
-          <a:pPr lvl="0" algn="l" defTabSz="1511300">
-            <a:lnSpc>
-              <a:spcPct val="90000"/>
-            </a:lnSpc>
-            <a:spcBef>
-              <a:spcPct val="0"/>
-            </a:spcBef>
-            <a:spcAft>
-              <a:spcPct val="35000"/>
-            </a:spcAft>
-          </a:pPr>
-          <a:r>
-            <a:rPr lang="en-US" altLang="zh-CN" sz="3400" kern="1200" dirty="0" smtClean="0"/>
-            <a:t>Android</a:t>
-          </a:r>
-          <a:r>
-            <a:rPr lang="zh-CN" altLang="en-US" sz="3400" kern="1200" dirty="0" smtClean="0"/>
-            <a:t>录音</a:t>
-          </a:r>
-          <a:endParaRPr lang="zh-CN" altLang="en-US" sz="3400" kern="1200" dirty="0"/>
-        </a:p>
-      </dsp:txBody>
-      <dsp:txXfrm>
-        <a:off x="1747520" y="938609"/>
-        <a:ext cx="6380480" cy="853281"/>
-      </dsp:txXfrm>
-    </dsp:sp>
-    <dsp:sp modelId="{FA30341E-7384-40E3-A5FC-3A7EFC1BAE1E}">
-      <dsp:nvSpPr>
-        <dsp:cNvPr id="0" name=""/>
-        <dsp:cNvSpPr/>
-      </dsp:nvSpPr>
-      <dsp:spPr>
-        <a:xfrm>
-          <a:off x="1625599" y="1791890"/>
-          <a:ext cx="6502400" cy="0"/>
-        </a:xfrm>
-        <a:prstGeom prst="line">
-          <a:avLst/>
-        </a:prstGeom>
-        <a:solidFill>
-          <a:schemeClr val="accent1">
-            <a:hueOff val="0"/>
-            <a:satOff val="0"/>
-            <a:lumOff val="0"/>
-            <a:alphaOff val="0"/>
-          </a:schemeClr>
-        </a:solidFill>
-        <a:ln w="15875" cap="rnd" cmpd="sng" algn="ctr">
-          <a:solidFill>
-            <a:schemeClr val="accent1">
-              <a:tint val="50000"/>
-              <a:hueOff val="0"/>
-              <a:satOff val="0"/>
-              <a:lumOff val="0"/>
-              <a:alphaOff val="0"/>
-            </a:schemeClr>
-          </a:solidFill>
-          <a:prstDash val="solid"/>
-        </a:ln>
-        <a:effectLst/>
-      </dsp:spPr>
-      <dsp:style>
-        <a:lnRef idx="2">
-          <a:scrgbClr r="0" g="0" b="0"/>
-        </a:lnRef>
-        <a:fillRef idx="1">
-          <a:scrgbClr r="0" g="0" b="0"/>
-        </a:fillRef>
-        <a:effectRef idx="0">
-          <a:scrgbClr r="0" g="0" b="0"/>
-        </a:effectRef>
-        <a:fontRef idx="minor"/>
-      </dsp:style>
-    </dsp:sp>
-    <dsp:sp modelId="{570DEA6F-230D-4AA6-AC6A-6040782EA363}">
-      <dsp:nvSpPr>
-        <dsp:cNvPr id="0" name=""/>
-        <dsp:cNvSpPr/>
-      </dsp:nvSpPr>
-      <dsp:spPr>
-        <a:xfrm>
-          <a:off x="1747520" y="1834554"/>
-          <a:ext cx="6380480" cy="853281"/>
-        </a:xfrm>
-        <a:prstGeom prst="rect">
-          <a:avLst/>
-        </a:prstGeom>
-        <a:noFill/>
-        <a:ln>
-          <a:noFill/>
-        </a:ln>
-        <a:effectLst/>
-      </dsp:spPr>
-      <dsp:style>
-        <a:lnRef idx="0">
-          <a:scrgbClr r="0" g="0" b="0"/>
-        </a:lnRef>
-        <a:fillRef idx="0">
-          <a:scrgbClr r="0" g="0" b="0"/>
-        </a:fillRef>
-        <a:effectRef idx="0">
-          <a:scrgbClr r="0" g="0" b="0"/>
-        </a:effectRef>
-        <a:fontRef idx="minor"/>
-      </dsp:style>
-      <dsp:txBody>
-        <a:bodyPr spcFirstLastPara="0" vert="horz" wrap="square" lIns="129540" tIns="129540" rIns="129540" bIns="129540" numCol="1" spcCol="1270" anchor="t" anchorCtr="0">
-          <a:noAutofit/>
-        </a:bodyPr>
-        <a:lstStyle/>
-        <a:p>
-          <a:pPr lvl="0" algn="l" defTabSz="1511300">
-            <a:lnSpc>
-              <a:spcPct val="90000"/>
-            </a:lnSpc>
-            <a:spcBef>
-              <a:spcPct val="0"/>
-            </a:spcBef>
-            <a:spcAft>
-              <a:spcPct val="35000"/>
-            </a:spcAft>
-          </a:pPr>
-          <a:r>
-            <a:rPr lang="zh-CN" altLang="en-US" sz="3400" kern="1200" dirty="0" smtClean="0"/>
-            <a:t>语音特征提取</a:t>
-          </a:r>
-          <a:endParaRPr lang="zh-CN" altLang="en-US" sz="3400" kern="1200" dirty="0"/>
-        </a:p>
-      </dsp:txBody>
-      <dsp:txXfrm>
-        <a:off x="1747520" y="1834554"/>
-        <a:ext cx="6380480" cy="853281"/>
-      </dsp:txXfrm>
-    </dsp:sp>
-    <dsp:sp modelId="{2DED9407-42C4-42C2-BE56-66FA46B0ADC9}">
-      <dsp:nvSpPr>
-        <dsp:cNvPr id="0" name=""/>
-        <dsp:cNvSpPr/>
-      </dsp:nvSpPr>
-      <dsp:spPr>
-        <a:xfrm>
-          <a:off x="1625599" y="2687836"/>
-          <a:ext cx="6502400" cy="0"/>
-        </a:xfrm>
-        <a:prstGeom prst="line">
-          <a:avLst/>
-        </a:prstGeom>
-        <a:solidFill>
-          <a:schemeClr val="accent1">
-            <a:hueOff val="0"/>
-            <a:satOff val="0"/>
-            <a:lumOff val="0"/>
-            <a:alphaOff val="0"/>
-          </a:schemeClr>
-        </a:solidFill>
-        <a:ln w="15875" cap="rnd" cmpd="sng" algn="ctr">
-          <a:solidFill>
-            <a:schemeClr val="accent1">
-              <a:tint val="50000"/>
-              <a:hueOff val="0"/>
-              <a:satOff val="0"/>
-              <a:lumOff val="0"/>
-              <a:alphaOff val="0"/>
-            </a:schemeClr>
-          </a:solidFill>
-          <a:prstDash val="solid"/>
-        </a:ln>
-        <a:effectLst/>
-      </dsp:spPr>
-      <dsp:style>
-        <a:lnRef idx="2">
-          <a:scrgbClr r="0" g="0" b="0"/>
-        </a:lnRef>
-        <a:fillRef idx="1">
-          <a:scrgbClr r="0" g="0" b="0"/>
-        </a:fillRef>
-        <a:effectRef idx="0">
-          <a:scrgbClr r="0" g="0" b="0"/>
-        </a:effectRef>
-        <a:fontRef idx="minor"/>
-      </dsp:style>
-    </dsp:sp>
-    <dsp:sp modelId="{14267028-767E-4084-8ED4-17A80498ED20}">
-      <dsp:nvSpPr>
-        <dsp:cNvPr id="0" name=""/>
-        <dsp:cNvSpPr/>
-      </dsp:nvSpPr>
-      <dsp:spPr>
-        <a:xfrm>
-          <a:off x="1747520" y="2730500"/>
-          <a:ext cx="6380480" cy="853281"/>
-        </a:xfrm>
-        <a:prstGeom prst="rect">
-          <a:avLst/>
-        </a:prstGeom>
-        <a:noFill/>
-        <a:ln>
-          <a:noFill/>
-        </a:ln>
-        <a:effectLst/>
-      </dsp:spPr>
-      <dsp:style>
-        <a:lnRef idx="0">
-          <a:scrgbClr r="0" g="0" b="0"/>
-        </a:lnRef>
-        <a:fillRef idx="0">
-          <a:scrgbClr r="0" g="0" b="0"/>
-        </a:fillRef>
-        <a:effectRef idx="0">
-          <a:scrgbClr r="0" g="0" b="0"/>
-        </a:effectRef>
-        <a:fontRef idx="minor"/>
-      </dsp:style>
-      <dsp:txBody>
-        <a:bodyPr spcFirstLastPara="0" vert="horz" wrap="square" lIns="129540" tIns="129540" rIns="129540" bIns="129540" numCol="1" spcCol="1270" anchor="t" anchorCtr="0">
-          <a:noAutofit/>
-        </a:bodyPr>
-        <a:lstStyle/>
-        <a:p>
-          <a:pPr lvl="0" algn="l" defTabSz="1511300">
-            <a:lnSpc>
-              <a:spcPct val="90000"/>
-            </a:lnSpc>
-            <a:spcBef>
-              <a:spcPct val="0"/>
-            </a:spcBef>
-            <a:spcAft>
-              <a:spcPct val="35000"/>
-            </a:spcAft>
-          </a:pPr>
-          <a:r>
-            <a:rPr lang="zh-CN" altLang="en-US" sz="3400" kern="1200" dirty="0" smtClean="0"/>
-            <a:t>模型训练</a:t>
-          </a:r>
-          <a:endParaRPr lang="zh-CN" altLang="en-US" sz="3400" kern="1200" dirty="0"/>
-        </a:p>
-      </dsp:txBody>
-      <dsp:txXfrm>
-        <a:off x="1747520" y="2730500"/>
-        <a:ext cx="6380480" cy="853281"/>
-      </dsp:txXfrm>
-    </dsp:sp>
-    <dsp:sp modelId="{DF9A7343-180E-44AA-9111-CAC91275656D}">
-      <dsp:nvSpPr>
-        <dsp:cNvPr id="0" name=""/>
-        <dsp:cNvSpPr/>
-      </dsp:nvSpPr>
-      <dsp:spPr>
-        <a:xfrm>
-          <a:off x="1625599" y="3583781"/>
-          <a:ext cx="6502400" cy="0"/>
-        </a:xfrm>
-        <a:prstGeom prst="line">
-          <a:avLst/>
-        </a:prstGeom>
-        <a:solidFill>
-          <a:schemeClr val="accent1">
-            <a:hueOff val="0"/>
-            <a:satOff val="0"/>
-            <a:lumOff val="0"/>
-            <a:alphaOff val="0"/>
-          </a:schemeClr>
-        </a:solidFill>
-        <a:ln w="15875" cap="rnd" cmpd="sng" algn="ctr">
-          <a:solidFill>
-            <a:schemeClr val="accent1">
-              <a:tint val="50000"/>
-              <a:hueOff val="0"/>
-              <a:satOff val="0"/>
-              <a:lumOff val="0"/>
-              <a:alphaOff val="0"/>
-            </a:schemeClr>
-          </a:solidFill>
-          <a:prstDash val="solid"/>
-        </a:ln>
-        <a:effectLst/>
-      </dsp:spPr>
-      <dsp:style>
-        <a:lnRef idx="2">
-          <a:scrgbClr r="0" g="0" b="0"/>
-        </a:lnRef>
-        <a:fillRef idx="1">
-          <a:scrgbClr r="0" g="0" b="0"/>
-        </a:fillRef>
-        <a:effectRef idx="0">
-          <a:scrgbClr r="0" g="0" b="0"/>
-        </a:effectRef>
-        <a:fontRef idx="minor"/>
-      </dsp:style>
-    </dsp:sp>
-    <dsp:sp modelId="{CDE4895D-037F-4A1D-ACAA-403ABA463831}">
-      <dsp:nvSpPr>
-        <dsp:cNvPr id="0" name=""/>
-        <dsp:cNvSpPr/>
-      </dsp:nvSpPr>
-      <dsp:spPr>
-        <a:xfrm>
-          <a:off x="1747520" y="3626445"/>
-          <a:ext cx="6380480" cy="853281"/>
-        </a:xfrm>
-        <a:prstGeom prst="rect">
-          <a:avLst/>
-        </a:prstGeom>
-        <a:noFill/>
-        <a:ln>
-          <a:noFill/>
-        </a:ln>
-        <a:effectLst/>
-      </dsp:spPr>
-      <dsp:style>
-        <a:lnRef idx="0">
-          <a:scrgbClr r="0" g="0" b="0"/>
-        </a:lnRef>
-        <a:fillRef idx="0">
-          <a:scrgbClr r="0" g="0" b="0"/>
-        </a:fillRef>
-        <a:effectRef idx="0">
-          <a:scrgbClr r="0" g="0" b="0"/>
-        </a:effectRef>
-        <a:fontRef idx="minor"/>
-      </dsp:style>
-      <dsp:txBody>
-        <a:bodyPr spcFirstLastPara="0" vert="horz" wrap="square" lIns="129540" tIns="129540" rIns="129540" bIns="129540" numCol="1" spcCol="1270" anchor="t" anchorCtr="0">
-          <a:noAutofit/>
-        </a:bodyPr>
-        <a:lstStyle/>
-        <a:p>
-          <a:pPr lvl="0" algn="l" defTabSz="1511300">
-            <a:lnSpc>
-              <a:spcPct val="90000"/>
-            </a:lnSpc>
-            <a:spcBef>
-              <a:spcPct val="0"/>
-            </a:spcBef>
-            <a:spcAft>
-              <a:spcPct val="35000"/>
-            </a:spcAft>
-          </a:pPr>
-          <a:r>
-            <a:rPr lang="zh-CN" altLang="en-US" sz="3400" kern="1200" dirty="0" smtClean="0"/>
-            <a:t>文本相关验证</a:t>
-          </a:r>
-          <a:endParaRPr lang="zh-CN" altLang="en-US" sz="3400" kern="1200" dirty="0"/>
-        </a:p>
-      </dsp:txBody>
-      <dsp:txXfrm>
-        <a:off x="1747520" y="3626445"/>
-        <a:ext cx="6380480" cy="853281"/>
-      </dsp:txXfrm>
-    </dsp:sp>
-    <dsp:sp modelId="{66F4F35F-0732-4D66-BDA3-05E475CC2FB0}">
-      <dsp:nvSpPr>
-        <dsp:cNvPr id="0" name=""/>
-        <dsp:cNvSpPr/>
-      </dsp:nvSpPr>
-      <dsp:spPr>
-        <a:xfrm>
-          <a:off x="1625599" y="4479726"/>
-          <a:ext cx="6502400" cy="0"/>
-        </a:xfrm>
-        <a:prstGeom prst="line">
-          <a:avLst/>
-        </a:prstGeom>
-        <a:solidFill>
-          <a:schemeClr val="accent1">
-            <a:hueOff val="0"/>
-            <a:satOff val="0"/>
-            <a:lumOff val="0"/>
-            <a:alphaOff val="0"/>
-          </a:schemeClr>
-        </a:solidFill>
-        <a:ln w="15875" cap="rnd" cmpd="sng" algn="ctr">
-          <a:solidFill>
-            <a:schemeClr val="accent1">
-              <a:tint val="50000"/>
-              <a:hueOff val="0"/>
-              <a:satOff val="0"/>
-              <a:lumOff val="0"/>
-              <a:alphaOff val="0"/>
-            </a:schemeClr>
-          </a:solidFill>
-          <a:prstDash val="solid"/>
-        </a:ln>
-        <a:effectLst/>
-      </dsp:spPr>
-      <dsp:style>
-        <a:lnRef idx="2">
-          <a:scrgbClr r="0" g="0" b="0"/>
-        </a:lnRef>
-        <a:fillRef idx="1">
-          <a:scrgbClr r="0" g="0" b="0"/>
-        </a:fillRef>
-        <a:effectRef idx="0">
-          <a:scrgbClr r="0" g="0" b="0"/>
-        </a:effectRef>
-        <a:fontRef idx="minor"/>
-      </dsp:style>
-    </dsp:sp>
-    <dsp:sp modelId="{E9D70DD7-6323-4061-A13E-E6A9392383BC}">
-      <dsp:nvSpPr>
-        <dsp:cNvPr id="0" name=""/>
-        <dsp:cNvSpPr/>
-      </dsp:nvSpPr>
-      <dsp:spPr>
-        <a:xfrm>
-          <a:off x="1747520" y="4522390"/>
-          <a:ext cx="6380480" cy="853281"/>
-        </a:xfrm>
-        <a:prstGeom prst="rect">
-          <a:avLst/>
-        </a:prstGeom>
-        <a:noFill/>
-        <a:ln>
-          <a:noFill/>
-        </a:ln>
-        <a:effectLst/>
-      </dsp:spPr>
-      <dsp:style>
-        <a:lnRef idx="0">
-          <a:scrgbClr r="0" g="0" b="0"/>
-        </a:lnRef>
-        <a:fillRef idx="0">
-          <a:scrgbClr r="0" g="0" b="0"/>
-        </a:fillRef>
-        <a:effectRef idx="0">
-          <a:scrgbClr r="0" g="0" b="0"/>
-        </a:effectRef>
-        <a:fontRef idx="minor"/>
-      </dsp:style>
-      <dsp:txBody>
-        <a:bodyPr spcFirstLastPara="0" vert="horz" wrap="square" lIns="129540" tIns="129540" rIns="129540" bIns="129540" numCol="1" spcCol="1270" anchor="t" anchorCtr="0">
-          <a:noAutofit/>
-        </a:bodyPr>
-        <a:lstStyle/>
-        <a:p>
-          <a:pPr lvl="0" algn="l" defTabSz="1511300">
-            <a:lnSpc>
-              <a:spcPct val="90000"/>
-            </a:lnSpc>
-            <a:spcBef>
-              <a:spcPct val="0"/>
-            </a:spcBef>
-            <a:spcAft>
-              <a:spcPct val="35000"/>
-            </a:spcAft>
-          </a:pPr>
-          <a:r>
-            <a:rPr lang="zh-CN" altLang="en-US" sz="3400" kern="1200" dirty="0" smtClean="0"/>
-            <a:t>多用户下的说话人验证</a:t>
-          </a:r>
-          <a:endParaRPr lang="zh-CN" altLang="en-US" sz="3400" kern="1200" dirty="0"/>
-        </a:p>
-      </dsp:txBody>
-      <dsp:txXfrm>
-        <a:off x="1747520" y="4522390"/>
-        <a:ext cx="6380480" cy="853281"/>
-      </dsp:txXfrm>
-    </dsp:sp>
-    <dsp:sp modelId="{8F765D7A-B823-4293-BC45-B59D587A56C0}">
-      <dsp:nvSpPr>
-        <dsp:cNvPr id="0" name=""/>
-        <dsp:cNvSpPr/>
-      </dsp:nvSpPr>
-      <dsp:spPr>
-        <a:xfrm>
-          <a:off x="1625599" y="5375672"/>
-          <a:ext cx="6502400" cy="0"/>
-        </a:xfrm>
-        <a:prstGeom prst="line">
-          <a:avLst/>
-        </a:prstGeom>
-        <a:solidFill>
-          <a:schemeClr val="accent1">
-            <a:hueOff val="0"/>
-            <a:satOff val="0"/>
-            <a:lumOff val="0"/>
-            <a:alphaOff val="0"/>
-          </a:schemeClr>
-        </a:solidFill>
-        <a:ln w="15875" cap="rnd" cmpd="sng" algn="ctr">
-          <a:solidFill>
-            <a:schemeClr val="accent1">
-              <a:tint val="50000"/>
-              <a:hueOff val="0"/>
-              <a:satOff val="0"/>
-              <a:lumOff val="0"/>
-              <a:alphaOff val="0"/>
-            </a:schemeClr>
-          </a:solidFill>
-          <a:prstDash val="solid"/>
-        </a:ln>
-        <a:effectLst/>
-      </dsp:spPr>
-      <dsp:style>
-        <a:lnRef idx="2">
-          <a:scrgbClr r="0" g="0" b="0"/>
-        </a:lnRef>
-        <a:fillRef idx="1">
-          <a:scrgbClr r="0" g="0" b="0"/>
-        </a:fillRef>
-        <a:effectRef idx="0">
-          <a:scrgbClr r="0" g="0" b="0"/>
-        </a:effectRef>
-        <a:fontRef idx="minor"/>
-      </dsp:style>
-    </dsp:sp>
   </dsp:spTree>
 </dsp:drawing>
 </file>
@@ -15170,700 +13304,6 @@
       <dsp:cNvGrpSpPr/>
     </dsp:nvGrpSpPr>
     <dsp:grpSpPr/>
-    <dsp:sp modelId="{DEDEE683-05B9-47C6-A07A-BA4F6F44A0E4}">
-      <dsp:nvSpPr>
-        <dsp:cNvPr id="0" name=""/>
-        <dsp:cNvSpPr/>
-      </dsp:nvSpPr>
-      <dsp:spPr>
-        <a:xfrm>
-          <a:off x="0" y="0"/>
-          <a:ext cx="6258560" cy="975360"/>
-        </a:xfrm>
-        <a:prstGeom prst="roundRect">
-          <a:avLst>
-            <a:gd name="adj" fmla="val 10000"/>
-          </a:avLst>
-        </a:prstGeom>
-        <a:solidFill>
-          <a:schemeClr val="accent1"/>
-        </a:solidFill>
-        <a:ln w="15875" cap="rnd" cmpd="sng" algn="ctr">
-          <a:solidFill>
-            <a:schemeClr val="lt1">
-              <a:hueOff val="0"/>
-              <a:satOff val="0"/>
-              <a:lumOff val="0"/>
-              <a:alphaOff val="0"/>
-            </a:schemeClr>
-          </a:solidFill>
-          <a:prstDash val="solid"/>
-        </a:ln>
-        <a:effectLst/>
-      </dsp:spPr>
-      <dsp:style>
-        <a:lnRef idx="2">
-          <a:scrgbClr r="0" g="0" b="0"/>
-        </a:lnRef>
-        <a:fillRef idx="1">
-          <a:scrgbClr r="0" g="0" b="0"/>
-        </a:fillRef>
-        <a:effectRef idx="0">
-          <a:scrgbClr r="0" g="0" b="0"/>
-        </a:effectRef>
-        <a:fontRef idx="minor">
-          <a:schemeClr val="lt1"/>
-        </a:fontRef>
-      </dsp:style>
-      <dsp:txBody>
-        <a:bodyPr spcFirstLastPara="0" vert="horz" wrap="square" lIns="140970" tIns="140970" rIns="140970" bIns="140970" numCol="1" spcCol="1270" anchor="ctr" anchorCtr="0">
-          <a:noAutofit/>
-        </a:bodyPr>
-        <a:lstStyle/>
-        <a:p>
-          <a:pPr lvl="0" algn="l" defTabSz="1644650">
-            <a:lnSpc>
-              <a:spcPct val="90000"/>
-            </a:lnSpc>
-            <a:spcBef>
-              <a:spcPct val="0"/>
-            </a:spcBef>
-            <a:spcAft>
-              <a:spcPct val="35000"/>
-            </a:spcAft>
-          </a:pPr>
-          <a:r>
-            <a:rPr lang="zh-CN" altLang="en-US" sz="3700" kern="1200" dirty="0" smtClean="0"/>
-            <a:t>研究背景</a:t>
-          </a:r>
-          <a:endParaRPr lang="zh-CN" altLang="en-US" sz="3700" kern="1200" dirty="0"/>
-        </a:p>
-      </dsp:txBody>
-      <dsp:txXfrm>
-        <a:off x="28567" y="28567"/>
-        <a:ext cx="5091953" cy="918226"/>
-      </dsp:txXfrm>
-    </dsp:sp>
-    <dsp:sp modelId="{30A668FC-7FB9-43B2-BB67-BD57FD8C149C}">
-      <dsp:nvSpPr>
-        <dsp:cNvPr id="0" name=""/>
-        <dsp:cNvSpPr/>
-      </dsp:nvSpPr>
-      <dsp:spPr>
-        <a:xfrm>
-          <a:off x="467360" y="1110826"/>
-          <a:ext cx="6258560" cy="975360"/>
-        </a:xfrm>
-        <a:prstGeom prst="roundRect">
-          <a:avLst>
-            <a:gd name="adj" fmla="val 10000"/>
-          </a:avLst>
-        </a:prstGeom>
-        <a:solidFill>
-          <a:schemeClr val="accent1"/>
-        </a:solidFill>
-        <a:ln w="15875" cap="rnd" cmpd="sng" algn="ctr">
-          <a:solidFill>
-            <a:schemeClr val="lt1">
-              <a:hueOff val="0"/>
-              <a:satOff val="0"/>
-              <a:lumOff val="0"/>
-              <a:alphaOff val="0"/>
-            </a:schemeClr>
-          </a:solidFill>
-          <a:prstDash val="solid"/>
-        </a:ln>
-        <a:effectLst/>
-      </dsp:spPr>
-      <dsp:style>
-        <a:lnRef idx="2">
-          <a:scrgbClr r="0" g="0" b="0"/>
-        </a:lnRef>
-        <a:fillRef idx="1">
-          <a:scrgbClr r="0" g="0" b="0"/>
-        </a:fillRef>
-        <a:effectRef idx="0">
-          <a:scrgbClr r="0" g="0" b="0"/>
-        </a:effectRef>
-        <a:fontRef idx="minor">
-          <a:schemeClr val="lt1"/>
-        </a:fontRef>
-      </dsp:style>
-      <dsp:txBody>
-        <a:bodyPr spcFirstLastPara="0" vert="horz" wrap="square" lIns="140970" tIns="140970" rIns="140970" bIns="140970" numCol="1" spcCol="1270" anchor="ctr" anchorCtr="0">
-          <a:noAutofit/>
-        </a:bodyPr>
-        <a:lstStyle/>
-        <a:p>
-          <a:pPr lvl="0" algn="l" defTabSz="1644650">
-            <a:lnSpc>
-              <a:spcPct val="90000"/>
-            </a:lnSpc>
-            <a:spcBef>
-              <a:spcPct val="0"/>
-            </a:spcBef>
-            <a:spcAft>
-              <a:spcPct val="35000"/>
-            </a:spcAft>
-          </a:pPr>
-          <a:r>
-            <a:rPr lang="zh-CN" altLang="en-US" sz="3700" kern="1200" dirty="0" smtClean="0"/>
-            <a:t>需求分析</a:t>
-          </a:r>
-          <a:endParaRPr lang="zh-CN" altLang="en-US" sz="3700" kern="1200" dirty="0"/>
-        </a:p>
-      </dsp:txBody>
-      <dsp:txXfrm>
-        <a:off x="495927" y="1139393"/>
-        <a:ext cx="5100081" cy="918226"/>
-      </dsp:txXfrm>
-    </dsp:sp>
-    <dsp:sp modelId="{ECB21FFE-9F05-437C-B138-113778E9D6CE}">
-      <dsp:nvSpPr>
-        <dsp:cNvPr id="0" name=""/>
-        <dsp:cNvSpPr/>
-      </dsp:nvSpPr>
-      <dsp:spPr>
-        <a:xfrm>
-          <a:off x="934719" y="2221653"/>
-          <a:ext cx="6258560" cy="975360"/>
-        </a:xfrm>
-        <a:prstGeom prst="roundRect">
-          <a:avLst>
-            <a:gd name="adj" fmla="val 10000"/>
-          </a:avLst>
-        </a:prstGeom>
-        <a:solidFill>
-          <a:schemeClr val="accent6">
-            <a:lumMod val="50000"/>
-          </a:schemeClr>
-        </a:solidFill>
-        <a:ln w="15875" cap="rnd" cmpd="sng" algn="ctr">
-          <a:solidFill>
-            <a:schemeClr val="lt1">
-              <a:hueOff val="0"/>
-              <a:satOff val="0"/>
-              <a:lumOff val="0"/>
-              <a:alphaOff val="0"/>
-            </a:schemeClr>
-          </a:solidFill>
-          <a:prstDash val="solid"/>
-        </a:ln>
-        <a:effectLst/>
-      </dsp:spPr>
-      <dsp:style>
-        <a:lnRef idx="2">
-          <a:scrgbClr r="0" g="0" b="0"/>
-        </a:lnRef>
-        <a:fillRef idx="1">
-          <a:scrgbClr r="0" g="0" b="0"/>
-        </a:fillRef>
-        <a:effectRef idx="0">
-          <a:scrgbClr r="0" g="0" b="0"/>
-        </a:effectRef>
-        <a:fontRef idx="minor">
-          <a:schemeClr val="lt1"/>
-        </a:fontRef>
-      </dsp:style>
-      <dsp:txBody>
-        <a:bodyPr spcFirstLastPara="0" vert="horz" wrap="square" lIns="140970" tIns="140970" rIns="140970" bIns="140970" numCol="1" spcCol="1270" anchor="ctr" anchorCtr="0">
-          <a:noAutofit/>
-        </a:bodyPr>
-        <a:lstStyle/>
-        <a:p>
-          <a:pPr lvl="0" algn="l" defTabSz="1644650">
-            <a:lnSpc>
-              <a:spcPct val="90000"/>
-            </a:lnSpc>
-            <a:spcBef>
-              <a:spcPct val="0"/>
-            </a:spcBef>
-            <a:spcAft>
-              <a:spcPct val="35000"/>
-            </a:spcAft>
-          </a:pPr>
-          <a:r>
-            <a:rPr lang="zh-CN" altLang="en-US" sz="3700" kern="1200" dirty="0" smtClean="0"/>
-            <a:t>关键技术</a:t>
-          </a:r>
-          <a:endParaRPr lang="zh-CN" altLang="en-US" sz="3700" kern="1200" dirty="0"/>
-        </a:p>
-      </dsp:txBody>
-      <dsp:txXfrm>
-        <a:off x="963286" y="2250220"/>
-        <a:ext cx="5100081" cy="918226"/>
-      </dsp:txXfrm>
-    </dsp:sp>
-    <dsp:sp modelId="{19EB898B-E605-4044-9E0A-17C1C03B86A0}">
-      <dsp:nvSpPr>
-        <dsp:cNvPr id="0" name=""/>
-        <dsp:cNvSpPr/>
-      </dsp:nvSpPr>
-      <dsp:spPr>
-        <a:xfrm>
-          <a:off x="1402079" y="3332480"/>
-          <a:ext cx="6258560" cy="975360"/>
-        </a:xfrm>
-        <a:prstGeom prst="roundRect">
-          <a:avLst>
-            <a:gd name="adj" fmla="val 10000"/>
-          </a:avLst>
-        </a:prstGeom>
-        <a:solidFill>
-          <a:schemeClr val="accent1">
-            <a:hueOff val="0"/>
-            <a:satOff val="0"/>
-            <a:lumOff val="0"/>
-            <a:alphaOff val="0"/>
-          </a:schemeClr>
-        </a:solidFill>
-        <a:ln w="15875" cap="rnd" cmpd="sng" algn="ctr">
-          <a:solidFill>
-            <a:schemeClr val="lt1">
-              <a:hueOff val="0"/>
-              <a:satOff val="0"/>
-              <a:lumOff val="0"/>
-              <a:alphaOff val="0"/>
-            </a:schemeClr>
-          </a:solidFill>
-          <a:prstDash val="solid"/>
-        </a:ln>
-        <a:effectLst/>
-      </dsp:spPr>
-      <dsp:style>
-        <a:lnRef idx="2">
-          <a:scrgbClr r="0" g="0" b="0"/>
-        </a:lnRef>
-        <a:fillRef idx="1">
-          <a:scrgbClr r="0" g="0" b="0"/>
-        </a:fillRef>
-        <a:effectRef idx="0">
-          <a:scrgbClr r="0" g="0" b="0"/>
-        </a:effectRef>
-        <a:fontRef idx="minor">
-          <a:schemeClr val="lt1"/>
-        </a:fontRef>
-      </dsp:style>
-      <dsp:txBody>
-        <a:bodyPr spcFirstLastPara="0" vert="horz" wrap="square" lIns="140970" tIns="140970" rIns="140970" bIns="140970" numCol="1" spcCol="1270" anchor="ctr" anchorCtr="0">
-          <a:noAutofit/>
-        </a:bodyPr>
-        <a:lstStyle/>
-        <a:p>
-          <a:pPr lvl="0" algn="l" defTabSz="1644650">
-            <a:lnSpc>
-              <a:spcPct val="90000"/>
-            </a:lnSpc>
-            <a:spcBef>
-              <a:spcPct val="0"/>
-            </a:spcBef>
-            <a:spcAft>
-              <a:spcPct val="35000"/>
-            </a:spcAft>
-          </a:pPr>
-          <a:r>
-            <a:rPr lang="zh-CN" altLang="en-US" sz="3700" kern="1200" dirty="0" smtClean="0"/>
-            <a:t>设计实现</a:t>
-          </a:r>
-          <a:endParaRPr lang="zh-CN" altLang="en-US" sz="3700" kern="1200" dirty="0"/>
-        </a:p>
-      </dsp:txBody>
-      <dsp:txXfrm>
-        <a:off x="1430646" y="3361047"/>
-        <a:ext cx="5100081" cy="918226"/>
-      </dsp:txXfrm>
-    </dsp:sp>
-    <dsp:sp modelId="{711C8C94-5A2B-4918-9F6D-879360ECF4F4}">
-      <dsp:nvSpPr>
-        <dsp:cNvPr id="0" name=""/>
-        <dsp:cNvSpPr/>
-      </dsp:nvSpPr>
-      <dsp:spPr>
-        <a:xfrm>
-          <a:off x="1869439" y="4443306"/>
-          <a:ext cx="6258560" cy="975360"/>
-        </a:xfrm>
-        <a:prstGeom prst="roundRect">
-          <a:avLst>
-            <a:gd name="adj" fmla="val 10000"/>
-          </a:avLst>
-        </a:prstGeom>
-        <a:solidFill>
-          <a:schemeClr val="accent1">
-            <a:hueOff val="0"/>
-            <a:satOff val="0"/>
-            <a:lumOff val="0"/>
-            <a:alphaOff val="0"/>
-          </a:schemeClr>
-        </a:solidFill>
-        <a:ln w="15875" cap="rnd" cmpd="sng" algn="ctr">
-          <a:solidFill>
-            <a:schemeClr val="lt1">
-              <a:hueOff val="0"/>
-              <a:satOff val="0"/>
-              <a:lumOff val="0"/>
-              <a:alphaOff val="0"/>
-            </a:schemeClr>
-          </a:solidFill>
-          <a:prstDash val="solid"/>
-        </a:ln>
-        <a:effectLst/>
-      </dsp:spPr>
-      <dsp:style>
-        <a:lnRef idx="2">
-          <a:scrgbClr r="0" g="0" b="0"/>
-        </a:lnRef>
-        <a:fillRef idx="1">
-          <a:scrgbClr r="0" g="0" b="0"/>
-        </a:fillRef>
-        <a:effectRef idx="0">
-          <a:scrgbClr r="0" g="0" b="0"/>
-        </a:effectRef>
-        <a:fontRef idx="minor">
-          <a:schemeClr val="lt1"/>
-        </a:fontRef>
-      </dsp:style>
-      <dsp:txBody>
-        <a:bodyPr spcFirstLastPara="0" vert="horz" wrap="square" lIns="140970" tIns="140970" rIns="140970" bIns="140970" numCol="1" spcCol="1270" anchor="ctr" anchorCtr="0">
-          <a:noAutofit/>
-        </a:bodyPr>
-        <a:lstStyle/>
-        <a:p>
-          <a:pPr lvl="0" algn="l" defTabSz="1644650">
-            <a:lnSpc>
-              <a:spcPct val="90000"/>
-            </a:lnSpc>
-            <a:spcBef>
-              <a:spcPct val="0"/>
-            </a:spcBef>
-            <a:spcAft>
-              <a:spcPct val="35000"/>
-            </a:spcAft>
-          </a:pPr>
-          <a:r>
-            <a:rPr lang="zh-CN" altLang="en-US" sz="3700" kern="1200" dirty="0" smtClean="0"/>
-            <a:t>总结展望</a:t>
-          </a:r>
-          <a:endParaRPr lang="zh-CN" altLang="en-US" sz="3700" kern="1200" dirty="0"/>
-        </a:p>
-      </dsp:txBody>
-      <dsp:txXfrm>
-        <a:off x="1898006" y="4471873"/>
-        <a:ext cx="5100081" cy="918226"/>
-      </dsp:txXfrm>
-    </dsp:sp>
-    <dsp:sp modelId="{341A637F-BF62-4472-933A-EC8F8D7429DA}">
-      <dsp:nvSpPr>
-        <dsp:cNvPr id="0" name=""/>
-        <dsp:cNvSpPr/>
-      </dsp:nvSpPr>
-      <dsp:spPr>
-        <a:xfrm>
-          <a:off x="5624575" y="712554"/>
-          <a:ext cx="633984" cy="633984"/>
-        </a:xfrm>
-        <a:prstGeom prst="downArrow">
-          <a:avLst>
-            <a:gd name="adj1" fmla="val 55000"/>
-            <a:gd name="adj2" fmla="val 45000"/>
-          </a:avLst>
-        </a:prstGeom>
-        <a:solidFill>
-          <a:schemeClr val="accent1">
-            <a:alpha val="90000"/>
-            <a:tint val="40000"/>
-            <a:hueOff val="0"/>
-            <a:satOff val="0"/>
-            <a:lumOff val="0"/>
-            <a:alphaOff val="0"/>
-          </a:schemeClr>
-        </a:solidFill>
-        <a:ln w="15875" cap="rnd" cmpd="sng" algn="ctr">
-          <a:solidFill>
-            <a:schemeClr val="accent1">
-              <a:alpha val="90000"/>
-              <a:tint val="40000"/>
-              <a:hueOff val="0"/>
-              <a:satOff val="0"/>
-              <a:lumOff val="0"/>
-              <a:alphaOff val="0"/>
-            </a:schemeClr>
-          </a:solidFill>
-          <a:prstDash val="solid"/>
-        </a:ln>
-        <a:effectLst/>
-      </dsp:spPr>
-      <dsp:style>
-        <a:lnRef idx="2">
-          <a:scrgbClr r="0" g="0" b="0"/>
-        </a:lnRef>
-        <a:fillRef idx="1">
-          <a:scrgbClr r="0" g="0" b="0"/>
-        </a:fillRef>
-        <a:effectRef idx="0">
-          <a:scrgbClr r="0" g="0" b="0"/>
-        </a:effectRef>
-        <a:fontRef idx="minor"/>
-      </dsp:style>
-      <dsp:txBody>
-        <a:bodyPr spcFirstLastPara="0" vert="horz" wrap="square" lIns="35560" tIns="35560" rIns="35560" bIns="35560" numCol="1" spcCol="1270" anchor="ctr" anchorCtr="0">
-          <a:noAutofit/>
-        </a:bodyPr>
-        <a:lstStyle/>
-        <a:p>
-          <a:pPr lvl="0" algn="ctr" defTabSz="1244600">
-            <a:lnSpc>
-              <a:spcPct val="90000"/>
-            </a:lnSpc>
-            <a:spcBef>
-              <a:spcPct val="0"/>
-            </a:spcBef>
-            <a:spcAft>
-              <a:spcPct val="35000"/>
-            </a:spcAft>
-          </a:pPr>
-          <a:endParaRPr lang="zh-CN" altLang="en-US" sz="2800" kern="1200"/>
-        </a:p>
-      </dsp:txBody>
-      <dsp:txXfrm>
-        <a:off x="5767221" y="712554"/>
-        <a:ext cx="348692" cy="477073"/>
-      </dsp:txXfrm>
-    </dsp:sp>
-    <dsp:sp modelId="{D73E2BBA-E2FA-4658-87D9-AB437B0F4207}">
-      <dsp:nvSpPr>
-        <dsp:cNvPr id="0" name=""/>
-        <dsp:cNvSpPr/>
-      </dsp:nvSpPr>
-      <dsp:spPr>
-        <a:xfrm>
-          <a:off x="6091935" y="1823381"/>
-          <a:ext cx="633984" cy="633984"/>
-        </a:xfrm>
-        <a:prstGeom prst="downArrow">
-          <a:avLst>
-            <a:gd name="adj1" fmla="val 55000"/>
-            <a:gd name="adj2" fmla="val 45000"/>
-          </a:avLst>
-        </a:prstGeom>
-        <a:solidFill>
-          <a:schemeClr val="accent1">
-            <a:alpha val="90000"/>
-            <a:tint val="40000"/>
-            <a:hueOff val="0"/>
-            <a:satOff val="0"/>
-            <a:lumOff val="0"/>
-            <a:alphaOff val="0"/>
-          </a:schemeClr>
-        </a:solidFill>
-        <a:ln w="15875" cap="rnd" cmpd="sng" algn="ctr">
-          <a:solidFill>
-            <a:schemeClr val="accent1">
-              <a:alpha val="90000"/>
-              <a:tint val="40000"/>
-              <a:hueOff val="0"/>
-              <a:satOff val="0"/>
-              <a:lumOff val="0"/>
-              <a:alphaOff val="0"/>
-            </a:schemeClr>
-          </a:solidFill>
-          <a:prstDash val="solid"/>
-        </a:ln>
-        <a:effectLst/>
-      </dsp:spPr>
-      <dsp:style>
-        <a:lnRef idx="2">
-          <a:scrgbClr r="0" g="0" b="0"/>
-        </a:lnRef>
-        <a:fillRef idx="1">
-          <a:scrgbClr r="0" g="0" b="0"/>
-        </a:fillRef>
-        <a:effectRef idx="0">
-          <a:scrgbClr r="0" g="0" b="0"/>
-        </a:effectRef>
-        <a:fontRef idx="minor"/>
-      </dsp:style>
-      <dsp:txBody>
-        <a:bodyPr spcFirstLastPara="0" vert="horz" wrap="square" lIns="35560" tIns="35560" rIns="35560" bIns="35560" numCol="1" spcCol="1270" anchor="ctr" anchorCtr="0">
-          <a:noAutofit/>
-        </a:bodyPr>
-        <a:lstStyle/>
-        <a:p>
-          <a:pPr lvl="0" algn="ctr" defTabSz="1244600">
-            <a:lnSpc>
-              <a:spcPct val="90000"/>
-            </a:lnSpc>
-            <a:spcBef>
-              <a:spcPct val="0"/>
-            </a:spcBef>
-            <a:spcAft>
-              <a:spcPct val="35000"/>
-            </a:spcAft>
-          </a:pPr>
-          <a:endParaRPr lang="zh-CN" altLang="en-US" sz="2800" kern="1200"/>
-        </a:p>
-      </dsp:txBody>
-      <dsp:txXfrm>
-        <a:off x="6234581" y="1823381"/>
-        <a:ext cx="348692" cy="477073"/>
-      </dsp:txXfrm>
-    </dsp:sp>
-    <dsp:sp modelId="{B2A5F7B8-4B19-48F7-88BD-57281B222D0D}">
-      <dsp:nvSpPr>
-        <dsp:cNvPr id="0" name=""/>
-        <dsp:cNvSpPr/>
-      </dsp:nvSpPr>
-      <dsp:spPr>
-        <a:xfrm>
-          <a:off x="6559295" y="2917952"/>
-          <a:ext cx="633984" cy="633984"/>
-        </a:xfrm>
-        <a:prstGeom prst="downArrow">
-          <a:avLst>
-            <a:gd name="adj1" fmla="val 55000"/>
-            <a:gd name="adj2" fmla="val 45000"/>
-          </a:avLst>
-        </a:prstGeom>
-        <a:solidFill>
-          <a:schemeClr val="accent1">
-            <a:alpha val="90000"/>
-            <a:tint val="40000"/>
-            <a:hueOff val="0"/>
-            <a:satOff val="0"/>
-            <a:lumOff val="0"/>
-            <a:alphaOff val="0"/>
-          </a:schemeClr>
-        </a:solidFill>
-        <a:ln w="15875" cap="rnd" cmpd="sng" algn="ctr">
-          <a:solidFill>
-            <a:schemeClr val="accent1">
-              <a:alpha val="90000"/>
-              <a:tint val="40000"/>
-              <a:hueOff val="0"/>
-              <a:satOff val="0"/>
-              <a:lumOff val="0"/>
-              <a:alphaOff val="0"/>
-            </a:schemeClr>
-          </a:solidFill>
-          <a:prstDash val="solid"/>
-        </a:ln>
-        <a:effectLst/>
-      </dsp:spPr>
-      <dsp:style>
-        <a:lnRef idx="2">
-          <a:scrgbClr r="0" g="0" b="0"/>
-        </a:lnRef>
-        <a:fillRef idx="1">
-          <a:scrgbClr r="0" g="0" b="0"/>
-        </a:fillRef>
-        <a:effectRef idx="0">
-          <a:scrgbClr r="0" g="0" b="0"/>
-        </a:effectRef>
-        <a:fontRef idx="minor"/>
-      </dsp:style>
-      <dsp:txBody>
-        <a:bodyPr spcFirstLastPara="0" vert="horz" wrap="square" lIns="35560" tIns="35560" rIns="35560" bIns="35560" numCol="1" spcCol="1270" anchor="ctr" anchorCtr="0">
-          <a:noAutofit/>
-        </a:bodyPr>
-        <a:lstStyle/>
-        <a:p>
-          <a:pPr lvl="0" algn="ctr" defTabSz="1244600">
-            <a:lnSpc>
-              <a:spcPct val="90000"/>
-            </a:lnSpc>
-            <a:spcBef>
-              <a:spcPct val="0"/>
-            </a:spcBef>
-            <a:spcAft>
-              <a:spcPct val="35000"/>
-            </a:spcAft>
-          </a:pPr>
-          <a:endParaRPr lang="zh-CN" altLang="en-US" sz="2800" kern="1200"/>
-        </a:p>
-      </dsp:txBody>
-      <dsp:txXfrm>
-        <a:off x="6701941" y="2917952"/>
-        <a:ext cx="348692" cy="477073"/>
-      </dsp:txXfrm>
-    </dsp:sp>
-    <dsp:sp modelId="{5C4FFC89-8AF4-4A4A-8076-5CAA65F8BB77}">
-      <dsp:nvSpPr>
-        <dsp:cNvPr id="0" name=""/>
-        <dsp:cNvSpPr/>
-      </dsp:nvSpPr>
-      <dsp:spPr>
-        <a:xfrm>
-          <a:off x="7026655" y="4039616"/>
-          <a:ext cx="633984" cy="633984"/>
-        </a:xfrm>
-        <a:prstGeom prst="downArrow">
-          <a:avLst>
-            <a:gd name="adj1" fmla="val 55000"/>
-            <a:gd name="adj2" fmla="val 45000"/>
-          </a:avLst>
-        </a:prstGeom>
-        <a:solidFill>
-          <a:schemeClr val="accent1">
-            <a:alpha val="90000"/>
-            <a:tint val="40000"/>
-            <a:hueOff val="0"/>
-            <a:satOff val="0"/>
-            <a:lumOff val="0"/>
-            <a:alphaOff val="0"/>
-          </a:schemeClr>
-        </a:solidFill>
-        <a:ln w="15875" cap="rnd" cmpd="sng" algn="ctr">
-          <a:solidFill>
-            <a:schemeClr val="accent1">
-              <a:alpha val="90000"/>
-              <a:tint val="40000"/>
-              <a:hueOff val="0"/>
-              <a:satOff val="0"/>
-              <a:lumOff val="0"/>
-              <a:alphaOff val="0"/>
-            </a:schemeClr>
-          </a:solidFill>
-          <a:prstDash val="solid"/>
-        </a:ln>
-        <a:effectLst/>
-      </dsp:spPr>
-      <dsp:style>
-        <a:lnRef idx="2">
-          <a:scrgbClr r="0" g="0" b="0"/>
-        </a:lnRef>
-        <a:fillRef idx="1">
-          <a:scrgbClr r="0" g="0" b="0"/>
-        </a:fillRef>
-        <a:effectRef idx="0">
-          <a:scrgbClr r="0" g="0" b="0"/>
-        </a:effectRef>
-        <a:fontRef idx="minor"/>
-      </dsp:style>
-      <dsp:txBody>
-        <a:bodyPr spcFirstLastPara="0" vert="horz" wrap="square" lIns="35560" tIns="35560" rIns="35560" bIns="35560" numCol="1" spcCol="1270" anchor="ctr" anchorCtr="0">
-          <a:noAutofit/>
-        </a:bodyPr>
-        <a:lstStyle/>
-        <a:p>
-          <a:pPr lvl="0" algn="ctr" defTabSz="1244600">
-            <a:lnSpc>
-              <a:spcPct val="90000"/>
-            </a:lnSpc>
-            <a:spcBef>
-              <a:spcPct val="0"/>
-            </a:spcBef>
-            <a:spcAft>
-              <a:spcPct val="35000"/>
-            </a:spcAft>
-          </a:pPr>
-          <a:endParaRPr lang="zh-CN" altLang="en-US" sz="2800" kern="1200"/>
-        </a:p>
-      </dsp:txBody>
-      <dsp:txXfrm>
-        <a:off x="7169301" y="4039616"/>
-        <a:ext cx="348692" cy="477073"/>
-      </dsp:txXfrm>
-    </dsp:sp>
   </dsp:spTree>
 </dsp:drawing>
 </file>
@@ -15876,671 +13316,6 @@
       <dsp:cNvGrpSpPr/>
     </dsp:nvGrpSpPr>
     <dsp:grpSpPr/>
-    <dsp:sp modelId="{AB64B9D0-56BD-4602-BB55-412B6EF56C86}">
-      <dsp:nvSpPr>
-        <dsp:cNvPr id="0" name=""/>
-        <dsp:cNvSpPr/>
-      </dsp:nvSpPr>
-      <dsp:spPr>
-        <a:xfrm>
-          <a:off x="0" y="0"/>
-          <a:ext cx="8128000" cy="0"/>
-        </a:xfrm>
-        <a:prstGeom prst="line">
-          <a:avLst/>
-        </a:prstGeom>
-        <a:solidFill>
-          <a:schemeClr val="accent1">
-            <a:hueOff val="0"/>
-            <a:satOff val="0"/>
-            <a:lumOff val="0"/>
-            <a:alphaOff val="0"/>
-          </a:schemeClr>
-        </a:solidFill>
-        <a:ln w="15875" cap="rnd" cmpd="sng" algn="ctr">
-          <a:solidFill>
-            <a:schemeClr val="accent1">
-              <a:hueOff val="0"/>
-              <a:satOff val="0"/>
-              <a:lumOff val="0"/>
-              <a:alphaOff val="0"/>
-            </a:schemeClr>
-          </a:solidFill>
-          <a:prstDash val="solid"/>
-        </a:ln>
-        <a:effectLst/>
-      </dsp:spPr>
-      <dsp:style>
-        <a:lnRef idx="2">
-          <a:scrgbClr r="0" g="0" b="0"/>
-        </a:lnRef>
-        <a:fillRef idx="1">
-          <a:scrgbClr r="0" g="0" b="0"/>
-        </a:fillRef>
-        <a:effectRef idx="0">
-          <a:scrgbClr r="0" g="0" b="0"/>
-        </a:effectRef>
-        <a:fontRef idx="minor">
-          <a:schemeClr val="lt1"/>
-        </a:fontRef>
-      </dsp:style>
-    </dsp:sp>
-    <dsp:sp modelId="{C86493C2-6833-4438-9D45-05EB0D2B3D5E}">
-      <dsp:nvSpPr>
-        <dsp:cNvPr id="0" name=""/>
-        <dsp:cNvSpPr/>
-      </dsp:nvSpPr>
-      <dsp:spPr>
-        <a:xfrm>
-          <a:off x="0" y="0"/>
-          <a:ext cx="1625600" cy="5418667"/>
-        </a:xfrm>
-        <a:prstGeom prst="rect">
-          <a:avLst/>
-        </a:prstGeom>
-        <a:noFill/>
-        <a:ln>
-          <a:noFill/>
-        </a:ln>
-        <a:effectLst/>
-      </dsp:spPr>
-      <dsp:style>
-        <a:lnRef idx="0">
-          <a:scrgbClr r="0" g="0" b="0"/>
-        </a:lnRef>
-        <a:fillRef idx="0">
-          <a:scrgbClr r="0" g="0" b="0"/>
-        </a:fillRef>
-        <a:effectRef idx="0">
-          <a:scrgbClr r="0" g="0" b="0"/>
-        </a:effectRef>
-        <a:fontRef idx="minor"/>
-      </dsp:style>
-      <dsp:txBody>
-        <a:bodyPr spcFirstLastPara="0" vert="horz" wrap="square" lIns="137160" tIns="137160" rIns="137160" bIns="137160" numCol="1" spcCol="1270" anchor="t" anchorCtr="0">
-          <a:noAutofit/>
-        </a:bodyPr>
-        <a:lstStyle/>
-        <a:p>
-          <a:pPr lvl="0" algn="l" defTabSz="1600200">
-            <a:lnSpc>
-              <a:spcPct val="90000"/>
-            </a:lnSpc>
-            <a:spcBef>
-              <a:spcPct val="0"/>
-            </a:spcBef>
-            <a:spcAft>
-              <a:spcPct val="35000"/>
-            </a:spcAft>
-          </a:pPr>
-          <a:r>
-            <a:rPr lang="zh-CN" altLang="en-US" sz="3600" kern="1200" dirty="0" smtClean="0"/>
-            <a:t>关键技术</a:t>
-          </a:r>
-          <a:endParaRPr lang="zh-CN" altLang="en-US" sz="3600" kern="1200" dirty="0"/>
-        </a:p>
-      </dsp:txBody>
-      <dsp:txXfrm>
-        <a:off x="0" y="0"/>
-        <a:ext cx="1625600" cy="5418667"/>
-      </dsp:txXfrm>
-    </dsp:sp>
-    <dsp:sp modelId="{437F363F-4689-42E4-9600-AEC2BC302490}">
-      <dsp:nvSpPr>
-        <dsp:cNvPr id="0" name=""/>
-        <dsp:cNvSpPr/>
-      </dsp:nvSpPr>
-      <dsp:spPr>
-        <a:xfrm>
-          <a:off x="1747520" y="51064"/>
-          <a:ext cx="6380480" cy="1021291"/>
-        </a:xfrm>
-        <a:prstGeom prst="rect">
-          <a:avLst/>
-        </a:prstGeom>
-        <a:noFill/>
-        <a:ln>
-          <a:noFill/>
-        </a:ln>
-        <a:effectLst/>
-      </dsp:spPr>
-      <dsp:style>
-        <a:lnRef idx="0">
-          <a:scrgbClr r="0" g="0" b="0"/>
-        </a:lnRef>
-        <a:fillRef idx="0">
-          <a:scrgbClr r="0" g="0" b="0"/>
-        </a:fillRef>
-        <a:effectRef idx="0">
-          <a:scrgbClr r="0" g="0" b="0"/>
-        </a:effectRef>
-        <a:fontRef idx="minor"/>
-      </dsp:style>
-      <dsp:txBody>
-        <a:bodyPr spcFirstLastPara="0" vert="horz" wrap="square" lIns="156210" tIns="156210" rIns="156210" bIns="156210" numCol="1" spcCol="1270" anchor="t" anchorCtr="0">
-          <a:noAutofit/>
-        </a:bodyPr>
-        <a:lstStyle/>
-        <a:p>
-          <a:pPr lvl="0" algn="l" defTabSz="1822450">
-            <a:lnSpc>
-              <a:spcPct val="90000"/>
-            </a:lnSpc>
-            <a:spcBef>
-              <a:spcPct val="0"/>
-            </a:spcBef>
-            <a:spcAft>
-              <a:spcPct val="35000"/>
-            </a:spcAft>
-          </a:pPr>
-          <a:r>
-            <a:rPr lang="en-US" altLang="zh-CN" sz="4100" kern="1200" dirty="0" smtClean="0"/>
-            <a:t>Android</a:t>
-          </a:r>
-          <a:r>
-            <a:rPr lang="zh-CN" altLang="en-US" sz="4100" kern="1200" dirty="0" smtClean="0"/>
-            <a:t>应用界面</a:t>
-          </a:r>
-          <a:endParaRPr lang="zh-CN" altLang="en-US" sz="4100" kern="1200" dirty="0"/>
-        </a:p>
-      </dsp:txBody>
-      <dsp:txXfrm>
-        <a:off x="1747520" y="51064"/>
-        <a:ext cx="6380480" cy="1021291"/>
-      </dsp:txXfrm>
-    </dsp:sp>
-    <dsp:sp modelId="{DE74AD73-DECA-40F7-8218-D2291073B229}">
-      <dsp:nvSpPr>
-        <dsp:cNvPr id="0" name=""/>
-        <dsp:cNvSpPr/>
-      </dsp:nvSpPr>
-      <dsp:spPr>
-        <a:xfrm>
-          <a:off x="1625599" y="1072356"/>
-          <a:ext cx="6502400" cy="0"/>
-        </a:xfrm>
-        <a:prstGeom prst="line">
-          <a:avLst/>
-        </a:prstGeom>
-        <a:solidFill>
-          <a:schemeClr val="accent1">
-            <a:hueOff val="0"/>
-            <a:satOff val="0"/>
-            <a:lumOff val="0"/>
-            <a:alphaOff val="0"/>
-          </a:schemeClr>
-        </a:solidFill>
-        <a:ln w="15875" cap="rnd" cmpd="sng" algn="ctr">
-          <a:solidFill>
-            <a:schemeClr val="accent1">
-              <a:tint val="50000"/>
-              <a:hueOff val="0"/>
-              <a:satOff val="0"/>
-              <a:lumOff val="0"/>
-              <a:alphaOff val="0"/>
-            </a:schemeClr>
-          </a:solidFill>
-          <a:prstDash val="solid"/>
-        </a:ln>
-        <a:effectLst/>
-      </dsp:spPr>
-      <dsp:style>
-        <a:lnRef idx="2">
-          <a:scrgbClr r="0" g="0" b="0"/>
-        </a:lnRef>
-        <a:fillRef idx="1">
-          <a:scrgbClr r="0" g="0" b="0"/>
-        </a:fillRef>
-        <a:effectRef idx="0">
-          <a:scrgbClr r="0" g="0" b="0"/>
-        </a:effectRef>
-        <a:fontRef idx="minor"/>
-      </dsp:style>
-    </dsp:sp>
-    <dsp:sp modelId="{627F78DA-2562-41A3-A6D1-2F0F1235D85E}">
-      <dsp:nvSpPr>
-        <dsp:cNvPr id="0" name=""/>
-        <dsp:cNvSpPr/>
-      </dsp:nvSpPr>
-      <dsp:spPr>
-        <a:xfrm>
-          <a:off x="1747520" y="1123420"/>
-          <a:ext cx="6380480" cy="1021291"/>
-        </a:xfrm>
-        <a:prstGeom prst="rect">
-          <a:avLst/>
-        </a:prstGeom>
-        <a:noFill/>
-        <a:ln>
-          <a:noFill/>
-        </a:ln>
-        <a:effectLst/>
-      </dsp:spPr>
-      <dsp:style>
-        <a:lnRef idx="0">
-          <a:scrgbClr r="0" g="0" b="0"/>
-        </a:lnRef>
-        <a:fillRef idx="0">
-          <a:scrgbClr r="0" g="0" b="0"/>
-        </a:fillRef>
-        <a:effectRef idx="0">
-          <a:scrgbClr r="0" g="0" b="0"/>
-        </a:effectRef>
-        <a:fontRef idx="minor"/>
-      </dsp:style>
-      <dsp:txBody>
-        <a:bodyPr spcFirstLastPara="0" vert="horz" wrap="square" lIns="156210" tIns="156210" rIns="156210" bIns="156210" numCol="1" spcCol="1270" anchor="t" anchorCtr="0">
-          <a:noAutofit/>
-        </a:bodyPr>
-        <a:lstStyle/>
-        <a:p>
-          <a:pPr lvl="0" algn="l" defTabSz="1822450">
-            <a:lnSpc>
-              <a:spcPct val="90000"/>
-            </a:lnSpc>
-            <a:spcBef>
-              <a:spcPct val="0"/>
-            </a:spcBef>
-            <a:spcAft>
-              <a:spcPct val="35000"/>
-            </a:spcAft>
-          </a:pPr>
-          <a:r>
-            <a:rPr lang="en-US" altLang="zh-CN" sz="4100" kern="1200" dirty="0" smtClean="0"/>
-            <a:t>Android</a:t>
-          </a:r>
-          <a:r>
-            <a:rPr lang="zh-CN" altLang="en-US" sz="4100" kern="1200" dirty="0" smtClean="0"/>
-            <a:t>应用内录音</a:t>
-          </a:r>
-          <a:endParaRPr lang="zh-CN" altLang="en-US" sz="4100" kern="1200" dirty="0"/>
-        </a:p>
-      </dsp:txBody>
-      <dsp:txXfrm>
-        <a:off x="1747520" y="1123420"/>
-        <a:ext cx="6380480" cy="1021291"/>
-      </dsp:txXfrm>
-    </dsp:sp>
-    <dsp:sp modelId="{FA30341E-7384-40E3-A5FC-3A7EFC1BAE1E}">
-      <dsp:nvSpPr>
-        <dsp:cNvPr id="0" name=""/>
-        <dsp:cNvSpPr/>
-      </dsp:nvSpPr>
-      <dsp:spPr>
-        <a:xfrm>
-          <a:off x="1625599" y="2144712"/>
-          <a:ext cx="6502400" cy="0"/>
-        </a:xfrm>
-        <a:prstGeom prst="line">
-          <a:avLst/>
-        </a:prstGeom>
-        <a:solidFill>
-          <a:schemeClr val="accent1">
-            <a:hueOff val="0"/>
-            <a:satOff val="0"/>
-            <a:lumOff val="0"/>
-            <a:alphaOff val="0"/>
-          </a:schemeClr>
-        </a:solidFill>
-        <a:ln w="15875" cap="rnd" cmpd="sng" algn="ctr">
-          <a:solidFill>
-            <a:schemeClr val="accent1">
-              <a:tint val="50000"/>
-              <a:hueOff val="0"/>
-              <a:satOff val="0"/>
-              <a:lumOff val="0"/>
-              <a:alphaOff val="0"/>
-            </a:schemeClr>
-          </a:solidFill>
-          <a:prstDash val="solid"/>
-        </a:ln>
-        <a:effectLst/>
-      </dsp:spPr>
-      <dsp:style>
-        <a:lnRef idx="2">
-          <a:scrgbClr r="0" g="0" b="0"/>
-        </a:lnRef>
-        <a:fillRef idx="1">
-          <a:scrgbClr r="0" g="0" b="0"/>
-        </a:fillRef>
-        <a:effectRef idx="0">
-          <a:scrgbClr r="0" g="0" b="0"/>
-        </a:effectRef>
-        <a:fontRef idx="minor"/>
-      </dsp:style>
-    </dsp:sp>
-    <dsp:sp modelId="{570DEA6F-230D-4AA6-AC6A-6040782EA363}">
-      <dsp:nvSpPr>
-        <dsp:cNvPr id="0" name=""/>
-        <dsp:cNvSpPr/>
-      </dsp:nvSpPr>
-      <dsp:spPr>
-        <a:xfrm>
-          <a:off x="1747520" y="2195777"/>
-          <a:ext cx="6380480" cy="1021291"/>
-        </a:xfrm>
-        <a:prstGeom prst="rect">
-          <a:avLst/>
-        </a:prstGeom>
-        <a:noFill/>
-        <a:ln>
-          <a:noFill/>
-        </a:ln>
-        <a:effectLst/>
-      </dsp:spPr>
-      <dsp:style>
-        <a:lnRef idx="0">
-          <a:scrgbClr r="0" g="0" b="0"/>
-        </a:lnRef>
-        <a:fillRef idx="0">
-          <a:scrgbClr r="0" g="0" b="0"/>
-        </a:fillRef>
-        <a:effectRef idx="0">
-          <a:scrgbClr r="0" g="0" b="0"/>
-        </a:effectRef>
-        <a:fontRef idx="minor"/>
-      </dsp:style>
-      <dsp:txBody>
-        <a:bodyPr spcFirstLastPara="0" vert="horz" wrap="square" lIns="156210" tIns="156210" rIns="156210" bIns="156210" numCol="1" spcCol="1270" anchor="t" anchorCtr="0">
-          <a:noAutofit/>
-        </a:bodyPr>
-        <a:lstStyle/>
-        <a:p>
-          <a:pPr lvl="0" algn="l" defTabSz="1822450">
-            <a:lnSpc>
-              <a:spcPct val="90000"/>
-            </a:lnSpc>
-            <a:spcBef>
-              <a:spcPct val="0"/>
-            </a:spcBef>
-            <a:spcAft>
-              <a:spcPct val="35000"/>
-            </a:spcAft>
-          </a:pPr>
-          <a:r>
-            <a:rPr lang="en-US" altLang="zh-CN" sz="4100" kern="1200" dirty="0" smtClean="0"/>
-            <a:t>Android</a:t>
-          </a:r>
-          <a:r>
-            <a:rPr lang="zh-CN" altLang="en-US" sz="4100" kern="1200" dirty="0" smtClean="0"/>
-            <a:t>系统锁屏</a:t>
-          </a:r>
-          <a:endParaRPr lang="zh-CN" altLang="en-US" sz="4100" kern="1200" dirty="0"/>
-        </a:p>
-      </dsp:txBody>
-      <dsp:txXfrm>
-        <a:off x="1747520" y="2195777"/>
-        <a:ext cx="6380480" cy="1021291"/>
-      </dsp:txXfrm>
-    </dsp:sp>
-    <dsp:sp modelId="{2DED9407-42C4-42C2-BE56-66FA46B0ADC9}">
-      <dsp:nvSpPr>
-        <dsp:cNvPr id="0" name=""/>
-        <dsp:cNvSpPr/>
-      </dsp:nvSpPr>
-      <dsp:spPr>
-        <a:xfrm>
-          <a:off x="1625599" y="3217068"/>
-          <a:ext cx="6502400" cy="0"/>
-        </a:xfrm>
-        <a:prstGeom prst="line">
-          <a:avLst/>
-        </a:prstGeom>
-        <a:solidFill>
-          <a:schemeClr val="accent1">
-            <a:hueOff val="0"/>
-            <a:satOff val="0"/>
-            <a:lumOff val="0"/>
-            <a:alphaOff val="0"/>
-          </a:schemeClr>
-        </a:solidFill>
-        <a:ln w="15875" cap="rnd" cmpd="sng" algn="ctr">
-          <a:solidFill>
-            <a:schemeClr val="accent1">
-              <a:tint val="50000"/>
-              <a:hueOff val="0"/>
-              <a:satOff val="0"/>
-              <a:lumOff val="0"/>
-              <a:alphaOff val="0"/>
-            </a:schemeClr>
-          </a:solidFill>
-          <a:prstDash val="solid"/>
-        </a:ln>
-        <a:effectLst/>
-      </dsp:spPr>
-      <dsp:style>
-        <a:lnRef idx="2">
-          <a:scrgbClr r="0" g="0" b="0"/>
-        </a:lnRef>
-        <a:fillRef idx="1">
-          <a:scrgbClr r="0" g="0" b="0"/>
-        </a:fillRef>
-        <a:effectRef idx="0">
-          <a:scrgbClr r="0" g="0" b="0"/>
-        </a:effectRef>
-        <a:fontRef idx="minor"/>
-      </dsp:style>
-    </dsp:sp>
-    <dsp:sp modelId="{14267028-767E-4084-8ED4-17A80498ED20}">
-      <dsp:nvSpPr>
-        <dsp:cNvPr id="0" name=""/>
-        <dsp:cNvSpPr/>
-      </dsp:nvSpPr>
-      <dsp:spPr>
-        <a:xfrm>
-          <a:off x="1747520" y="3268133"/>
-          <a:ext cx="6380480" cy="1021291"/>
-        </a:xfrm>
-        <a:prstGeom prst="rect">
-          <a:avLst/>
-        </a:prstGeom>
-        <a:noFill/>
-        <a:ln>
-          <a:noFill/>
-        </a:ln>
-        <a:effectLst/>
-      </dsp:spPr>
-      <dsp:style>
-        <a:lnRef idx="0">
-          <a:scrgbClr r="0" g="0" b="0"/>
-        </a:lnRef>
-        <a:fillRef idx="0">
-          <a:scrgbClr r="0" g="0" b="0"/>
-        </a:fillRef>
-        <a:effectRef idx="0">
-          <a:scrgbClr r="0" g="0" b="0"/>
-        </a:effectRef>
-        <a:fontRef idx="minor"/>
-      </dsp:style>
-      <dsp:txBody>
-        <a:bodyPr spcFirstLastPara="0" vert="horz" wrap="square" lIns="156210" tIns="156210" rIns="156210" bIns="156210" numCol="1" spcCol="1270" anchor="t" anchorCtr="0">
-          <a:noAutofit/>
-        </a:bodyPr>
-        <a:lstStyle/>
-        <a:p>
-          <a:pPr lvl="0" algn="l" defTabSz="1822450">
-            <a:lnSpc>
-              <a:spcPct val="90000"/>
-            </a:lnSpc>
-            <a:spcBef>
-              <a:spcPct val="0"/>
-            </a:spcBef>
-            <a:spcAft>
-              <a:spcPct val="35000"/>
-            </a:spcAft>
-          </a:pPr>
-          <a:r>
-            <a:rPr lang="en-US" altLang="zh-CN" sz="4100" kern="1200" dirty="0" smtClean="0"/>
-            <a:t>Java Native Interface</a:t>
-          </a:r>
-          <a:endParaRPr lang="zh-CN" altLang="en-US" sz="4100" kern="1200" dirty="0"/>
-        </a:p>
-      </dsp:txBody>
-      <dsp:txXfrm>
-        <a:off x="1747520" y="3268133"/>
-        <a:ext cx="6380480" cy="1021291"/>
-      </dsp:txXfrm>
-    </dsp:sp>
-    <dsp:sp modelId="{DF9A7343-180E-44AA-9111-CAC91275656D}">
-      <dsp:nvSpPr>
-        <dsp:cNvPr id="0" name=""/>
-        <dsp:cNvSpPr/>
-      </dsp:nvSpPr>
-      <dsp:spPr>
-        <a:xfrm>
-          <a:off x="1625599" y="4289425"/>
-          <a:ext cx="6502400" cy="0"/>
-        </a:xfrm>
-        <a:prstGeom prst="line">
-          <a:avLst/>
-        </a:prstGeom>
-        <a:solidFill>
-          <a:schemeClr val="accent1">
-            <a:hueOff val="0"/>
-            <a:satOff val="0"/>
-            <a:lumOff val="0"/>
-            <a:alphaOff val="0"/>
-          </a:schemeClr>
-        </a:solidFill>
-        <a:ln w="15875" cap="rnd" cmpd="sng" algn="ctr">
-          <a:solidFill>
-            <a:schemeClr val="accent1">
-              <a:tint val="50000"/>
-              <a:hueOff val="0"/>
-              <a:satOff val="0"/>
-              <a:lumOff val="0"/>
-              <a:alphaOff val="0"/>
-            </a:schemeClr>
-          </a:solidFill>
-          <a:prstDash val="solid"/>
-        </a:ln>
-        <a:effectLst/>
-      </dsp:spPr>
-      <dsp:style>
-        <a:lnRef idx="2">
-          <a:scrgbClr r="0" g="0" b="0"/>
-        </a:lnRef>
-        <a:fillRef idx="1">
-          <a:scrgbClr r="0" g="0" b="0"/>
-        </a:fillRef>
-        <a:effectRef idx="0">
-          <a:scrgbClr r="0" g="0" b="0"/>
-        </a:effectRef>
-        <a:fontRef idx="minor"/>
-      </dsp:style>
-    </dsp:sp>
-    <dsp:sp modelId="{CDE4895D-037F-4A1D-ACAA-403ABA463831}">
-      <dsp:nvSpPr>
-        <dsp:cNvPr id="0" name=""/>
-        <dsp:cNvSpPr/>
-      </dsp:nvSpPr>
-      <dsp:spPr>
-        <a:xfrm>
-          <a:off x="1747520" y="4340489"/>
-          <a:ext cx="6380480" cy="1021291"/>
-        </a:xfrm>
-        <a:prstGeom prst="rect">
-          <a:avLst/>
-        </a:prstGeom>
-        <a:noFill/>
-        <a:ln>
-          <a:noFill/>
-        </a:ln>
-        <a:effectLst/>
-      </dsp:spPr>
-      <dsp:style>
-        <a:lnRef idx="0">
-          <a:scrgbClr r="0" g="0" b="0"/>
-        </a:lnRef>
-        <a:fillRef idx="0">
-          <a:scrgbClr r="0" g="0" b="0"/>
-        </a:fillRef>
-        <a:effectRef idx="0">
-          <a:scrgbClr r="0" g="0" b="0"/>
-        </a:effectRef>
-        <a:fontRef idx="minor"/>
-      </dsp:style>
-      <dsp:txBody>
-        <a:bodyPr spcFirstLastPara="0" vert="horz" wrap="square" lIns="156210" tIns="156210" rIns="156210" bIns="156210" numCol="1" spcCol="1270" anchor="t" anchorCtr="0">
-          <a:noAutofit/>
-        </a:bodyPr>
-        <a:lstStyle/>
-        <a:p>
-          <a:pPr lvl="0" algn="l" defTabSz="1822450">
-            <a:lnSpc>
-              <a:spcPct val="90000"/>
-            </a:lnSpc>
-            <a:spcBef>
-              <a:spcPct val="0"/>
-            </a:spcBef>
-            <a:spcAft>
-              <a:spcPct val="35000"/>
-            </a:spcAft>
-          </a:pPr>
-          <a:r>
-            <a:rPr lang="en-US" altLang="zh-CN" sz="4100" kern="1200" dirty="0" smtClean="0"/>
-            <a:t>HTK</a:t>
-          </a:r>
-          <a:r>
-            <a:rPr lang="zh-CN" altLang="en-US" sz="4100" kern="1200" dirty="0" smtClean="0"/>
-            <a:t>工具箱</a:t>
-          </a:r>
-          <a:endParaRPr lang="zh-CN" altLang="en-US" sz="4100" kern="1200" dirty="0"/>
-        </a:p>
-      </dsp:txBody>
-      <dsp:txXfrm>
-        <a:off x="1747520" y="4340489"/>
-        <a:ext cx="6380480" cy="1021291"/>
-      </dsp:txXfrm>
-    </dsp:sp>
-    <dsp:sp modelId="{66F4F35F-0732-4D66-BDA3-05E475CC2FB0}">
-      <dsp:nvSpPr>
-        <dsp:cNvPr id="0" name=""/>
-        <dsp:cNvSpPr/>
-      </dsp:nvSpPr>
-      <dsp:spPr>
-        <a:xfrm>
-          <a:off x="1625599" y="5361781"/>
-          <a:ext cx="6502400" cy="0"/>
-        </a:xfrm>
-        <a:prstGeom prst="line">
-          <a:avLst/>
-        </a:prstGeom>
-        <a:solidFill>
-          <a:schemeClr val="accent1">
-            <a:hueOff val="0"/>
-            <a:satOff val="0"/>
-            <a:lumOff val="0"/>
-            <a:alphaOff val="0"/>
-          </a:schemeClr>
-        </a:solidFill>
-        <a:ln w="15875" cap="rnd" cmpd="sng" algn="ctr">
-          <a:solidFill>
-            <a:schemeClr val="accent1">
-              <a:tint val="50000"/>
-              <a:hueOff val="0"/>
-              <a:satOff val="0"/>
-              <a:lumOff val="0"/>
-              <a:alphaOff val="0"/>
-            </a:schemeClr>
-          </a:solidFill>
-          <a:prstDash val="solid"/>
-        </a:ln>
-        <a:effectLst/>
-      </dsp:spPr>
-      <dsp:style>
-        <a:lnRef idx="2">
-          <a:scrgbClr r="0" g="0" b="0"/>
-        </a:lnRef>
-        <a:fillRef idx="1">
-          <a:scrgbClr r="0" g="0" b="0"/>
-        </a:fillRef>
-        <a:effectRef idx="0">
-          <a:scrgbClr r="0" g="0" b="0"/>
-        </a:effectRef>
-        <a:fontRef idx="minor"/>
-      </dsp:style>
-    </dsp:sp>
   </dsp:spTree>
 </dsp:drawing>
 </file>
@@ -17266,6 +14041,725 @@
       <dsp:cNvGrpSpPr/>
     </dsp:nvGrpSpPr>
     <dsp:grpSpPr/>
+    <dsp:sp modelId="{67017EDF-393F-4463-95E8-6B4B879BD146}">
+      <dsp:nvSpPr>
+        <dsp:cNvPr id="0" name=""/>
+        <dsp:cNvSpPr/>
+      </dsp:nvSpPr>
+      <dsp:spPr>
+        <a:xfrm>
+          <a:off x="2530970" y="1047845"/>
+          <a:ext cx="549414" cy="91440"/>
+        </a:xfrm>
+        <a:custGeom>
+          <a:avLst/>
+          <a:gdLst/>
+          <a:ahLst/>
+          <a:cxnLst/>
+          <a:rect l="0" t="0" r="0" b="0"/>
+          <a:pathLst>
+            <a:path>
+              <a:moveTo>
+                <a:pt x="0" y="45720"/>
+              </a:moveTo>
+              <a:lnTo>
+                <a:pt x="549414" y="45720"/>
+              </a:lnTo>
+            </a:path>
+          </a:pathLst>
+        </a:custGeom>
+        <a:noFill/>
+        <a:ln w="9525" cap="rnd" cmpd="sng" algn="ctr">
+          <a:solidFill>
+            <a:schemeClr val="accent1">
+              <a:hueOff val="0"/>
+              <a:satOff val="0"/>
+              <a:lumOff val="0"/>
+              <a:alphaOff val="0"/>
+            </a:schemeClr>
+          </a:solidFill>
+          <a:prstDash val="solid"/>
+          <a:tailEnd type="arrow"/>
+        </a:ln>
+        <a:effectLst/>
+      </dsp:spPr>
+      <dsp:style>
+        <a:lnRef idx="1">
+          <a:scrgbClr r="0" g="0" b="0"/>
+        </a:lnRef>
+        <a:fillRef idx="0">
+          <a:scrgbClr r="0" g="0" b="0"/>
+        </a:fillRef>
+        <a:effectRef idx="0">
+          <a:scrgbClr r="0" g="0" b="0"/>
+        </a:effectRef>
+        <a:fontRef idx="minor"/>
+      </dsp:style>
+      <dsp:txBody>
+        <a:bodyPr spcFirstLastPara="0" vert="horz" wrap="square" lIns="12700" tIns="0" rIns="12700" bIns="0" numCol="1" spcCol="1270" anchor="ctr" anchorCtr="0">
+          <a:noAutofit/>
+        </a:bodyPr>
+        <a:lstStyle/>
+        <a:p>
+          <a:pPr lvl="0" algn="ctr" defTabSz="1377950">
+            <a:lnSpc>
+              <a:spcPct val="90000"/>
+            </a:lnSpc>
+            <a:spcBef>
+              <a:spcPct val="0"/>
+            </a:spcBef>
+            <a:spcAft>
+              <a:spcPct val="35000"/>
+            </a:spcAft>
+          </a:pPr>
+          <a:endParaRPr lang="zh-CN" altLang="en-US" sz="3100" kern="1200"/>
+        </a:p>
+      </dsp:txBody>
+      <dsp:txXfrm>
+        <a:off x="2791177" y="1090663"/>
+        <a:ext cx="29000" cy="5805"/>
+      </dsp:txXfrm>
+    </dsp:sp>
+    <dsp:sp modelId="{8F3680DE-EA3F-4EA4-85D8-D57D24A75127}">
+      <dsp:nvSpPr>
+        <dsp:cNvPr id="0" name=""/>
+        <dsp:cNvSpPr/>
+      </dsp:nvSpPr>
+      <dsp:spPr>
+        <a:xfrm>
+          <a:off x="10970" y="337025"/>
+          <a:ext cx="2521800" cy="1513080"/>
+        </a:xfrm>
+        <a:prstGeom prst="rect">
+          <a:avLst/>
+        </a:prstGeom>
+        <a:solidFill>
+          <a:schemeClr val="accent1">
+            <a:hueOff val="0"/>
+            <a:satOff val="0"/>
+            <a:lumOff val="0"/>
+            <a:alphaOff val="0"/>
+          </a:schemeClr>
+        </a:solidFill>
+        <a:ln w="15875" cap="rnd" cmpd="sng" algn="ctr">
+          <a:solidFill>
+            <a:schemeClr val="lt1">
+              <a:hueOff val="0"/>
+              <a:satOff val="0"/>
+              <a:lumOff val="0"/>
+              <a:alphaOff val="0"/>
+            </a:schemeClr>
+          </a:solidFill>
+          <a:prstDash val="solid"/>
+        </a:ln>
+        <a:effectLst/>
+      </dsp:spPr>
+      <dsp:style>
+        <a:lnRef idx="2">
+          <a:scrgbClr r="0" g="0" b="0"/>
+        </a:lnRef>
+        <a:fillRef idx="1">
+          <a:scrgbClr r="0" g="0" b="0"/>
+        </a:fillRef>
+        <a:effectRef idx="0">
+          <a:scrgbClr r="0" g="0" b="0"/>
+        </a:effectRef>
+        <a:fontRef idx="minor">
+          <a:schemeClr val="lt1"/>
+        </a:fontRef>
+      </dsp:style>
+      <dsp:txBody>
+        <a:bodyPr spcFirstLastPara="0" vert="horz" wrap="square" lIns="220472" tIns="220472" rIns="220472" bIns="220472" numCol="1" spcCol="1270" anchor="ctr" anchorCtr="0">
+          <a:noAutofit/>
+        </a:bodyPr>
+        <a:lstStyle/>
+        <a:p>
+          <a:pPr lvl="0" algn="ctr" defTabSz="1377950">
+            <a:lnSpc>
+              <a:spcPct val="90000"/>
+            </a:lnSpc>
+            <a:spcBef>
+              <a:spcPct val="0"/>
+            </a:spcBef>
+            <a:spcAft>
+              <a:spcPct val="35000"/>
+            </a:spcAft>
+          </a:pPr>
+          <a:r>
+            <a:rPr lang="en-US" altLang="zh-CN" sz="3100" kern="1200" dirty="0" smtClean="0"/>
+            <a:t>WAV</a:t>
+          </a:r>
+          <a:r>
+            <a:rPr lang="zh-CN" altLang="en-US" sz="3100" kern="1200" dirty="0" smtClean="0"/>
+            <a:t>格式录音保存</a:t>
+          </a:r>
+          <a:endParaRPr lang="zh-CN" altLang="en-US" sz="3100" kern="1200" dirty="0"/>
+        </a:p>
+      </dsp:txBody>
+      <dsp:txXfrm>
+        <a:off x="10970" y="337025"/>
+        <a:ext cx="2521800" cy="1513080"/>
+      </dsp:txXfrm>
+    </dsp:sp>
+    <dsp:sp modelId="{7E95438E-2697-4E53-95AC-4B8E374510BC}">
+      <dsp:nvSpPr>
+        <dsp:cNvPr id="0" name=""/>
+        <dsp:cNvSpPr/>
+      </dsp:nvSpPr>
+      <dsp:spPr>
+        <a:xfrm>
+          <a:off x="5632784" y="1047845"/>
+          <a:ext cx="549414" cy="91440"/>
+        </a:xfrm>
+        <a:custGeom>
+          <a:avLst/>
+          <a:gdLst/>
+          <a:ahLst/>
+          <a:cxnLst/>
+          <a:rect l="0" t="0" r="0" b="0"/>
+          <a:pathLst>
+            <a:path>
+              <a:moveTo>
+                <a:pt x="0" y="45720"/>
+              </a:moveTo>
+              <a:lnTo>
+                <a:pt x="549414" y="45720"/>
+              </a:lnTo>
+            </a:path>
+          </a:pathLst>
+        </a:custGeom>
+        <a:noFill/>
+        <a:ln w="9525" cap="rnd" cmpd="sng" algn="ctr">
+          <a:solidFill>
+            <a:schemeClr val="accent1">
+              <a:hueOff val="0"/>
+              <a:satOff val="0"/>
+              <a:lumOff val="0"/>
+              <a:alphaOff val="0"/>
+            </a:schemeClr>
+          </a:solidFill>
+          <a:prstDash val="solid"/>
+          <a:tailEnd type="arrow"/>
+        </a:ln>
+        <a:effectLst/>
+      </dsp:spPr>
+      <dsp:style>
+        <a:lnRef idx="1">
+          <a:scrgbClr r="0" g="0" b="0"/>
+        </a:lnRef>
+        <a:fillRef idx="0">
+          <a:scrgbClr r="0" g="0" b="0"/>
+        </a:fillRef>
+        <a:effectRef idx="0">
+          <a:scrgbClr r="0" g="0" b="0"/>
+        </a:effectRef>
+        <a:fontRef idx="minor"/>
+      </dsp:style>
+      <dsp:txBody>
+        <a:bodyPr spcFirstLastPara="0" vert="horz" wrap="square" lIns="12700" tIns="0" rIns="12700" bIns="0" numCol="1" spcCol="1270" anchor="ctr" anchorCtr="0">
+          <a:noAutofit/>
+        </a:bodyPr>
+        <a:lstStyle/>
+        <a:p>
+          <a:pPr lvl="0" algn="ctr" defTabSz="1377950">
+            <a:lnSpc>
+              <a:spcPct val="90000"/>
+            </a:lnSpc>
+            <a:spcBef>
+              <a:spcPct val="0"/>
+            </a:spcBef>
+            <a:spcAft>
+              <a:spcPct val="35000"/>
+            </a:spcAft>
+          </a:pPr>
+          <a:endParaRPr lang="zh-CN" altLang="en-US" sz="3100" kern="1200"/>
+        </a:p>
+      </dsp:txBody>
+      <dsp:txXfrm>
+        <a:off x="5892991" y="1090663"/>
+        <a:ext cx="29000" cy="5805"/>
+      </dsp:txXfrm>
+    </dsp:sp>
+    <dsp:sp modelId="{3A5F1568-9846-461D-8B97-7038C2F3D2D3}">
+      <dsp:nvSpPr>
+        <dsp:cNvPr id="0" name=""/>
+        <dsp:cNvSpPr/>
+      </dsp:nvSpPr>
+      <dsp:spPr>
+        <a:xfrm>
+          <a:off x="3112784" y="337025"/>
+          <a:ext cx="2521800" cy="1513080"/>
+        </a:xfrm>
+        <a:prstGeom prst="rect">
+          <a:avLst/>
+        </a:prstGeom>
+        <a:solidFill>
+          <a:schemeClr val="accent1">
+            <a:hueOff val="0"/>
+            <a:satOff val="0"/>
+            <a:lumOff val="0"/>
+            <a:alphaOff val="0"/>
+          </a:schemeClr>
+        </a:solidFill>
+        <a:ln w="15875" cap="rnd" cmpd="sng" algn="ctr">
+          <a:solidFill>
+            <a:schemeClr val="lt1">
+              <a:hueOff val="0"/>
+              <a:satOff val="0"/>
+              <a:lumOff val="0"/>
+              <a:alphaOff val="0"/>
+            </a:schemeClr>
+          </a:solidFill>
+          <a:prstDash val="solid"/>
+        </a:ln>
+        <a:effectLst/>
+      </dsp:spPr>
+      <dsp:style>
+        <a:lnRef idx="2">
+          <a:scrgbClr r="0" g="0" b="0"/>
+        </a:lnRef>
+        <a:fillRef idx="1">
+          <a:scrgbClr r="0" g="0" b="0"/>
+        </a:fillRef>
+        <a:effectRef idx="0">
+          <a:scrgbClr r="0" g="0" b="0"/>
+        </a:effectRef>
+        <a:fontRef idx="minor">
+          <a:schemeClr val="lt1"/>
+        </a:fontRef>
+      </dsp:style>
+      <dsp:txBody>
+        <a:bodyPr spcFirstLastPara="0" vert="horz" wrap="square" lIns="220472" tIns="220472" rIns="220472" bIns="220472" numCol="1" spcCol="1270" anchor="ctr" anchorCtr="0">
+          <a:noAutofit/>
+        </a:bodyPr>
+        <a:lstStyle/>
+        <a:p>
+          <a:pPr lvl="0" algn="ctr" defTabSz="1377950">
+            <a:lnSpc>
+              <a:spcPct val="90000"/>
+            </a:lnSpc>
+            <a:spcBef>
+              <a:spcPct val="0"/>
+            </a:spcBef>
+            <a:spcAft>
+              <a:spcPct val="35000"/>
+            </a:spcAft>
+          </a:pPr>
+          <a:r>
+            <a:rPr lang="en-US" altLang="zh-CN" sz="3100" kern="1200" smtClean="0"/>
+            <a:t>MFCC</a:t>
+          </a:r>
+          <a:r>
+            <a:rPr lang="zh-CN" altLang="en-US" sz="3100" kern="1200" dirty="0" smtClean="0"/>
+            <a:t>特征提取</a:t>
+          </a:r>
+          <a:endParaRPr lang="zh-CN" altLang="en-US" sz="3100" kern="1200" dirty="0"/>
+        </a:p>
+      </dsp:txBody>
+      <dsp:txXfrm>
+        <a:off x="3112784" y="337025"/>
+        <a:ext cx="2521800" cy="1513080"/>
+      </dsp:txXfrm>
+    </dsp:sp>
+    <dsp:sp modelId="{7263C1B6-0F80-44D6-B28D-0E172BF64B28}">
+      <dsp:nvSpPr>
+        <dsp:cNvPr id="0" name=""/>
+        <dsp:cNvSpPr/>
+      </dsp:nvSpPr>
+      <dsp:spPr>
+        <a:xfrm>
+          <a:off x="1271870" y="1848305"/>
+          <a:ext cx="6203628" cy="549414"/>
+        </a:xfrm>
+        <a:custGeom>
+          <a:avLst/>
+          <a:gdLst/>
+          <a:ahLst/>
+          <a:cxnLst/>
+          <a:rect l="0" t="0" r="0" b="0"/>
+          <a:pathLst>
+            <a:path>
+              <a:moveTo>
+                <a:pt x="6203628" y="0"/>
+              </a:moveTo>
+              <a:lnTo>
+                <a:pt x="6203628" y="291807"/>
+              </a:lnTo>
+              <a:lnTo>
+                <a:pt x="0" y="291807"/>
+              </a:lnTo>
+              <a:lnTo>
+                <a:pt x="0" y="549414"/>
+              </a:lnTo>
+            </a:path>
+          </a:pathLst>
+        </a:custGeom>
+        <a:noFill/>
+        <a:ln w="9525" cap="rnd" cmpd="sng" algn="ctr">
+          <a:solidFill>
+            <a:schemeClr val="accent1">
+              <a:hueOff val="0"/>
+              <a:satOff val="0"/>
+              <a:lumOff val="0"/>
+              <a:alphaOff val="0"/>
+            </a:schemeClr>
+          </a:solidFill>
+          <a:prstDash val="solid"/>
+          <a:tailEnd type="arrow"/>
+        </a:ln>
+        <a:effectLst/>
+      </dsp:spPr>
+      <dsp:style>
+        <a:lnRef idx="1">
+          <a:scrgbClr r="0" g="0" b="0"/>
+        </a:lnRef>
+        <a:fillRef idx="0">
+          <a:scrgbClr r="0" g="0" b="0"/>
+        </a:fillRef>
+        <a:effectRef idx="0">
+          <a:scrgbClr r="0" g="0" b="0"/>
+        </a:effectRef>
+        <a:fontRef idx="minor"/>
+      </dsp:style>
+      <dsp:txBody>
+        <a:bodyPr spcFirstLastPara="0" vert="horz" wrap="square" lIns="12700" tIns="0" rIns="12700" bIns="0" numCol="1" spcCol="1270" anchor="ctr" anchorCtr="0">
+          <a:noAutofit/>
+        </a:bodyPr>
+        <a:lstStyle/>
+        <a:p>
+          <a:pPr lvl="0" algn="ctr" defTabSz="1377950">
+            <a:lnSpc>
+              <a:spcPct val="90000"/>
+            </a:lnSpc>
+            <a:spcBef>
+              <a:spcPct val="0"/>
+            </a:spcBef>
+            <a:spcAft>
+              <a:spcPct val="35000"/>
+            </a:spcAft>
+          </a:pPr>
+          <a:endParaRPr lang="zh-CN" altLang="en-US" sz="3100" kern="1200"/>
+        </a:p>
+      </dsp:txBody>
+      <dsp:txXfrm>
+        <a:off x="4217917" y="2120110"/>
+        <a:ext cx="311534" cy="5805"/>
+      </dsp:txXfrm>
+    </dsp:sp>
+    <dsp:sp modelId="{3AFC2D57-A830-4A01-9E6C-E34A7D324FB9}">
+      <dsp:nvSpPr>
+        <dsp:cNvPr id="0" name=""/>
+        <dsp:cNvSpPr/>
+      </dsp:nvSpPr>
+      <dsp:spPr>
+        <a:xfrm>
+          <a:off x="6214598" y="337025"/>
+          <a:ext cx="2521800" cy="1513080"/>
+        </a:xfrm>
+        <a:prstGeom prst="rect">
+          <a:avLst/>
+        </a:prstGeom>
+        <a:solidFill>
+          <a:schemeClr val="accent1">
+            <a:hueOff val="0"/>
+            <a:satOff val="0"/>
+            <a:lumOff val="0"/>
+            <a:alphaOff val="0"/>
+          </a:schemeClr>
+        </a:solidFill>
+        <a:ln w="15875" cap="rnd" cmpd="sng" algn="ctr">
+          <a:solidFill>
+            <a:schemeClr val="lt1">
+              <a:hueOff val="0"/>
+              <a:satOff val="0"/>
+              <a:lumOff val="0"/>
+              <a:alphaOff val="0"/>
+            </a:schemeClr>
+          </a:solidFill>
+          <a:prstDash val="solid"/>
+        </a:ln>
+        <a:effectLst/>
+      </dsp:spPr>
+      <dsp:style>
+        <a:lnRef idx="2">
+          <a:scrgbClr r="0" g="0" b="0"/>
+        </a:lnRef>
+        <a:fillRef idx="1">
+          <a:scrgbClr r="0" g="0" b="0"/>
+        </a:fillRef>
+        <a:effectRef idx="0">
+          <a:scrgbClr r="0" g="0" b="0"/>
+        </a:effectRef>
+        <a:fontRef idx="minor">
+          <a:schemeClr val="lt1"/>
+        </a:fontRef>
+      </dsp:style>
+      <dsp:txBody>
+        <a:bodyPr spcFirstLastPara="0" vert="horz" wrap="square" lIns="220472" tIns="220472" rIns="220472" bIns="220472" numCol="1" spcCol="1270" anchor="ctr" anchorCtr="0">
+          <a:noAutofit/>
+        </a:bodyPr>
+        <a:lstStyle/>
+        <a:p>
+          <a:pPr lvl="0" algn="ctr" defTabSz="1377950">
+            <a:lnSpc>
+              <a:spcPct val="90000"/>
+            </a:lnSpc>
+            <a:spcBef>
+              <a:spcPct val="0"/>
+            </a:spcBef>
+            <a:spcAft>
+              <a:spcPct val="35000"/>
+            </a:spcAft>
+          </a:pPr>
+          <a:r>
+            <a:rPr lang="en-US" altLang="zh-CN" sz="3100" kern="1200" dirty="0" err="1" smtClean="0"/>
+            <a:t>Hvite</a:t>
+          </a:r>
+          <a:r>
+            <a:rPr lang="zh-CN" altLang="en-US" sz="3100" kern="1200" dirty="0" smtClean="0"/>
+            <a:t>识别得到结果</a:t>
+          </a:r>
+          <a:endParaRPr lang="zh-CN" altLang="en-US" sz="3100" kern="1200" dirty="0"/>
+        </a:p>
+      </dsp:txBody>
+      <dsp:txXfrm>
+        <a:off x="6214598" y="337025"/>
+        <a:ext cx="2521800" cy="1513080"/>
+      </dsp:txXfrm>
+    </dsp:sp>
+    <dsp:sp modelId="{1C1ADA81-2232-4818-9E5E-5F153F3942BA}">
+      <dsp:nvSpPr>
+        <dsp:cNvPr id="0" name=""/>
+        <dsp:cNvSpPr/>
+      </dsp:nvSpPr>
+      <dsp:spPr>
+        <a:xfrm>
+          <a:off x="2530970" y="3140940"/>
+          <a:ext cx="549414" cy="91440"/>
+        </a:xfrm>
+        <a:custGeom>
+          <a:avLst/>
+          <a:gdLst/>
+          <a:ahLst/>
+          <a:cxnLst/>
+          <a:rect l="0" t="0" r="0" b="0"/>
+          <a:pathLst>
+            <a:path>
+              <a:moveTo>
+                <a:pt x="0" y="45720"/>
+              </a:moveTo>
+              <a:lnTo>
+                <a:pt x="549414" y="45720"/>
+              </a:lnTo>
+            </a:path>
+          </a:pathLst>
+        </a:custGeom>
+        <a:noFill/>
+        <a:ln w="9525" cap="rnd" cmpd="sng" algn="ctr">
+          <a:solidFill>
+            <a:schemeClr val="accent1">
+              <a:hueOff val="0"/>
+              <a:satOff val="0"/>
+              <a:lumOff val="0"/>
+              <a:alphaOff val="0"/>
+            </a:schemeClr>
+          </a:solidFill>
+          <a:prstDash val="solid"/>
+          <a:tailEnd type="arrow"/>
+        </a:ln>
+        <a:effectLst/>
+      </dsp:spPr>
+      <dsp:style>
+        <a:lnRef idx="1">
+          <a:scrgbClr r="0" g="0" b="0"/>
+        </a:lnRef>
+        <a:fillRef idx="0">
+          <a:scrgbClr r="0" g="0" b="0"/>
+        </a:fillRef>
+        <a:effectRef idx="0">
+          <a:scrgbClr r="0" g="0" b="0"/>
+        </a:effectRef>
+        <a:fontRef idx="minor"/>
+      </dsp:style>
+      <dsp:txBody>
+        <a:bodyPr spcFirstLastPara="0" vert="horz" wrap="square" lIns="12700" tIns="0" rIns="12700" bIns="0" numCol="1" spcCol="1270" anchor="ctr" anchorCtr="0">
+          <a:noAutofit/>
+        </a:bodyPr>
+        <a:lstStyle/>
+        <a:p>
+          <a:pPr lvl="0" algn="ctr" defTabSz="1377950">
+            <a:lnSpc>
+              <a:spcPct val="90000"/>
+            </a:lnSpc>
+            <a:spcBef>
+              <a:spcPct val="0"/>
+            </a:spcBef>
+            <a:spcAft>
+              <a:spcPct val="35000"/>
+            </a:spcAft>
+          </a:pPr>
+          <a:endParaRPr lang="zh-CN" altLang="en-US" sz="3100" kern="1200"/>
+        </a:p>
+      </dsp:txBody>
+      <dsp:txXfrm>
+        <a:off x="2791177" y="3183757"/>
+        <a:ext cx="29000" cy="5805"/>
+      </dsp:txXfrm>
+    </dsp:sp>
+    <dsp:sp modelId="{3B37443F-9334-4326-9569-7763E4E6BDE6}">
+      <dsp:nvSpPr>
+        <dsp:cNvPr id="0" name=""/>
+        <dsp:cNvSpPr/>
+      </dsp:nvSpPr>
+      <dsp:spPr>
+        <a:xfrm>
+          <a:off x="10970" y="2430120"/>
+          <a:ext cx="2521800" cy="1513080"/>
+        </a:xfrm>
+        <a:prstGeom prst="rect">
+          <a:avLst/>
+        </a:prstGeom>
+        <a:solidFill>
+          <a:schemeClr val="accent1">
+            <a:hueOff val="0"/>
+            <a:satOff val="0"/>
+            <a:lumOff val="0"/>
+            <a:alphaOff val="0"/>
+          </a:schemeClr>
+        </a:solidFill>
+        <a:ln w="15875" cap="rnd" cmpd="sng" algn="ctr">
+          <a:solidFill>
+            <a:schemeClr val="lt1">
+              <a:hueOff val="0"/>
+              <a:satOff val="0"/>
+              <a:lumOff val="0"/>
+              <a:alphaOff val="0"/>
+            </a:schemeClr>
+          </a:solidFill>
+          <a:prstDash val="solid"/>
+        </a:ln>
+        <a:effectLst/>
+      </dsp:spPr>
+      <dsp:style>
+        <a:lnRef idx="2">
+          <a:scrgbClr r="0" g="0" b="0"/>
+        </a:lnRef>
+        <a:fillRef idx="1">
+          <a:scrgbClr r="0" g="0" b="0"/>
+        </a:fillRef>
+        <a:effectRef idx="0">
+          <a:scrgbClr r="0" g="0" b="0"/>
+        </a:effectRef>
+        <a:fontRef idx="minor">
+          <a:schemeClr val="lt1"/>
+        </a:fontRef>
+      </dsp:style>
+      <dsp:txBody>
+        <a:bodyPr spcFirstLastPara="0" vert="horz" wrap="square" lIns="220472" tIns="220472" rIns="220472" bIns="220472" numCol="1" spcCol="1270" anchor="ctr" anchorCtr="0">
+          <a:noAutofit/>
+        </a:bodyPr>
+        <a:lstStyle/>
+        <a:p>
+          <a:pPr lvl="0" algn="ctr" defTabSz="1377950">
+            <a:lnSpc>
+              <a:spcPct val="90000"/>
+            </a:lnSpc>
+            <a:spcBef>
+              <a:spcPct val="0"/>
+            </a:spcBef>
+            <a:spcAft>
+              <a:spcPct val="35000"/>
+            </a:spcAft>
+          </a:pPr>
+          <a:r>
+            <a:rPr lang="zh-CN" altLang="en-US" sz="3100" kern="1200" dirty="0" smtClean="0"/>
+            <a:t>判断结果是否与声明相匹配</a:t>
+          </a:r>
+          <a:endParaRPr lang="zh-CN" altLang="en-US" sz="3100" kern="1200" dirty="0"/>
+        </a:p>
+      </dsp:txBody>
+      <dsp:txXfrm>
+        <a:off x="10970" y="2430120"/>
+        <a:ext cx="2521800" cy="1513080"/>
+      </dsp:txXfrm>
+    </dsp:sp>
+    <dsp:sp modelId="{661D2DF1-48FC-43BE-A76D-07CFF26D7177}">
+      <dsp:nvSpPr>
+        <dsp:cNvPr id="0" name=""/>
+        <dsp:cNvSpPr/>
+      </dsp:nvSpPr>
+      <dsp:spPr>
+        <a:xfrm>
+          <a:off x="3112784" y="2430120"/>
+          <a:ext cx="2521800" cy="1513080"/>
+        </a:xfrm>
+        <a:prstGeom prst="rect">
+          <a:avLst/>
+        </a:prstGeom>
+        <a:solidFill>
+          <a:schemeClr val="accent1">
+            <a:hueOff val="0"/>
+            <a:satOff val="0"/>
+            <a:lumOff val="0"/>
+            <a:alphaOff val="0"/>
+          </a:schemeClr>
+        </a:solidFill>
+        <a:ln w="15875" cap="rnd" cmpd="sng" algn="ctr">
+          <a:solidFill>
+            <a:schemeClr val="lt1">
+              <a:hueOff val="0"/>
+              <a:satOff val="0"/>
+              <a:lumOff val="0"/>
+              <a:alphaOff val="0"/>
+            </a:schemeClr>
+          </a:solidFill>
+          <a:prstDash val="solid"/>
+        </a:ln>
+        <a:effectLst/>
+      </dsp:spPr>
+      <dsp:style>
+        <a:lnRef idx="2">
+          <a:scrgbClr r="0" g="0" b="0"/>
+        </a:lnRef>
+        <a:fillRef idx="1">
+          <a:scrgbClr r="0" g="0" b="0"/>
+        </a:fillRef>
+        <a:effectRef idx="0">
+          <a:scrgbClr r="0" g="0" b="0"/>
+        </a:effectRef>
+        <a:fontRef idx="minor">
+          <a:schemeClr val="lt1"/>
+        </a:fontRef>
+      </dsp:style>
+      <dsp:txBody>
+        <a:bodyPr spcFirstLastPara="0" vert="horz" wrap="square" lIns="220472" tIns="220472" rIns="220472" bIns="220472" numCol="1" spcCol="1270" anchor="ctr" anchorCtr="0">
+          <a:noAutofit/>
+        </a:bodyPr>
+        <a:lstStyle/>
+        <a:p>
+          <a:pPr lvl="0" algn="ctr" defTabSz="1377950">
+            <a:lnSpc>
+              <a:spcPct val="90000"/>
+            </a:lnSpc>
+            <a:spcBef>
+              <a:spcPct val="0"/>
+            </a:spcBef>
+            <a:spcAft>
+              <a:spcPct val="35000"/>
+            </a:spcAft>
+          </a:pPr>
+          <a:r>
+            <a:rPr lang="zh-CN" altLang="en-US" sz="3100" kern="1200" dirty="0" smtClean="0"/>
+            <a:t>判断结果中的分数是否低于阈值</a:t>
+          </a:r>
+          <a:endParaRPr lang="zh-CN" altLang="en-US" sz="3100" kern="1200" dirty="0"/>
+        </a:p>
+      </dsp:txBody>
+      <dsp:txXfrm>
+        <a:off x="3112784" y="2430120"/>
+        <a:ext cx="2521800" cy="1513080"/>
+      </dsp:txXfrm>
+    </dsp:sp>
   </dsp:spTree>
 </dsp:drawing>
 </file>
@@ -36094,7 +33588,7 @@
           <a:p>
             <a:fld id="{D7DDA57B-CC41-46A7-B41F-28C9EB5D2C46}" type="slidenum">
               <a:rPr lang="zh-CN" altLang="en-US" smtClean="0"/>
-              <a:t>12</a:t>
+              <a:t>13</a:t>
             </a:fld>
             <a:endParaRPr lang="zh-CN" altLang="en-US"/>
           </a:p>
@@ -36178,7 +33672,7 @@
           <a:p>
             <a:fld id="{D7DDA57B-CC41-46A7-B41F-28C9EB5D2C46}" type="slidenum">
               <a:rPr lang="zh-CN" altLang="en-US" smtClean="0"/>
-              <a:t>13</a:t>
+              <a:t>15</a:t>
             </a:fld>
             <a:endParaRPr lang="zh-CN" altLang="en-US"/>
           </a:p>
@@ -42356,12 +39850,12 @@
           <a:graphicData uri="http://schemas.openxmlformats.org/presentationml/2006/ole">
             <mc:AlternateContent xmlns:mc="http://schemas.openxmlformats.org/markup-compatibility/2006">
               <mc:Choice xmlns:v="urn:schemas-microsoft-com:vml" Requires="v">
-                <p:oleObj spid="_x0000_s4189" name="演示文稿" r:id="rId3" imgW="4433197" imgH="2494894" progId="PowerPoint.Show.12">
+                <p:oleObj spid="_x0000_s4217" name="演示文稿" r:id="rId4" imgW="4433197" imgH="2494894" progId="PowerPoint.Show.12">
                   <p:embed/>
                 </p:oleObj>
               </mc:Choice>
               <mc:Fallback>
-                <p:oleObj name="演示文稿" r:id="rId3" imgW="4433197" imgH="2494894" progId="PowerPoint.Show.12">
+                <p:oleObj name="演示文稿" r:id="rId4" imgW="4433197" imgH="2494894" progId="PowerPoint.Show.12">
                   <p:embed/>
                   <p:pic>
                     <p:nvPicPr>
@@ -42370,7 +39864,7 @@
                       <p:nvPr/>
                     </p:nvPicPr>
                     <p:blipFill>
-                      <a:blip r:embed="rId4"/>
+                      <a:blip r:embed="rId5"/>
                       <a:stretch>
                         <a:fillRect/>
                       </a:stretch>
@@ -42415,12 +39909,12 @@
           <a:graphicData uri="http://schemas.openxmlformats.org/presentationml/2006/ole">
             <mc:AlternateContent xmlns:mc="http://schemas.openxmlformats.org/markup-compatibility/2006">
               <mc:Choice xmlns:v="urn:schemas-microsoft-com:vml" Requires="v">
-                <p:oleObj spid="_x0000_s4190" name="演示文稿" r:id="rId5" imgW="4096640" imgH="2304114" progId="PowerPoint.Show.12">
+                <p:oleObj spid="_x0000_s4218" name="演示文稿" r:id="rId7" imgW="4096640" imgH="2304114" progId="PowerPoint.Show.12">
                   <p:embed/>
                 </p:oleObj>
               </mc:Choice>
               <mc:Fallback>
-                <p:oleObj name="演示文稿" r:id="rId5" imgW="4096640" imgH="2304114" progId="PowerPoint.Show.12">
+                <p:oleObj name="演示文稿" r:id="rId7" imgW="4096640" imgH="2304114" progId="PowerPoint.Show.12">
                   <p:embed/>
                   <p:pic>
                     <p:nvPicPr>
@@ -42429,7 +39923,7 @@
                       <p:nvPr/>
                     </p:nvPicPr>
                     <p:blipFill>
-                      <a:blip r:embed="rId6"/>
+                      <a:blip r:embed="rId8"/>
                       <a:stretch>
                         <a:fillRect/>
                       </a:stretch>
@@ -42474,12 +39968,12 @@
           <a:graphicData uri="http://schemas.openxmlformats.org/presentationml/2006/ole">
             <mc:AlternateContent xmlns:mc="http://schemas.openxmlformats.org/markup-compatibility/2006">
               <mc:Choice xmlns:v="urn:schemas-microsoft-com:vml" Requires="v">
-                <p:oleObj spid="_x0000_s4191" name="演示文稿" r:id="rId7" imgW="3805437" imgH="2139612" progId="PowerPoint.Show.12">
+                <p:oleObj spid="_x0000_s4219" name="演示文稿" r:id="rId10" imgW="3805437" imgH="2139612" progId="PowerPoint.Show.12">
                   <p:embed/>
                 </p:oleObj>
               </mc:Choice>
               <mc:Fallback>
-                <p:oleObj name="演示文稿" r:id="rId7" imgW="3805437" imgH="2139612" progId="PowerPoint.Show.12">
+                <p:oleObj name="演示文稿" r:id="rId10" imgW="3805437" imgH="2139612" progId="PowerPoint.Show.12">
                   <p:embed/>
                   <p:pic>
                     <p:nvPicPr>
@@ -42488,7 +39982,7 @@
                       <p:nvPr/>
                     </p:nvPicPr>
                     <p:blipFill>
-                      <a:blip r:embed="rId8"/>
+                      <a:blip r:embed="rId11"/>
                       <a:stretch>
                         <a:fillRect/>
                       </a:stretch>
@@ -42533,12 +40027,12 @@
           <a:graphicData uri="http://schemas.openxmlformats.org/presentationml/2006/ole">
             <mc:AlternateContent xmlns:mc="http://schemas.openxmlformats.org/markup-compatibility/2006">
               <mc:Choice xmlns:v="urn:schemas-microsoft-com:vml" Requires="v">
-                <p:oleObj spid="_x0000_s4192" name="演示文稿" r:id="rId9" imgW="3471759" imgH="1950632" progId="PowerPoint.Show.12">
+                <p:oleObj spid="_x0000_s4220" name="演示文稿" r:id="rId13" imgW="3471759" imgH="1950632" progId="PowerPoint.Show.12">
                   <p:embed/>
                 </p:oleObj>
               </mc:Choice>
               <mc:Fallback>
-                <p:oleObj name="演示文稿" r:id="rId9" imgW="3471759" imgH="1950632" progId="PowerPoint.Show.12">
+                <p:oleObj name="演示文稿" r:id="rId13" imgW="3471759" imgH="1950632" progId="PowerPoint.Show.12">
                   <p:embed/>
                   <p:pic>
                     <p:nvPicPr>
@@ -42547,7 +40041,7 @@
                       <p:nvPr/>
                     </p:nvPicPr>
                     <p:blipFill>
-                      <a:blip r:embed="rId10"/>
+                      <a:blip r:embed="rId14"/>
                       <a:stretch>
                         <a:fillRect/>
                       </a:stretch>
@@ -42592,12 +40086,12 @@
           <a:graphicData uri="http://schemas.openxmlformats.org/presentationml/2006/ole">
             <mc:AlternateContent xmlns:mc="http://schemas.openxmlformats.org/markup-compatibility/2006">
               <mc:Choice xmlns:v="urn:schemas-microsoft-com:vml" Requires="v">
-                <p:oleObj spid="_x0000_s4193" name="演示文稿" r:id="rId11" imgW="3200354" imgH="1799808" progId="PowerPoint.Show.12">
+                <p:oleObj spid="_x0000_s4221" name="演示文稿" r:id="rId16" imgW="3200354" imgH="1799808" progId="PowerPoint.Show.12">
                   <p:embed/>
                 </p:oleObj>
               </mc:Choice>
               <mc:Fallback>
-                <p:oleObj name="演示文稿" r:id="rId11" imgW="3200354" imgH="1799808" progId="PowerPoint.Show.12">
+                <p:oleObj name="演示文稿" r:id="rId16" imgW="3200354" imgH="1799808" progId="PowerPoint.Show.12">
                   <p:embed/>
                   <p:pic>
                     <p:nvPicPr>
@@ -42606,7 +40100,7 @@
                       <p:nvPr/>
                     </p:nvPicPr>
                     <p:blipFill>
-                      <a:blip r:embed="rId12"/>
+                      <a:blip r:embed="rId17"/>
                       <a:stretch>
                         <a:fillRect/>
                       </a:stretch>
@@ -42651,12 +40145,12 @@
           <a:graphicData uri="http://schemas.openxmlformats.org/presentationml/2006/ole">
             <mc:AlternateContent xmlns:mc="http://schemas.openxmlformats.org/markup-compatibility/2006">
               <mc:Choice xmlns:v="urn:schemas-microsoft-com:vml" Requires="v">
-                <p:oleObj spid="_x0000_s4194" name="演示文稿" r:id="rId13" imgW="2235676" imgH="1257346" progId="PowerPoint.Show.12">
+                <p:oleObj spid="_x0000_s4222" name="演示文稿" r:id="rId19" imgW="2235676" imgH="1257346" progId="PowerPoint.Show.12">
                   <p:embed/>
                 </p:oleObj>
               </mc:Choice>
               <mc:Fallback>
-                <p:oleObj name="演示文稿" r:id="rId13" imgW="2235676" imgH="1257346" progId="PowerPoint.Show.12">
+                <p:oleObj name="演示文稿" r:id="rId19" imgW="2235676" imgH="1257346" progId="PowerPoint.Show.12">
                   <p:embed/>
                   <p:pic>
                     <p:nvPicPr>
@@ -42665,7 +40159,7 @@
                       <p:nvPr/>
                     </p:nvPicPr>
                     <p:blipFill>
-                      <a:blip r:embed="rId14"/>
+                      <a:blip r:embed="rId20"/>
                       <a:stretch>
                         <a:fillRect/>
                       </a:stretch>
@@ -42710,12 +40204,12 @@
           <a:graphicData uri="http://schemas.openxmlformats.org/presentationml/2006/ole">
             <mc:AlternateContent xmlns:mc="http://schemas.openxmlformats.org/markup-compatibility/2006">
               <mc:Choice xmlns:v="urn:schemas-microsoft-com:vml" Requires="v">
-                <p:oleObj spid="_x0000_s4195" name="演示文稿" r:id="rId15" imgW="1447736" imgH="812433" progId="PowerPoint.Show.12">
+                <p:oleObj spid="_x0000_s4223" name="演示文稿" r:id="rId22" imgW="1447736" imgH="812433" progId="PowerPoint.Show.12">
                   <p:embed/>
                 </p:oleObj>
               </mc:Choice>
               <mc:Fallback>
-                <p:oleObj name="演示文稿" r:id="rId15" imgW="1447736" imgH="812433" progId="PowerPoint.Show.12">
+                <p:oleObj name="演示文稿" r:id="rId22" imgW="1447736" imgH="812433" progId="PowerPoint.Show.12">
                   <p:embed/>
                   <p:pic>
                     <p:nvPicPr>
@@ -42724,7 +40218,7 @@
                       <p:nvPr/>
                     </p:nvPicPr>
                     <p:blipFill>
-                      <a:blip r:embed="rId16"/>
+                      <a:blip r:embed="rId23"/>
                       <a:stretch>
                         <a:fillRect/>
                       </a:stretch>
@@ -43338,6 +40832,246 @@
       </p:grpSpPr>
       <p:sp>
         <p:nvSpPr>
+          <p:cNvPr id="3" name="内容占位符 2"/>
+          <p:cNvSpPr>
+            <a:spLocks noGrp="1"/>
+          </p:cNvSpPr>
+          <p:nvPr>
+            <p:ph idx="1"/>
+          </p:nvPr>
+        </p:nvSpPr>
+        <p:spPr>
+          <a:xfrm>
+            <a:off x="1798206" y="386862"/>
+            <a:ext cx="10018713" cy="1582615"/>
+          </a:xfrm>
+        </p:spPr>
+        <p:txBody>
+          <a:bodyPr/>
+          <a:lstStyle/>
+          <a:p>
+            <a:r>
+              <a:rPr lang="en-US" altLang="zh-CN" dirty="0" err="1"/>
+              <a:t>HInit</a:t>
+            </a:r>
+            <a:r>
+              <a:rPr lang="en-US" altLang="zh-CN" dirty="0"/>
+              <a:t> </a:t>
+            </a:r>
+            <a:r>
+              <a:rPr lang="en-US" altLang="zh-CN" dirty="0" smtClean="0"/>
+              <a:t>-</a:t>
+            </a:r>
+            <a:r>
+              <a:rPr lang="en-US" altLang="zh-CN" dirty="0"/>
+              <a:t>S </a:t>
+            </a:r>
+            <a:r>
+              <a:rPr lang="en-US" altLang="zh-CN" dirty="0" err="1"/>
+              <a:t>aaatrainlist</a:t>
+            </a:r>
+            <a:r>
+              <a:rPr lang="en-US" altLang="zh-CN" dirty="0"/>
+              <a:t> -M hmm0 -H proto/</a:t>
+            </a:r>
+            <a:r>
+              <a:rPr lang="en-US" altLang="zh-CN" dirty="0" err="1"/>
+              <a:t>hmm_aaa</a:t>
+            </a:r>
+            <a:r>
+              <a:rPr lang="en-US" altLang="zh-CN" dirty="0"/>
+              <a:t> -l </a:t>
+            </a:r>
+            <a:r>
+              <a:rPr lang="en-US" altLang="zh-CN" dirty="0" err="1"/>
+              <a:t>aaa</a:t>
+            </a:r>
+            <a:r>
+              <a:rPr lang="en-US" altLang="zh-CN" dirty="0"/>
+              <a:t> -L lab/</a:t>
+            </a:r>
+            <a:r>
+              <a:rPr lang="en-US" altLang="zh-CN" dirty="0" err="1"/>
+              <a:t>aaa</a:t>
+            </a:r>
+            <a:r>
+              <a:rPr lang="en-US" altLang="zh-CN" dirty="0"/>
+              <a:t> </a:t>
+            </a:r>
+            <a:r>
+              <a:rPr lang="en-US" altLang="zh-CN" dirty="0" err="1" smtClean="0"/>
+              <a:t>aaa</a:t>
+            </a:r>
+            <a:endParaRPr lang="en-US" altLang="zh-CN" dirty="0" smtClean="0"/>
+          </a:p>
+          <a:p>
+            <a:r>
+              <a:rPr lang="en-US" altLang="zh-CN" dirty="0" err="1"/>
+              <a:t>HRest</a:t>
+            </a:r>
+            <a:r>
+              <a:rPr lang="en-US" altLang="zh-CN" dirty="0"/>
+              <a:t> </a:t>
+            </a:r>
+            <a:r>
+              <a:rPr lang="en-US" altLang="zh-CN" dirty="0" smtClean="0"/>
+              <a:t>-</a:t>
+            </a:r>
+            <a:r>
+              <a:rPr lang="en-US" altLang="zh-CN" dirty="0"/>
+              <a:t>S </a:t>
+            </a:r>
+            <a:r>
+              <a:rPr lang="en-US" altLang="zh-CN" dirty="0" err="1"/>
+              <a:t>aaatrainlist</a:t>
+            </a:r>
+            <a:r>
+              <a:rPr lang="en-US" altLang="zh-CN" dirty="0"/>
+              <a:t> -M hmm1 -H hmm0/</a:t>
+            </a:r>
+            <a:r>
+              <a:rPr lang="en-US" altLang="zh-CN" dirty="0" err="1"/>
+              <a:t>hmm_aaa</a:t>
+            </a:r>
+            <a:r>
+              <a:rPr lang="en-US" altLang="zh-CN" dirty="0"/>
+              <a:t> -l </a:t>
+            </a:r>
+            <a:r>
+              <a:rPr lang="en-US" altLang="zh-CN" dirty="0" err="1"/>
+              <a:t>aaa</a:t>
+            </a:r>
+            <a:r>
+              <a:rPr lang="en-US" altLang="zh-CN" dirty="0"/>
+              <a:t> -L lab/</a:t>
+            </a:r>
+            <a:r>
+              <a:rPr lang="en-US" altLang="zh-CN" dirty="0" err="1"/>
+              <a:t>aaa</a:t>
+            </a:r>
+            <a:r>
+              <a:rPr lang="en-US" altLang="zh-CN" dirty="0"/>
+              <a:t> </a:t>
+            </a:r>
+            <a:r>
+              <a:rPr lang="en-US" altLang="zh-CN" dirty="0" err="1" smtClean="0"/>
+              <a:t>aaa</a:t>
+            </a:r>
+            <a:endParaRPr lang="en-US" altLang="zh-CN" dirty="0" smtClean="0"/>
+          </a:p>
+          <a:p>
+            <a:r>
+              <a:rPr lang="en-US" altLang="zh-CN" dirty="0" err="1"/>
+              <a:t>HRest</a:t>
+            </a:r>
+            <a:r>
+              <a:rPr lang="en-US" altLang="zh-CN" dirty="0"/>
+              <a:t> </a:t>
+            </a:r>
+            <a:r>
+              <a:rPr lang="en-US" altLang="zh-CN" dirty="0" smtClean="0"/>
+              <a:t>-</a:t>
+            </a:r>
+            <a:r>
+              <a:rPr lang="en-US" altLang="zh-CN" dirty="0"/>
+              <a:t>S </a:t>
+            </a:r>
+            <a:r>
+              <a:rPr lang="en-US" altLang="zh-CN" dirty="0" err="1"/>
+              <a:t>aaatrainlist</a:t>
+            </a:r>
+            <a:r>
+              <a:rPr lang="en-US" altLang="zh-CN" dirty="0"/>
+              <a:t> -M hmm2 -H hmm1/</a:t>
+            </a:r>
+            <a:r>
+              <a:rPr lang="en-US" altLang="zh-CN" dirty="0" err="1"/>
+              <a:t>hmm_aaa</a:t>
+            </a:r>
+            <a:r>
+              <a:rPr lang="en-US" altLang="zh-CN" dirty="0"/>
+              <a:t> -l </a:t>
+            </a:r>
+            <a:r>
+              <a:rPr lang="en-US" altLang="zh-CN" dirty="0" err="1"/>
+              <a:t>aaa</a:t>
+            </a:r>
+            <a:r>
+              <a:rPr lang="en-US" altLang="zh-CN" dirty="0"/>
+              <a:t> -L lab/</a:t>
+            </a:r>
+            <a:r>
+              <a:rPr lang="en-US" altLang="zh-CN" dirty="0" err="1"/>
+              <a:t>aaa</a:t>
+            </a:r>
+            <a:r>
+              <a:rPr lang="en-US" altLang="zh-CN" dirty="0"/>
+              <a:t> </a:t>
+            </a:r>
+            <a:r>
+              <a:rPr lang="en-US" altLang="zh-CN" dirty="0" err="1" smtClean="0"/>
+              <a:t>aaa</a:t>
+            </a:r>
+            <a:endParaRPr lang="en-US" altLang="zh-CN" dirty="0" smtClean="0"/>
+          </a:p>
+        </p:txBody>
+      </p:sp>
+      <p:pic>
+        <p:nvPicPr>
+          <p:cNvPr id="4" name="图片 3"/>
+          <p:cNvPicPr>
+            <a:picLocks noChangeAspect="1"/>
+          </p:cNvPicPr>
+          <p:nvPr/>
+        </p:nvPicPr>
+        <p:blipFill>
+          <a:blip r:embed="rId2"/>
+          <a:stretch>
+            <a:fillRect/>
+          </a:stretch>
+        </p:blipFill>
+        <p:spPr>
+          <a:xfrm>
+            <a:off x="1798206" y="2268415"/>
+            <a:ext cx="9039225" cy="4143375"/>
+          </a:xfrm>
+          <a:prstGeom prst="rect">
+            <a:avLst/>
+          </a:prstGeom>
+        </p:spPr>
+      </p:pic>
+    </p:spTree>
+    <p:extLst>
+      <p:ext uri="{BB962C8B-B14F-4D97-AF65-F5344CB8AC3E}">
+        <p14:creationId xmlns:p14="http://schemas.microsoft.com/office/powerpoint/2010/main" val="3279535233"/>
+      </p:ext>
+    </p:extLst>
+  </p:cSld>
+  <p:clrMapOvr>
+    <a:masterClrMapping/>
+  </p:clrMapOvr>
+</p:sld>
+</file>
+
+<file path=ppt/slides/slide13.xml><?xml version="1.0" encoding="utf-8"?>
+<p:sld xmlns:a="http://schemas.openxmlformats.org/drawingml/2006/main" xmlns:r="http://schemas.openxmlformats.org/officeDocument/2006/relationships" xmlns:p="http://schemas.openxmlformats.org/presentationml/2006/main">
+  <p:cSld>
+    <p:spTree>
+      <p:nvGrpSpPr>
+        <p:cNvPr id="1" name=""/>
+        <p:cNvGrpSpPr/>
+        <p:nvPr/>
+      </p:nvGrpSpPr>
+      <p:grpSpPr>
+        <a:xfrm>
+          <a:off x="0" y="0"/>
+          <a:ext cx="0" cy="0"/>
+          <a:chOff x="0" y="0"/>
+          <a:chExt cx="0" cy="0"/>
+        </a:xfrm>
+      </p:grpSpPr>
+      <p:sp>
+        <p:nvSpPr>
           <p:cNvPr id="4" name="标题 3"/>
           <p:cNvSpPr>
             <a:spLocks noGrp="1"/>
@@ -43401,7 +41135,137 @@
 </p:sld>
 </file>
 
-<file path=ppt/slides/slide13.xml><?xml version="1.0" encoding="utf-8"?>
+<file path=ppt/slides/slide14.xml><?xml version="1.0" encoding="utf-8"?>
+<p:sld xmlns:a="http://schemas.openxmlformats.org/drawingml/2006/main" xmlns:r="http://schemas.openxmlformats.org/officeDocument/2006/relationships" xmlns:p="http://schemas.openxmlformats.org/presentationml/2006/main">
+  <p:cSld>
+    <p:spTree>
+      <p:nvGrpSpPr>
+        <p:cNvPr id="1" name=""/>
+        <p:cNvGrpSpPr/>
+        <p:nvPr/>
+      </p:nvGrpSpPr>
+      <p:grpSpPr>
+        <a:xfrm>
+          <a:off x="0" y="0"/>
+          <a:ext cx="0" cy="0"/>
+          <a:chOff x="0" y="0"/>
+          <a:chExt cx="0" cy="0"/>
+        </a:xfrm>
+      </p:grpSpPr>
+      <p:sp>
+        <p:nvSpPr>
+          <p:cNvPr id="3" name="内容占位符 2"/>
+          <p:cNvSpPr>
+            <a:spLocks noGrp="1"/>
+          </p:cNvSpPr>
+          <p:nvPr>
+            <p:ph idx="1"/>
+          </p:nvPr>
+        </p:nvSpPr>
+        <p:spPr>
+          <a:xfrm>
+            <a:off x="1484310" y="556846"/>
+            <a:ext cx="10018713" cy="885092"/>
+          </a:xfrm>
+        </p:spPr>
+        <p:txBody>
+          <a:bodyPr/>
+          <a:lstStyle/>
+          <a:p>
+            <a:r>
+              <a:rPr lang="en-US" altLang="zh-CN" dirty="0" err="1" smtClean="0"/>
+              <a:t>HVite</a:t>
+            </a:r>
+            <a:r>
+              <a:rPr lang="en-US" altLang="zh-CN" dirty="0" smtClean="0"/>
+              <a:t> -</a:t>
+            </a:r>
+            <a:r>
+              <a:rPr lang="en-US" altLang="zh-CN" dirty="0"/>
+              <a:t>H </a:t>
+            </a:r>
+            <a:r>
+              <a:rPr lang="en-US" altLang="zh-CN" dirty="0" err="1"/>
+              <a:t>all.mmf</a:t>
+            </a:r>
+            <a:r>
+              <a:rPr lang="en-US" altLang="zh-CN" dirty="0"/>
+              <a:t> -</a:t>
+            </a:r>
+            <a:r>
+              <a:rPr lang="en-US" altLang="zh-CN" dirty="0" err="1"/>
+              <a:t>i</a:t>
+            </a:r>
+            <a:r>
+              <a:rPr lang="en-US" altLang="zh-CN" dirty="0"/>
+              <a:t> </a:t>
+            </a:r>
+            <a:r>
+              <a:rPr lang="en-US" altLang="zh-CN" dirty="0" err="1"/>
+              <a:t>reco.mlf</a:t>
+            </a:r>
+            <a:r>
+              <a:rPr lang="en-US" altLang="zh-CN" dirty="0"/>
+              <a:t> -w </a:t>
+            </a:r>
+            <a:r>
+              <a:rPr lang="en-US" altLang="zh-CN" dirty="0" err="1"/>
+              <a:t>net.slf</a:t>
+            </a:r>
+            <a:r>
+              <a:rPr lang="en-US" altLang="zh-CN" dirty="0"/>
+              <a:t> dict.txt hmmlist.txt </a:t>
+            </a:r>
+            <a:r>
+              <a:rPr lang="en-US" altLang="zh-CN" dirty="0" err="1"/>
+              <a:t>mfcc</a:t>
+            </a:r>
+            <a:r>
+              <a:rPr lang="en-US" altLang="zh-CN" dirty="0"/>
+              <a:t>/lock5.mfc</a:t>
+            </a:r>
+            <a:endParaRPr lang="zh-CN" altLang="en-US" dirty="0"/>
+          </a:p>
+        </p:txBody>
+      </p:sp>
+      <p:pic>
+        <p:nvPicPr>
+          <p:cNvPr id="4" name="图片 3"/>
+          <p:cNvPicPr>
+            <a:picLocks noChangeAspect="1"/>
+          </p:cNvPicPr>
+          <p:nvPr/>
+        </p:nvPicPr>
+        <p:blipFill>
+          <a:blip r:embed="rId2"/>
+          <a:stretch>
+            <a:fillRect/>
+          </a:stretch>
+        </p:blipFill>
+        <p:spPr>
+          <a:xfrm>
+            <a:off x="1484310" y="1662112"/>
+            <a:ext cx="9944100" cy="3990975"/>
+          </a:xfrm>
+          <a:prstGeom prst="rect">
+            <a:avLst/>
+          </a:prstGeom>
+        </p:spPr>
+      </p:pic>
+    </p:spTree>
+    <p:extLst>
+      <p:ext uri="{BB962C8B-B14F-4D97-AF65-F5344CB8AC3E}">
+        <p14:creationId xmlns:p14="http://schemas.microsoft.com/office/powerpoint/2010/main" val="1785929858"/>
+      </p:ext>
+    </p:extLst>
+  </p:cSld>
+  <p:clrMapOvr>
+    <a:masterClrMapping/>
+  </p:clrMapOvr>
+</p:sld>
+</file>
+
+<file path=ppt/slides/slide15.xml><?xml version="1.0" encoding="utf-8"?>
 <p:sld xmlns:a="http://schemas.openxmlformats.org/drawingml/2006/main" xmlns:r="http://schemas.openxmlformats.org/officeDocument/2006/relationships" xmlns:p="http://schemas.openxmlformats.org/presentationml/2006/main">
   <p:cSld>
     <p:spTree>
@@ -43460,7 +41324,7 @@
 </p:sld>
 </file>
 
-<file path=ppt/slides/slide14.xml><?xml version="1.0" encoding="utf-8"?>
+<file path=ppt/slides/slide16.xml><?xml version="1.0" encoding="utf-8"?>
 <p:sld xmlns:a="http://schemas.openxmlformats.org/drawingml/2006/main" xmlns:r="http://schemas.openxmlformats.org/officeDocument/2006/relationships" xmlns:p="http://schemas.openxmlformats.org/presentationml/2006/main">
   <p:cSld>
     <p:spTree>
@@ -43509,16 +41373,24 @@
           <a:p>
             <a:pPr lvl="1"/>
             <a:r>
-              <a:rPr lang="zh-CN" altLang="en-US" sz="3600" dirty="0" smtClean="0"/>
-              <a:t>掌握</a:t>
+              <a:rPr lang="zh-CN" altLang="en-US" sz="3600" dirty="0"/>
+              <a:t>基本实现了</a:t>
             </a:r>
             <a:r>
-              <a:rPr lang="en-US" altLang="zh-CN" sz="3600" dirty="0" smtClean="0"/>
+              <a:rPr lang="en-US" altLang="zh-CN" sz="3600" dirty="0"/>
               <a:t>Android</a:t>
             </a:r>
             <a:r>
+              <a:rPr lang="zh-CN" altLang="en-US" sz="3600" dirty="0"/>
+              <a:t>下的文本相关声纹锁</a:t>
+            </a:r>
+            <a:endParaRPr lang="en-US" altLang="zh-CN" sz="3600" dirty="0"/>
+          </a:p>
+          <a:p>
+            <a:pPr lvl="1"/>
+            <a:r>
               <a:rPr lang="zh-CN" altLang="en-US" sz="3600" dirty="0" smtClean="0"/>
-              <a:t>开发这一项技能</a:t>
+              <a:t>了解声纹认证相关流程和算法</a:t>
             </a:r>
             <a:endParaRPr lang="en-US" altLang="zh-CN" sz="3600" dirty="0" smtClean="0"/>
           </a:p>
@@ -43526,49 +41398,25 @@
             <a:pPr lvl="1"/>
             <a:r>
               <a:rPr lang="zh-CN" altLang="en-US" sz="3600" dirty="0" smtClean="0"/>
-              <a:t>基本</a:t>
+              <a:t>掌握</a:t>
             </a:r>
             <a:r>
-              <a:rPr lang="zh-CN" altLang="en-US" sz="3600" dirty="0"/>
-              <a:t>实现了</a:t>
+              <a:rPr lang="en-US" altLang="zh-CN" sz="3600" dirty="0" smtClean="0"/>
+              <a:t>Java</a:t>
             </a:r>
             <a:r>
-              <a:rPr lang="en-US" altLang="zh-CN" sz="3600" dirty="0"/>
+              <a:rPr lang="zh-CN" altLang="en-US" sz="3600" dirty="0" smtClean="0"/>
+              <a:t>、</a:t>
+            </a:r>
+            <a:r>
+              <a:rPr lang="en-US" altLang="zh-CN" sz="3600" dirty="0" smtClean="0"/>
               <a:t>Android</a:t>
             </a:r>
             <a:r>
-              <a:rPr lang="zh-CN" altLang="en-US" sz="3600" dirty="0"/>
-              <a:t>下的文本相关声纹</a:t>
-            </a:r>
-            <a:r>
-              <a:rPr lang="zh-CN" altLang="en-US" sz="3600" dirty="0" smtClean="0"/>
-              <a:t>锁</a:t>
+              <a:rPr lang="zh-CN" altLang="en-US" sz="3600" smtClean="0"/>
+              <a:t>等相关开发技能</a:t>
             </a:r>
             <a:endParaRPr lang="en-US" altLang="zh-CN" sz="3600" dirty="0" smtClean="0"/>
-          </a:p>
-          <a:p>
-            <a:pPr lvl="0"/>
-            <a:r>
-              <a:rPr lang="zh-CN" altLang="en-US" sz="4000" dirty="0" smtClean="0"/>
-              <a:t>展望</a:t>
-            </a:r>
-            <a:endParaRPr lang="en-US" altLang="zh-CN" sz="4000" dirty="0" smtClean="0"/>
-          </a:p>
-          <a:p>
-            <a:pPr lvl="1"/>
-            <a:r>
-              <a:rPr lang="zh-CN" altLang="en-US" sz="4000" dirty="0" smtClean="0"/>
-              <a:t>错误的接受率和</a:t>
-            </a:r>
-            <a:r>
-              <a:rPr lang="zh-CN" altLang="en-US" sz="4000" dirty="0"/>
-              <a:t>错误的拒绝</a:t>
-            </a:r>
-            <a:r>
-              <a:rPr lang="zh-CN" altLang="en-US" sz="4000" dirty="0" smtClean="0"/>
-              <a:t>率可以进一步降低</a:t>
-            </a:r>
-            <a:endParaRPr lang="en-US" altLang="zh-CN" sz="4000" dirty="0" smtClean="0"/>
           </a:p>
           <a:p>
             <a:pPr lvl="1"/>
@@ -43599,7 +41447,7 @@
 </p:sld>
 </file>
 
-<file path=ppt/slides/slide15.xml><?xml version="1.0" encoding="utf-8"?>
+<file path=ppt/slides/slide17.xml><?xml version="1.0" encoding="utf-8"?>
 <p:sld xmlns:a="http://schemas.openxmlformats.org/drawingml/2006/main" xmlns:r="http://schemas.openxmlformats.org/officeDocument/2006/relationships" xmlns:p="http://schemas.openxmlformats.org/presentationml/2006/main">
   <p:cSld>
     <p:spTree>
@@ -43723,7 +41571,83 @@
 </p:sld>
 </file>
 
-<file path=ppt/slides/slide16.xml><?xml version="1.0" encoding="utf-8"?>
+<file path=ppt/slides/slide18.xml><?xml version="1.0" encoding="utf-8"?>
+<p:sld xmlns:a="http://schemas.openxmlformats.org/drawingml/2006/main" xmlns:r="http://schemas.openxmlformats.org/officeDocument/2006/relationships" xmlns:p="http://schemas.openxmlformats.org/presentationml/2006/main">
+  <p:cSld>
+    <p:spTree>
+      <p:nvGrpSpPr>
+        <p:cNvPr id="1" name=""/>
+        <p:cNvGrpSpPr/>
+        <p:nvPr/>
+      </p:nvGrpSpPr>
+      <p:grpSpPr>
+        <a:xfrm>
+          <a:off x="0" y="0"/>
+          <a:ext cx="0" cy="0"/>
+          <a:chOff x="0" y="0"/>
+          <a:chExt cx="0" cy="0"/>
+        </a:xfrm>
+      </p:grpSpPr>
+      <p:sp>
+        <p:nvSpPr>
+          <p:cNvPr id="4" name="内容占位符 2"/>
+          <p:cNvSpPr>
+            <a:spLocks noGrp="1"/>
+          </p:cNvSpPr>
+          <p:nvPr>
+            <p:ph idx="1"/>
+          </p:nvPr>
+        </p:nvSpPr>
+        <p:spPr>
+          <a:xfrm>
+            <a:off x="1503360" y="1181099"/>
+            <a:ext cx="10018713" cy="4629151"/>
+          </a:xfrm>
+        </p:spPr>
+        <p:txBody>
+          <a:bodyPr>
+            <a:normAutofit/>
+          </a:bodyPr>
+          <a:lstStyle/>
+          <a:p>
+            <a:pPr lvl="0"/>
+            <a:r>
+              <a:rPr lang="zh-CN" altLang="en-US" sz="4000" dirty="0" smtClean="0"/>
+              <a:t>展望</a:t>
+            </a:r>
+            <a:endParaRPr lang="en-US" altLang="zh-CN" sz="4000" dirty="0"/>
+          </a:p>
+          <a:p>
+            <a:pPr lvl="1"/>
+            <a:r>
+              <a:rPr lang="zh-CN" altLang="en-US" sz="4000" dirty="0"/>
+              <a:t>错误的接受率和错误的拒绝率可以进一步降低</a:t>
+            </a:r>
+            <a:endParaRPr lang="en-US" altLang="zh-CN" sz="4000" dirty="0"/>
+          </a:p>
+          <a:p>
+            <a:pPr lvl="1"/>
+            <a:endParaRPr lang="zh-CN" altLang="en-US" sz="4000" dirty="0"/>
+          </a:p>
+          <a:p>
+            <a:endParaRPr lang="zh-CN" altLang="en-US" sz="4000" dirty="0"/>
+          </a:p>
+        </p:txBody>
+      </p:sp>
+    </p:spTree>
+    <p:extLst>
+      <p:ext uri="{BB962C8B-B14F-4D97-AF65-F5344CB8AC3E}">
+        <p14:creationId xmlns:p14="http://schemas.microsoft.com/office/powerpoint/2010/main" val="2525253584"/>
+      </p:ext>
+    </p:extLst>
+  </p:cSld>
+  <p:clrMapOvr>
+    <a:masterClrMapping/>
+  </p:clrMapOvr>
+</p:sld>
+</file>
+
+<file path=ppt/slides/slide19.xml><?xml version="1.0" encoding="utf-8"?>
 <p:sld xmlns:a="http://schemas.openxmlformats.org/drawingml/2006/main" xmlns:r="http://schemas.openxmlformats.org/officeDocument/2006/relationships" xmlns:p="http://schemas.openxmlformats.org/presentationml/2006/main">
   <p:cSld>
     <p:spTree>
@@ -44033,12 +41957,12 @@
           <a:graphicData uri="http://schemas.openxmlformats.org/presentationml/2006/ole">
             <mc:AlternateContent xmlns:mc="http://schemas.openxmlformats.org/markup-compatibility/2006">
               <mc:Choice xmlns:v="urn:schemas-microsoft-com:vml" Requires="v">
-                <p:oleObj spid="_x0000_s1050" name="Visio" r:id="rId4" imgW="6962856" imgH="3781541" progId="Visio.Drawing.15">
+                <p:oleObj spid="_x0000_s1054" name="Visio" r:id="rId5" imgW="6962856" imgH="3781541" progId="Visio.Drawing.15">
                   <p:embed/>
                 </p:oleObj>
               </mc:Choice>
               <mc:Fallback>
-                <p:oleObj name="Visio" r:id="rId4" imgW="6962856" imgH="3781541" progId="Visio.Drawing.15">
+                <p:oleObj name="Visio" r:id="rId5" imgW="6962856" imgH="3781541" progId="Visio.Drawing.15">
                   <p:embed/>
                   <p:pic>
                     <p:nvPicPr>
@@ -44049,7 +41973,7 @@
                       <p:nvPr/>
                     </p:nvPicPr>
                     <p:blipFill>
-                      <a:blip r:embed="rId5">
+                      <a:blip r:embed="rId6">
                         <a:extLst>
                           <a:ext uri="{28A0092B-C50C-407E-A947-70E740481C1C}">
                             <a14:useLocalDpi xmlns:a14="http://schemas.microsoft.com/office/drawing/2010/main" val="0"/>

--- a/A.pptx
+++ b/A.pptx
@@ -8545,26 +8545,26 @@
     </dgm:pt>
   </dgm:ptLst>
   <dgm:cxnLst>
-    <dgm:cxn modelId="{96067EB5-BDBC-4647-91FA-B76295C496FF}" srcId="{1EE61C8A-6AED-45D7-B498-F17DBFE512B9}" destId="{FFD9A690-6081-4453-A956-58879D227728}" srcOrd="0" destOrd="0" parTransId="{8DF116FA-E883-46B0-BDC6-79922C60CFED}" sibTransId="{9CD0A123-905A-40EC-BB98-14CBC4D3EE8A}"/>
+    <dgm:cxn modelId="{4089CB4C-7913-4FF3-AF29-A6A2C85BF6D4}" type="presOf" srcId="{1E5AF778-3D91-4932-86CC-DBB3E8FAA45F}" destId="{ECB21FFE-9F05-437C-B138-113778E9D6CE}" srcOrd="0" destOrd="0" presId="urn:microsoft.com/office/officeart/2005/8/layout/vProcess5"/>
+    <dgm:cxn modelId="{4859BD86-DE57-4EB1-BEB6-65896C56D293}" type="presOf" srcId="{C76FA373-E3DA-492C-8830-CC464EB1B13D}" destId="{2CB4C7B8-0A30-498B-BC96-41B2801B7FF7}" srcOrd="1" destOrd="0" presId="urn:microsoft.com/office/officeart/2005/8/layout/vProcess5"/>
+    <dgm:cxn modelId="{10034F04-3C2F-4E59-A62D-FD179E7EA18C}" type="presOf" srcId="{3510B909-B14D-4E05-AD64-8C849B572B1B}" destId="{30A668FC-7FB9-43B2-BB67-BD57FD8C149C}" srcOrd="0" destOrd="0" presId="urn:microsoft.com/office/officeart/2005/8/layout/vProcess5"/>
+    <dgm:cxn modelId="{8CBB37B3-0A61-4502-983A-814C74310186}" type="presOf" srcId="{FFD9A690-6081-4453-A956-58879D227728}" destId="{DEDEE683-05B9-47C6-A07A-BA4F6F44A0E4}" srcOrd="0" destOrd="0" presId="urn:microsoft.com/office/officeart/2005/8/layout/vProcess5"/>
+    <dgm:cxn modelId="{4BCC9BB1-1E28-42FE-A517-4048319F6CC9}" type="presOf" srcId="{5F8199DC-5E60-41D4-B552-63603150DCBC}" destId="{D73E2BBA-E2FA-4658-87D9-AB437B0F4207}" srcOrd="0" destOrd="0" presId="urn:microsoft.com/office/officeart/2005/8/layout/vProcess5"/>
+    <dgm:cxn modelId="{65070D69-CDC1-407D-8F60-35783403DBEE}" srcId="{1EE61C8A-6AED-45D7-B498-F17DBFE512B9}" destId="{C76FA373-E3DA-492C-8830-CC464EB1B13D}" srcOrd="3" destOrd="0" parTransId="{50ADDAF1-83E9-4EE8-8601-6285D653C513}" sibTransId="{754255D8-C1D0-48B0-A8AF-11622D294D4B}"/>
+    <dgm:cxn modelId="{AFCE37CB-B10F-46C5-BF44-4D124F8099C0}" type="presOf" srcId="{C76FA373-E3DA-492C-8830-CC464EB1B13D}" destId="{19EB898B-E605-4044-9E0A-17C1C03B86A0}" srcOrd="0" destOrd="0" presId="urn:microsoft.com/office/officeart/2005/8/layout/vProcess5"/>
+    <dgm:cxn modelId="{B6FE1A98-CF82-4899-95EF-7497FE37D87C}" type="presOf" srcId="{3105FFB5-A2D8-4EF8-B642-22187F396E60}" destId="{711C8C94-5A2B-4918-9F6D-879360ECF4F4}" srcOrd="0" destOrd="0" presId="urn:microsoft.com/office/officeart/2005/8/layout/vProcess5"/>
+    <dgm:cxn modelId="{5B9BCC5D-87B0-4965-8833-82B95337FC49}" type="presOf" srcId="{9CD0A123-905A-40EC-BB98-14CBC4D3EE8A}" destId="{341A637F-BF62-4472-933A-EC8F8D7429DA}" srcOrd="0" destOrd="0" presId="urn:microsoft.com/office/officeart/2005/8/layout/vProcess5"/>
+    <dgm:cxn modelId="{4B4DCC68-077A-4668-96C6-ECA56E753438}" srcId="{1EE61C8A-6AED-45D7-B498-F17DBFE512B9}" destId="{1E5AF778-3D91-4932-86CC-DBB3E8FAA45F}" srcOrd="2" destOrd="0" parTransId="{9AC9053D-6710-4703-8939-13D5D4BD11C8}" sibTransId="{05095EE2-ED6B-4187-BBB1-2C2106FDCD65}"/>
     <dgm:cxn modelId="{61A87276-1060-4122-ACDF-155C2035E164}" type="presOf" srcId="{1E5AF778-3D91-4932-86CC-DBB3E8FAA45F}" destId="{3E9944A4-9190-4FA9-896C-3D8DDE67C839}" srcOrd="1" destOrd="0" presId="urn:microsoft.com/office/officeart/2005/8/layout/vProcess5"/>
     <dgm:cxn modelId="{AB0C64E9-B616-4CA5-ABAC-04DE7FD53B76}" type="presOf" srcId="{1EE61C8A-6AED-45D7-B498-F17DBFE512B9}" destId="{62D45F8B-A5AC-412E-9B7C-031B74A36942}" srcOrd="0" destOrd="0" presId="urn:microsoft.com/office/officeart/2005/8/layout/vProcess5"/>
-    <dgm:cxn modelId="{B6FE1A98-CF82-4899-95EF-7497FE37D87C}" type="presOf" srcId="{3105FFB5-A2D8-4EF8-B642-22187F396E60}" destId="{711C8C94-5A2B-4918-9F6D-879360ECF4F4}" srcOrd="0" destOrd="0" presId="urn:microsoft.com/office/officeart/2005/8/layout/vProcess5"/>
-    <dgm:cxn modelId="{4B4DCC68-077A-4668-96C6-ECA56E753438}" srcId="{1EE61C8A-6AED-45D7-B498-F17DBFE512B9}" destId="{1E5AF778-3D91-4932-86CC-DBB3E8FAA45F}" srcOrd="2" destOrd="0" parTransId="{9AC9053D-6710-4703-8939-13D5D4BD11C8}" sibTransId="{05095EE2-ED6B-4187-BBB1-2C2106FDCD65}"/>
-    <dgm:cxn modelId="{5B9BCC5D-87B0-4965-8833-82B95337FC49}" type="presOf" srcId="{9CD0A123-905A-40EC-BB98-14CBC4D3EE8A}" destId="{341A637F-BF62-4472-933A-EC8F8D7429DA}" srcOrd="0" destOrd="0" presId="urn:microsoft.com/office/officeart/2005/8/layout/vProcess5"/>
-    <dgm:cxn modelId="{4089CB4C-7913-4FF3-AF29-A6A2C85BF6D4}" type="presOf" srcId="{1E5AF778-3D91-4932-86CC-DBB3E8FAA45F}" destId="{ECB21FFE-9F05-437C-B138-113778E9D6CE}" srcOrd="0" destOrd="0" presId="urn:microsoft.com/office/officeart/2005/8/layout/vProcess5"/>
-    <dgm:cxn modelId="{4859BD86-DE57-4EB1-BEB6-65896C56D293}" type="presOf" srcId="{C76FA373-E3DA-492C-8830-CC464EB1B13D}" destId="{2CB4C7B8-0A30-498B-BC96-41B2801B7FF7}" srcOrd="1" destOrd="0" presId="urn:microsoft.com/office/officeart/2005/8/layout/vProcess5"/>
-    <dgm:cxn modelId="{A86B4F8A-9A06-406E-B5EC-AD2700ED9577}" srcId="{1EE61C8A-6AED-45D7-B498-F17DBFE512B9}" destId="{3510B909-B14D-4E05-AD64-8C849B572B1B}" srcOrd="1" destOrd="0" parTransId="{3E4ABC09-8E15-4002-ABAD-0B326A71F7DE}" sibTransId="{5F8199DC-5E60-41D4-B552-63603150DCBC}"/>
     <dgm:cxn modelId="{AB867B97-00F5-458D-B54C-721527F7C6C5}" type="presOf" srcId="{754255D8-C1D0-48B0-A8AF-11622D294D4B}" destId="{5C4FFC89-8AF4-4A4A-8076-5CAA65F8BB77}" srcOrd="0" destOrd="0" presId="urn:microsoft.com/office/officeart/2005/8/layout/vProcess5"/>
     <dgm:cxn modelId="{653A1248-DF2D-49F4-A743-14A85676280E}" type="presOf" srcId="{05095EE2-ED6B-4187-BBB1-2C2106FDCD65}" destId="{B2A5F7B8-4B19-48F7-88BD-57281B222D0D}" srcOrd="0" destOrd="0" presId="urn:microsoft.com/office/officeart/2005/8/layout/vProcess5"/>
     <dgm:cxn modelId="{D22C15C2-C410-4D3F-BA72-0568883D4AEC}" type="presOf" srcId="{3510B909-B14D-4E05-AD64-8C849B572B1B}" destId="{FBCDA54B-160D-4674-9980-087D90FC08C9}" srcOrd="1" destOrd="0" presId="urn:microsoft.com/office/officeart/2005/8/layout/vProcess5"/>
+    <dgm:cxn modelId="{E5DDCCBE-561B-4F6D-A824-D9A4B5A407FE}" type="presOf" srcId="{FFD9A690-6081-4453-A956-58879D227728}" destId="{E7BEEAE4-C940-4D90-8ABB-21AD29B2D012}" srcOrd="1" destOrd="0" presId="urn:microsoft.com/office/officeart/2005/8/layout/vProcess5"/>
+    <dgm:cxn modelId="{A86B4F8A-9A06-406E-B5EC-AD2700ED9577}" srcId="{1EE61C8A-6AED-45D7-B498-F17DBFE512B9}" destId="{3510B909-B14D-4E05-AD64-8C849B572B1B}" srcOrd="1" destOrd="0" parTransId="{3E4ABC09-8E15-4002-ABAD-0B326A71F7DE}" sibTransId="{5F8199DC-5E60-41D4-B552-63603150DCBC}"/>
     <dgm:cxn modelId="{072BC42A-ED78-416C-B7AE-5042BBFCDF0D}" srcId="{1EE61C8A-6AED-45D7-B498-F17DBFE512B9}" destId="{3105FFB5-A2D8-4EF8-B642-22187F396E60}" srcOrd="4" destOrd="0" parTransId="{C7729014-CED3-4241-9DCB-39018DEE653F}" sibTransId="{2460AE22-E20E-446B-9E9A-D1E91E5BA874}"/>
-    <dgm:cxn modelId="{65070D69-CDC1-407D-8F60-35783403DBEE}" srcId="{1EE61C8A-6AED-45D7-B498-F17DBFE512B9}" destId="{C76FA373-E3DA-492C-8830-CC464EB1B13D}" srcOrd="3" destOrd="0" parTransId="{50ADDAF1-83E9-4EE8-8601-6285D653C513}" sibTransId="{754255D8-C1D0-48B0-A8AF-11622D294D4B}"/>
-    <dgm:cxn modelId="{10034F04-3C2F-4E59-A62D-FD179E7EA18C}" type="presOf" srcId="{3510B909-B14D-4E05-AD64-8C849B572B1B}" destId="{30A668FC-7FB9-43B2-BB67-BD57FD8C149C}" srcOrd="0" destOrd="0" presId="urn:microsoft.com/office/officeart/2005/8/layout/vProcess5"/>
-    <dgm:cxn modelId="{AFCE37CB-B10F-46C5-BF44-4D124F8099C0}" type="presOf" srcId="{C76FA373-E3DA-492C-8830-CC464EB1B13D}" destId="{19EB898B-E605-4044-9E0A-17C1C03B86A0}" srcOrd="0" destOrd="0" presId="urn:microsoft.com/office/officeart/2005/8/layout/vProcess5"/>
-    <dgm:cxn modelId="{E5DDCCBE-561B-4F6D-A824-D9A4B5A407FE}" type="presOf" srcId="{FFD9A690-6081-4453-A956-58879D227728}" destId="{E7BEEAE4-C940-4D90-8ABB-21AD29B2D012}" srcOrd="1" destOrd="0" presId="urn:microsoft.com/office/officeart/2005/8/layout/vProcess5"/>
     <dgm:cxn modelId="{6DDD64B7-693D-4040-9236-28FD3D4A61EB}" type="presOf" srcId="{3105FFB5-A2D8-4EF8-B642-22187F396E60}" destId="{B607ACD7-12E1-4E26-8E23-3407D952C3BB}" srcOrd="1" destOrd="0" presId="urn:microsoft.com/office/officeart/2005/8/layout/vProcess5"/>
-    <dgm:cxn modelId="{4BCC9BB1-1E28-42FE-A517-4048319F6CC9}" type="presOf" srcId="{5F8199DC-5E60-41D4-B552-63603150DCBC}" destId="{D73E2BBA-E2FA-4658-87D9-AB437B0F4207}" srcOrd="0" destOrd="0" presId="urn:microsoft.com/office/officeart/2005/8/layout/vProcess5"/>
-    <dgm:cxn modelId="{8CBB37B3-0A61-4502-983A-814C74310186}" type="presOf" srcId="{FFD9A690-6081-4453-A956-58879D227728}" destId="{DEDEE683-05B9-47C6-A07A-BA4F6F44A0E4}" srcOrd="0" destOrd="0" presId="urn:microsoft.com/office/officeart/2005/8/layout/vProcess5"/>
+    <dgm:cxn modelId="{96067EB5-BDBC-4647-91FA-B76295C496FF}" srcId="{1EE61C8A-6AED-45D7-B498-F17DBFE512B9}" destId="{FFD9A690-6081-4453-A956-58879D227728}" srcOrd="0" destOrd="0" parTransId="{8DF116FA-E883-46B0-BDC6-79922C60CFED}" sibTransId="{9CD0A123-905A-40EC-BB98-14CBC4D3EE8A}"/>
     <dgm:cxn modelId="{8CB496B0-E8A7-4763-8686-6002C6A89BE7}" type="presParOf" srcId="{62D45F8B-A5AC-412E-9B7C-031B74A36942}" destId="{70A069EA-7A96-4D7A-9637-B96E50E0992A}" srcOrd="0" destOrd="0" presId="urn:microsoft.com/office/officeart/2005/8/layout/vProcess5"/>
     <dgm:cxn modelId="{15A5D418-5D55-4523-A963-2B1966015730}" type="presParOf" srcId="{62D45F8B-A5AC-412E-9B7C-031B74A36942}" destId="{DEDEE683-05B9-47C6-A07A-BA4F6F44A0E4}" srcOrd="1" destOrd="0" presId="urn:microsoft.com/office/officeart/2005/8/layout/vProcess5"/>
     <dgm:cxn modelId="{71DA7733-7C21-42E1-95B4-41D79094839E}" type="presParOf" srcId="{62D45F8B-A5AC-412E-9B7C-031B74A36942}" destId="{30A668FC-7FB9-43B2-BB67-BD57FD8C149C}" srcOrd="2" destOrd="0" presId="urn:microsoft.com/office/officeart/2005/8/layout/vProcess5"/>
@@ -12489,25 +12489,25 @@
     </dgm:pt>
   </dgm:ptLst>
   <dgm:cxnLst>
+    <dgm:cxn modelId="{58587574-493A-40B1-A511-0C0DB1C8E722}" srcId="{E4A1EA01-3269-4781-9AFA-26EB0BBB0518}" destId="{0A6083F4-9D9D-47C9-B794-D90226CB1B2E}" srcOrd="3" destOrd="0" parTransId="{452F94EE-A1EC-477C-941B-A42C8974B82A}" sibTransId="{1B18C0FA-A896-4FB5-96CE-2B6D4B832D7E}"/>
+    <dgm:cxn modelId="{3E77C31E-379D-449B-B31B-B25C46898FE1}" type="presOf" srcId="{269DE3FF-867E-428F-AF49-614E46BEE556}" destId="{7E95438E-2697-4E53-95AC-4B8E374510BC}" srcOrd="0" destOrd="0" presId="urn:microsoft.com/office/officeart/2005/8/layout/bProcess3"/>
+    <dgm:cxn modelId="{4D61372C-F2DE-4AAF-ACD3-2FACAF297E98}" srcId="{E4A1EA01-3269-4781-9AFA-26EB0BBB0518}" destId="{137F997F-74B5-4829-B0E8-BA0B6CA5FE12}" srcOrd="0" destOrd="0" parTransId="{29EAB39E-1880-47FD-8F31-123C78E4E4B8}" sibTransId="{91C3CCD2-4F4F-4390-BFD5-3BE8A55E6C6F}"/>
+    <dgm:cxn modelId="{0141BFB7-5F02-431B-9BE2-4FC406496BDE}" type="presOf" srcId="{0AAC58BB-BDE1-4821-96C5-E32F9AFD37DE}" destId="{1BFBB609-F7F9-4B68-BB18-4A010A698F34}" srcOrd="1" destOrd="0" presId="urn:microsoft.com/office/officeart/2005/8/layout/bProcess3"/>
+    <dgm:cxn modelId="{E61F4260-394E-4A9B-B5B8-19011853D741}" type="presOf" srcId="{0AAC58BB-BDE1-4821-96C5-E32F9AFD37DE}" destId="{7263C1B6-0F80-44D6-B28D-0E172BF64B28}" srcOrd="0" destOrd="0" presId="urn:microsoft.com/office/officeart/2005/8/layout/bProcess3"/>
+    <dgm:cxn modelId="{EDE5D325-44A4-4FED-9314-FB9F6E1647E7}" type="presOf" srcId="{CD0BAA99-6617-4756-954F-A4D5B4535362}" destId="{3AFC2D57-A830-4A01-9E6C-E34A7D324FB9}" srcOrd="0" destOrd="0" presId="urn:microsoft.com/office/officeart/2005/8/layout/bProcess3"/>
+    <dgm:cxn modelId="{0782F526-9C96-4C71-B7F1-0089C40334D7}" type="presOf" srcId="{E4A1EA01-3269-4781-9AFA-26EB0BBB0518}" destId="{B2C8B586-2C44-492D-B600-3778254D9381}" srcOrd="0" destOrd="0" presId="urn:microsoft.com/office/officeart/2005/8/layout/bProcess3"/>
+    <dgm:cxn modelId="{BFE303D4-2D7D-477A-BE53-31A54BFB7EBE}" type="presOf" srcId="{1B18C0FA-A896-4FB5-96CE-2B6D4B832D7E}" destId="{1C1ADA81-2232-4818-9E5E-5F153F3942BA}" srcOrd="0" destOrd="0" presId="urn:microsoft.com/office/officeart/2005/8/layout/bProcess3"/>
     <dgm:cxn modelId="{99A1AA4C-0909-4A1D-B813-D8629DFEA17D}" type="presOf" srcId="{3D4779A9-F6B3-4E0E-9CF1-543D8955C3E3}" destId="{661D2DF1-48FC-43BE-A76D-07CFF26D7177}" srcOrd="0" destOrd="0" presId="urn:microsoft.com/office/officeart/2005/8/layout/bProcess3"/>
-    <dgm:cxn modelId="{BFE303D4-2D7D-477A-BE53-31A54BFB7EBE}" type="presOf" srcId="{1B18C0FA-A896-4FB5-96CE-2B6D4B832D7E}" destId="{1C1ADA81-2232-4818-9E5E-5F153F3942BA}" srcOrd="0" destOrd="0" presId="urn:microsoft.com/office/officeart/2005/8/layout/bProcess3"/>
-    <dgm:cxn modelId="{74335B7E-A2AF-46ED-89B4-E4FECEEEC153}" type="presOf" srcId="{137F997F-74B5-4829-B0E8-BA0B6CA5FE12}" destId="{8F3680DE-EA3F-4EA4-85D8-D57D24A75127}" srcOrd="0" destOrd="0" presId="urn:microsoft.com/office/officeart/2005/8/layout/bProcess3"/>
+    <dgm:cxn modelId="{2E42134D-BD80-408F-9CB1-D15CFE4AE485}" type="presOf" srcId="{91C3CCD2-4F4F-4390-BFD5-3BE8A55E6C6F}" destId="{67017EDF-393F-4463-95E8-6B4B879BD146}" srcOrd="0" destOrd="0" presId="urn:microsoft.com/office/officeart/2005/8/layout/bProcess3"/>
+    <dgm:cxn modelId="{D112A7EC-ECCB-4942-B179-FCDC41917E86}" srcId="{E4A1EA01-3269-4781-9AFA-26EB0BBB0518}" destId="{015EEA3B-E4FC-4610-A54D-83A4B9874F39}" srcOrd="1" destOrd="0" parTransId="{96D918CB-3AF4-478F-B28D-56A56963F481}" sibTransId="{269DE3FF-867E-428F-AF49-614E46BEE556}"/>
+    <dgm:cxn modelId="{341C8420-9670-416A-94C8-DF556E25B970}" srcId="{E4A1EA01-3269-4781-9AFA-26EB0BBB0518}" destId="{CD0BAA99-6617-4756-954F-A4D5B4535362}" srcOrd="2" destOrd="0" parTransId="{25FC9CC6-42D4-4729-A110-D25A5B1D9C7C}" sibTransId="{0AAC58BB-BDE1-4821-96C5-E32F9AFD37DE}"/>
     <dgm:cxn modelId="{EAEC6654-54DE-4475-BB1D-B35D1C290496}" type="presOf" srcId="{1B18C0FA-A896-4FB5-96CE-2B6D4B832D7E}" destId="{8129AF7E-53ED-41FA-ACDE-3C9D3FA74BAA}" srcOrd="1" destOrd="0" presId="urn:microsoft.com/office/officeart/2005/8/layout/bProcess3"/>
     <dgm:cxn modelId="{6AC1BB08-959B-4001-B830-18090FDBDAA0}" srcId="{E4A1EA01-3269-4781-9AFA-26EB0BBB0518}" destId="{3D4779A9-F6B3-4E0E-9CF1-543D8955C3E3}" srcOrd="4" destOrd="0" parTransId="{BEDD63FD-1070-47B1-BA8D-E79E7F89C43C}" sibTransId="{8F407742-9469-4753-847A-2D7E7B667A8A}"/>
+    <dgm:cxn modelId="{0A36A58B-2E68-4230-B4E5-8A29C65D09F2}" type="presOf" srcId="{0A6083F4-9D9D-47C9-B794-D90226CB1B2E}" destId="{3B37443F-9334-4326-9569-7763E4E6BDE6}" srcOrd="0" destOrd="0" presId="urn:microsoft.com/office/officeart/2005/8/layout/bProcess3"/>
+    <dgm:cxn modelId="{21D2B2C8-5152-4DE4-8D25-869D01698875}" type="presOf" srcId="{015EEA3B-E4FC-4610-A54D-83A4B9874F39}" destId="{3A5F1568-9846-461D-8B97-7038C2F3D2D3}" srcOrd="0" destOrd="0" presId="urn:microsoft.com/office/officeart/2005/8/layout/bProcess3"/>
     <dgm:cxn modelId="{D382B76A-6BF9-427F-96B1-0141A782225B}" type="presOf" srcId="{269DE3FF-867E-428F-AF49-614E46BEE556}" destId="{1AE0F81D-A775-4D98-A517-593DF461AFAB}" srcOrd="1" destOrd="0" presId="urn:microsoft.com/office/officeart/2005/8/layout/bProcess3"/>
-    <dgm:cxn modelId="{2E42134D-BD80-408F-9CB1-D15CFE4AE485}" type="presOf" srcId="{91C3CCD2-4F4F-4390-BFD5-3BE8A55E6C6F}" destId="{67017EDF-393F-4463-95E8-6B4B879BD146}" srcOrd="0" destOrd="0" presId="urn:microsoft.com/office/officeart/2005/8/layout/bProcess3"/>
-    <dgm:cxn modelId="{E61F4260-394E-4A9B-B5B8-19011853D741}" type="presOf" srcId="{0AAC58BB-BDE1-4821-96C5-E32F9AFD37DE}" destId="{7263C1B6-0F80-44D6-B28D-0E172BF64B28}" srcOrd="0" destOrd="0" presId="urn:microsoft.com/office/officeart/2005/8/layout/bProcess3"/>
-    <dgm:cxn modelId="{58587574-493A-40B1-A511-0C0DB1C8E722}" srcId="{E4A1EA01-3269-4781-9AFA-26EB0BBB0518}" destId="{0A6083F4-9D9D-47C9-B794-D90226CB1B2E}" srcOrd="3" destOrd="0" parTransId="{452F94EE-A1EC-477C-941B-A42C8974B82A}" sibTransId="{1B18C0FA-A896-4FB5-96CE-2B6D4B832D7E}"/>
-    <dgm:cxn modelId="{0782F526-9C96-4C71-B7F1-0089C40334D7}" type="presOf" srcId="{E4A1EA01-3269-4781-9AFA-26EB0BBB0518}" destId="{B2C8B586-2C44-492D-B600-3778254D9381}" srcOrd="0" destOrd="0" presId="urn:microsoft.com/office/officeart/2005/8/layout/bProcess3"/>
-    <dgm:cxn modelId="{3E77C31E-379D-449B-B31B-B25C46898FE1}" type="presOf" srcId="{269DE3FF-867E-428F-AF49-614E46BEE556}" destId="{7E95438E-2697-4E53-95AC-4B8E374510BC}" srcOrd="0" destOrd="0" presId="urn:microsoft.com/office/officeart/2005/8/layout/bProcess3"/>
-    <dgm:cxn modelId="{21D2B2C8-5152-4DE4-8D25-869D01698875}" type="presOf" srcId="{015EEA3B-E4FC-4610-A54D-83A4B9874F39}" destId="{3A5F1568-9846-461D-8B97-7038C2F3D2D3}" srcOrd="0" destOrd="0" presId="urn:microsoft.com/office/officeart/2005/8/layout/bProcess3"/>
-    <dgm:cxn modelId="{0A36A58B-2E68-4230-B4E5-8A29C65D09F2}" type="presOf" srcId="{0A6083F4-9D9D-47C9-B794-D90226CB1B2E}" destId="{3B37443F-9334-4326-9569-7763E4E6BDE6}" srcOrd="0" destOrd="0" presId="urn:microsoft.com/office/officeart/2005/8/layout/bProcess3"/>
-    <dgm:cxn modelId="{0141BFB7-5F02-431B-9BE2-4FC406496BDE}" type="presOf" srcId="{0AAC58BB-BDE1-4821-96C5-E32F9AFD37DE}" destId="{1BFBB609-F7F9-4B68-BB18-4A010A698F34}" srcOrd="1" destOrd="0" presId="urn:microsoft.com/office/officeart/2005/8/layout/bProcess3"/>
-    <dgm:cxn modelId="{4D61372C-F2DE-4AAF-ACD3-2FACAF297E98}" srcId="{E4A1EA01-3269-4781-9AFA-26EB0BBB0518}" destId="{137F997F-74B5-4829-B0E8-BA0B6CA5FE12}" srcOrd="0" destOrd="0" parTransId="{29EAB39E-1880-47FD-8F31-123C78E4E4B8}" sibTransId="{91C3CCD2-4F4F-4390-BFD5-3BE8A55E6C6F}"/>
-    <dgm:cxn modelId="{341C8420-9670-416A-94C8-DF556E25B970}" srcId="{E4A1EA01-3269-4781-9AFA-26EB0BBB0518}" destId="{CD0BAA99-6617-4756-954F-A4D5B4535362}" srcOrd="2" destOrd="0" parTransId="{25FC9CC6-42D4-4729-A110-D25A5B1D9C7C}" sibTransId="{0AAC58BB-BDE1-4821-96C5-E32F9AFD37DE}"/>
+    <dgm:cxn modelId="{74335B7E-A2AF-46ED-89B4-E4FECEEEC153}" type="presOf" srcId="{137F997F-74B5-4829-B0E8-BA0B6CA5FE12}" destId="{8F3680DE-EA3F-4EA4-85D8-D57D24A75127}" srcOrd="0" destOrd="0" presId="urn:microsoft.com/office/officeart/2005/8/layout/bProcess3"/>
     <dgm:cxn modelId="{BCCECCB8-84D6-4BBD-AB5B-B0F386185F98}" type="presOf" srcId="{91C3CCD2-4F4F-4390-BFD5-3BE8A55E6C6F}" destId="{8883C6C9-9CEA-44E5-9B99-96F594F08417}" srcOrd="1" destOrd="0" presId="urn:microsoft.com/office/officeart/2005/8/layout/bProcess3"/>
-    <dgm:cxn modelId="{D112A7EC-ECCB-4942-B179-FCDC41917E86}" srcId="{E4A1EA01-3269-4781-9AFA-26EB0BBB0518}" destId="{015EEA3B-E4FC-4610-A54D-83A4B9874F39}" srcOrd="1" destOrd="0" parTransId="{96D918CB-3AF4-478F-B28D-56A56963F481}" sibTransId="{269DE3FF-867E-428F-AF49-614E46BEE556}"/>
-    <dgm:cxn modelId="{EDE5D325-44A4-4FED-9314-FB9F6E1647E7}" type="presOf" srcId="{CD0BAA99-6617-4756-954F-A4D5B4535362}" destId="{3AFC2D57-A830-4A01-9E6C-E34A7D324FB9}" srcOrd="0" destOrd="0" presId="urn:microsoft.com/office/officeart/2005/8/layout/bProcess3"/>
     <dgm:cxn modelId="{FC800C89-B971-4183-9556-222892A33A4F}" type="presParOf" srcId="{B2C8B586-2C44-492D-B600-3778254D9381}" destId="{8F3680DE-EA3F-4EA4-85D8-D57D24A75127}" srcOrd="0" destOrd="0" presId="urn:microsoft.com/office/officeart/2005/8/layout/bProcess3"/>
     <dgm:cxn modelId="{BB606C41-2DAA-4908-A40C-D6B0C8218D3F}" type="presParOf" srcId="{B2C8B586-2C44-492D-B600-3778254D9381}" destId="{67017EDF-393F-4463-95E8-6B4B879BD146}" srcOrd="1" destOrd="0" presId="urn:microsoft.com/office/officeart/2005/8/layout/bProcess3"/>
     <dgm:cxn modelId="{8ADA5405-5603-4E1E-96E1-F3DBEF4C205A}" type="presParOf" srcId="{67017EDF-393F-4463-95E8-6B4B879BD146}" destId="{8883C6C9-9CEA-44E5-9B99-96F594F08417}" srcOrd="0" destOrd="0" presId="urn:microsoft.com/office/officeart/2005/8/layout/bProcess3"/>
@@ -14029,6 +14029,733 @@
       <dsp:cNvGrpSpPr/>
     </dsp:nvGrpSpPr>
     <dsp:grpSpPr/>
+    <dsp:sp modelId="{67017EDF-393F-4463-95E8-6B4B879BD146}">
+      <dsp:nvSpPr>
+        <dsp:cNvPr id="0" name=""/>
+        <dsp:cNvSpPr/>
+      </dsp:nvSpPr>
+      <dsp:spPr>
+        <a:xfrm>
+          <a:off x="2529170" y="1046822"/>
+          <a:ext cx="549980" cy="91440"/>
+        </a:xfrm>
+        <a:custGeom>
+          <a:avLst/>
+          <a:gdLst/>
+          <a:ahLst/>
+          <a:cxnLst/>
+          <a:rect l="0" t="0" r="0" b="0"/>
+          <a:pathLst>
+            <a:path>
+              <a:moveTo>
+                <a:pt x="0" y="45720"/>
+              </a:moveTo>
+              <a:lnTo>
+                <a:pt x="549980" y="45720"/>
+              </a:lnTo>
+            </a:path>
+          </a:pathLst>
+        </a:custGeom>
+        <a:noFill/>
+        <a:ln w="9525" cap="rnd" cmpd="sng" algn="ctr">
+          <a:solidFill>
+            <a:schemeClr val="accent1">
+              <a:hueOff val="0"/>
+              <a:satOff val="0"/>
+              <a:lumOff val="0"/>
+              <a:alphaOff val="0"/>
+            </a:schemeClr>
+          </a:solidFill>
+          <a:prstDash val="solid"/>
+          <a:tailEnd type="arrow"/>
+        </a:ln>
+        <a:effectLst/>
+      </dsp:spPr>
+      <dsp:style>
+        <a:lnRef idx="1">
+          <a:scrgbClr r="0" g="0" b="0"/>
+        </a:lnRef>
+        <a:fillRef idx="0">
+          <a:scrgbClr r="0" g="0" b="0"/>
+        </a:fillRef>
+        <a:effectRef idx="0">
+          <a:scrgbClr r="0" g="0" b="0"/>
+        </a:effectRef>
+        <a:fontRef idx="minor"/>
+      </dsp:style>
+      <dsp:txBody>
+        <a:bodyPr spcFirstLastPara="0" vert="horz" wrap="square" lIns="12700" tIns="0" rIns="12700" bIns="0" numCol="1" spcCol="1270" anchor="ctr" anchorCtr="0">
+          <a:noAutofit/>
+        </a:bodyPr>
+        <a:lstStyle/>
+        <a:p>
+          <a:pPr lvl="0" algn="ctr" defTabSz="222250">
+            <a:lnSpc>
+              <a:spcPct val="90000"/>
+            </a:lnSpc>
+            <a:spcBef>
+              <a:spcPct val="0"/>
+            </a:spcBef>
+            <a:spcAft>
+              <a:spcPct val="35000"/>
+            </a:spcAft>
+          </a:pPr>
+          <a:endParaRPr lang="zh-CN" altLang="en-US" sz="500" kern="1200"/>
+        </a:p>
+      </dsp:txBody>
+      <dsp:txXfrm>
+        <a:off x="2789646" y="1089640"/>
+        <a:ext cx="29029" cy="5805"/>
+      </dsp:txXfrm>
+    </dsp:sp>
+    <dsp:sp modelId="{8F3680DE-EA3F-4EA4-85D8-D57D24A75127}">
+      <dsp:nvSpPr>
+        <dsp:cNvPr id="0" name=""/>
+        <dsp:cNvSpPr/>
+      </dsp:nvSpPr>
+      <dsp:spPr>
+        <a:xfrm>
+          <a:off x="6705" y="335263"/>
+          <a:ext cx="2524265" cy="1514559"/>
+        </a:xfrm>
+        <a:prstGeom prst="rect">
+          <a:avLst/>
+        </a:prstGeom>
+        <a:solidFill>
+          <a:schemeClr val="accent1">
+            <a:hueOff val="0"/>
+            <a:satOff val="0"/>
+            <a:lumOff val="0"/>
+            <a:alphaOff val="0"/>
+          </a:schemeClr>
+        </a:solidFill>
+        <a:ln w="15875" cap="rnd" cmpd="sng" algn="ctr">
+          <a:solidFill>
+            <a:schemeClr val="lt1">
+              <a:hueOff val="0"/>
+              <a:satOff val="0"/>
+              <a:lumOff val="0"/>
+              <a:alphaOff val="0"/>
+            </a:schemeClr>
+          </a:solidFill>
+          <a:prstDash val="solid"/>
+        </a:ln>
+        <a:effectLst/>
+      </dsp:spPr>
+      <dsp:style>
+        <a:lnRef idx="2">
+          <a:scrgbClr r="0" g="0" b="0"/>
+        </a:lnRef>
+        <a:fillRef idx="1">
+          <a:scrgbClr r="0" g="0" b="0"/>
+        </a:fillRef>
+        <a:effectRef idx="0">
+          <a:scrgbClr r="0" g="0" b="0"/>
+        </a:effectRef>
+        <a:fontRef idx="minor">
+          <a:schemeClr val="lt1"/>
+        </a:fontRef>
+      </dsp:style>
+      <dsp:txBody>
+        <a:bodyPr spcFirstLastPara="0" vert="horz" wrap="square" lIns="220472" tIns="220472" rIns="220472" bIns="220472" numCol="1" spcCol="1270" anchor="ctr" anchorCtr="0">
+          <a:noAutofit/>
+        </a:bodyPr>
+        <a:lstStyle/>
+        <a:p>
+          <a:pPr lvl="0" algn="ctr" defTabSz="1377950">
+            <a:lnSpc>
+              <a:spcPct val="90000"/>
+            </a:lnSpc>
+            <a:spcBef>
+              <a:spcPct val="0"/>
+            </a:spcBef>
+            <a:spcAft>
+              <a:spcPct val="35000"/>
+            </a:spcAft>
+          </a:pPr>
+          <a:r>
+            <a:rPr lang="en-US" altLang="zh-CN" sz="3100" kern="1200" dirty="0" smtClean="0"/>
+            <a:t>WAV</a:t>
+          </a:r>
+          <a:r>
+            <a:rPr lang="zh-CN" altLang="en-US" sz="3100" kern="1200" dirty="0" smtClean="0"/>
+            <a:t>格式录音保存</a:t>
+          </a:r>
+          <a:endParaRPr lang="zh-CN" altLang="en-US" sz="3100" kern="1200" dirty="0"/>
+        </a:p>
+      </dsp:txBody>
+      <dsp:txXfrm>
+        <a:off x="6705" y="335263"/>
+        <a:ext cx="2524265" cy="1514559"/>
+      </dsp:txXfrm>
+    </dsp:sp>
+    <dsp:sp modelId="{7E95438E-2697-4E53-95AC-4B8E374510BC}">
+      <dsp:nvSpPr>
+        <dsp:cNvPr id="0" name=""/>
+        <dsp:cNvSpPr/>
+      </dsp:nvSpPr>
+      <dsp:spPr>
+        <a:xfrm>
+          <a:off x="5634017" y="1046822"/>
+          <a:ext cx="549980" cy="91440"/>
+        </a:xfrm>
+        <a:custGeom>
+          <a:avLst/>
+          <a:gdLst/>
+          <a:ahLst/>
+          <a:cxnLst/>
+          <a:rect l="0" t="0" r="0" b="0"/>
+          <a:pathLst>
+            <a:path>
+              <a:moveTo>
+                <a:pt x="0" y="45720"/>
+              </a:moveTo>
+              <a:lnTo>
+                <a:pt x="549980" y="45720"/>
+              </a:lnTo>
+            </a:path>
+          </a:pathLst>
+        </a:custGeom>
+        <a:noFill/>
+        <a:ln w="9525" cap="rnd" cmpd="sng" algn="ctr">
+          <a:solidFill>
+            <a:schemeClr val="accent1">
+              <a:hueOff val="0"/>
+              <a:satOff val="0"/>
+              <a:lumOff val="0"/>
+              <a:alphaOff val="0"/>
+            </a:schemeClr>
+          </a:solidFill>
+          <a:prstDash val="solid"/>
+          <a:tailEnd type="arrow"/>
+        </a:ln>
+        <a:effectLst/>
+      </dsp:spPr>
+      <dsp:style>
+        <a:lnRef idx="1">
+          <a:scrgbClr r="0" g="0" b="0"/>
+        </a:lnRef>
+        <a:fillRef idx="0">
+          <a:scrgbClr r="0" g="0" b="0"/>
+        </a:fillRef>
+        <a:effectRef idx="0">
+          <a:scrgbClr r="0" g="0" b="0"/>
+        </a:effectRef>
+        <a:fontRef idx="minor"/>
+      </dsp:style>
+      <dsp:txBody>
+        <a:bodyPr spcFirstLastPara="0" vert="horz" wrap="square" lIns="12700" tIns="0" rIns="12700" bIns="0" numCol="1" spcCol="1270" anchor="ctr" anchorCtr="0">
+          <a:noAutofit/>
+        </a:bodyPr>
+        <a:lstStyle/>
+        <a:p>
+          <a:pPr lvl="0" algn="ctr" defTabSz="222250">
+            <a:lnSpc>
+              <a:spcPct val="90000"/>
+            </a:lnSpc>
+            <a:spcBef>
+              <a:spcPct val="0"/>
+            </a:spcBef>
+            <a:spcAft>
+              <a:spcPct val="35000"/>
+            </a:spcAft>
+          </a:pPr>
+          <a:endParaRPr lang="zh-CN" altLang="en-US" sz="500" kern="1200"/>
+        </a:p>
+      </dsp:txBody>
+      <dsp:txXfrm>
+        <a:off x="5894493" y="1089640"/>
+        <a:ext cx="29029" cy="5805"/>
+      </dsp:txXfrm>
+    </dsp:sp>
+    <dsp:sp modelId="{3A5F1568-9846-461D-8B97-7038C2F3D2D3}">
+      <dsp:nvSpPr>
+        <dsp:cNvPr id="0" name=""/>
+        <dsp:cNvSpPr/>
+      </dsp:nvSpPr>
+      <dsp:spPr>
+        <a:xfrm>
+          <a:off x="3111551" y="335263"/>
+          <a:ext cx="2524265" cy="1514559"/>
+        </a:xfrm>
+        <a:prstGeom prst="rect">
+          <a:avLst/>
+        </a:prstGeom>
+        <a:solidFill>
+          <a:schemeClr val="accent1">
+            <a:hueOff val="0"/>
+            <a:satOff val="0"/>
+            <a:lumOff val="0"/>
+            <a:alphaOff val="0"/>
+          </a:schemeClr>
+        </a:solidFill>
+        <a:ln w="15875" cap="rnd" cmpd="sng" algn="ctr">
+          <a:solidFill>
+            <a:schemeClr val="lt1">
+              <a:hueOff val="0"/>
+              <a:satOff val="0"/>
+              <a:lumOff val="0"/>
+              <a:alphaOff val="0"/>
+            </a:schemeClr>
+          </a:solidFill>
+          <a:prstDash val="solid"/>
+        </a:ln>
+        <a:effectLst/>
+      </dsp:spPr>
+      <dsp:style>
+        <a:lnRef idx="2">
+          <a:scrgbClr r="0" g="0" b="0"/>
+        </a:lnRef>
+        <a:fillRef idx="1">
+          <a:scrgbClr r="0" g="0" b="0"/>
+        </a:fillRef>
+        <a:effectRef idx="0">
+          <a:scrgbClr r="0" g="0" b="0"/>
+        </a:effectRef>
+        <a:fontRef idx="minor">
+          <a:schemeClr val="lt1"/>
+        </a:fontRef>
+      </dsp:style>
+      <dsp:txBody>
+        <a:bodyPr spcFirstLastPara="0" vert="horz" wrap="square" lIns="220472" tIns="220472" rIns="220472" bIns="220472" numCol="1" spcCol="1270" anchor="ctr" anchorCtr="0">
+          <a:noAutofit/>
+        </a:bodyPr>
+        <a:lstStyle/>
+        <a:p>
+          <a:pPr lvl="0" algn="ctr" defTabSz="1377950">
+            <a:lnSpc>
+              <a:spcPct val="90000"/>
+            </a:lnSpc>
+            <a:spcBef>
+              <a:spcPct val="0"/>
+            </a:spcBef>
+            <a:spcAft>
+              <a:spcPct val="35000"/>
+            </a:spcAft>
+          </a:pPr>
+          <a:r>
+            <a:rPr lang="en-US" altLang="zh-CN" sz="3100" kern="1200" smtClean="0"/>
+            <a:t>MFCC</a:t>
+          </a:r>
+          <a:r>
+            <a:rPr lang="zh-CN" altLang="en-US" sz="3100" kern="1200" dirty="0" smtClean="0"/>
+            <a:t>特征提取</a:t>
+          </a:r>
+          <a:endParaRPr lang="zh-CN" altLang="en-US" sz="3100" kern="1200" dirty="0"/>
+        </a:p>
+      </dsp:txBody>
+      <dsp:txXfrm>
+        <a:off x="3111551" y="335263"/>
+        <a:ext cx="2524265" cy="1514559"/>
+      </dsp:txXfrm>
+    </dsp:sp>
+    <dsp:sp modelId="{7263C1B6-0F80-44D6-B28D-0E172BF64B28}">
+      <dsp:nvSpPr>
+        <dsp:cNvPr id="0" name=""/>
+        <dsp:cNvSpPr/>
+      </dsp:nvSpPr>
+      <dsp:spPr>
+        <a:xfrm>
+          <a:off x="1268838" y="1848022"/>
+          <a:ext cx="6209692" cy="549980"/>
+        </a:xfrm>
+        <a:custGeom>
+          <a:avLst/>
+          <a:gdLst/>
+          <a:ahLst/>
+          <a:cxnLst/>
+          <a:rect l="0" t="0" r="0" b="0"/>
+          <a:pathLst>
+            <a:path>
+              <a:moveTo>
+                <a:pt x="6209692" y="0"/>
+              </a:moveTo>
+              <a:lnTo>
+                <a:pt x="6209692" y="292090"/>
+              </a:lnTo>
+              <a:lnTo>
+                <a:pt x="0" y="292090"/>
+              </a:lnTo>
+              <a:lnTo>
+                <a:pt x="0" y="549980"/>
+              </a:lnTo>
+            </a:path>
+          </a:pathLst>
+        </a:custGeom>
+        <a:noFill/>
+        <a:ln w="9525" cap="rnd" cmpd="sng" algn="ctr">
+          <a:solidFill>
+            <a:schemeClr val="accent1">
+              <a:hueOff val="0"/>
+              <a:satOff val="0"/>
+              <a:lumOff val="0"/>
+              <a:alphaOff val="0"/>
+            </a:schemeClr>
+          </a:solidFill>
+          <a:prstDash val="solid"/>
+          <a:tailEnd type="arrow"/>
+        </a:ln>
+        <a:effectLst/>
+      </dsp:spPr>
+      <dsp:style>
+        <a:lnRef idx="1">
+          <a:scrgbClr r="0" g="0" b="0"/>
+        </a:lnRef>
+        <a:fillRef idx="0">
+          <a:scrgbClr r="0" g="0" b="0"/>
+        </a:fillRef>
+        <a:effectRef idx="0">
+          <a:scrgbClr r="0" g="0" b="0"/>
+        </a:effectRef>
+        <a:fontRef idx="minor"/>
+      </dsp:style>
+      <dsp:txBody>
+        <a:bodyPr spcFirstLastPara="0" vert="horz" wrap="square" lIns="12700" tIns="0" rIns="12700" bIns="0" numCol="1" spcCol="1270" anchor="ctr" anchorCtr="0">
+          <a:noAutofit/>
+        </a:bodyPr>
+        <a:lstStyle/>
+        <a:p>
+          <a:pPr lvl="0" algn="ctr" defTabSz="222250">
+            <a:lnSpc>
+              <a:spcPct val="90000"/>
+            </a:lnSpc>
+            <a:spcBef>
+              <a:spcPct val="0"/>
+            </a:spcBef>
+            <a:spcAft>
+              <a:spcPct val="35000"/>
+            </a:spcAft>
+          </a:pPr>
+          <a:endParaRPr lang="zh-CN" altLang="en-US" sz="500" kern="1200"/>
+        </a:p>
+      </dsp:txBody>
+      <dsp:txXfrm>
+        <a:off x="4217765" y="2120110"/>
+        <a:ext cx="311838" cy="5805"/>
+      </dsp:txXfrm>
+    </dsp:sp>
+    <dsp:sp modelId="{3AFC2D57-A830-4A01-9E6C-E34A7D324FB9}">
+      <dsp:nvSpPr>
+        <dsp:cNvPr id="0" name=""/>
+        <dsp:cNvSpPr/>
+      </dsp:nvSpPr>
+      <dsp:spPr>
+        <a:xfrm>
+          <a:off x="6216398" y="335263"/>
+          <a:ext cx="2524265" cy="1514559"/>
+        </a:xfrm>
+        <a:prstGeom prst="rect">
+          <a:avLst/>
+        </a:prstGeom>
+        <a:solidFill>
+          <a:schemeClr val="accent1">
+            <a:hueOff val="0"/>
+            <a:satOff val="0"/>
+            <a:lumOff val="0"/>
+            <a:alphaOff val="0"/>
+          </a:schemeClr>
+        </a:solidFill>
+        <a:ln w="15875" cap="rnd" cmpd="sng" algn="ctr">
+          <a:solidFill>
+            <a:schemeClr val="lt1">
+              <a:hueOff val="0"/>
+              <a:satOff val="0"/>
+              <a:lumOff val="0"/>
+              <a:alphaOff val="0"/>
+            </a:schemeClr>
+          </a:solidFill>
+          <a:prstDash val="solid"/>
+        </a:ln>
+        <a:effectLst/>
+      </dsp:spPr>
+      <dsp:style>
+        <a:lnRef idx="2">
+          <a:scrgbClr r="0" g="0" b="0"/>
+        </a:lnRef>
+        <a:fillRef idx="1">
+          <a:scrgbClr r="0" g="0" b="0"/>
+        </a:fillRef>
+        <a:effectRef idx="0">
+          <a:scrgbClr r="0" g="0" b="0"/>
+        </a:effectRef>
+        <a:fontRef idx="minor">
+          <a:schemeClr val="lt1"/>
+        </a:fontRef>
+      </dsp:style>
+      <dsp:txBody>
+        <a:bodyPr spcFirstLastPara="0" vert="horz" wrap="square" lIns="220472" tIns="220472" rIns="220472" bIns="220472" numCol="1" spcCol="1270" anchor="ctr" anchorCtr="0">
+          <a:noAutofit/>
+        </a:bodyPr>
+        <a:lstStyle/>
+        <a:p>
+          <a:pPr lvl="0" algn="ctr" defTabSz="1377950">
+            <a:lnSpc>
+              <a:spcPct val="90000"/>
+            </a:lnSpc>
+            <a:spcBef>
+              <a:spcPct val="0"/>
+            </a:spcBef>
+            <a:spcAft>
+              <a:spcPct val="35000"/>
+            </a:spcAft>
+          </a:pPr>
+          <a:r>
+            <a:rPr lang="en-US" altLang="zh-CN" sz="3100" kern="1200" dirty="0" err="1" smtClean="0"/>
+            <a:t>Hinit</a:t>
+          </a:r>
+          <a:r>
+            <a:rPr lang="zh-CN" altLang="en-US" sz="3100" kern="1200" dirty="0" smtClean="0"/>
+            <a:t>初始化得到模型</a:t>
+          </a:r>
+          <a:endParaRPr lang="zh-CN" altLang="en-US" sz="3100" kern="1200" dirty="0"/>
+        </a:p>
+      </dsp:txBody>
+      <dsp:txXfrm>
+        <a:off x="6216398" y="335263"/>
+        <a:ext cx="2524265" cy="1514559"/>
+      </dsp:txXfrm>
+    </dsp:sp>
+    <dsp:sp modelId="{1C1ADA81-2232-4818-9E5E-5F153F3942BA}">
+      <dsp:nvSpPr>
+        <dsp:cNvPr id="0" name=""/>
+        <dsp:cNvSpPr/>
+      </dsp:nvSpPr>
+      <dsp:spPr>
+        <a:xfrm>
+          <a:off x="2529170" y="3141963"/>
+          <a:ext cx="549980" cy="91440"/>
+        </a:xfrm>
+        <a:custGeom>
+          <a:avLst/>
+          <a:gdLst/>
+          <a:ahLst/>
+          <a:cxnLst/>
+          <a:rect l="0" t="0" r="0" b="0"/>
+          <a:pathLst>
+            <a:path>
+              <a:moveTo>
+                <a:pt x="0" y="45720"/>
+              </a:moveTo>
+              <a:lnTo>
+                <a:pt x="549980" y="45720"/>
+              </a:lnTo>
+            </a:path>
+          </a:pathLst>
+        </a:custGeom>
+        <a:noFill/>
+        <a:ln w="9525" cap="rnd" cmpd="sng" algn="ctr">
+          <a:solidFill>
+            <a:schemeClr val="accent1">
+              <a:hueOff val="0"/>
+              <a:satOff val="0"/>
+              <a:lumOff val="0"/>
+              <a:alphaOff val="0"/>
+            </a:schemeClr>
+          </a:solidFill>
+          <a:prstDash val="solid"/>
+          <a:tailEnd type="arrow"/>
+        </a:ln>
+        <a:effectLst/>
+      </dsp:spPr>
+      <dsp:style>
+        <a:lnRef idx="1">
+          <a:scrgbClr r="0" g="0" b="0"/>
+        </a:lnRef>
+        <a:fillRef idx="0">
+          <a:scrgbClr r="0" g="0" b="0"/>
+        </a:fillRef>
+        <a:effectRef idx="0">
+          <a:scrgbClr r="0" g="0" b="0"/>
+        </a:effectRef>
+        <a:fontRef idx="minor"/>
+      </dsp:style>
+      <dsp:txBody>
+        <a:bodyPr spcFirstLastPara="0" vert="horz" wrap="square" lIns="12700" tIns="0" rIns="12700" bIns="0" numCol="1" spcCol="1270" anchor="ctr" anchorCtr="0">
+          <a:noAutofit/>
+        </a:bodyPr>
+        <a:lstStyle/>
+        <a:p>
+          <a:pPr lvl="0" algn="ctr" defTabSz="222250">
+            <a:lnSpc>
+              <a:spcPct val="90000"/>
+            </a:lnSpc>
+            <a:spcBef>
+              <a:spcPct val="0"/>
+            </a:spcBef>
+            <a:spcAft>
+              <a:spcPct val="35000"/>
+            </a:spcAft>
+          </a:pPr>
+          <a:endParaRPr lang="zh-CN" altLang="en-US" sz="500" kern="1200"/>
+        </a:p>
+      </dsp:txBody>
+      <dsp:txXfrm>
+        <a:off x="2789646" y="3184780"/>
+        <a:ext cx="29029" cy="5805"/>
+      </dsp:txXfrm>
+    </dsp:sp>
+    <dsp:sp modelId="{3B37443F-9334-4326-9569-7763E4E6BDE6}">
+      <dsp:nvSpPr>
+        <dsp:cNvPr id="0" name=""/>
+        <dsp:cNvSpPr/>
+      </dsp:nvSpPr>
+      <dsp:spPr>
+        <a:xfrm>
+          <a:off x="6705" y="2430403"/>
+          <a:ext cx="2524265" cy="1514559"/>
+        </a:xfrm>
+        <a:prstGeom prst="rect">
+          <a:avLst/>
+        </a:prstGeom>
+        <a:solidFill>
+          <a:schemeClr val="accent1">
+            <a:hueOff val="0"/>
+            <a:satOff val="0"/>
+            <a:lumOff val="0"/>
+            <a:alphaOff val="0"/>
+          </a:schemeClr>
+        </a:solidFill>
+        <a:ln w="15875" cap="rnd" cmpd="sng" algn="ctr">
+          <a:solidFill>
+            <a:schemeClr val="lt1">
+              <a:hueOff val="0"/>
+              <a:satOff val="0"/>
+              <a:lumOff val="0"/>
+              <a:alphaOff val="0"/>
+            </a:schemeClr>
+          </a:solidFill>
+          <a:prstDash val="solid"/>
+        </a:ln>
+        <a:effectLst/>
+      </dsp:spPr>
+      <dsp:style>
+        <a:lnRef idx="2">
+          <a:scrgbClr r="0" g="0" b="0"/>
+        </a:lnRef>
+        <a:fillRef idx="1">
+          <a:scrgbClr r="0" g="0" b="0"/>
+        </a:fillRef>
+        <a:effectRef idx="0">
+          <a:scrgbClr r="0" g="0" b="0"/>
+        </a:effectRef>
+        <a:fontRef idx="minor">
+          <a:schemeClr val="lt1"/>
+        </a:fontRef>
+      </dsp:style>
+      <dsp:txBody>
+        <a:bodyPr spcFirstLastPara="0" vert="horz" wrap="square" lIns="220472" tIns="220472" rIns="220472" bIns="220472" numCol="1" spcCol="1270" anchor="ctr" anchorCtr="0">
+          <a:noAutofit/>
+        </a:bodyPr>
+        <a:lstStyle/>
+        <a:p>
+          <a:pPr lvl="0" algn="ctr" defTabSz="1377950">
+            <a:lnSpc>
+              <a:spcPct val="90000"/>
+            </a:lnSpc>
+            <a:spcBef>
+              <a:spcPct val="0"/>
+            </a:spcBef>
+            <a:spcAft>
+              <a:spcPct val="35000"/>
+            </a:spcAft>
+          </a:pPr>
+          <a:r>
+            <a:rPr lang="en-US" altLang="zh-CN" sz="3100" kern="1200" dirty="0" err="1" smtClean="0"/>
+            <a:t>Hrest</a:t>
+          </a:r>
+          <a:r>
+            <a:rPr lang="zh-CN" altLang="en-US" sz="3100" kern="1200" dirty="0" smtClean="0"/>
+            <a:t>迭代模型</a:t>
+          </a:r>
+          <a:endParaRPr lang="zh-CN" altLang="en-US" sz="3100" kern="1200" dirty="0"/>
+        </a:p>
+      </dsp:txBody>
+      <dsp:txXfrm>
+        <a:off x="6705" y="2430403"/>
+        <a:ext cx="2524265" cy="1514559"/>
+      </dsp:txXfrm>
+    </dsp:sp>
+    <dsp:sp modelId="{661D2DF1-48FC-43BE-A76D-07CFF26D7177}">
+      <dsp:nvSpPr>
+        <dsp:cNvPr id="0" name=""/>
+        <dsp:cNvSpPr/>
+      </dsp:nvSpPr>
+      <dsp:spPr>
+        <a:xfrm>
+          <a:off x="3111551" y="2430403"/>
+          <a:ext cx="2524265" cy="1514559"/>
+        </a:xfrm>
+        <a:prstGeom prst="rect">
+          <a:avLst/>
+        </a:prstGeom>
+        <a:solidFill>
+          <a:schemeClr val="accent1">
+            <a:hueOff val="0"/>
+            <a:satOff val="0"/>
+            <a:lumOff val="0"/>
+            <a:alphaOff val="0"/>
+          </a:schemeClr>
+        </a:solidFill>
+        <a:ln w="15875" cap="rnd" cmpd="sng" algn="ctr">
+          <a:solidFill>
+            <a:schemeClr val="lt1">
+              <a:hueOff val="0"/>
+              <a:satOff val="0"/>
+              <a:lumOff val="0"/>
+              <a:alphaOff val="0"/>
+            </a:schemeClr>
+          </a:solidFill>
+          <a:prstDash val="solid"/>
+        </a:ln>
+        <a:effectLst/>
+      </dsp:spPr>
+      <dsp:style>
+        <a:lnRef idx="2">
+          <a:scrgbClr r="0" g="0" b="0"/>
+        </a:lnRef>
+        <a:fillRef idx="1">
+          <a:scrgbClr r="0" g="0" b="0"/>
+        </a:fillRef>
+        <a:effectRef idx="0">
+          <a:scrgbClr r="0" g="0" b="0"/>
+        </a:effectRef>
+        <a:fontRef idx="minor">
+          <a:schemeClr val="lt1"/>
+        </a:fontRef>
+      </dsp:style>
+      <dsp:txBody>
+        <a:bodyPr spcFirstLastPara="0" vert="horz" wrap="square" lIns="220472" tIns="220472" rIns="220472" bIns="220472" numCol="1" spcCol="1270" anchor="ctr" anchorCtr="0">
+          <a:noAutofit/>
+        </a:bodyPr>
+        <a:lstStyle/>
+        <a:p>
+          <a:pPr lvl="0" algn="ctr" defTabSz="1377950">
+            <a:lnSpc>
+              <a:spcPct val="90000"/>
+            </a:lnSpc>
+            <a:spcBef>
+              <a:spcPct val="0"/>
+            </a:spcBef>
+            <a:spcAft>
+              <a:spcPct val="35000"/>
+            </a:spcAft>
+          </a:pPr>
+          <a:r>
+            <a:rPr lang="en-US" altLang="zh-CN" sz="3100" kern="1200" dirty="0" smtClean="0"/>
+            <a:t>Hrest2</a:t>
+          </a:r>
+          <a:r>
+            <a:rPr lang="zh-CN" altLang="en-US" sz="3100" kern="1200" dirty="0" smtClean="0"/>
+            <a:t>再次迭代模型</a:t>
+          </a:r>
+          <a:endParaRPr lang="zh-CN" altLang="en-US" sz="3100" kern="1200" dirty="0"/>
+        </a:p>
+      </dsp:txBody>
+      <dsp:txXfrm>
+        <a:off x="3111551" y="2430403"/>
+        <a:ext cx="2524265" cy="1514559"/>
+      </dsp:txXfrm>
+    </dsp:sp>
   </dsp:spTree>
 </dsp:drawing>
 </file>
@@ -39850,7 +40577,7 @@
           <a:graphicData uri="http://schemas.openxmlformats.org/presentationml/2006/ole">
             <mc:AlternateContent xmlns:mc="http://schemas.openxmlformats.org/markup-compatibility/2006">
               <mc:Choice xmlns:v="urn:schemas-microsoft-com:vml" Requires="v">
-                <p:oleObj spid="_x0000_s4217" name="演示文稿" r:id="rId4" imgW="4433197" imgH="2494894" progId="PowerPoint.Show.12">
+                <p:oleObj spid="_x0000_s4224" name="演示文稿" r:id="rId4" imgW="4433197" imgH="2494894" progId="PowerPoint.Show.12">
                   <p:embed/>
                 </p:oleObj>
               </mc:Choice>
@@ -39909,7 +40636,7 @@
           <a:graphicData uri="http://schemas.openxmlformats.org/presentationml/2006/ole">
             <mc:AlternateContent xmlns:mc="http://schemas.openxmlformats.org/markup-compatibility/2006">
               <mc:Choice xmlns:v="urn:schemas-microsoft-com:vml" Requires="v">
-                <p:oleObj spid="_x0000_s4218" name="演示文稿" r:id="rId7" imgW="4096640" imgH="2304114" progId="PowerPoint.Show.12">
+                <p:oleObj spid="_x0000_s4225" name="演示文稿" r:id="rId7" imgW="4096640" imgH="2304114" progId="PowerPoint.Show.12">
                   <p:embed/>
                 </p:oleObj>
               </mc:Choice>
@@ -39968,7 +40695,7 @@
           <a:graphicData uri="http://schemas.openxmlformats.org/presentationml/2006/ole">
             <mc:AlternateContent xmlns:mc="http://schemas.openxmlformats.org/markup-compatibility/2006">
               <mc:Choice xmlns:v="urn:schemas-microsoft-com:vml" Requires="v">
-                <p:oleObj spid="_x0000_s4219" name="演示文稿" r:id="rId10" imgW="3805437" imgH="2139612" progId="PowerPoint.Show.12">
+                <p:oleObj spid="_x0000_s4226" name="演示文稿" r:id="rId10" imgW="3805437" imgH="2139612" progId="PowerPoint.Show.12">
                   <p:embed/>
                 </p:oleObj>
               </mc:Choice>
@@ -40027,7 +40754,7 @@
           <a:graphicData uri="http://schemas.openxmlformats.org/presentationml/2006/ole">
             <mc:AlternateContent xmlns:mc="http://schemas.openxmlformats.org/markup-compatibility/2006">
               <mc:Choice xmlns:v="urn:schemas-microsoft-com:vml" Requires="v">
-                <p:oleObj spid="_x0000_s4220" name="演示文稿" r:id="rId13" imgW="3471759" imgH="1950632" progId="PowerPoint.Show.12">
+                <p:oleObj spid="_x0000_s4227" name="演示文稿" r:id="rId13" imgW="3471759" imgH="1950632" progId="PowerPoint.Show.12">
                   <p:embed/>
                 </p:oleObj>
               </mc:Choice>
@@ -40086,7 +40813,7 @@
           <a:graphicData uri="http://schemas.openxmlformats.org/presentationml/2006/ole">
             <mc:AlternateContent xmlns:mc="http://schemas.openxmlformats.org/markup-compatibility/2006">
               <mc:Choice xmlns:v="urn:schemas-microsoft-com:vml" Requires="v">
-                <p:oleObj spid="_x0000_s4221" name="演示文稿" r:id="rId16" imgW="3200354" imgH="1799808" progId="PowerPoint.Show.12">
+                <p:oleObj spid="_x0000_s4228" name="演示文稿" r:id="rId16" imgW="3200354" imgH="1799808" progId="PowerPoint.Show.12">
                   <p:embed/>
                 </p:oleObj>
               </mc:Choice>
@@ -40145,7 +40872,7 @@
           <a:graphicData uri="http://schemas.openxmlformats.org/presentationml/2006/ole">
             <mc:AlternateContent xmlns:mc="http://schemas.openxmlformats.org/markup-compatibility/2006">
               <mc:Choice xmlns:v="urn:schemas-microsoft-com:vml" Requires="v">
-                <p:oleObj spid="_x0000_s4222" name="演示文稿" r:id="rId19" imgW="2235676" imgH="1257346" progId="PowerPoint.Show.12">
+                <p:oleObj spid="_x0000_s4229" name="演示文稿" r:id="rId19" imgW="2235676" imgH="1257346" progId="PowerPoint.Show.12">
                   <p:embed/>
                 </p:oleObj>
               </mc:Choice>
@@ -40204,7 +40931,7 @@
           <a:graphicData uri="http://schemas.openxmlformats.org/presentationml/2006/ole">
             <mc:AlternateContent xmlns:mc="http://schemas.openxmlformats.org/markup-compatibility/2006">
               <mc:Choice xmlns:v="urn:schemas-microsoft-com:vml" Requires="v">
-                <p:oleObj spid="_x0000_s4223" name="演示文稿" r:id="rId22" imgW="1447736" imgH="812433" progId="PowerPoint.Show.12">
+                <p:oleObj spid="_x0000_s4230" name="演示文稿" r:id="rId22" imgW="1447736" imgH="812433" progId="PowerPoint.Show.12">
                   <p:embed/>
                 </p:oleObj>
               </mc:Choice>
@@ -41620,8 +42347,40 @@
           <a:p>
             <a:pPr lvl="1"/>
             <a:r>
+              <a:rPr lang="zh-CN" altLang="en-US" sz="4000" dirty="0" smtClean="0"/>
+              <a:t>不同</a:t>
+            </a:r>
+            <a:r>
+              <a:rPr lang="en-US" altLang="zh-CN" sz="4000" dirty="0" smtClean="0"/>
+              <a:t>Android</a:t>
+            </a:r>
+            <a:r>
+              <a:rPr lang="zh-CN" altLang="en-US" sz="4000" dirty="0" smtClean="0"/>
+              <a:t>系统</a:t>
+            </a:r>
+            <a:r>
+              <a:rPr lang="en-US" altLang="zh-CN" sz="4000" dirty="0" smtClean="0"/>
+              <a:t>(MIUI,EMUI,CM)</a:t>
+            </a:r>
+            <a:r>
+              <a:rPr lang="zh-CN" altLang="en-US" sz="4000" smtClean="0"/>
+              <a:t>手机表现</a:t>
+            </a:r>
+            <a:r>
+              <a:rPr lang="zh-CN" altLang="en-US" sz="4000" dirty="0" smtClean="0"/>
+              <a:t>差距较大</a:t>
+            </a:r>
+            <a:endParaRPr lang="en-US" altLang="zh-CN" sz="4000" dirty="0" smtClean="0"/>
+          </a:p>
+          <a:p>
+            <a:pPr lvl="1"/>
+            <a:r>
+              <a:rPr lang="zh-CN" altLang="en-US" sz="4000" dirty="0" smtClean="0"/>
+              <a:t>错误</a:t>
+            </a:r>
+            <a:r>
               <a:rPr lang="zh-CN" altLang="en-US" sz="4000" dirty="0"/>
-              <a:t>错误的接受率和错误的拒绝率可以进一步降低</a:t>
+              <a:t>的接受率和错误的拒绝率可以进一步降低</a:t>
             </a:r>
             <a:endParaRPr lang="en-US" altLang="zh-CN" sz="4000" dirty="0"/>
           </a:p>
@@ -41957,7 +42716,7 @@
           <a:graphicData uri="http://schemas.openxmlformats.org/presentationml/2006/ole">
             <mc:AlternateContent xmlns:mc="http://schemas.openxmlformats.org/markup-compatibility/2006">
               <mc:Choice xmlns:v="urn:schemas-microsoft-com:vml" Requires="v">
-                <p:oleObj spid="_x0000_s1054" name="Visio" r:id="rId5" imgW="6962856" imgH="3781541" progId="Visio.Drawing.15">
+                <p:oleObj spid="_x0000_s1055" name="Visio" r:id="rId5" imgW="6962856" imgH="3781541" progId="Visio.Drawing.15">
                   <p:embed/>
                 </p:oleObj>
               </mc:Choice>
